--- a/slides/sep2017/17-assoccont.pptx
+++ b/slides/sep2017/17-assoccont.pptx
@@ -55,18 +55,28 @@
     <p:sldId id="300" r:id="rId49"/>
     <p:sldId id="301" r:id="rId50"/>
     <p:sldId id="302" r:id="rId51"/>
-    <p:sldId id="303" r:id="rId52"/>
-    <p:sldId id="304" r:id="rId53"/>
-    <p:sldId id="311" r:id="rId54"/>
-    <p:sldId id="313" r:id="rId55"/>
-    <p:sldId id="318" r:id="rId56"/>
-    <p:sldId id="305" r:id="rId57"/>
-    <p:sldId id="306" r:id="rId58"/>
-    <p:sldId id="307" r:id="rId59"/>
-    <p:sldId id="308" r:id="rId60"/>
-    <p:sldId id="309" r:id="rId61"/>
-    <p:sldId id="310" r:id="rId62"/>
-    <p:sldId id="258" r:id="rId63"/>
+    <p:sldId id="319" r:id="rId52"/>
+    <p:sldId id="303" r:id="rId53"/>
+    <p:sldId id="318" r:id="rId54"/>
+    <p:sldId id="304" r:id="rId55"/>
+    <p:sldId id="311" r:id="rId56"/>
+    <p:sldId id="313" r:id="rId57"/>
+    <p:sldId id="320" r:id="rId58"/>
+    <p:sldId id="323" r:id="rId59"/>
+    <p:sldId id="321" r:id="rId60"/>
+    <p:sldId id="322" r:id="rId61"/>
+    <p:sldId id="324" r:id="rId62"/>
+    <p:sldId id="325" r:id="rId63"/>
+    <p:sldId id="328" r:id="rId64"/>
+    <p:sldId id="329" r:id="rId65"/>
+    <p:sldId id="305" r:id="rId66"/>
+    <p:sldId id="306" r:id="rId67"/>
+    <p:sldId id="307" r:id="rId68"/>
+    <p:sldId id="308" r:id="rId69"/>
+    <p:sldId id="309" r:id="rId70"/>
+    <p:sldId id="326" r:id="rId71"/>
+    <p:sldId id="327" r:id="rId72"/>
+    <p:sldId id="258" r:id="rId73"/>
   </p:sldIdLst>
   <p:sldSz cx="12192000" cy="6858000"/>
   <p:notesSz cx="6858000" cy="9144000"/>
@@ -370,7 +380,7 @@
             <a:fld id="{96DFF08F-DC6B-4601-B491-B0F83F6DD2DA}" type="datetimeFigureOut">
               <a:rPr lang="en-US" dirty="0"/>
               <a:pPr/>
-              <a:t>5/2/2018</a:t>
+              <a:t>5/8/2018</a:t>
             </a:fld>
             <a:endParaRPr lang="en-US" dirty="0"/>
           </a:p>
@@ -587,7 +597,7 @@
           <a:p>
             <a:fld id="{96DFF08F-DC6B-4601-B491-B0F83F6DD2DA}" type="datetimeFigureOut">
               <a:rPr lang="en-US" dirty="0"/>
-              <a:t>5/2/2018</a:t>
+              <a:t>5/8/2018</a:t>
             </a:fld>
             <a:endParaRPr lang="en-US" dirty="0"/>
           </a:p>
@@ -762,7 +772,7 @@
           <a:p>
             <a:fld id="{96DFF08F-DC6B-4601-B491-B0F83F6DD2DA}" type="datetimeFigureOut">
               <a:rPr lang="en-US" dirty="0"/>
-              <a:t>5/2/2018</a:t>
+              <a:t>5/8/2018</a:t>
             </a:fld>
             <a:endParaRPr lang="en-US" dirty="0"/>
           </a:p>
@@ -927,7 +937,7 @@
           <a:p>
             <a:fld id="{96DFF08F-DC6B-4601-B491-B0F83F6DD2DA}" type="datetimeFigureOut">
               <a:rPr lang="en-US" dirty="0"/>
-              <a:t>5/2/2018</a:t>
+              <a:t>5/8/2018</a:t>
             </a:fld>
             <a:endParaRPr lang="en-US" dirty="0"/>
           </a:p>
@@ -1173,7 +1183,7 @@
           <a:p>
             <a:fld id="{96DFF08F-DC6B-4601-B491-B0F83F6DD2DA}" type="datetimeFigureOut">
               <a:rPr lang="en-US" dirty="0"/>
-              <a:t>5/2/2018</a:t>
+              <a:t>5/8/2018</a:t>
             </a:fld>
             <a:endParaRPr lang="en-US" dirty="0"/>
           </a:p>
@@ -1491,7 +1501,7 @@
           <a:p>
             <a:fld id="{96DFF08F-DC6B-4601-B491-B0F83F6DD2DA}" type="datetimeFigureOut">
               <a:rPr lang="en-US" dirty="0"/>
-              <a:t>5/2/2018</a:t>
+              <a:t>5/8/2018</a:t>
             </a:fld>
             <a:endParaRPr lang="en-US" dirty="0"/>
           </a:p>
@@ -1910,7 +1920,7 @@
           <a:p>
             <a:fld id="{96DFF08F-DC6B-4601-B491-B0F83F6DD2DA}" type="datetimeFigureOut">
               <a:rPr lang="en-US" dirty="0"/>
-              <a:t>5/2/2018</a:t>
+              <a:t>5/8/2018</a:t>
             </a:fld>
             <a:endParaRPr lang="en-US" dirty="0"/>
           </a:p>
@@ -2023,7 +2033,7 @@
           <a:p>
             <a:fld id="{96DFF08F-DC6B-4601-B491-B0F83F6DD2DA}" type="datetimeFigureOut">
               <a:rPr lang="en-US" dirty="0"/>
-              <a:t>5/2/2018</a:t>
+              <a:t>5/8/2018</a:t>
             </a:fld>
             <a:endParaRPr lang="en-US" dirty="0"/>
           </a:p>
@@ -2113,7 +2123,7 @@
           <a:p>
             <a:fld id="{96DFF08F-DC6B-4601-B491-B0F83F6DD2DA}" type="datetimeFigureOut">
               <a:rPr lang="en-US" dirty="0"/>
-              <a:t>5/2/2018</a:t>
+              <a:t>5/8/2018</a:t>
             </a:fld>
             <a:endParaRPr lang="en-US" dirty="0"/>
           </a:p>
@@ -2398,7 +2408,7 @@
           <a:p>
             <a:fld id="{96DFF08F-DC6B-4601-B491-B0F83F6DD2DA}" type="datetimeFigureOut">
               <a:rPr lang="en-US" dirty="0"/>
-              <a:t>5/2/2018</a:t>
+              <a:t>5/8/2018</a:t>
             </a:fld>
             <a:endParaRPr lang="en-US" dirty="0"/>
           </a:p>
@@ -2665,7 +2675,7 @@
           <a:p>
             <a:fld id="{96DFF08F-DC6B-4601-B491-B0F83F6DD2DA}" type="datetimeFigureOut">
               <a:rPr lang="en-US" dirty="0"/>
-              <a:t>5/2/2018</a:t>
+              <a:t>5/8/2018</a:t>
             </a:fld>
             <a:endParaRPr lang="en-US" dirty="0"/>
           </a:p>
@@ -2914,7 +2924,7 @@
             <a:fld id="{96DFF08F-DC6B-4601-B491-B0F83F6DD2DA}" type="datetimeFigureOut">
               <a:rPr lang="en-US" dirty="0"/>
               <a:pPr/>
-              <a:t>5/2/2018</a:t>
+              <a:t>5/8/2018</a:t>
             </a:fld>
             <a:endParaRPr lang="en-US" dirty="0"/>
           </a:p>
@@ -6041,9 +6051,10 @@
               <a:t> </a:t>
             </a:r>
             <a:r>
-              <a:rPr lang="ru-RU" sz="4800" smtClean="0"/>
-              <a:t>Критика</a:t>
-            </a:r>
+              <a:rPr lang="ru-RU" sz="4800"/>
+              <a:t>За пределами стандарта</a:t>
+            </a:r>
+            <a:endParaRPr lang="ru-RU" sz="4800" smtClean="0"/>
           </a:p>
         </p:txBody>
       </p:sp>
@@ -7485,9 +7496,10 @@
               <a:t> </a:t>
             </a:r>
             <a:r>
-              <a:rPr lang="ru-RU" sz="4800" smtClean="0"/>
-              <a:t>Критика</a:t>
-            </a:r>
+              <a:rPr lang="ru-RU" sz="4800"/>
+              <a:t>За пределами стандарта</a:t>
+            </a:r>
+            <a:endParaRPr lang="ru-RU" sz="4800" smtClean="0"/>
           </a:p>
         </p:txBody>
       </p:sp>
@@ -11769,12 +11781,6 @@
               </a:rPr>
               <a:t>)</a:t>
             </a:r>
-            <a:r>
-              <a:rPr lang="en-US" sz="1600" smtClean="0">
-                <a:latin typeface="Consolas" panose="020B0609020204030204" pitchFamily="49" charset="0"/>
-              </a:rPr>
-              <a:t/>
-            </a:r>
             <a:br>
               <a:rPr lang="en-US" sz="1600" smtClean="0">
                 <a:latin typeface="Consolas" panose="020B0609020204030204" pitchFamily="49" charset="0"/>
@@ -11836,12 +11842,6 @@
                 <a:latin typeface="Consolas" panose="020B0609020204030204" pitchFamily="49" charset="0"/>
               </a:rPr>
               <a:t>);      </a:t>
-            </a:r>
-            <a:r>
-              <a:rPr lang="en-US" sz="1600" smtClean="0">
-                <a:latin typeface="Consolas" panose="020B0609020204030204" pitchFamily="49" charset="0"/>
-              </a:rPr>
-              <a:t/>
             </a:r>
             <a:br>
               <a:rPr lang="en-US" sz="1600" smtClean="0">
@@ -12203,15 +12203,7 @@
           <a:p>
             <a:r>
               <a:rPr lang="ru-RU" smtClean="0"/>
-              <a:t>Есть </a:t>
-            </a:r>
-            <a:r>
-              <a:rPr lang="ru-RU" smtClean="0"/>
-              <a:t>несколько способов </a:t>
-            </a:r>
-            <a:r>
-              <a:rPr lang="ru-RU" smtClean="0"/>
-              <a:t>включить элемент в отображение</a:t>
+              <a:t>Есть несколько способов включить элемент в отображение</a:t>
             </a:r>
           </a:p>
           <a:p>
@@ -12296,16 +12288,7 @@
                 </a:solidFill>
                 <a:latin typeface="Consolas" panose="020B0609020204030204" pitchFamily="49" charset="0"/>
               </a:rPr>
-              <a:t>, product(curgen, *</a:t>
-            </a:r>
-            <a:r>
-              <a:rPr lang="en-US">
-                <a:solidFill>
-                  <a:srgbClr val="0000FF"/>
-                </a:solidFill>
-                <a:latin typeface="Consolas" panose="020B0609020204030204" pitchFamily="49" charset="0"/>
-              </a:rPr>
-              <a:t>igen</a:t>
+              <a:t>, product(curgen, *igen</a:t>
             </a:r>
             <a:r>
               <a:rPr lang="en-US" smtClean="0">
@@ -12480,11 +12463,7 @@
           <a:p>
             <a:r>
               <a:rPr lang="ru-RU" smtClean="0"/>
-              <a:t>При </a:t>
-            </a:r>
-            <a:r>
-              <a:rPr lang="ru-RU" smtClean="0"/>
-              <a:t>вставке точно не хотелось бы тратить время на поиск элемента (что неизбежно произойдёт при использовании квадратных скобок)</a:t>
+              <a:t>При вставке точно не хотелось бы тратить время на поиск элемента (что неизбежно произойдёт при использовании квадратных скобок)</a:t>
             </a:r>
           </a:p>
           <a:p>
@@ -12510,19 +12489,7 @@
           <a:p>
             <a:r>
               <a:rPr lang="ru-RU" smtClean="0"/>
-              <a:t>В целом квадратные скобки </a:t>
-            </a:r>
-            <a:r>
-              <a:rPr lang="ru-RU" smtClean="0"/>
-              <a:t>плохо видны в коде</a:t>
-            </a:r>
-            <a:r>
-              <a:rPr lang="ru-RU" smtClean="0"/>
-              <a:t> </a:t>
-            </a:r>
-            <a:r>
-              <a:rPr lang="ru-RU" smtClean="0"/>
-              <a:t>и приводят к проблемам</a:t>
+              <a:t>В целом квадратные скобки плохо видны в коде и приводят к проблемам</a:t>
             </a:r>
           </a:p>
           <a:p>
@@ -12533,13 +12500,7 @@
               <a:rPr lang="en-US" smtClean="0">
                 <a:latin typeface="Consolas" panose="020B0609020204030204" pitchFamily="49" charset="0"/>
               </a:rPr>
-              <a:t>cout &lt;&lt; m[x] &lt;&lt; endl</a:t>
-            </a:r>
-            <a:r>
-              <a:rPr lang="en-US" smtClean="0">
-                <a:latin typeface="Consolas" panose="020B0609020204030204" pitchFamily="49" charset="0"/>
-              </a:rPr>
-              <a:t>;</a:t>
+              <a:t>cout &lt;&lt; m[x] &lt;&lt; endl;</a:t>
             </a:r>
             <a:endParaRPr lang="ru-RU" smtClean="0">
               <a:latin typeface="Consolas" panose="020B0609020204030204" pitchFamily="49" charset="0"/>
@@ -12664,11 +12625,7 @@
             </a:r>
             <a:r>
               <a:rPr lang="ru-RU" smtClean="0"/>
-              <a:t>в </a:t>
-            </a:r>
-            <a:r>
-              <a:rPr lang="ru-RU" smtClean="0"/>
-              <a:t>форме </a:t>
+              <a:t>в форме </a:t>
             </a:r>
             <a:r>
               <a:rPr lang="en-US" smtClean="0"/>
@@ -12723,52 +12680,37 @@
               </a:rPr>
               <a:t> == orbit.end())</a:t>
             </a:r>
-            <a:r>
+            <a:br>
               <a:rPr lang="en-US" sz="2400">
                 <a:latin typeface="Consolas" panose="020B0609020204030204" pitchFamily="49" charset="0"/>
               </a:rPr>
-              <a:t/>
-            </a:r>
-            <a:br>
+            </a:br>
+            <a:r>
+              <a:rPr lang="ru-RU" sz="2400" smtClean="0">
+                <a:latin typeface="Consolas" panose="020B0609020204030204" pitchFamily="49" charset="0"/>
+              </a:rPr>
+              <a:t>  </a:t>
+            </a:r>
+            <a:r>
+              <a:rPr lang="en-US" sz="2400" smtClean="0">
+                <a:latin typeface="Consolas" panose="020B0609020204030204" pitchFamily="49" charset="0"/>
+              </a:rPr>
+              <a:t>tmp.insert</a:t>
+            </a:r>
+            <a:r>
               <a:rPr lang="en-US" sz="2400">
                 <a:latin typeface="Consolas" panose="020B0609020204030204" pitchFamily="49" charset="0"/>
               </a:rPr>
-            </a:br>
-            <a:r>
-              <a:rPr lang="ru-RU" sz="2400" smtClean="0">
-                <a:latin typeface="Consolas" panose="020B0609020204030204" pitchFamily="49" charset="0"/>
-              </a:rPr>
-              <a:t>  </a:t>
-            </a:r>
-            <a:r>
-              <a:rPr lang="en-US" sz="2400" smtClean="0">
-                <a:latin typeface="Consolas" panose="020B0609020204030204" pitchFamily="49" charset="0"/>
-              </a:rPr>
-              <a:t>tmp.insert</a:t>
+              <a:t>(</a:t>
             </a:r>
             <a:r>
               <a:rPr lang="en-US" sz="2400">
-                <a:latin typeface="Consolas" panose="020B0609020204030204" pitchFamily="49" charset="0"/>
-              </a:rPr>
-              <a:t>(</a:t>
-            </a:r>
-            <a:r>
-              <a:rPr lang="en-US" sz="2400">
                 <a:solidFill>
                   <a:srgbClr val="0000FF"/>
                 </a:solidFill>
                 <a:latin typeface="Consolas" panose="020B0609020204030204" pitchFamily="49" charset="0"/>
               </a:rPr>
-              <a:t>{newelem, product(curgen, *</a:t>
-            </a:r>
-            <a:r>
-              <a:rPr lang="en-US" sz="2400">
-                <a:solidFill>
-                  <a:srgbClr val="0000FF"/>
-                </a:solidFill>
-                <a:latin typeface="Consolas" panose="020B0609020204030204" pitchFamily="49" charset="0"/>
-              </a:rPr>
-              <a:t>igen</a:t>
+              <a:t>{newelem, product(curgen, *igen</a:t>
             </a:r>
             <a:r>
               <a:rPr lang="en-US" sz="2400" smtClean="0">
@@ -12855,16 +12797,7 @@
                 </a:solidFill>
                 <a:latin typeface="Consolas" panose="020B0609020204030204" pitchFamily="49" charset="0"/>
               </a:rPr>
-              <a:t>product(curgen, *</a:t>
-            </a:r>
-            <a:r>
-              <a:rPr lang="en-US" sz="2000">
-                <a:solidFill>
-                  <a:srgbClr val="0000FF"/>
-                </a:solidFill>
-                <a:latin typeface="Consolas" panose="020B0609020204030204" pitchFamily="49" charset="0"/>
-              </a:rPr>
-              <a:t>igen</a:t>
+              <a:t>product(curgen, *igen</a:t>
             </a:r>
             <a:r>
               <a:rPr lang="en-US" sz="2000" smtClean="0">
@@ -13019,48 +12952,36 @@
               <a:rPr lang="en-US">
                 <a:latin typeface="Consolas" panose="020B0609020204030204" pitchFamily="49" charset="0"/>
               </a:rPr>
-              <a:t>&gt; m1 = {{1, "sator"}, {2, "tenet"}, {3, "</a:t>
+              <a:t>&gt; m1 = {{1, "sator"}, {2, "tenet"}, {3, "nothing</a:t>
+            </a:r>
+            <a:r>
+              <a:rPr lang="en-US" smtClean="0">
+                <a:latin typeface="Consolas" panose="020B0609020204030204" pitchFamily="49" charset="0"/>
+              </a:rPr>
+              <a:t>"}};</a:t>
+            </a:r>
+            <a:r>
+              <a:rPr lang="ru-RU" smtClean="0">
+                <a:latin typeface="Consolas" panose="020B0609020204030204" pitchFamily="49" charset="0"/>
+              </a:rPr>
+              <a:t/>
+            </a:r>
+            <a:br>
+              <a:rPr lang="ru-RU" smtClean="0">
+                <a:latin typeface="Consolas" panose="020B0609020204030204" pitchFamily="49" charset="0"/>
+              </a:rPr>
+            </a:br>
+            <a:r>
+              <a:rPr lang="en-US" smtClean="0">
+                <a:latin typeface="Consolas" panose="020B0609020204030204" pitchFamily="49" charset="0"/>
+              </a:rPr>
+              <a:t>auto </a:t>
             </a:r>
             <a:r>
               <a:rPr lang="en-US">
                 <a:latin typeface="Consolas" panose="020B0609020204030204" pitchFamily="49" charset="0"/>
               </a:rPr>
-              <a:t>nothing</a:t>
-            </a:r>
-            <a:r>
-              <a:rPr lang="en-US" smtClean="0">
-                <a:latin typeface="Consolas" panose="020B0609020204030204" pitchFamily="49" charset="0"/>
-              </a:rPr>
-              <a:t>"}};</a:t>
-            </a:r>
-            <a:r>
-              <a:rPr lang="ru-RU" smtClean="0">
-                <a:latin typeface="Consolas" panose="020B0609020204030204" pitchFamily="49" charset="0"/>
-              </a:rPr>
-              <a:t/>
-            </a:r>
-            <a:br>
-              <a:rPr lang="ru-RU" smtClean="0">
-                <a:latin typeface="Consolas" panose="020B0609020204030204" pitchFamily="49" charset="0"/>
-              </a:rPr>
-            </a:br>
-            <a:r>
-              <a:rPr lang="en-US" smtClean="0">
-                <a:latin typeface="Consolas" panose="020B0609020204030204" pitchFamily="49" charset="0"/>
-              </a:rPr>
-              <a:t>auto </a:t>
-            </a:r>
-            <a:r>
-              <a:rPr lang="en-US">
-                <a:latin typeface="Consolas" panose="020B0609020204030204" pitchFamily="49" charset="0"/>
-              </a:rPr>
-              <a:t>extval = </a:t>
-            </a:r>
-            <a:r>
-              <a:rPr lang="en-US">
-                <a:latin typeface="Consolas" panose="020B0609020204030204" pitchFamily="49" charset="0"/>
-              </a:rPr>
-              <a:t>m1.extract(3</a:t>
+              <a:t>extval = m1.extract(3</a:t>
             </a:r>
             <a:r>
               <a:rPr lang="en-US" smtClean="0">
@@ -13117,7 +13038,40 @@
                 </a:solidFill>
                 <a:latin typeface="Consolas" panose="020B0609020204030204" pitchFamily="49" charset="0"/>
               </a:rPr>
-              <a:t>/*</a:t>
+              <a:t>/*unspecified</a:t>
+            </a:r>
+            <a:r>
+              <a:rPr lang="en-US" i="1" smtClean="0">
+                <a:solidFill>
+                  <a:srgbClr val="FF0000"/>
+                </a:solidFill>
+                <a:latin typeface="Consolas" panose="020B0609020204030204" pitchFamily="49" charset="0"/>
+              </a:rPr>
+              <a:t>*/</a:t>
+            </a:r>
+            <a:r>
+              <a:rPr lang="en-US" smtClean="0">
+                <a:latin typeface="Consolas" panose="020B0609020204030204" pitchFamily="49" charset="0"/>
+              </a:rPr>
+              <a:t>&gt;</a:t>
+            </a:r>
+            <a:r>
+              <a:rPr lang="ru-RU" smtClean="0">
+                <a:latin typeface="Consolas" panose="020B0609020204030204" pitchFamily="49" charset="0"/>
+              </a:rPr>
+              <a:t> </a:t>
+            </a:r>
+            <a:r>
+              <a:rPr lang="en-US" smtClean="0">
+                <a:latin typeface="Consolas" panose="020B0609020204030204" pitchFamily="49" charset="0"/>
+              </a:rPr>
+              <a:t>class</a:t>
+            </a:r>
+            <a:r>
+              <a:rPr lang="en-US">
+                <a:latin typeface="Consolas" panose="020B0609020204030204" pitchFamily="49" charset="0"/>
+              </a:rPr>
+              <a:t> </a:t>
             </a:r>
             <a:r>
               <a:rPr lang="en-US" i="1">
@@ -13126,58 +13080,7 @@
                 </a:solidFill>
                 <a:latin typeface="Consolas" panose="020B0609020204030204" pitchFamily="49" charset="0"/>
               </a:rPr>
-              <a:t>unspecified</a:t>
-            </a:r>
-            <a:r>
-              <a:rPr lang="en-US" i="1" smtClean="0">
-                <a:solidFill>
-                  <a:srgbClr val="FF0000"/>
-                </a:solidFill>
-                <a:latin typeface="Consolas" panose="020B0609020204030204" pitchFamily="49" charset="0"/>
-              </a:rPr>
-              <a:t>*/</a:t>
-            </a:r>
-            <a:r>
-              <a:rPr lang="en-US" smtClean="0">
-                <a:latin typeface="Consolas" panose="020B0609020204030204" pitchFamily="49" charset="0"/>
-              </a:rPr>
-              <a:t>&gt;</a:t>
-            </a:r>
-            <a:r>
-              <a:rPr lang="ru-RU" smtClean="0">
-                <a:latin typeface="Consolas" panose="020B0609020204030204" pitchFamily="49" charset="0"/>
-              </a:rPr>
-              <a:t> </a:t>
-            </a:r>
-            <a:r>
-              <a:rPr lang="en-US" smtClean="0">
-                <a:latin typeface="Consolas" panose="020B0609020204030204" pitchFamily="49" charset="0"/>
-              </a:rPr>
-              <a:t>class</a:t>
-            </a:r>
-            <a:r>
-              <a:rPr lang="en-US">
-                <a:latin typeface="Consolas" panose="020B0609020204030204" pitchFamily="49" charset="0"/>
-              </a:rPr>
-              <a:t> </a:t>
-            </a:r>
-            <a:r>
-              <a:rPr lang="en-US" i="1">
-                <a:solidFill>
-                  <a:srgbClr val="FF0000"/>
-                </a:solidFill>
-                <a:latin typeface="Consolas" panose="020B0609020204030204" pitchFamily="49" charset="0"/>
-              </a:rPr>
-              <a:t>/*</a:t>
-            </a:r>
-            <a:r>
-              <a:rPr lang="en-US" i="1">
-                <a:solidFill>
-                  <a:srgbClr val="FF0000"/>
-                </a:solidFill>
-                <a:latin typeface="Consolas" panose="020B0609020204030204" pitchFamily="49" charset="0"/>
-              </a:rPr>
-              <a:t>node-handle</a:t>
+              <a:t>/*node-handle</a:t>
             </a:r>
             <a:r>
               <a:rPr lang="en-US" i="1" smtClean="0">
@@ -13224,13 +13127,7 @@
               <a:rPr lang="en-US">
                 <a:latin typeface="Consolas" panose="020B0609020204030204" pitchFamily="49" charset="0"/>
               </a:rPr>
-              <a:t>cout &lt;&lt; extval.key() &lt;&lt; </a:t>
-            </a:r>
-            <a:r>
-              <a:rPr lang="en-US">
-                <a:latin typeface="Consolas" panose="020B0609020204030204" pitchFamily="49" charset="0"/>
-              </a:rPr>
-              <a:t>endl</a:t>
+              <a:t>cout &lt;&lt; extval.key() &lt;&lt; endl</a:t>
             </a:r>
             <a:r>
               <a:rPr lang="en-US" smtClean="0">
@@ -13371,71 +13268,41 @@
               <a:rPr lang="en-US">
                 <a:latin typeface="Consolas" panose="020B0609020204030204" pitchFamily="49" charset="0"/>
               </a:rPr>
-              <a:t>&gt; m1 = {{1, "sator"}, {2, "</a:t>
-            </a:r>
-            <a:r>
+              <a:t>&gt; m1 = {{1, "sator"}, {2, "tenet"}};</a:t>
+            </a:r>
+            <a:br>
               <a:rPr lang="en-US">
                 <a:latin typeface="Consolas" panose="020B0609020204030204" pitchFamily="49" charset="0"/>
               </a:rPr>
-              <a:t>tenet</a:t>
-            </a:r>
+            </a:br>
             <a:r>
               <a:rPr lang="en-US">
                 <a:latin typeface="Consolas" panose="020B0609020204030204" pitchFamily="49" charset="0"/>
               </a:rPr>
-              <a:t>"}};</a:t>
-            </a:r>
-            <a:br>
+              <a:t>map&lt;int,string&gt; m2 = {{2, "nothing"}, {3, "arepo"}, </a:t>
+            </a:r>
+            <a:r>
+              <a:rPr lang="en-US" smtClean="0">
+                <a:latin typeface="Consolas" panose="020B0609020204030204" pitchFamily="49" charset="0"/>
+              </a:rPr>
+              <a:t/>
+            </a:r>
+            <a:br>
+              <a:rPr lang="en-US" smtClean="0">
+                <a:latin typeface="Consolas" panose="020B0609020204030204" pitchFamily="49" charset="0"/>
+              </a:rPr>
+            </a:br>
+            <a:r>
+              <a:rPr lang="en-US" smtClean="0">
+                <a:latin typeface="Consolas" panose="020B0609020204030204" pitchFamily="49" charset="0"/>
+              </a:rPr>
+              <a:t>                      {</a:t>
+            </a:r>
+            <a:r>
               <a:rPr lang="en-US">
                 <a:latin typeface="Consolas" panose="020B0609020204030204" pitchFamily="49" charset="0"/>
               </a:rPr>
-            </a:br>
-            <a:r>
-              <a:rPr lang="en-US">
-                <a:latin typeface="Consolas" panose="020B0609020204030204" pitchFamily="49" charset="0"/>
-              </a:rPr>
-              <a:t>map&lt;int,string&gt; m2 = {{2, "nothing"}, {3, "arepo</a:t>
-            </a:r>
-            <a:r>
-              <a:rPr lang="en-US">
-                <a:latin typeface="Consolas" panose="020B0609020204030204" pitchFamily="49" charset="0"/>
-              </a:rPr>
-              <a:t>"}, </a:t>
-            </a:r>
-            <a:r>
-              <a:rPr lang="en-US" smtClean="0">
-                <a:latin typeface="Consolas" panose="020B0609020204030204" pitchFamily="49" charset="0"/>
-              </a:rPr>
-              <a:t/>
-            </a:r>
-            <a:br>
-              <a:rPr lang="en-US" smtClean="0">
-                <a:latin typeface="Consolas" panose="020B0609020204030204" pitchFamily="49" charset="0"/>
-              </a:rPr>
-            </a:br>
-            <a:r>
-              <a:rPr lang="en-US" smtClean="0">
-                <a:latin typeface="Consolas" panose="020B0609020204030204" pitchFamily="49" charset="0"/>
-              </a:rPr>
-              <a:t>                      {</a:t>
-            </a:r>
-            <a:r>
-              <a:rPr lang="en-US">
-                <a:latin typeface="Consolas" panose="020B0609020204030204" pitchFamily="49" charset="0"/>
-              </a:rPr>
-              <a:t>4, "opera"}, {5, "</a:t>
-            </a:r>
-            <a:r>
-              <a:rPr lang="en-US">
-                <a:latin typeface="Consolas" panose="020B0609020204030204" pitchFamily="49" charset="0"/>
-              </a:rPr>
-              <a:t>rotas</a:t>
-            </a:r>
-            <a:r>
-              <a:rPr lang="en-US">
-                <a:latin typeface="Consolas" panose="020B0609020204030204" pitchFamily="49" charset="0"/>
-              </a:rPr>
-              <a:t>"}};</a:t>
+              <a:t>4, "opera"}, {5, "rotas"}};</a:t>
             </a:r>
             <a:br>
               <a:rPr lang="en-US">
@@ -13581,13 +13448,7 @@
               <a:rPr lang="en-US">
                 <a:latin typeface="Consolas" panose="020B0609020204030204" pitchFamily="49" charset="0"/>
               </a:rPr>
-              <a:t>multimap&lt;int,string&gt; mm = {{1, "a"}, {1, "b"}, {2, "c</a:t>
-            </a:r>
-            <a:r>
-              <a:rPr lang="en-US">
-                <a:latin typeface="Consolas" panose="020B0609020204030204" pitchFamily="49" charset="0"/>
-              </a:rPr>
-              <a:t>"}, </a:t>
+              <a:t>multimap&lt;int,string&gt; mm = {{1, "a"}, {1, "b"}, {2, "c"}, </a:t>
             </a:r>
             <a:r>
               <a:rPr lang="ru-RU" smtClean="0">
@@ -13762,13 +13623,7 @@
               <a:rPr lang="en-US">
                 <a:latin typeface="Consolas" panose="020B0609020204030204" pitchFamily="49" charset="0"/>
               </a:rPr>
-              <a:t>&gt; mm = {{1, "a"}, {1, "b"}, {2, "c</a:t>
-            </a:r>
-            <a:r>
-              <a:rPr lang="en-US">
-                <a:latin typeface="Consolas" panose="020B0609020204030204" pitchFamily="49" charset="0"/>
-              </a:rPr>
-              <a:t>"}, </a:t>
+              <a:t>&gt; mm = {{1, "a"}, {1, "b"}, {2, "c"}, </a:t>
             </a:r>
             <a:r>
               <a:rPr lang="ru-RU" smtClean="0">
@@ -13879,19 +13734,48 @@
               <a:rPr lang="en-US">
                 <a:latin typeface="Consolas" panose="020B0609020204030204" pitchFamily="49" charset="0"/>
               </a:rPr>
-              <a:t>it = mm.begin(), mend = </a:t>
+              <a:t>it = mm.begin(), mend = mm.end</a:t>
+            </a:r>
+            <a:r>
+              <a:rPr lang="en-US" smtClean="0">
+                <a:latin typeface="Consolas" panose="020B0609020204030204" pitchFamily="49" charset="0"/>
+              </a:rPr>
+              <a:t>(); </a:t>
+            </a:r>
+            <a:r>
+              <a:rPr lang="ru-RU" smtClean="0">
+                <a:latin typeface="Consolas" panose="020B0609020204030204" pitchFamily="49" charset="0"/>
+              </a:rPr>
+              <a:t/>
+            </a:r>
+            <a:br>
+              <a:rPr lang="ru-RU" smtClean="0">
+                <a:latin typeface="Consolas" panose="020B0609020204030204" pitchFamily="49" charset="0"/>
+              </a:rPr>
+            </a:br>
+            <a:r>
+              <a:rPr lang="ru-RU" smtClean="0">
+                <a:latin typeface="Consolas" panose="020B0609020204030204" pitchFamily="49" charset="0"/>
+              </a:rPr>
+              <a:t>    </a:t>
+            </a:r>
+            <a:r>
+              <a:rPr lang="en-US" smtClean="0">
+                <a:latin typeface="Consolas" panose="020B0609020204030204" pitchFamily="49" charset="0"/>
+              </a:rPr>
+              <a:t>it </a:t>
             </a:r>
             <a:r>
               <a:rPr lang="en-US">
                 <a:latin typeface="Consolas" panose="020B0609020204030204" pitchFamily="49" charset="0"/>
               </a:rPr>
-              <a:t>mm.end</a:t>
-            </a:r>
-            <a:r>
-              <a:rPr lang="en-US" smtClean="0">
-                <a:latin typeface="Consolas" panose="020B0609020204030204" pitchFamily="49" charset="0"/>
-              </a:rPr>
-              <a:t>(); </a:t>
+              <a:t>!= mend</a:t>
+            </a:r>
+            <a:r>
+              <a:rPr lang="en-US" smtClean="0">
+                <a:latin typeface="Consolas" panose="020B0609020204030204" pitchFamily="49" charset="0"/>
+              </a:rPr>
+              <a:t>;</a:t>
             </a:r>
             <a:r>
               <a:rPr lang="ru-RU" smtClean="0">
@@ -13908,66 +13792,19 @@
               <a:rPr lang="ru-RU" smtClean="0">
                 <a:latin typeface="Consolas" panose="020B0609020204030204" pitchFamily="49" charset="0"/>
               </a:rPr>
-              <a:t>    </a:t>
-            </a:r>
-            <a:r>
-              <a:rPr lang="en-US" smtClean="0">
-                <a:latin typeface="Consolas" panose="020B0609020204030204" pitchFamily="49" charset="0"/>
-              </a:rPr>
-              <a:t>it </a:t>
+              <a:t> </a:t>
+            </a:r>
+            <a:r>
+              <a:rPr lang="en-US" smtClean="0">
+                <a:latin typeface="Consolas" panose="020B0609020204030204" pitchFamily="49" charset="0"/>
+              </a:rPr>
+              <a:t>   it </a:t>
             </a:r>
             <a:r>
               <a:rPr lang="en-US">
                 <a:latin typeface="Consolas" panose="020B0609020204030204" pitchFamily="49" charset="0"/>
               </a:rPr>
-              <a:t>!= </a:t>
-            </a:r>
-            <a:r>
-              <a:rPr lang="en-US">
-                <a:latin typeface="Consolas" panose="020B0609020204030204" pitchFamily="49" charset="0"/>
-              </a:rPr>
-              <a:t>mend</a:t>
-            </a:r>
-            <a:r>
-              <a:rPr lang="en-US" smtClean="0">
-                <a:latin typeface="Consolas" panose="020B0609020204030204" pitchFamily="49" charset="0"/>
-              </a:rPr>
-              <a:t>;</a:t>
-            </a:r>
-            <a:r>
-              <a:rPr lang="ru-RU" smtClean="0">
-                <a:latin typeface="Consolas" panose="020B0609020204030204" pitchFamily="49" charset="0"/>
-              </a:rPr>
-              <a:t/>
-            </a:r>
-            <a:br>
-              <a:rPr lang="ru-RU" smtClean="0">
-                <a:latin typeface="Consolas" panose="020B0609020204030204" pitchFamily="49" charset="0"/>
-              </a:rPr>
-            </a:br>
-            <a:r>
-              <a:rPr lang="ru-RU" smtClean="0">
-                <a:latin typeface="Consolas" panose="020B0609020204030204" pitchFamily="49" charset="0"/>
-              </a:rPr>
-              <a:t> </a:t>
-            </a:r>
-            <a:r>
-              <a:rPr lang="en-US" smtClean="0">
-                <a:latin typeface="Consolas" panose="020B0609020204030204" pitchFamily="49" charset="0"/>
-              </a:rPr>
-              <a:t>   it </a:t>
-            </a:r>
-            <a:r>
-              <a:rPr lang="en-US">
-                <a:latin typeface="Consolas" panose="020B0609020204030204" pitchFamily="49" charset="0"/>
-              </a:rPr>
-              <a:t>= mm.upper_bound(it-&gt;</a:t>
-            </a:r>
-            <a:r>
-              <a:rPr lang="en-US">
-                <a:latin typeface="Consolas" panose="020B0609020204030204" pitchFamily="49" charset="0"/>
-              </a:rPr>
-              <a:t>first</a:t>
+              <a:t>= mm.upper_bound(it-&gt;first</a:t>
             </a:r>
             <a:r>
               <a:rPr lang="en-US" smtClean="0">
@@ -14945,11 +14782,7 @@
           <a:p>
             <a:r>
               <a:rPr lang="ru-RU" smtClean="0"/>
-              <a:t>Мультиотображения </a:t>
-            </a:r>
-            <a:r>
-              <a:rPr lang="ru-RU" smtClean="0"/>
-              <a:t>в </a:t>
+              <a:t>Мультиотображения в </a:t>
             </a:r>
             <a:r>
               <a:rPr lang="en-US" smtClean="0"/>
@@ -15215,17 +15048,8 @@
               <a:rPr lang="en-US" smtClean="0">
                 <a:latin typeface="Consolas" panose="020B0609020204030204" pitchFamily="49" charset="0"/>
               </a:rPr>
-              <a:t> </a:t>
-            </a:r>
-            <a:r>
-              <a:rPr lang="en-US" smtClean="0">
-                <a:latin typeface="Consolas" panose="020B0609020204030204" pitchFamily="49" charset="0"/>
-              </a:rPr>
-              <a:t>nodes = {{1}, {1}, {1}};</a:t>
-            </a:r>
-            <a:endParaRPr lang="en-US" smtClean="0">
-              <a:latin typeface="Consolas" panose="020B0609020204030204" pitchFamily="49" charset="0"/>
-            </a:endParaRPr>
+              <a:t> nodes = {{1}, {1}, {1}};</a:t>
+            </a:r>
           </a:p>
           <a:p>
             <a:r>
@@ -15241,13 +15065,7 @@
               <a:rPr lang="en-US" smtClean="0">
                 <a:latin typeface="Consolas" panose="020B0609020204030204" pitchFamily="49" charset="0"/>
               </a:rPr>
-              <a:t>multimap&lt;ColoredNode*, WeightedEdge&gt; </a:t>
-            </a:r>
-            <a:r>
-              <a:rPr lang="en-US" smtClean="0">
-                <a:latin typeface="Consolas" panose="020B0609020204030204" pitchFamily="49" charset="0"/>
-              </a:rPr>
-              <a:t>edges</a:t>
+              <a:t>multimap&lt;ColoredNode*, WeightedEdge&gt; edges</a:t>
             </a:r>
             <a:r>
               <a:rPr lang="ru-RU" smtClean="0">
@@ -15261,12 +15079,6 @@
               </a:rPr>
               <a:t>{</a:t>
             </a:r>
-            <a:r>
-              <a:rPr lang="en-US" smtClean="0">
-                <a:latin typeface="Consolas" panose="020B0609020204030204" pitchFamily="49" charset="0"/>
-              </a:rPr>
-              <a:t/>
-            </a:r>
             <a:br>
               <a:rPr lang="en-US" smtClean="0">
                 <a:latin typeface="Consolas" panose="020B0609020204030204" pitchFamily="49" charset="0"/>
@@ -15300,7 +15112,36 @@
               <a:rPr lang="en-US" smtClean="0">
                 <a:latin typeface="Consolas" panose="020B0609020204030204" pitchFamily="49" charset="0"/>
               </a:rPr>
-              <a:t>nodes[2</a:t>
+              <a:t>nodes[2]) },</a:t>
+            </a:r>
+            <a:br>
+              <a:rPr lang="en-US" smtClean="0">
+                <a:latin typeface="Consolas" panose="020B0609020204030204" pitchFamily="49" charset="0"/>
+              </a:rPr>
+            </a:br>
+            <a:r>
+              <a:rPr lang="en-US" smtClean="0">
+                <a:latin typeface="Consolas" panose="020B0609020204030204" pitchFamily="49" charset="0"/>
+              </a:rPr>
+              <a:t>  { &amp;</a:t>
+            </a:r>
+            <a:r>
+              <a:rPr lang="en-US">
+                <a:latin typeface="Consolas" panose="020B0609020204030204" pitchFamily="49" charset="0"/>
+              </a:rPr>
+              <a:t>nodes[0], </a:t>
+            </a:r>
+            <a:r>
+              <a:rPr lang="en-US" smtClean="0">
+                <a:latin typeface="Consolas" panose="020B0609020204030204" pitchFamily="49" charset="0"/>
+              </a:rPr>
+              <a:t>WeightedEdge(1</a:t>
+            </a:r>
+            <a:r>
+              <a:rPr lang="en-US">
+                <a:latin typeface="Consolas" panose="020B0609020204030204" pitchFamily="49" charset="0"/>
+              </a:rPr>
+              <a:t>, &amp;nodes[1</a:t>
             </a:r>
             <a:r>
               <a:rPr lang="en-US" smtClean="0">
@@ -15308,12 +15149,6 @@
               </a:rPr>
               <a:t>]) },</a:t>
             </a:r>
-            <a:r>
-              <a:rPr lang="en-US" smtClean="0">
-                <a:latin typeface="Consolas" panose="020B0609020204030204" pitchFamily="49" charset="0"/>
-              </a:rPr>
-              <a:t/>
-            </a:r>
             <a:br>
               <a:rPr lang="en-US" smtClean="0">
                 <a:latin typeface="Consolas" panose="020B0609020204030204" pitchFamily="49" charset="0"/>
@@ -15329,19 +15164,31 @@
               <a:rPr lang="en-US">
                 <a:latin typeface="Consolas" panose="020B0609020204030204" pitchFamily="49" charset="0"/>
               </a:rPr>
-              <a:t>nodes[0], </a:t>
-            </a:r>
-            <a:r>
-              <a:rPr lang="en-US" smtClean="0">
-                <a:latin typeface="Consolas" panose="020B0609020204030204" pitchFamily="49" charset="0"/>
-              </a:rPr>
-              <a:t>WeightedEdge(1</a:t>
+              <a:t>nodes[2], </a:t>
+            </a:r>
+            <a:r>
+              <a:rPr lang="en-US" smtClean="0">
+                <a:latin typeface="Consolas" panose="020B0609020204030204" pitchFamily="49" charset="0"/>
+              </a:rPr>
+              <a:t>WeightedEdge(2</a:t>
             </a:r>
             <a:r>
               <a:rPr lang="en-US">
                 <a:latin typeface="Consolas" panose="020B0609020204030204" pitchFamily="49" charset="0"/>
               </a:rPr>
-              <a:t>, &amp;nodes[1</a:t>
+              <a:t>, &amp;</a:t>
+            </a:r>
+            <a:r>
+              <a:rPr lang="en-US" smtClean="0">
+                <a:latin typeface="Consolas" panose="020B0609020204030204" pitchFamily="49" charset="0"/>
+              </a:rPr>
+              <a:t>nodes[</a:t>
+            </a:r>
+            <a:r>
+              <a:rPr lang="ru-RU" smtClean="0">
+                <a:latin typeface="Consolas" panose="020B0609020204030204" pitchFamily="49" charset="0"/>
+              </a:rPr>
+              <a:t>1</a:t>
             </a:r>
             <a:r>
               <a:rPr lang="en-US" smtClean="0">
@@ -15349,99 +15196,28 @@
               </a:rPr>
               <a:t>]) },</a:t>
             </a:r>
-            <a:r>
-              <a:rPr lang="en-US" smtClean="0">
-                <a:latin typeface="Consolas" panose="020B0609020204030204" pitchFamily="49" charset="0"/>
-              </a:rPr>
-              <a:t/>
-            </a:r>
-            <a:br>
-              <a:rPr lang="en-US" smtClean="0">
-                <a:latin typeface="Consolas" panose="020B0609020204030204" pitchFamily="49" charset="0"/>
-              </a:rPr>
-            </a:br>
-            <a:r>
-              <a:rPr lang="en-US" smtClean="0">
-                <a:latin typeface="Consolas" panose="020B0609020204030204" pitchFamily="49" charset="0"/>
-              </a:rPr>
-              <a:t>  { &amp;</a:t>
+            <a:br>
+              <a:rPr lang="en-US" smtClean="0">
+                <a:latin typeface="Consolas" panose="020B0609020204030204" pitchFamily="49" charset="0"/>
+              </a:rPr>
+            </a:br>
+            <a:r>
+              <a:rPr lang="en-US" smtClean="0">
+                <a:latin typeface="Consolas" panose="020B0609020204030204" pitchFamily="49" charset="0"/>
+              </a:rPr>
+              <a:t>  { &amp;nodes[1], WeightedEdge(3, </a:t>
             </a:r>
             <a:r>
               <a:rPr lang="en-US">
                 <a:latin typeface="Consolas" panose="020B0609020204030204" pitchFamily="49" charset="0"/>
               </a:rPr>
-              <a:t>nodes[2], </a:t>
-            </a:r>
-            <a:r>
-              <a:rPr lang="en-US" smtClean="0">
-                <a:latin typeface="Consolas" panose="020B0609020204030204" pitchFamily="49" charset="0"/>
-              </a:rPr>
-              <a:t>WeightedEdge(2</a:t>
-            </a:r>
-            <a:r>
-              <a:rPr lang="en-US">
-                <a:latin typeface="Consolas" panose="020B0609020204030204" pitchFamily="49" charset="0"/>
-              </a:rPr>
-              <a:t>, &amp;</a:t>
-            </a:r>
-            <a:r>
-              <a:rPr lang="en-US" smtClean="0">
-                <a:latin typeface="Consolas" panose="020B0609020204030204" pitchFamily="49" charset="0"/>
-              </a:rPr>
-              <a:t>nodes[</a:t>
-            </a:r>
-            <a:r>
-              <a:rPr lang="ru-RU" smtClean="0">
-                <a:latin typeface="Consolas" panose="020B0609020204030204" pitchFamily="49" charset="0"/>
-              </a:rPr>
-              <a:t>1</a:t>
-            </a:r>
-            <a:r>
-              <a:rPr lang="en-US" smtClean="0">
-                <a:latin typeface="Consolas" panose="020B0609020204030204" pitchFamily="49" charset="0"/>
-              </a:rPr>
-              <a:t>]) },</a:t>
-            </a:r>
-            <a:r>
-              <a:rPr lang="en-US" smtClean="0">
-                <a:latin typeface="Consolas" panose="020B0609020204030204" pitchFamily="49" charset="0"/>
-              </a:rPr>
-              <a:t/>
-            </a:r>
-            <a:br>
-              <a:rPr lang="en-US" smtClean="0">
-                <a:latin typeface="Consolas" panose="020B0609020204030204" pitchFamily="49" charset="0"/>
-              </a:rPr>
-            </a:br>
-            <a:r>
-              <a:rPr lang="en-US" smtClean="0">
-                <a:latin typeface="Consolas" panose="020B0609020204030204" pitchFamily="49" charset="0"/>
-              </a:rPr>
-              <a:t>  { &amp;</a:t>
-            </a:r>
-            <a:r>
-              <a:rPr lang="en-US" smtClean="0">
-                <a:latin typeface="Consolas" panose="020B0609020204030204" pitchFamily="49" charset="0"/>
-              </a:rPr>
-              <a:t>nodes[1], WeightedEdge(3, </a:t>
-            </a:r>
-            <a:r>
-              <a:rPr lang="en-US">
-                <a:latin typeface="Consolas" panose="020B0609020204030204" pitchFamily="49" charset="0"/>
-              </a:rPr>
               <a:t>&amp;</a:t>
             </a:r>
             <a:r>
               <a:rPr lang="en-US" smtClean="0">
                 <a:latin typeface="Consolas" panose="020B0609020204030204" pitchFamily="49" charset="0"/>
               </a:rPr>
-              <a:t>nodes[0</a:t>
-            </a:r>
-            <a:r>
-              <a:rPr lang="en-US" smtClean="0">
-                <a:latin typeface="Consolas" panose="020B0609020204030204" pitchFamily="49" charset="0"/>
-              </a:rPr>
-              <a:t>]) }};</a:t>
+              <a:t>nodes[0]) }};</a:t>
             </a:r>
             <a:endParaRPr lang="en-US">
               <a:latin typeface="Consolas" panose="020B0609020204030204" pitchFamily="49" charset="0"/>
@@ -16105,8 +15881,13 @@
             </a:r>
             <a:r>
               <a:rPr lang="ru-RU" sz="4800" smtClean="0"/>
-              <a:t>Критика</a:t>
-            </a:r>
+              <a:t>За пределами </a:t>
+            </a:r>
+            <a:r>
+              <a:rPr lang="ru-RU" sz="4800" smtClean="0"/>
+              <a:t>стандарта</a:t>
+            </a:r>
+            <a:endParaRPr lang="ru-RU" sz="4800" smtClean="0"/>
           </a:p>
         </p:txBody>
       </p:sp>
@@ -17824,8 +17605,9 @@
           <a:p>
             <a:r>
               <a:rPr lang="ru-RU" sz="2000" smtClean="0"/>
-              <a:t>Было:</a:t>
-            </a:r>
+              <a:t>Механическая замена не всегда работает. Например ниже. Было:</a:t>
+            </a:r>
+            <a:endParaRPr lang="ru-RU" sz="2000" smtClean="0"/>
           </a:p>
           <a:p>
             <a:pPr marL="45720" indent="0">
@@ -17984,121 +17766,220 @@
               </a:rPr>
             </a:br>
             <a:r>
-              <a:rPr lang="en-US" sz="1600">
-                <a:latin typeface="Consolas" panose="020B0609020204030204" pitchFamily="49" charset="0"/>
-              </a:rPr>
-              <a:t>      for (auto igen = gensbeg; igen != gensend; ++igen</a:t>
-            </a:r>
-            <a:r>
-              <a:rPr lang="en-US" sz="1600" smtClean="0">
-                <a:latin typeface="Consolas" panose="020B0609020204030204" pitchFamily="49" charset="0"/>
-              </a:rPr>
-              <a:t>)        </a:t>
-            </a:r>
-            <a:r>
-              <a:rPr lang="en-US" sz="1600">
-                <a:latin typeface="Consolas" panose="020B0609020204030204" pitchFamily="49" charset="0"/>
-              </a:rPr>
-              <a:t/>
-            </a:r>
-            <a:br>
-              <a:rPr lang="en-US" sz="1600">
-                <a:latin typeface="Consolas" panose="020B0609020204030204" pitchFamily="49" charset="0"/>
-              </a:rPr>
-            </a:br>
-            <a:r>
-              <a:rPr lang="en-US" sz="1600">
-                <a:latin typeface="Consolas" panose="020B0609020204030204" pitchFamily="49" charset="0"/>
-              </a:rPr>
-              <a:t>        if </a:t>
-            </a:r>
-            <a:r>
-              <a:rPr lang="en-US" sz="1600" smtClean="0">
-                <a:latin typeface="Consolas" panose="020B0609020204030204" pitchFamily="49" charset="0"/>
-              </a:rPr>
-              <a:t>(</a:t>
-            </a:r>
-            <a:r>
-              <a:rPr lang="en-US" sz="1600">
-                <a:latin typeface="Consolas" panose="020B0609020204030204" pitchFamily="49" charset="0"/>
-              </a:rPr>
-              <a:t>auto newelem = igen-&gt;apply(elem); </a:t>
-            </a:r>
-            <a:r>
-              <a:rPr lang="en-US" sz="1600" smtClean="0">
-                <a:solidFill>
-                  <a:srgbClr val="0000FF"/>
-                </a:solidFill>
-                <a:latin typeface="Consolas" panose="020B0609020204030204" pitchFamily="49" charset="0"/>
-              </a:rPr>
-              <a:t>orbit.find(newelem</a:t>
-            </a:r>
-            <a:r>
-              <a:rPr lang="en-US" sz="1600">
-                <a:solidFill>
-                  <a:srgbClr val="0000FF"/>
-                </a:solidFill>
+              <a:rPr lang="en-US" sz="1600" smtClean="0">
+                <a:latin typeface="Consolas" panose="020B0609020204030204" pitchFamily="49" charset="0"/>
+              </a:rPr>
+              <a:t>     </a:t>
+            </a:r>
+            <a:r>
+              <a:rPr lang="en-US" sz="1600" smtClean="0">
+                <a:latin typeface="Consolas" panose="020B0609020204030204" pitchFamily="49" charset="0"/>
+              </a:rPr>
+              <a:t> </a:t>
+            </a:r>
+            <a:r>
+              <a:rPr lang="en-US" sz="1600">
+                <a:latin typeface="Consolas" panose="020B0609020204030204" pitchFamily="49" charset="0"/>
+              </a:rPr>
+              <a:t>for (auto igen = gensbeg; igen != gensend; ++igen</a:t>
+            </a:r>
+            <a:r>
+              <a:rPr lang="en-US" sz="1600">
+                <a:latin typeface="Consolas" panose="020B0609020204030204" pitchFamily="49" charset="0"/>
+              </a:rPr>
+              <a:t>) </a:t>
+            </a:r>
+            <a:r>
+              <a:rPr lang="en-US" sz="1600" smtClean="0">
+                <a:latin typeface="Consolas" panose="020B0609020204030204" pitchFamily="49" charset="0"/>
+              </a:rPr>
+              <a:t>{</a:t>
+            </a:r>
+            <a:br>
+              <a:rPr lang="en-US" sz="1600" smtClean="0">
+                <a:latin typeface="Consolas" panose="020B0609020204030204" pitchFamily="49" charset="0"/>
+              </a:rPr>
+            </a:br>
+            <a:r>
+              <a:rPr lang="en-US" sz="1600" smtClean="0">
+                <a:solidFill>
+                  <a:srgbClr val="FF0000"/>
+                </a:solidFill>
+                <a:latin typeface="Consolas" panose="020B0609020204030204" pitchFamily="49" charset="0"/>
+              </a:rPr>
+              <a:t>        </a:t>
+            </a:r>
+            <a:r>
+              <a:rPr lang="en-US" sz="1600" smtClean="0">
+                <a:latin typeface="Consolas" panose="020B0609020204030204" pitchFamily="49" charset="0"/>
+              </a:rPr>
+              <a:t>auto newelem = igen-&gt;apply(elem);</a:t>
+            </a:r>
+            <a:br>
+              <a:rPr lang="en-US" sz="1600" smtClean="0">
+                <a:latin typeface="Consolas" panose="020B0609020204030204" pitchFamily="49" charset="0"/>
+              </a:rPr>
+            </a:br>
+            <a:r>
+              <a:rPr lang="en-US" sz="1600" smtClean="0">
+                <a:solidFill>
+                  <a:srgbClr val="FF0000"/>
+                </a:solidFill>
+                <a:latin typeface="Consolas" panose="020B0609020204030204" pitchFamily="49" charset="0"/>
+              </a:rPr>
+              <a:t>        </a:t>
+            </a:r>
+            <a:r>
+              <a:rPr lang="en-US" sz="1600" smtClean="0">
+                <a:latin typeface="Consolas" panose="020B0609020204030204" pitchFamily="49" charset="0"/>
+              </a:rPr>
+              <a:t>auto </a:t>
+            </a:r>
+            <a:r>
+              <a:rPr lang="en-US" sz="1600">
+                <a:latin typeface="Consolas" panose="020B0609020204030204" pitchFamily="49" charset="0"/>
+              </a:rPr>
+              <a:t>it </a:t>
+            </a:r>
+            <a:r>
+              <a:rPr lang="en-US" sz="1600" smtClean="0">
+                <a:latin typeface="Consolas" panose="020B0609020204030204" pitchFamily="49" charset="0"/>
+              </a:rPr>
+              <a:t>=</a:t>
+            </a:r>
+            <a:r>
+              <a:rPr lang="en-US" sz="1600" smtClean="0">
+                <a:solidFill>
+                  <a:srgbClr val="FF0000"/>
+                </a:solidFill>
+                <a:latin typeface="Consolas" panose="020B0609020204030204" pitchFamily="49" charset="0"/>
+              </a:rPr>
+              <a:t> </a:t>
+            </a:r>
+            <a:r>
+              <a:rPr lang="en-US" sz="1600">
+                <a:solidFill>
+                  <a:srgbClr val="FF0000"/>
+                </a:solidFill>
+                <a:latin typeface="Consolas" panose="020B0609020204030204" pitchFamily="49" charset="0"/>
+              </a:rPr>
+              <a:t>orbit.lower_bound(newelem</a:t>
+            </a:r>
+            <a:r>
+              <a:rPr lang="en-US" sz="1600" smtClean="0">
+                <a:solidFill>
+                  <a:srgbClr val="FF0000"/>
+                </a:solidFill>
+                <a:latin typeface="Consolas" panose="020B0609020204030204" pitchFamily="49" charset="0"/>
+              </a:rPr>
+              <a:t>);</a:t>
+            </a:r>
+            <a:br>
+              <a:rPr lang="en-US" sz="1600" smtClean="0">
+                <a:solidFill>
+                  <a:srgbClr val="FF0000"/>
+                </a:solidFill>
+                <a:latin typeface="Consolas" panose="020B0609020204030204" pitchFamily="49" charset="0"/>
+              </a:rPr>
+            </a:br>
+            <a:r>
+              <a:rPr lang="en-US" sz="1600" smtClean="0">
+                <a:solidFill>
+                  <a:srgbClr val="FF0000"/>
+                </a:solidFill>
+                <a:latin typeface="Consolas" panose="020B0609020204030204" pitchFamily="49" charset="0"/>
+              </a:rPr>
+              <a:t>        </a:t>
+            </a:r>
+            <a:r>
+              <a:rPr lang="en-US" sz="1600">
+                <a:latin typeface="Consolas" panose="020B0609020204030204" pitchFamily="49" charset="0"/>
+              </a:rPr>
+              <a:t>if (it == orbit.end() || it-&gt;first != </a:t>
+            </a:r>
+            <a:r>
+              <a:rPr lang="en-US" sz="1600">
+                <a:latin typeface="Consolas" panose="020B0609020204030204" pitchFamily="49" charset="0"/>
+              </a:rPr>
+              <a:t>newelem</a:t>
+            </a:r>
+            <a:r>
+              <a:rPr lang="en-US" sz="1600" smtClean="0">
                 <a:latin typeface="Consolas" panose="020B0609020204030204" pitchFamily="49" charset="0"/>
               </a:rPr>
               <a:t>)</a:t>
             </a:r>
-            <a:r>
-              <a:rPr lang="en-US" sz="1600">
-                <a:latin typeface="Consolas" panose="020B0609020204030204" pitchFamily="49" charset="0"/>
-              </a:rPr>
-              <a:t> == orbit.end())</a:t>
-            </a:r>
-            <a:br>
-              <a:rPr lang="en-US" sz="1600">
-                <a:latin typeface="Consolas" panose="020B0609020204030204" pitchFamily="49" charset="0"/>
-              </a:rPr>
-            </a:br>
-            <a:r>
-              <a:rPr lang="en-US" sz="1600">
-                <a:latin typeface="Consolas" panose="020B0609020204030204" pitchFamily="49" charset="0"/>
-              </a:rPr>
-              <a:t>          tmp.insert(</a:t>
-            </a:r>
-            <a:r>
-              <a:rPr lang="en-US" sz="1600">
-                <a:solidFill>
-                  <a:srgbClr val="0000FF"/>
-                </a:solidFill>
-                <a:latin typeface="Consolas" panose="020B0609020204030204" pitchFamily="49" charset="0"/>
-              </a:rPr>
-              <a:t>{newelem, product(curgen, *igen</a:t>
-            </a:r>
-            <a:r>
-              <a:rPr lang="en-US" sz="1600" smtClean="0">
-                <a:solidFill>
-                  <a:srgbClr val="0000FF"/>
-                </a:solidFill>
-                <a:latin typeface="Consolas" panose="020B0609020204030204" pitchFamily="49" charset="0"/>
-              </a:rPr>
-              <a:t>)}</a:t>
-            </a:r>
-            <a:r>
-              <a:rPr lang="en-US" sz="1600" smtClean="0">
-                <a:latin typeface="Consolas" panose="020B0609020204030204" pitchFamily="49" charset="0"/>
-              </a:rPr>
-              <a:t>);      </a:t>
-            </a:r>
-            <a:r>
-              <a:rPr lang="en-US" sz="1600">
-                <a:latin typeface="Consolas" panose="020B0609020204030204" pitchFamily="49" charset="0"/>
-              </a:rPr>
-              <a:t/>
-            </a:r>
-            <a:br>
-              <a:rPr lang="en-US" sz="1600">
-                <a:latin typeface="Consolas" panose="020B0609020204030204" pitchFamily="49" charset="0"/>
-              </a:rPr>
-            </a:br>
-            <a:r>
-              <a:rPr lang="en-US" sz="1600">
-                <a:latin typeface="Consolas" panose="020B0609020204030204" pitchFamily="49" charset="0"/>
-              </a:rPr>
-              <a:t>    next.swap(tmp);</a:t>
+            <a:br>
+              <a:rPr lang="en-US" sz="1600" smtClean="0">
+                <a:latin typeface="Consolas" panose="020B0609020204030204" pitchFamily="49" charset="0"/>
+              </a:rPr>
+            </a:br>
+            <a:r>
+              <a:rPr lang="en-US" sz="1600" smtClean="0">
+                <a:solidFill>
+                  <a:srgbClr val="FF0000"/>
+                </a:solidFill>
+                <a:latin typeface="Consolas" panose="020B0609020204030204" pitchFamily="49" charset="0"/>
+              </a:rPr>
+              <a:t>          </a:t>
+            </a:r>
+            <a:r>
+              <a:rPr lang="en-US" sz="1600">
+                <a:solidFill>
+                  <a:srgbClr val="FF0000"/>
+                </a:solidFill>
+                <a:latin typeface="Consolas" panose="020B0609020204030204" pitchFamily="49" charset="0"/>
+              </a:rPr>
+              <a:t>tmp.emplace_hint(it, newelem, product(curgen, *</a:t>
+            </a:r>
+            <a:r>
+              <a:rPr lang="en-US" sz="1600">
+                <a:solidFill>
+                  <a:srgbClr val="FF0000"/>
+                </a:solidFill>
+                <a:latin typeface="Consolas" panose="020B0609020204030204" pitchFamily="49" charset="0"/>
+              </a:rPr>
+              <a:t>igen</a:t>
+            </a:r>
+            <a:r>
+              <a:rPr lang="en-US" sz="1600" smtClean="0">
+                <a:solidFill>
+                  <a:srgbClr val="FF0000"/>
+                </a:solidFill>
+                <a:latin typeface="Consolas" panose="020B0609020204030204" pitchFamily="49" charset="0"/>
+              </a:rPr>
+              <a:t>));</a:t>
+            </a:r>
+            <a:br>
+              <a:rPr lang="en-US" sz="1600" smtClean="0">
+                <a:solidFill>
+                  <a:srgbClr val="FF0000"/>
+                </a:solidFill>
+                <a:latin typeface="Consolas" panose="020B0609020204030204" pitchFamily="49" charset="0"/>
+              </a:rPr>
+            </a:br>
+            <a:r>
+              <a:rPr lang="en-US" sz="1600" smtClean="0">
+                <a:latin typeface="Consolas" panose="020B0609020204030204" pitchFamily="49" charset="0"/>
+              </a:rPr>
+              <a:t>      }</a:t>
+            </a:r>
+            <a:br>
+              <a:rPr lang="en-US" sz="1600" smtClean="0">
+                <a:latin typeface="Consolas" panose="020B0609020204030204" pitchFamily="49" charset="0"/>
+              </a:rPr>
+            </a:br>
+            <a:r>
+              <a:rPr lang="en-US" sz="1600" smtClean="0">
+                <a:latin typeface="Consolas" panose="020B0609020204030204" pitchFamily="49" charset="0"/>
+              </a:rPr>
+              <a:t>    </a:t>
+            </a:r>
+            <a:r>
+              <a:rPr lang="en-US" sz="1600">
+                <a:latin typeface="Consolas" panose="020B0609020204030204" pitchFamily="49" charset="0"/>
+              </a:rPr>
+              <a:t>next.swap(tmp);</a:t>
             </a:r>
             <a:br>
               <a:rPr lang="en-US" sz="1600">
@@ -18714,6 +18595,579 @@
           </a:p>
         </p:txBody>
       </p:sp>
+      <p:sp>
+        <p:nvSpPr>
+          <p:cNvPr id="4" name="Rectangle 3"/>
+          <p:cNvSpPr/>
+          <p:nvPr/>
+        </p:nvSpPr>
+        <p:spPr>
+          <a:xfrm>
+            <a:off x="10247870" y="2325129"/>
+            <a:ext cx="593123" cy="518984"/>
+          </a:xfrm>
+          <a:prstGeom prst="rect">
+            <a:avLst/>
+          </a:prstGeom>
+        </p:spPr>
+        <p:style>
+          <a:lnRef idx="1">
+            <a:schemeClr val="accent4"/>
+          </a:lnRef>
+          <a:fillRef idx="2">
+            <a:schemeClr val="accent4"/>
+          </a:fillRef>
+          <a:effectRef idx="1">
+            <a:schemeClr val="accent4"/>
+          </a:effectRef>
+          <a:fontRef idx="minor">
+            <a:schemeClr val="dk1"/>
+          </a:fontRef>
+        </p:style>
+        <p:txBody>
+          <a:bodyPr rtlCol="0" anchor="ctr"/>
+          <a:lstStyle/>
+          <a:p>
+            <a:pPr algn="ctr"/>
+            <a:r>
+              <a:rPr lang="en-US" smtClean="0">
+                <a:latin typeface="Consolas" panose="020B0609020204030204" pitchFamily="49" charset="0"/>
+              </a:rPr>
+              <a:t>1</a:t>
+            </a:r>
+            <a:endParaRPr lang="en-US">
+              <a:latin typeface="Consolas" panose="020B0609020204030204" pitchFamily="49" charset="0"/>
+            </a:endParaRPr>
+          </a:p>
+        </p:txBody>
+      </p:sp>
+      <p:sp>
+        <p:nvSpPr>
+          <p:cNvPr id="5" name="Rectangle 4"/>
+          <p:cNvSpPr/>
+          <p:nvPr/>
+        </p:nvSpPr>
+        <p:spPr>
+          <a:xfrm>
+            <a:off x="9572368" y="3180011"/>
+            <a:ext cx="568406" cy="518984"/>
+          </a:xfrm>
+          <a:prstGeom prst="rect">
+            <a:avLst/>
+          </a:prstGeom>
+        </p:spPr>
+        <p:style>
+          <a:lnRef idx="1">
+            <a:schemeClr val="accent4"/>
+          </a:lnRef>
+          <a:fillRef idx="2">
+            <a:schemeClr val="accent4"/>
+          </a:fillRef>
+          <a:effectRef idx="1">
+            <a:schemeClr val="accent4"/>
+          </a:effectRef>
+          <a:fontRef idx="minor">
+            <a:schemeClr val="dk1"/>
+          </a:fontRef>
+        </p:style>
+        <p:txBody>
+          <a:bodyPr rtlCol="0" anchor="ctr"/>
+          <a:lstStyle/>
+          <a:p>
+            <a:pPr algn="ctr"/>
+            <a:r>
+              <a:rPr lang="en-US" smtClean="0">
+                <a:latin typeface="Consolas" panose="020B0609020204030204" pitchFamily="49" charset="0"/>
+              </a:rPr>
+              <a:t>2</a:t>
+            </a:r>
+            <a:endParaRPr lang="en-US">
+              <a:latin typeface="Consolas" panose="020B0609020204030204" pitchFamily="49" charset="0"/>
+            </a:endParaRPr>
+          </a:p>
+        </p:txBody>
+      </p:sp>
+      <p:sp>
+        <p:nvSpPr>
+          <p:cNvPr id="6" name="Rectangle 5"/>
+          <p:cNvSpPr/>
+          <p:nvPr/>
+        </p:nvSpPr>
+        <p:spPr>
+          <a:xfrm>
+            <a:off x="10891362" y="3180011"/>
+            <a:ext cx="545579" cy="518984"/>
+          </a:xfrm>
+          <a:prstGeom prst="rect">
+            <a:avLst/>
+          </a:prstGeom>
+          <a:solidFill>
+            <a:schemeClr val="accent2">
+              <a:lumMod val="60000"/>
+              <a:lumOff val="40000"/>
+            </a:schemeClr>
+          </a:solidFill>
+        </p:spPr>
+        <p:style>
+          <a:lnRef idx="1">
+            <a:schemeClr val="accent4"/>
+          </a:lnRef>
+          <a:fillRef idx="2">
+            <a:schemeClr val="accent4"/>
+          </a:fillRef>
+          <a:effectRef idx="1">
+            <a:schemeClr val="accent4"/>
+          </a:effectRef>
+          <a:fontRef idx="minor">
+            <a:schemeClr val="dk1"/>
+          </a:fontRef>
+        </p:style>
+        <p:txBody>
+          <a:bodyPr rtlCol="0" anchor="ctr"/>
+          <a:lstStyle/>
+          <a:p>
+            <a:pPr algn="ctr"/>
+            <a:r>
+              <a:rPr lang="en-US" smtClean="0">
+                <a:latin typeface="Consolas" panose="020B0609020204030204" pitchFamily="49" charset="0"/>
+              </a:rPr>
+              <a:t>1</a:t>
+            </a:r>
+            <a:endParaRPr lang="en-US">
+              <a:latin typeface="Consolas" panose="020B0609020204030204" pitchFamily="49" charset="0"/>
+            </a:endParaRPr>
+          </a:p>
+        </p:txBody>
+      </p:sp>
+      <p:cxnSp>
+        <p:nvCxnSpPr>
+          <p:cNvPr id="7" name="Straight Connector 6"/>
+          <p:cNvCxnSpPr>
+            <a:stCxn id="4" idx="2"/>
+            <a:endCxn id="5" idx="0"/>
+          </p:cNvCxnSpPr>
+          <p:nvPr/>
+        </p:nvCxnSpPr>
+        <p:spPr>
+          <a:xfrm flipH="1">
+            <a:off x="9856571" y="2844113"/>
+            <a:ext cx="687861" cy="335898"/>
+          </a:xfrm>
+          <a:prstGeom prst="line">
+            <a:avLst/>
+          </a:prstGeom>
+          <a:ln w="38100">
+            <a:solidFill>
+              <a:srgbClr val="FF0000"/>
+            </a:solidFill>
+          </a:ln>
+        </p:spPr>
+        <p:style>
+          <a:lnRef idx="1">
+            <a:schemeClr val="accent1"/>
+          </a:lnRef>
+          <a:fillRef idx="0">
+            <a:schemeClr val="accent1"/>
+          </a:fillRef>
+          <a:effectRef idx="0">
+            <a:schemeClr val="accent1"/>
+          </a:effectRef>
+          <a:fontRef idx="minor">
+            <a:schemeClr val="tx1"/>
+          </a:fontRef>
+        </p:style>
+      </p:cxnSp>
+      <p:cxnSp>
+        <p:nvCxnSpPr>
+          <p:cNvPr id="8" name="Straight Connector 7"/>
+          <p:cNvCxnSpPr>
+            <a:stCxn id="4" idx="2"/>
+            <a:endCxn id="6" idx="0"/>
+          </p:cNvCxnSpPr>
+          <p:nvPr/>
+        </p:nvCxnSpPr>
+        <p:spPr>
+          <a:xfrm>
+            <a:off x="10544432" y="2844113"/>
+            <a:ext cx="619720" cy="335898"/>
+          </a:xfrm>
+          <a:prstGeom prst="line">
+            <a:avLst/>
+          </a:prstGeom>
+          <a:ln w="38100">
+            <a:solidFill>
+              <a:srgbClr val="0000FF"/>
+            </a:solidFill>
+          </a:ln>
+        </p:spPr>
+        <p:style>
+          <a:lnRef idx="1">
+            <a:schemeClr val="accent1"/>
+          </a:lnRef>
+          <a:fillRef idx="0">
+            <a:schemeClr val="accent1"/>
+          </a:fillRef>
+          <a:effectRef idx="0">
+            <a:schemeClr val="accent1"/>
+          </a:effectRef>
+          <a:fontRef idx="minor">
+            <a:schemeClr val="tx1"/>
+          </a:fontRef>
+        </p:style>
+      </p:cxnSp>
+      <p:sp>
+        <p:nvSpPr>
+          <p:cNvPr id="24" name="Rectangle 23"/>
+          <p:cNvSpPr/>
+          <p:nvPr/>
+        </p:nvSpPr>
+        <p:spPr>
+          <a:xfrm>
+            <a:off x="9288165" y="4183792"/>
+            <a:ext cx="568406" cy="518984"/>
+          </a:xfrm>
+          <a:prstGeom prst="rect">
+            <a:avLst/>
+          </a:prstGeom>
+          <a:solidFill>
+            <a:schemeClr val="accent2">
+              <a:lumMod val="40000"/>
+              <a:lumOff val="60000"/>
+            </a:schemeClr>
+          </a:solidFill>
+        </p:spPr>
+        <p:style>
+          <a:lnRef idx="1">
+            <a:schemeClr val="accent4"/>
+          </a:lnRef>
+          <a:fillRef idx="2">
+            <a:schemeClr val="accent4"/>
+          </a:fillRef>
+          <a:effectRef idx="1">
+            <a:schemeClr val="accent4"/>
+          </a:effectRef>
+          <a:fontRef idx="minor">
+            <a:schemeClr val="dk1"/>
+          </a:fontRef>
+        </p:style>
+        <p:txBody>
+          <a:bodyPr rtlCol="0" anchor="ctr"/>
+          <a:lstStyle/>
+          <a:p>
+            <a:pPr algn="ctr"/>
+            <a:r>
+              <a:rPr lang="en-US" smtClean="0">
+                <a:latin typeface="Consolas" panose="020B0609020204030204" pitchFamily="49" charset="0"/>
+              </a:rPr>
+              <a:t>1</a:t>
+            </a:r>
+            <a:endParaRPr lang="en-US">
+              <a:latin typeface="Consolas" panose="020B0609020204030204" pitchFamily="49" charset="0"/>
+            </a:endParaRPr>
+          </a:p>
+        </p:txBody>
+      </p:sp>
+      <p:sp>
+        <p:nvSpPr>
+          <p:cNvPr id="25" name="Rectangle 24"/>
+          <p:cNvSpPr/>
+          <p:nvPr/>
+        </p:nvSpPr>
+        <p:spPr>
+          <a:xfrm>
+            <a:off x="10116529" y="4183792"/>
+            <a:ext cx="568406" cy="518984"/>
+          </a:xfrm>
+          <a:prstGeom prst="rect">
+            <a:avLst/>
+          </a:prstGeom>
+        </p:spPr>
+        <p:style>
+          <a:lnRef idx="1">
+            <a:schemeClr val="accent4"/>
+          </a:lnRef>
+          <a:fillRef idx="2">
+            <a:schemeClr val="accent4"/>
+          </a:fillRef>
+          <a:effectRef idx="1">
+            <a:schemeClr val="accent4"/>
+          </a:effectRef>
+          <a:fontRef idx="minor">
+            <a:schemeClr val="dk1"/>
+          </a:fontRef>
+        </p:style>
+        <p:txBody>
+          <a:bodyPr rtlCol="0" anchor="ctr"/>
+          <a:lstStyle/>
+          <a:p>
+            <a:pPr algn="ctr"/>
+            <a:r>
+              <a:rPr lang="en-US" smtClean="0">
+                <a:latin typeface="Consolas" panose="020B0609020204030204" pitchFamily="49" charset="0"/>
+              </a:rPr>
+              <a:t>3</a:t>
+            </a:r>
+            <a:endParaRPr lang="en-US">
+              <a:latin typeface="Consolas" panose="020B0609020204030204" pitchFamily="49" charset="0"/>
+            </a:endParaRPr>
+          </a:p>
+        </p:txBody>
+      </p:sp>
+      <p:cxnSp>
+        <p:nvCxnSpPr>
+          <p:cNvPr id="26" name="Straight Connector 25"/>
+          <p:cNvCxnSpPr>
+            <a:stCxn id="5" idx="2"/>
+            <a:endCxn id="25" idx="0"/>
+          </p:cNvCxnSpPr>
+          <p:nvPr/>
+        </p:nvCxnSpPr>
+        <p:spPr>
+          <a:xfrm>
+            <a:off x="9856571" y="3698995"/>
+            <a:ext cx="544161" cy="484797"/>
+          </a:xfrm>
+          <a:prstGeom prst="line">
+            <a:avLst/>
+          </a:prstGeom>
+          <a:ln w="38100">
+            <a:solidFill>
+              <a:srgbClr val="0000FF"/>
+            </a:solidFill>
+          </a:ln>
+        </p:spPr>
+        <p:style>
+          <a:lnRef idx="1">
+            <a:schemeClr val="accent1"/>
+          </a:lnRef>
+          <a:fillRef idx="0">
+            <a:schemeClr val="accent1"/>
+          </a:fillRef>
+          <a:effectRef idx="0">
+            <a:schemeClr val="accent1"/>
+          </a:effectRef>
+          <a:fontRef idx="minor">
+            <a:schemeClr val="tx1"/>
+          </a:fontRef>
+        </p:style>
+      </p:cxnSp>
+      <p:cxnSp>
+        <p:nvCxnSpPr>
+          <p:cNvPr id="29" name="Straight Connector 28"/>
+          <p:cNvCxnSpPr>
+            <a:stCxn id="5" idx="2"/>
+            <a:endCxn id="24" idx="0"/>
+          </p:cNvCxnSpPr>
+          <p:nvPr/>
+        </p:nvCxnSpPr>
+        <p:spPr>
+          <a:xfrm flipH="1">
+            <a:off x="9572368" y="3698995"/>
+            <a:ext cx="284203" cy="484797"/>
+          </a:xfrm>
+          <a:prstGeom prst="line">
+            <a:avLst/>
+          </a:prstGeom>
+          <a:ln w="38100">
+            <a:solidFill>
+              <a:srgbClr val="FF0000"/>
+            </a:solidFill>
+          </a:ln>
+        </p:spPr>
+        <p:style>
+          <a:lnRef idx="1">
+            <a:schemeClr val="accent1"/>
+          </a:lnRef>
+          <a:fillRef idx="0">
+            <a:schemeClr val="accent1"/>
+          </a:fillRef>
+          <a:effectRef idx="0">
+            <a:schemeClr val="accent1"/>
+          </a:effectRef>
+          <a:fontRef idx="minor">
+            <a:schemeClr val="tx1"/>
+          </a:fontRef>
+        </p:style>
+      </p:cxnSp>
+      <p:sp>
+        <p:nvSpPr>
+          <p:cNvPr id="32" name="Rectangle 31"/>
+          <p:cNvSpPr/>
+          <p:nvPr/>
+        </p:nvSpPr>
+        <p:spPr>
+          <a:xfrm>
+            <a:off x="9694345" y="5167699"/>
+            <a:ext cx="568406" cy="518984"/>
+          </a:xfrm>
+          <a:prstGeom prst="rect">
+            <a:avLst/>
+          </a:prstGeom>
+          <a:solidFill>
+            <a:schemeClr val="accent2">
+              <a:lumMod val="40000"/>
+              <a:lumOff val="60000"/>
+            </a:schemeClr>
+          </a:solidFill>
+        </p:spPr>
+        <p:style>
+          <a:lnRef idx="1">
+            <a:schemeClr val="accent4"/>
+          </a:lnRef>
+          <a:fillRef idx="2">
+            <a:schemeClr val="accent4"/>
+          </a:fillRef>
+          <a:effectRef idx="1">
+            <a:schemeClr val="accent4"/>
+          </a:effectRef>
+          <a:fontRef idx="minor">
+            <a:schemeClr val="dk1"/>
+          </a:fontRef>
+        </p:style>
+        <p:txBody>
+          <a:bodyPr rtlCol="0" anchor="ctr"/>
+          <a:lstStyle/>
+          <a:p>
+            <a:pPr algn="ctr"/>
+            <a:r>
+              <a:rPr lang="en-US" smtClean="0">
+                <a:latin typeface="Consolas" panose="020B0609020204030204" pitchFamily="49" charset="0"/>
+              </a:rPr>
+              <a:t>3</a:t>
+            </a:r>
+            <a:endParaRPr lang="en-US">
+              <a:latin typeface="Consolas" panose="020B0609020204030204" pitchFamily="49" charset="0"/>
+            </a:endParaRPr>
+          </a:p>
+        </p:txBody>
+      </p:sp>
+      <p:sp>
+        <p:nvSpPr>
+          <p:cNvPr id="33" name="Rectangle 32"/>
+          <p:cNvSpPr/>
+          <p:nvPr/>
+        </p:nvSpPr>
+        <p:spPr>
+          <a:xfrm>
+            <a:off x="10681287" y="5159771"/>
+            <a:ext cx="568406" cy="518984"/>
+          </a:xfrm>
+          <a:prstGeom prst="rect">
+            <a:avLst/>
+          </a:prstGeom>
+          <a:solidFill>
+            <a:schemeClr val="accent2">
+              <a:lumMod val="40000"/>
+              <a:lumOff val="60000"/>
+            </a:schemeClr>
+          </a:solidFill>
+        </p:spPr>
+        <p:style>
+          <a:lnRef idx="1">
+            <a:schemeClr val="accent4"/>
+          </a:lnRef>
+          <a:fillRef idx="2">
+            <a:schemeClr val="accent4"/>
+          </a:fillRef>
+          <a:effectRef idx="1">
+            <a:schemeClr val="accent4"/>
+          </a:effectRef>
+          <a:fontRef idx="minor">
+            <a:schemeClr val="dk1"/>
+          </a:fontRef>
+        </p:style>
+        <p:txBody>
+          <a:bodyPr rtlCol="0" anchor="ctr"/>
+          <a:lstStyle/>
+          <a:p>
+            <a:pPr algn="ctr"/>
+            <a:r>
+              <a:rPr lang="en-US" smtClean="0">
+                <a:latin typeface="Consolas" panose="020B0609020204030204" pitchFamily="49" charset="0"/>
+              </a:rPr>
+              <a:t>2</a:t>
+            </a:r>
+            <a:endParaRPr lang="en-US">
+              <a:latin typeface="Consolas" panose="020B0609020204030204" pitchFamily="49" charset="0"/>
+            </a:endParaRPr>
+          </a:p>
+        </p:txBody>
+      </p:sp>
+      <p:cxnSp>
+        <p:nvCxnSpPr>
+          <p:cNvPr id="34" name="Straight Connector 33"/>
+          <p:cNvCxnSpPr>
+            <a:stCxn id="25" idx="2"/>
+            <a:endCxn id="32" idx="0"/>
+          </p:cNvCxnSpPr>
+          <p:nvPr/>
+        </p:nvCxnSpPr>
+        <p:spPr>
+          <a:xfrm flipH="1">
+            <a:off x="9978548" y="4702776"/>
+            <a:ext cx="422184" cy="464923"/>
+          </a:xfrm>
+          <a:prstGeom prst="line">
+            <a:avLst/>
+          </a:prstGeom>
+          <a:ln w="38100">
+            <a:solidFill>
+              <a:srgbClr val="FF0000"/>
+            </a:solidFill>
+          </a:ln>
+        </p:spPr>
+        <p:style>
+          <a:lnRef idx="1">
+            <a:schemeClr val="accent1"/>
+          </a:lnRef>
+          <a:fillRef idx="0">
+            <a:schemeClr val="accent1"/>
+          </a:fillRef>
+          <a:effectRef idx="0">
+            <a:schemeClr val="accent1"/>
+          </a:effectRef>
+          <a:fontRef idx="minor">
+            <a:schemeClr val="tx1"/>
+          </a:fontRef>
+        </p:style>
+      </p:cxnSp>
+      <p:cxnSp>
+        <p:nvCxnSpPr>
+          <p:cNvPr id="37" name="Straight Connector 36"/>
+          <p:cNvCxnSpPr>
+            <a:stCxn id="25" idx="2"/>
+          </p:cNvCxnSpPr>
+          <p:nvPr/>
+        </p:nvCxnSpPr>
+        <p:spPr>
+          <a:xfrm>
+            <a:off x="10400732" y="4702776"/>
+            <a:ext cx="564758" cy="456995"/>
+          </a:xfrm>
+          <a:prstGeom prst="line">
+            <a:avLst/>
+          </a:prstGeom>
+          <a:ln w="38100">
+            <a:solidFill>
+              <a:srgbClr val="0000FF"/>
+            </a:solidFill>
+          </a:ln>
+        </p:spPr>
+        <p:style>
+          <a:lnRef idx="1">
+            <a:schemeClr val="accent1"/>
+          </a:lnRef>
+          <a:fillRef idx="0">
+            <a:schemeClr val="accent1"/>
+          </a:fillRef>
+          <a:effectRef idx="0">
+            <a:schemeClr val="accent1"/>
+          </a:effectRef>
+          <a:fontRef idx="minor">
+            <a:schemeClr val="tx1"/>
+          </a:fontRef>
+        </p:style>
+      </p:cxnSp>
     </p:spTree>
     <p:extLst>
       <p:ext uri="{BB962C8B-B14F-4D97-AF65-F5344CB8AC3E}">
@@ -19062,31 +19516,46 @@
               <a:rPr lang="en-US" sz="1600">
                 <a:latin typeface="Consolas" panose="020B0609020204030204" pitchFamily="49" charset="0"/>
               </a:rPr>
-              <a:t>          tmp.insert(</a:t>
-            </a:r>
-            <a:r>
-              <a:rPr lang="en-US" sz="1600">
+              <a:t>          </a:t>
+            </a:r>
+            <a:r>
+              <a:rPr lang="en-US" sz="1600" smtClean="0">
+                <a:latin typeface="Consolas" panose="020B0609020204030204" pitchFamily="49" charset="0"/>
+              </a:rPr>
+              <a:t>tmp.emplace(</a:t>
+            </a:r>
+            <a:r>
+              <a:rPr lang="en-US" sz="1600" smtClean="0">
                 <a:solidFill>
                   <a:srgbClr val="0000FF"/>
                 </a:solidFill>
                 <a:latin typeface="Consolas" panose="020B0609020204030204" pitchFamily="49" charset="0"/>
               </a:rPr>
-              <a:t>{newelem, product(curgen, *igen</a:t>
-            </a:r>
-            <a:r>
-              <a:rPr lang="en-US" sz="1600" smtClean="0">
+              <a:t>newelem</a:t>
+            </a:r>
+            <a:r>
+              <a:rPr lang="en-US" sz="1600">
                 <a:solidFill>
                   <a:srgbClr val="0000FF"/>
                 </a:solidFill>
                 <a:latin typeface="Consolas" panose="020B0609020204030204" pitchFamily="49" charset="0"/>
               </a:rPr>
-              <a:t>)}</a:t>
-            </a:r>
-            <a:r>
-              <a:rPr lang="en-US" sz="1600" smtClean="0">
-                <a:latin typeface="Consolas" panose="020B0609020204030204" pitchFamily="49" charset="0"/>
-              </a:rPr>
-              <a:t>);      </a:t>
+              <a:t>, product(curgen, *igen</a:t>
+            </a:r>
+            <a:r>
+              <a:rPr lang="en-US" sz="1600" smtClean="0">
+                <a:solidFill>
+                  <a:srgbClr val="0000FF"/>
+                </a:solidFill>
+                <a:latin typeface="Consolas" panose="020B0609020204030204" pitchFamily="49" charset="0"/>
+              </a:rPr>
+              <a:t>)</a:t>
+            </a:r>
+            <a:r>
+              <a:rPr lang="en-US" sz="1600" smtClean="0">
+                <a:latin typeface="Consolas" panose="020B0609020204030204" pitchFamily="49" charset="0"/>
+              </a:rPr>
+              <a:t>);</a:t>
             </a:r>
             <a:r>
               <a:rPr lang="en-US" sz="1600">
@@ -19195,7 +19664,7 @@
           <a:p>
             <a:r>
               <a:rPr lang="ru-RU" smtClean="0"/>
-              <a:t>Особенности словарей</a:t>
+              <a:t>Сравнение производительности</a:t>
             </a:r>
             <a:endParaRPr lang="en-US"/>
           </a:p>
@@ -19218,191 +19687,35 @@
           <a:p>
             <a:r>
               <a:rPr lang="ru-RU" smtClean="0"/>
-              <a:t>Объявление в стандарте поучительно</a:t>
-            </a:r>
-          </a:p>
-          <a:p>
-            <a:pPr marL="45720" indent="0">
-              <a:buNone/>
-            </a:pPr>
-            <a:r>
-              <a:rPr lang="en-US" smtClean="0">
-                <a:latin typeface="Consolas" panose="020B0609020204030204" pitchFamily="49" charset="0"/>
-              </a:rPr>
-              <a:t>template&lt;class </a:t>
-            </a:r>
-            <a:r>
-              <a:rPr lang="en-US">
-                <a:latin typeface="Consolas" panose="020B0609020204030204" pitchFamily="49" charset="0"/>
-              </a:rPr>
-              <a:t>Key</a:t>
-            </a:r>
-            <a:r>
-              <a:rPr lang="en-US" smtClean="0">
-                <a:latin typeface="Consolas" panose="020B0609020204030204" pitchFamily="49" charset="0"/>
-              </a:rPr>
-              <a:t>, </a:t>
-            </a:r>
-            <a:r>
-              <a:rPr lang="en-US">
-                <a:latin typeface="Consolas" panose="020B0609020204030204" pitchFamily="49" charset="0"/>
-              </a:rPr>
-              <a:t>class T</a:t>
-            </a:r>
-            <a:r>
-              <a:rPr lang="en-US" smtClean="0">
-                <a:latin typeface="Consolas" panose="020B0609020204030204" pitchFamily="49" charset="0"/>
-              </a:rPr>
-              <a:t>, </a:t>
-            </a:r>
-            <a:r>
-              <a:rPr lang="en-US">
-                <a:solidFill>
-                  <a:srgbClr val="0000FF"/>
-                </a:solidFill>
-                <a:latin typeface="Consolas" panose="020B0609020204030204" pitchFamily="49" charset="0"/>
-              </a:rPr>
-              <a:t>class Hash = </a:t>
-            </a:r>
-            <a:r>
-              <a:rPr lang="en-US" smtClean="0">
-                <a:solidFill>
-                  <a:srgbClr val="0000FF"/>
-                </a:solidFill>
-                <a:latin typeface="Consolas" panose="020B0609020204030204" pitchFamily="49" charset="0"/>
-              </a:rPr>
-              <a:t>hash&lt;Key&gt;</a:t>
-            </a:r>
-            <a:r>
-              <a:rPr lang="en-US" smtClean="0">
-                <a:latin typeface="Consolas" panose="020B0609020204030204" pitchFamily="49" charset="0"/>
-              </a:rPr>
-              <a:t>,</a:t>
-            </a:r>
-            <a:br>
-              <a:rPr lang="en-US" smtClean="0">
-                <a:latin typeface="Consolas" panose="020B0609020204030204" pitchFamily="49" charset="0"/>
-              </a:rPr>
-            </a:br>
-            <a:r>
-              <a:rPr lang="en-US" smtClean="0">
-                <a:latin typeface="Consolas" panose="020B0609020204030204" pitchFamily="49" charset="0"/>
-              </a:rPr>
-              <a:t>         </a:t>
-            </a:r>
-            <a:r>
-              <a:rPr lang="en-US">
-                <a:solidFill>
-                  <a:srgbClr val="0000FF"/>
-                </a:solidFill>
-                <a:latin typeface="Consolas" panose="020B0609020204030204" pitchFamily="49" charset="0"/>
-              </a:rPr>
-              <a:t>class KeyEqual = </a:t>
-            </a:r>
-            <a:r>
-              <a:rPr lang="en-US" smtClean="0">
-                <a:solidFill>
-                  <a:srgbClr val="0000FF"/>
-                </a:solidFill>
-                <a:latin typeface="Consolas" panose="020B0609020204030204" pitchFamily="49" charset="0"/>
-              </a:rPr>
-              <a:t>equal_to&lt;Key&gt;</a:t>
-            </a:r>
-            <a:r>
-              <a:rPr lang="en-US" smtClean="0">
-                <a:latin typeface="Consolas" panose="020B0609020204030204" pitchFamily="49" charset="0"/>
-              </a:rPr>
-              <a:t>,</a:t>
-            </a:r>
-            <a:br>
-              <a:rPr lang="en-US" smtClean="0">
-                <a:latin typeface="Consolas" panose="020B0609020204030204" pitchFamily="49" charset="0"/>
-              </a:rPr>
-            </a:br>
-            <a:r>
-              <a:rPr lang="en-US" smtClean="0">
-                <a:latin typeface="Consolas" panose="020B0609020204030204" pitchFamily="49" charset="0"/>
-              </a:rPr>
-              <a:t>         class </a:t>
-            </a:r>
-            <a:r>
-              <a:rPr lang="en-US">
-                <a:latin typeface="Consolas" panose="020B0609020204030204" pitchFamily="49" charset="0"/>
-              </a:rPr>
-              <a:t>Allocator = </a:t>
-            </a:r>
-            <a:r>
-              <a:rPr lang="en-US" smtClean="0">
-                <a:latin typeface="Consolas" panose="020B0609020204030204" pitchFamily="49" charset="0"/>
-              </a:rPr>
-              <a:t>allocator&lt;pair&lt;const </a:t>
-            </a:r>
-            <a:r>
-              <a:rPr lang="en-US">
-                <a:latin typeface="Consolas" panose="020B0609020204030204" pitchFamily="49" charset="0"/>
-              </a:rPr>
-              <a:t>Key, T</a:t>
-            </a:r>
-            <a:r>
-              <a:rPr lang="en-US" smtClean="0">
-                <a:latin typeface="Consolas" panose="020B0609020204030204" pitchFamily="49" charset="0"/>
-              </a:rPr>
-              <a:t>&gt;&gt;</a:t>
-            </a:r>
-            <a:br>
-              <a:rPr lang="en-US" smtClean="0">
-                <a:latin typeface="Consolas" panose="020B0609020204030204" pitchFamily="49" charset="0"/>
-              </a:rPr>
-            </a:br>
-            <a:r>
-              <a:rPr lang="en-US" smtClean="0">
-                <a:latin typeface="Consolas" panose="020B0609020204030204" pitchFamily="49" charset="0"/>
-              </a:rPr>
-              <a:t>&gt; </a:t>
-            </a:r>
-            <a:r>
-              <a:rPr lang="en-US">
-                <a:latin typeface="Consolas" panose="020B0609020204030204" pitchFamily="49" charset="0"/>
-              </a:rPr>
-              <a:t>class unordered_map;</a:t>
-            </a:r>
-          </a:p>
-          <a:p>
-            <a:r>
-              <a:rPr lang="ru-RU" smtClean="0"/>
-              <a:t>Самый частый источник проблем при механической замене: вместо оператора </a:t>
-            </a:r>
-            <a:r>
-              <a:rPr lang="en-US" smtClean="0">
-                <a:latin typeface="Consolas" panose="020B0609020204030204" pitchFamily="49" charset="0"/>
-              </a:rPr>
-              <a:t>(&lt;)</a:t>
+              <a:t>Здесь демо</a:t>
+            </a:r>
+          </a:p>
+          <a:p>
+            <a:r>
+              <a:rPr lang="ru-RU" smtClean="0"/>
+              <a:t>В целом производительность хеш-таблиц получше</a:t>
             </a:r>
             <a:r>
               <a:rPr lang="en-US" smtClean="0"/>
-              <a:t> </a:t>
-            </a:r>
-            <a:r>
-              <a:rPr lang="ru-RU" smtClean="0"/>
-              <a:t>следует поддержать оператор </a:t>
+              <a:t>.</a:t>
+            </a:r>
+          </a:p>
+          <a:p>
+            <a:r>
+              <a:rPr lang="ru-RU" smtClean="0"/>
+              <a:t>Платой за этой является отсутствие эффективных </a:t>
             </a:r>
             <a:r>
               <a:rPr lang="en-US" smtClean="0"/>
-              <a:t>(==) </a:t>
-            </a:r>
-            <a:r>
-              <a:rPr lang="ru-RU" smtClean="0"/>
-              <a:t>и функцию </a:t>
+              <a:t>upper_bound </a:t>
+            </a:r>
+            <a:r>
+              <a:rPr lang="ru-RU" smtClean="0"/>
+              <a:t>и </a:t>
             </a:r>
             <a:r>
               <a:rPr lang="en-US" smtClean="0"/>
-              <a:t>hash</a:t>
-            </a:r>
-          </a:p>
-          <a:p>
-            <a:r>
-              <a:rPr lang="ru-RU" smtClean="0"/>
-              <a:t>Это гораздо проще, чем кажется (см. далее)</a:t>
+              <a:t>lower_bound</a:t>
             </a:r>
             <a:endParaRPr lang="en-US"/>
           </a:p>
@@ -19411,7 +19724,7 @@
     </p:spTree>
     <p:extLst>
       <p:ext uri="{BB962C8B-B14F-4D97-AF65-F5344CB8AC3E}">
-        <p14:creationId xmlns:p14="http://schemas.microsoft.com/office/powerpoint/2010/main" val="469542942"/>
+        <p14:creationId xmlns:p14="http://schemas.microsoft.com/office/powerpoint/2010/main" val="602984209"/>
       </p:ext>
     </p:extLst>
   </p:cSld>
@@ -19455,11 +19768,7 @@
           <a:p>
             <a:r>
               <a:rPr lang="ru-RU" smtClean="0"/>
-              <a:t>Собственный </a:t>
-            </a:r>
-            <a:r>
-              <a:rPr lang="en-US" smtClean="0"/>
-              <a:t>hash</a:t>
+              <a:t>Особенности словарей</a:t>
             </a:r>
             <a:endParaRPr lang="en-US"/>
           </a:p>
@@ -19482,7 +19791,7 @@
           <a:p>
             <a:r>
               <a:rPr lang="ru-RU" smtClean="0"/>
-              <a:t>И так у нас есть структура</a:t>
+              <a:t>Объявление в стандарте поучительно</a:t>
             </a:r>
           </a:p>
           <a:p>
@@ -19490,106 +19799,157 @@
               <a:buNone/>
             </a:pPr>
             <a:r>
+              <a:rPr lang="en-US" smtClean="0">
+                <a:latin typeface="Consolas" panose="020B0609020204030204" pitchFamily="49" charset="0"/>
+              </a:rPr>
+              <a:t>template&lt;class </a:t>
+            </a:r>
+            <a:r>
               <a:rPr lang="en-US">
                 <a:latin typeface="Consolas" panose="020B0609020204030204" pitchFamily="49" charset="0"/>
               </a:rPr>
-              <a:t>struct S </a:t>
-            </a:r>
-            <a:r>
-              <a:rPr lang="en-US" smtClean="0">
-                <a:latin typeface="Consolas" panose="020B0609020204030204" pitchFamily="49" charset="0"/>
-              </a:rPr>
-              <a:t>{</a:t>
-            </a:r>
-            <a:r>
-              <a:rPr lang="ru-RU" smtClean="0">
-                <a:latin typeface="Consolas" panose="020B0609020204030204" pitchFamily="49" charset="0"/>
-              </a:rPr>
-              <a:t/>
-            </a:r>
-            <a:br>
-              <a:rPr lang="ru-RU" smtClean="0">
-                <a:latin typeface="Consolas" panose="020B0609020204030204" pitchFamily="49" charset="0"/>
-              </a:rPr>
-            </a:br>
-            <a:r>
-              <a:rPr lang="en-US" smtClean="0">
-                <a:latin typeface="Consolas" panose="020B0609020204030204" pitchFamily="49" charset="0"/>
-              </a:rPr>
-              <a:t>    string </a:t>
+              <a:t>Key</a:t>
+            </a:r>
+            <a:r>
+              <a:rPr lang="en-US" smtClean="0">
+                <a:latin typeface="Consolas" panose="020B0609020204030204" pitchFamily="49" charset="0"/>
+              </a:rPr>
+              <a:t>, </a:t>
             </a:r>
             <a:r>
               <a:rPr lang="en-US">
                 <a:latin typeface="Consolas" panose="020B0609020204030204" pitchFamily="49" charset="0"/>
               </a:rPr>
-              <a:t>first_name</a:t>
-            </a:r>
-            <a:r>
-              <a:rPr lang="en-US" smtClean="0">
-                <a:latin typeface="Consolas" panose="020B0609020204030204" pitchFamily="49" charset="0"/>
-              </a:rPr>
-              <a:t>;</a:t>
-            </a:r>
-            <a:r>
-              <a:rPr lang="ru-RU" smtClean="0">
-                <a:latin typeface="Consolas" panose="020B0609020204030204" pitchFamily="49" charset="0"/>
-              </a:rPr>
-              <a:t/>
-            </a:r>
-            <a:br>
-              <a:rPr lang="ru-RU" smtClean="0">
-                <a:latin typeface="Consolas" panose="020B0609020204030204" pitchFamily="49" charset="0"/>
-              </a:rPr>
-            </a:br>
-            <a:r>
-              <a:rPr lang="en-US" smtClean="0">
-                <a:latin typeface="Consolas" panose="020B0609020204030204" pitchFamily="49" charset="0"/>
-              </a:rPr>
-              <a:t>    string </a:t>
+              <a:t>class T</a:t>
+            </a:r>
+            <a:r>
+              <a:rPr lang="en-US" smtClean="0">
+                <a:latin typeface="Consolas" panose="020B0609020204030204" pitchFamily="49" charset="0"/>
+              </a:rPr>
+              <a:t>, </a:t>
             </a:r>
             <a:r>
               <a:rPr lang="en-US">
-                <a:latin typeface="Consolas" panose="020B0609020204030204" pitchFamily="49" charset="0"/>
-              </a:rPr>
-              <a:t>last_name</a:t>
-            </a:r>
-            <a:r>
-              <a:rPr lang="en-US" smtClean="0">
-                <a:latin typeface="Consolas" panose="020B0609020204030204" pitchFamily="49" charset="0"/>
-              </a:rPr>
-              <a:t>;</a:t>
-            </a:r>
-            <a:r>
-              <a:rPr lang="ru-RU" smtClean="0">
-                <a:latin typeface="Consolas" panose="020B0609020204030204" pitchFamily="49" charset="0"/>
-              </a:rPr>
-              <a:t/>
-            </a:r>
-            <a:br>
-              <a:rPr lang="ru-RU" smtClean="0">
-                <a:latin typeface="Consolas" panose="020B0609020204030204" pitchFamily="49" charset="0"/>
-              </a:rPr>
-            </a:br>
-            <a:r>
-              <a:rPr lang="en-US" smtClean="0">
-                <a:latin typeface="Consolas" panose="020B0609020204030204" pitchFamily="49" charset="0"/>
-              </a:rPr>
-              <a:t>};</a:t>
-            </a:r>
-            <a:endParaRPr lang="ru-RU" smtClean="0">
-              <a:latin typeface="Consolas" panose="020B0609020204030204" pitchFamily="49" charset="0"/>
-            </a:endParaRPr>
-          </a:p>
-          <a:p>
-            <a:r>
-              <a:rPr lang="ru-RU" smtClean="0"/>
-              <a:t>Попытка создать </a:t>
-            </a:r>
-            <a:r>
-              <a:rPr lang="en-US" smtClean="0">
-                <a:latin typeface="Consolas" panose="020B0609020204030204" pitchFamily="49" charset="0"/>
-              </a:rPr>
-              <a:t>unordered_map</a:t>
+                <a:solidFill>
+                  <a:srgbClr val="0000FF"/>
+                </a:solidFill>
+                <a:latin typeface="Consolas" panose="020B0609020204030204" pitchFamily="49" charset="0"/>
+              </a:rPr>
+              <a:t>class Hash = </a:t>
+            </a:r>
+            <a:r>
+              <a:rPr lang="en-US" smtClean="0">
+                <a:solidFill>
+                  <a:srgbClr val="0000FF"/>
+                </a:solidFill>
+                <a:latin typeface="Consolas" panose="020B0609020204030204" pitchFamily="49" charset="0"/>
+              </a:rPr>
+              <a:t>hash&lt;Key&gt;</a:t>
+            </a:r>
+            <a:r>
+              <a:rPr lang="en-US" smtClean="0">
+                <a:latin typeface="Consolas" panose="020B0609020204030204" pitchFamily="49" charset="0"/>
+              </a:rPr>
+              <a:t>,</a:t>
+            </a:r>
+            <a:br>
+              <a:rPr lang="en-US" smtClean="0">
+                <a:latin typeface="Consolas" panose="020B0609020204030204" pitchFamily="49" charset="0"/>
+              </a:rPr>
+            </a:br>
+            <a:r>
+              <a:rPr lang="en-US" smtClean="0">
+                <a:latin typeface="Consolas" panose="020B0609020204030204" pitchFamily="49" charset="0"/>
+              </a:rPr>
+              <a:t>         </a:t>
+            </a:r>
+            <a:r>
+              <a:rPr lang="en-US">
+                <a:solidFill>
+                  <a:srgbClr val="0000FF"/>
+                </a:solidFill>
+                <a:latin typeface="Consolas" panose="020B0609020204030204" pitchFamily="49" charset="0"/>
+              </a:rPr>
+              <a:t>class KeyEqual = </a:t>
+            </a:r>
+            <a:r>
+              <a:rPr lang="en-US" smtClean="0">
+                <a:solidFill>
+                  <a:srgbClr val="0000FF"/>
+                </a:solidFill>
+                <a:latin typeface="Consolas" panose="020B0609020204030204" pitchFamily="49" charset="0"/>
+              </a:rPr>
+              <a:t>equal_to&lt;Key&gt;</a:t>
+            </a:r>
+            <a:r>
+              <a:rPr lang="en-US" smtClean="0">
+                <a:latin typeface="Consolas" panose="020B0609020204030204" pitchFamily="49" charset="0"/>
+              </a:rPr>
+              <a:t>,</a:t>
+            </a:r>
+            <a:br>
+              <a:rPr lang="en-US" smtClean="0">
+                <a:latin typeface="Consolas" panose="020B0609020204030204" pitchFamily="49" charset="0"/>
+              </a:rPr>
+            </a:br>
+            <a:r>
+              <a:rPr lang="en-US" smtClean="0">
+                <a:latin typeface="Consolas" panose="020B0609020204030204" pitchFamily="49" charset="0"/>
+              </a:rPr>
+              <a:t>         class </a:t>
+            </a:r>
+            <a:r>
+              <a:rPr lang="en-US">
+                <a:latin typeface="Consolas" panose="020B0609020204030204" pitchFamily="49" charset="0"/>
+              </a:rPr>
+              <a:t>Allocator = </a:t>
+            </a:r>
+            <a:r>
+              <a:rPr lang="en-US" smtClean="0">
+                <a:latin typeface="Consolas" panose="020B0609020204030204" pitchFamily="49" charset="0"/>
+              </a:rPr>
+              <a:t>allocator&lt;pair&lt;const </a:t>
+            </a:r>
+            <a:r>
+              <a:rPr lang="en-US">
+                <a:latin typeface="Consolas" panose="020B0609020204030204" pitchFamily="49" charset="0"/>
+              </a:rPr>
+              <a:t>Key, T</a:t>
+            </a:r>
+            <a:r>
+              <a:rPr lang="en-US" smtClean="0">
+                <a:latin typeface="Consolas" panose="020B0609020204030204" pitchFamily="49" charset="0"/>
+              </a:rPr>
+              <a:t>&gt;&gt;</a:t>
+            </a:r>
+            <a:br>
+              <a:rPr lang="en-US" smtClean="0">
+                <a:latin typeface="Consolas" panose="020B0609020204030204" pitchFamily="49" charset="0"/>
+              </a:rPr>
+            </a:br>
+            <a:r>
+              <a:rPr lang="en-US" smtClean="0">
+                <a:latin typeface="Consolas" panose="020B0609020204030204" pitchFamily="49" charset="0"/>
+              </a:rPr>
+              <a:t>&gt; </a:t>
+            </a:r>
+            <a:r>
+              <a:rPr lang="en-US">
+                <a:latin typeface="Consolas" panose="020B0609020204030204" pitchFamily="49" charset="0"/>
+              </a:rPr>
+              <a:t>class unordered_map;</a:t>
+            </a:r>
+          </a:p>
+          <a:p>
+            <a:r>
+              <a:rPr lang="ru-RU" smtClean="0"/>
+              <a:t>Самый частый источник проблем при механической замене: вместо оператора </a:t>
+            </a:r>
+            <a:r>
+              <a:rPr lang="en-US" smtClean="0">
+                <a:latin typeface="Consolas" panose="020B0609020204030204" pitchFamily="49" charset="0"/>
+              </a:rPr>
+              <a:t>(&lt;)</a:t>
             </a:r>
             <a:r>
               <a:rPr lang="en-US" smtClean="0"/>
@@ -19597,170 +19957,53 @@
             </a:r>
             <a:r>
               <a:rPr lang="ru-RU" smtClean="0"/>
-              <a:t>с такими структурами навернётся, так как тут пока нет ни одной из двух функций. Проще всего, конечно, равенство</a:t>
-            </a:r>
-          </a:p>
-          <a:p>
-            <a:pPr marL="45720" indent="0">
-              <a:buNone/>
-            </a:pPr>
-            <a:r>
-              <a:rPr lang="en-US">
-                <a:latin typeface="Consolas" panose="020B0609020204030204" pitchFamily="49" charset="0"/>
-              </a:rPr>
-              <a:t>bool operator==(const S&amp; lhs, const S&amp; rhs) </a:t>
-            </a:r>
-            <a:r>
-              <a:rPr lang="en-US" smtClean="0">
-                <a:latin typeface="Consolas" panose="020B0609020204030204" pitchFamily="49" charset="0"/>
-              </a:rPr>
-              <a:t>{</a:t>
+              <a:t>следует поддержать оператор</a:t>
             </a:r>
             <a:r>
               <a:rPr lang="ru-RU" smtClean="0">
-                <a:latin typeface="Consolas" panose="020B0609020204030204" pitchFamily="49" charset="0"/>
-              </a:rPr>
-              <a:t/>
-            </a:r>
-            <a:br>
-              <a:rPr lang="ru-RU" smtClean="0">
-                <a:latin typeface="Consolas" panose="020B0609020204030204" pitchFamily="49" charset="0"/>
-              </a:rPr>
-            </a:br>
-            <a:r>
-              <a:rPr lang="ru-RU">
+                <a:solidFill>
+                  <a:srgbClr val="0000FF"/>
+                </a:solidFill>
                 <a:latin typeface="Consolas" panose="020B0609020204030204" pitchFamily="49" charset="0"/>
               </a:rPr>
               <a:t> </a:t>
             </a:r>
             <a:r>
-              <a:rPr lang="ru-RU" smtClean="0">
-                <a:latin typeface="Consolas" panose="020B0609020204030204" pitchFamily="49" charset="0"/>
-              </a:rPr>
-              <a:t> </a:t>
-            </a:r>
-            <a:r>
-              <a:rPr lang="en-US" smtClean="0">
-                <a:latin typeface="Consolas" panose="020B0609020204030204" pitchFamily="49" charset="0"/>
-              </a:rPr>
-              <a:t>return </a:t>
-            </a:r>
-            <a:r>
-              <a:rPr lang="ru-RU" smtClean="0">
-                <a:latin typeface="Consolas" panose="020B0609020204030204" pitchFamily="49" charset="0"/>
-              </a:rPr>
-              <a:t>((</a:t>
-            </a:r>
-            <a:r>
-              <a:rPr lang="en-US" smtClean="0">
-                <a:latin typeface="Consolas" panose="020B0609020204030204" pitchFamily="49" charset="0"/>
-              </a:rPr>
-              <a:t>lhs.first_name </a:t>
-            </a:r>
-            <a:r>
-              <a:rPr lang="en-US">
-                <a:latin typeface="Consolas" panose="020B0609020204030204" pitchFamily="49" charset="0"/>
-              </a:rPr>
-              <a:t>== </a:t>
-            </a:r>
-            <a:r>
-              <a:rPr lang="en-US" smtClean="0">
-                <a:latin typeface="Consolas" panose="020B0609020204030204" pitchFamily="49" charset="0"/>
-              </a:rPr>
-              <a:t>rhs.first_name</a:t>
-            </a:r>
-            <a:r>
-              <a:rPr lang="ru-RU" smtClean="0">
-                <a:latin typeface="Consolas" panose="020B0609020204030204" pitchFamily="49" charset="0"/>
-              </a:rPr>
-              <a:t>)</a:t>
-            </a:r>
-            <a:r>
-              <a:rPr lang="en-US" smtClean="0">
-                <a:latin typeface="Consolas" panose="020B0609020204030204" pitchFamily="49" charset="0"/>
-              </a:rPr>
-              <a:t> </a:t>
-            </a:r>
-            <a:r>
-              <a:rPr lang="en-US">
-                <a:latin typeface="Consolas" panose="020B0609020204030204" pitchFamily="49" charset="0"/>
-              </a:rPr>
-              <a:t>&amp;&amp; </a:t>
-            </a:r>
-            <a:r>
-              <a:rPr lang="ru-RU" smtClean="0">
-                <a:latin typeface="Consolas" panose="020B0609020204030204" pitchFamily="49" charset="0"/>
-              </a:rPr>
-              <a:t/>
-            </a:r>
-            <a:br>
-              <a:rPr lang="ru-RU" smtClean="0">
-                <a:latin typeface="Consolas" panose="020B0609020204030204" pitchFamily="49" charset="0"/>
-              </a:rPr>
-            </a:br>
-            <a:r>
-              <a:rPr lang="ru-RU" smtClean="0">
-                <a:latin typeface="Consolas" panose="020B0609020204030204" pitchFamily="49" charset="0"/>
-              </a:rPr>
-              <a:t>          (</a:t>
-            </a:r>
-            <a:r>
-              <a:rPr lang="en-US" smtClean="0">
-                <a:latin typeface="Consolas" panose="020B0609020204030204" pitchFamily="49" charset="0"/>
-              </a:rPr>
-              <a:t>lhs.last_name </a:t>
-            </a:r>
-            <a:r>
-              <a:rPr lang="en-US">
-                <a:latin typeface="Consolas" panose="020B0609020204030204" pitchFamily="49" charset="0"/>
-              </a:rPr>
-              <a:t>== </a:t>
-            </a:r>
-            <a:r>
-              <a:rPr lang="en-US" smtClean="0">
-                <a:latin typeface="Consolas" panose="020B0609020204030204" pitchFamily="49" charset="0"/>
-              </a:rPr>
-              <a:t>rhs.last_name</a:t>
-            </a:r>
-            <a:r>
-              <a:rPr lang="ru-RU" smtClean="0">
-                <a:latin typeface="Consolas" panose="020B0609020204030204" pitchFamily="49" charset="0"/>
-              </a:rPr>
-              <a:t>))</a:t>
-            </a:r>
-            <a:r>
-              <a:rPr lang="en-US" smtClean="0">
-                <a:latin typeface="Consolas" panose="020B0609020204030204" pitchFamily="49" charset="0"/>
-              </a:rPr>
-              <a:t>;</a:t>
-            </a:r>
-            <a:r>
-              <a:rPr lang="ru-RU" smtClean="0">
-                <a:latin typeface="Consolas" panose="020B0609020204030204" pitchFamily="49" charset="0"/>
-              </a:rPr>
-              <a:t/>
-            </a:r>
-            <a:br>
-              <a:rPr lang="ru-RU" smtClean="0">
-                <a:latin typeface="Consolas" panose="020B0609020204030204" pitchFamily="49" charset="0"/>
-              </a:rPr>
-            </a:br>
-            <a:r>
-              <a:rPr lang="en-US" smtClean="0">
-                <a:latin typeface="Consolas" panose="020B0609020204030204" pitchFamily="49" charset="0"/>
-              </a:rPr>
-              <a:t>}</a:t>
-            </a:r>
-            <a:endParaRPr lang="en-US">
-              <a:latin typeface="Consolas" panose="020B0609020204030204" pitchFamily="49" charset="0"/>
-            </a:endParaRPr>
+              <a:rPr lang="en-US" smtClean="0">
+                <a:solidFill>
+                  <a:srgbClr val="0000FF"/>
+                </a:solidFill>
+                <a:latin typeface="Consolas" panose="020B0609020204030204" pitchFamily="49" charset="0"/>
+              </a:rPr>
+              <a:t>(==) </a:t>
+            </a:r>
+            <a:r>
+              <a:rPr lang="ru-RU" smtClean="0"/>
+              <a:t>и функцию </a:t>
+            </a:r>
+            <a:r>
+              <a:rPr lang="en-US" smtClean="0">
+                <a:solidFill>
+                  <a:srgbClr val="0000FF"/>
+                </a:solidFill>
+                <a:latin typeface="Consolas" panose="020B0609020204030204" pitchFamily="49" charset="0"/>
+              </a:rPr>
+              <a:t>hash</a:t>
+            </a:r>
+          </a:p>
+          <a:p>
+            <a:r>
+              <a:rPr lang="ru-RU" smtClean="0"/>
+              <a:t>Это весьма логично (см. далее) и даёт существенный намёк чем в итоге являются эти контейнеры.</a:t>
+            </a:r>
+            <a:endParaRPr lang="en-US"/>
           </a:p>
         </p:txBody>
       </p:sp>
     </p:spTree>
     <p:extLst>
       <p:ext uri="{BB962C8B-B14F-4D97-AF65-F5344CB8AC3E}">
-        <p14:creationId xmlns:p14="http://schemas.microsoft.com/office/powerpoint/2010/main" val="207336578"/>
+        <p14:creationId xmlns:p14="http://schemas.microsoft.com/office/powerpoint/2010/main" val="469542942"/>
       </p:ext>
     </p:extLst>
   </p:cSld>
@@ -19804,11 +20047,7 @@
           <a:p>
             <a:r>
               <a:rPr lang="ru-RU" smtClean="0"/>
-              <a:t>Собственный </a:t>
-            </a:r>
-            <a:r>
-              <a:rPr lang="en-US" smtClean="0"/>
-              <a:t>hash</a:t>
+              <a:t>Представление в памяти</a:t>
             </a:r>
             <a:endParaRPr lang="en-US"/>
           </a:p>
@@ -19824,259 +20063,701 @@
             <p:ph idx="1"/>
           </p:nvPr>
         </p:nvSpPr>
-        <p:spPr>
-          <a:xfrm>
-            <a:off x="1143000" y="2057400"/>
-            <a:ext cx="10406449" cy="4038600"/>
-          </a:xfrm>
-        </p:spPr>
+        <p:spPr/>
         <p:txBody>
           <a:bodyPr/>
           <a:lstStyle/>
           <a:p>
             <a:r>
               <a:rPr lang="ru-RU" smtClean="0"/>
-              <a:t>Простейший способ это сделать что-нибудь исходя из фантазии</a:t>
-            </a:r>
-          </a:p>
-          <a:p>
-            <a:pPr marL="45720" indent="0">
-              <a:buNone/>
-            </a:pPr>
-            <a:r>
-              <a:rPr lang="en-US" smtClean="0">
-                <a:latin typeface="Consolas" panose="020B0609020204030204" pitchFamily="49" charset="0"/>
-              </a:rPr>
-              <a:t>result_type </a:t>
-            </a:r>
-            <a:r>
-              <a:rPr lang="en-US">
-                <a:latin typeface="Consolas" panose="020B0609020204030204" pitchFamily="49" charset="0"/>
-              </a:rPr>
-              <a:t>operator()(argument_type const&amp; s) const </a:t>
-            </a:r>
-            <a:r>
-              <a:rPr lang="en-US" smtClean="0">
-                <a:latin typeface="Consolas" panose="020B0609020204030204" pitchFamily="49" charset="0"/>
-              </a:rPr>
-              <a:t>noexcept</a:t>
-            </a:r>
-            <a:r>
-              <a:rPr lang="ru-RU" smtClean="0">
-                <a:latin typeface="Consolas" panose="020B0609020204030204" pitchFamily="49" charset="0"/>
-              </a:rPr>
-              <a:t> </a:t>
-            </a:r>
-            <a:r>
-              <a:rPr lang="en-US" smtClean="0">
-                <a:latin typeface="Consolas" panose="020B0609020204030204" pitchFamily="49" charset="0"/>
-              </a:rPr>
-              <a:t>{</a:t>
-            </a:r>
-            <a:r>
-              <a:rPr lang="ru-RU" smtClean="0">
-                <a:latin typeface="Consolas" panose="020B0609020204030204" pitchFamily="49" charset="0"/>
-              </a:rPr>
-              <a:t/>
-            </a:r>
-            <a:br>
-              <a:rPr lang="ru-RU" smtClean="0">
-                <a:latin typeface="Consolas" panose="020B0609020204030204" pitchFamily="49" charset="0"/>
-              </a:rPr>
-            </a:br>
-            <a:r>
-              <a:rPr lang="ru-RU" smtClean="0">
-                <a:latin typeface="Consolas" panose="020B0609020204030204" pitchFamily="49" charset="0"/>
-              </a:rPr>
-              <a:t>  </a:t>
-            </a:r>
-            <a:r>
-              <a:rPr lang="en-US" smtClean="0">
-                <a:latin typeface="Consolas" panose="020B0609020204030204" pitchFamily="49" charset="0"/>
-              </a:rPr>
-              <a:t>result_type </a:t>
-            </a:r>
-            <a:r>
-              <a:rPr lang="en-US">
-                <a:latin typeface="Consolas" panose="020B0609020204030204" pitchFamily="49" charset="0"/>
-              </a:rPr>
-              <a:t>const </a:t>
-            </a:r>
-            <a:r>
-              <a:rPr lang="en-US" smtClean="0">
-                <a:latin typeface="Consolas" panose="020B0609020204030204" pitchFamily="49" charset="0"/>
-              </a:rPr>
-              <a:t>h1</a:t>
-            </a:r>
-            <a:r>
-              <a:rPr lang="ru-RU" smtClean="0">
-                <a:latin typeface="Consolas" panose="020B0609020204030204" pitchFamily="49" charset="0"/>
-              </a:rPr>
-              <a:t> = </a:t>
-            </a:r>
-            <a:r>
-              <a:rPr lang="en-US" smtClean="0">
-                <a:latin typeface="Consolas" panose="020B0609020204030204" pitchFamily="49" charset="0"/>
-              </a:rPr>
-              <a:t>hash&lt;string</a:t>
-            </a:r>
-            <a:r>
-              <a:rPr lang="en-US">
-                <a:latin typeface="Consolas" panose="020B0609020204030204" pitchFamily="49" charset="0"/>
-              </a:rPr>
-              <a:t>&gt;{}(s.first_name</a:t>
-            </a:r>
-            <a:r>
-              <a:rPr lang="en-US" smtClean="0">
-                <a:latin typeface="Consolas" panose="020B0609020204030204" pitchFamily="49" charset="0"/>
-              </a:rPr>
-              <a:t>);</a:t>
-            </a:r>
-            <a:r>
-              <a:rPr lang="ru-RU" smtClean="0">
-                <a:latin typeface="Consolas" panose="020B0609020204030204" pitchFamily="49" charset="0"/>
-              </a:rPr>
-              <a:t/>
-            </a:r>
-            <a:br>
-              <a:rPr lang="ru-RU" smtClean="0">
-                <a:latin typeface="Consolas" panose="020B0609020204030204" pitchFamily="49" charset="0"/>
-              </a:rPr>
-            </a:br>
-            <a:r>
-              <a:rPr lang="en-US" smtClean="0">
-                <a:latin typeface="Consolas" panose="020B0609020204030204" pitchFamily="49" charset="0"/>
-              </a:rPr>
-              <a:t>  </a:t>
-            </a:r>
-            <a:r>
-              <a:rPr lang="en-US">
-                <a:latin typeface="Consolas" panose="020B0609020204030204" pitchFamily="49" charset="0"/>
-              </a:rPr>
-              <a:t>result_type const </a:t>
-            </a:r>
-            <a:r>
-              <a:rPr lang="en-US" smtClean="0">
-                <a:latin typeface="Consolas" panose="020B0609020204030204" pitchFamily="49" charset="0"/>
-              </a:rPr>
-              <a:t>h2</a:t>
-            </a:r>
-            <a:r>
-              <a:rPr lang="ru-RU" smtClean="0">
-                <a:latin typeface="Consolas" panose="020B0609020204030204" pitchFamily="49" charset="0"/>
-              </a:rPr>
-              <a:t> = </a:t>
-            </a:r>
-            <a:r>
-              <a:rPr lang="en-US" smtClean="0">
-                <a:latin typeface="Consolas" panose="020B0609020204030204" pitchFamily="49" charset="0"/>
-              </a:rPr>
-              <a:t>hash&lt;string</a:t>
-            </a:r>
-            <a:r>
-              <a:rPr lang="en-US">
-                <a:latin typeface="Consolas" panose="020B0609020204030204" pitchFamily="49" charset="0"/>
-              </a:rPr>
-              <a:t>&gt;{}(</a:t>
-            </a:r>
-            <a:r>
-              <a:rPr lang="en-US" smtClean="0">
-                <a:latin typeface="Consolas" panose="020B0609020204030204" pitchFamily="49" charset="0"/>
-              </a:rPr>
-              <a:t>s.last_name</a:t>
-            </a:r>
-            <a:r>
-              <a:rPr lang="ru-RU" smtClean="0">
-                <a:latin typeface="Consolas" panose="020B0609020204030204" pitchFamily="49" charset="0"/>
-              </a:rPr>
-              <a:t>)</a:t>
-            </a:r>
-            <a:r>
-              <a:rPr lang="en-US" smtClean="0">
-                <a:latin typeface="Consolas" panose="020B0609020204030204" pitchFamily="49" charset="0"/>
-              </a:rPr>
-              <a:t>;</a:t>
-            </a:r>
-            <a:r>
-              <a:rPr lang="ru-RU" smtClean="0">
-                <a:latin typeface="Consolas" panose="020B0609020204030204" pitchFamily="49" charset="0"/>
-              </a:rPr>
-              <a:t/>
-            </a:r>
-            <a:br>
-              <a:rPr lang="ru-RU" smtClean="0">
-                <a:latin typeface="Consolas" panose="020B0609020204030204" pitchFamily="49" charset="0"/>
-              </a:rPr>
-            </a:br>
-            <a:r>
-              <a:rPr lang="ru-RU" smtClean="0">
-                <a:latin typeface="Consolas" panose="020B0609020204030204" pitchFamily="49" charset="0"/>
-              </a:rPr>
-              <a:t> </a:t>
-            </a:r>
-            <a:r>
-              <a:rPr lang="en-US" smtClean="0">
-                <a:latin typeface="Consolas" panose="020B0609020204030204" pitchFamily="49" charset="0"/>
-              </a:rPr>
-              <a:t> </a:t>
-            </a:r>
-            <a:r>
-              <a:rPr lang="en-US">
-                <a:latin typeface="Consolas" panose="020B0609020204030204" pitchFamily="49" charset="0"/>
-              </a:rPr>
-              <a:t>return </a:t>
-            </a:r>
-            <a:r>
-              <a:rPr lang="en-US">
-                <a:solidFill>
-                  <a:srgbClr val="0000FF"/>
-                </a:solidFill>
-                <a:latin typeface="Consolas" panose="020B0609020204030204" pitchFamily="49" charset="0"/>
-              </a:rPr>
-              <a:t>h1 ^ (h2 &lt;&lt; 1</a:t>
-            </a:r>
-            <a:r>
-              <a:rPr lang="en-US" smtClean="0">
-                <a:solidFill>
-                  <a:srgbClr val="0000FF"/>
-                </a:solidFill>
-                <a:latin typeface="Consolas" panose="020B0609020204030204" pitchFamily="49" charset="0"/>
-              </a:rPr>
-              <a:t>);</a:t>
-            </a:r>
-            <a:r>
-              <a:rPr lang="ru-RU" smtClean="0">
-                <a:latin typeface="Consolas" panose="020B0609020204030204" pitchFamily="49" charset="0"/>
-              </a:rPr>
-              <a:t/>
-            </a:r>
-            <a:br>
-              <a:rPr lang="ru-RU" smtClean="0">
-                <a:latin typeface="Consolas" panose="020B0609020204030204" pitchFamily="49" charset="0"/>
-              </a:rPr>
-            </a:br>
-            <a:r>
-              <a:rPr lang="en-US" smtClean="0">
-                <a:latin typeface="Consolas" panose="020B0609020204030204" pitchFamily="49" charset="0"/>
-              </a:rPr>
-              <a:t>}</a:t>
-            </a:r>
-            <a:endParaRPr lang="ru-RU" smtClean="0">
+              <a:t>Основным способом представления в памяти хеш-таблиц является массив </a:t>
+            </a:r>
+            <a:r>
+              <a:rPr lang="en-US" smtClean="0"/>
+              <a:t>buckets, </a:t>
+            </a:r>
+            <a:r>
+              <a:rPr lang="ru-RU" smtClean="0"/>
+              <a:t>каждый из которых содержит список коллизий</a:t>
+            </a:r>
+            <a:endParaRPr lang="en-US"/>
+          </a:p>
+        </p:txBody>
+      </p:sp>
+      <p:sp>
+        <p:nvSpPr>
+          <p:cNvPr id="4" name="Rectangle 3"/>
+          <p:cNvSpPr/>
+          <p:nvPr/>
+        </p:nvSpPr>
+        <p:spPr>
+          <a:xfrm>
+            <a:off x="1458097" y="3015049"/>
+            <a:ext cx="1128584" cy="3220994"/>
+          </a:xfrm>
+          <a:prstGeom prst="rect">
+            <a:avLst/>
+          </a:prstGeom>
+        </p:spPr>
+        <p:style>
+          <a:lnRef idx="2">
+            <a:schemeClr val="accent4"/>
+          </a:lnRef>
+          <a:fillRef idx="1">
+            <a:schemeClr val="lt1"/>
+          </a:fillRef>
+          <a:effectRef idx="0">
+            <a:schemeClr val="accent4"/>
+          </a:effectRef>
+          <a:fontRef idx="minor">
+            <a:schemeClr val="dk1"/>
+          </a:fontRef>
+        </p:style>
+        <p:txBody>
+          <a:bodyPr rtlCol="0" anchor="ctr"/>
+          <a:lstStyle/>
+          <a:p>
+            <a:pPr algn="ctr"/>
+            <a:endParaRPr lang="en-US"/>
+          </a:p>
+        </p:txBody>
+      </p:sp>
+      <p:sp>
+        <p:nvSpPr>
+          <p:cNvPr id="5" name="Rectangle 4"/>
+          <p:cNvSpPr/>
+          <p:nvPr/>
+        </p:nvSpPr>
+        <p:spPr>
+          <a:xfrm>
+            <a:off x="1622854" y="3130379"/>
+            <a:ext cx="799070" cy="469556"/>
+          </a:xfrm>
+          <a:prstGeom prst="rect">
+            <a:avLst/>
+          </a:prstGeom>
+        </p:spPr>
+        <p:style>
+          <a:lnRef idx="3">
+            <a:schemeClr val="lt1"/>
+          </a:lnRef>
+          <a:fillRef idx="1">
+            <a:schemeClr val="accent4"/>
+          </a:fillRef>
+          <a:effectRef idx="1">
+            <a:schemeClr val="accent4"/>
+          </a:effectRef>
+          <a:fontRef idx="minor">
+            <a:schemeClr val="lt1"/>
+          </a:fontRef>
+        </p:style>
+        <p:txBody>
+          <a:bodyPr rtlCol="0" anchor="ctr"/>
+          <a:lstStyle/>
+          <a:p>
+            <a:pPr algn="ctr"/>
+            <a:r>
+              <a:rPr lang="en-US" smtClean="0">
+                <a:latin typeface="Consolas" panose="020B0609020204030204" pitchFamily="49" charset="0"/>
+              </a:rPr>
+              <a:t>#h1</a:t>
+            </a:r>
+            <a:endParaRPr lang="en-US">
               <a:latin typeface="Consolas" panose="020B0609020204030204" pitchFamily="49" charset="0"/>
             </a:endParaRPr>
           </a:p>
-          <a:p>
-            <a:r>
-              <a:rPr lang="ru-RU" smtClean="0"/>
-              <a:t>Этот способ неплох и часто (например в этом случае) он даже работает, но в общем это всегда угадайка.</a:t>
-            </a:r>
+        </p:txBody>
+      </p:sp>
+      <p:sp>
+        <p:nvSpPr>
+          <p:cNvPr id="6" name="Rectangle 5"/>
+          <p:cNvSpPr/>
+          <p:nvPr/>
+        </p:nvSpPr>
+        <p:spPr>
+          <a:xfrm>
+            <a:off x="1622854" y="3691375"/>
+            <a:ext cx="799070" cy="469556"/>
+          </a:xfrm>
+          <a:prstGeom prst="rect">
+            <a:avLst/>
+          </a:prstGeom>
+        </p:spPr>
+        <p:style>
+          <a:lnRef idx="3">
+            <a:schemeClr val="lt1"/>
+          </a:lnRef>
+          <a:fillRef idx="1">
+            <a:schemeClr val="accent4"/>
+          </a:fillRef>
+          <a:effectRef idx="1">
+            <a:schemeClr val="accent4"/>
+          </a:effectRef>
+          <a:fontRef idx="minor">
+            <a:schemeClr val="lt1"/>
+          </a:fontRef>
+        </p:style>
+        <p:txBody>
+          <a:bodyPr rtlCol="0" anchor="ctr"/>
+          <a:lstStyle/>
+          <a:p>
+            <a:pPr algn="ctr"/>
+            <a:r>
+              <a:rPr lang="en-US" smtClean="0">
+                <a:latin typeface="Consolas" panose="020B0609020204030204" pitchFamily="49" charset="0"/>
+              </a:rPr>
+              <a:t>#h2</a:t>
+            </a:r>
+            <a:endParaRPr lang="en-US">
+              <a:latin typeface="Consolas" panose="020B0609020204030204" pitchFamily="49" charset="0"/>
+            </a:endParaRPr>
+          </a:p>
+        </p:txBody>
+      </p:sp>
+      <p:sp>
+        <p:nvSpPr>
+          <p:cNvPr id="7" name="Rectangle 6"/>
+          <p:cNvSpPr/>
+          <p:nvPr/>
+        </p:nvSpPr>
+        <p:spPr>
+          <a:xfrm>
+            <a:off x="1622854" y="4252371"/>
+            <a:ext cx="799070" cy="469556"/>
+          </a:xfrm>
+          <a:prstGeom prst="rect">
+            <a:avLst/>
+          </a:prstGeom>
+        </p:spPr>
+        <p:style>
+          <a:lnRef idx="3">
+            <a:schemeClr val="lt1"/>
+          </a:lnRef>
+          <a:fillRef idx="1">
+            <a:schemeClr val="accent4"/>
+          </a:fillRef>
+          <a:effectRef idx="1">
+            <a:schemeClr val="accent4"/>
+          </a:effectRef>
+          <a:fontRef idx="minor">
+            <a:schemeClr val="lt1"/>
+          </a:fontRef>
+        </p:style>
+        <p:txBody>
+          <a:bodyPr rtlCol="0" anchor="ctr"/>
+          <a:lstStyle/>
+          <a:p>
+            <a:pPr algn="ctr"/>
+            <a:r>
+              <a:rPr lang="en-US" smtClean="0">
+                <a:latin typeface="Consolas" panose="020B0609020204030204" pitchFamily="49" charset="0"/>
+              </a:rPr>
+              <a:t>#h3</a:t>
+            </a:r>
+            <a:endParaRPr lang="en-US">
+              <a:latin typeface="Consolas" panose="020B0609020204030204" pitchFamily="49" charset="0"/>
+            </a:endParaRPr>
+          </a:p>
+        </p:txBody>
+      </p:sp>
+      <p:sp>
+        <p:nvSpPr>
+          <p:cNvPr id="8" name="Rectangle 7"/>
+          <p:cNvSpPr/>
+          <p:nvPr/>
+        </p:nvSpPr>
+        <p:spPr>
+          <a:xfrm>
+            <a:off x="1622854" y="4813367"/>
+            <a:ext cx="799070" cy="469556"/>
+          </a:xfrm>
+          <a:prstGeom prst="rect">
+            <a:avLst/>
+          </a:prstGeom>
+        </p:spPr>
+        <p:style>
+          <a:lnRef idx="3">
+            <a:schemeClr val="lt1"/>
+          </a:lnRef>
+          <a:fillRef idx="1">
+            <a:schemeClr val="accent4"/>
+          </a:fillRef>
+          <a:effectRef idx="1">
+            <a:schemeClr val="accent4"/>
+          </a:effectRef>
+          <a:fontRef idx="minor">
+            <a:schemeClr val="lt1"/>
+          </a:fontRef>
+        </p:style>
+        <p:txBody>
+          <a:bodyPr rtlCol="0" anchor="ctr"/>
+          <a:lstStyle/>
+          <a:p>
+            <a:pPr algn="ctr"/>
+            <a:r>
+              <a:rPr lang="en-US" smtClean="0">
+                <a:latin typeface="Consolas" panose="020B0609020204030204" pitchFamily="49" charset="0"/>
+              </a:rPr>
+              <a:t>#h4</a:t>
+            </a:r>
+            <a:endParaRPr lang="en-US">
+              <a:latin typeface="Consolas" panose="020B0609020204030204" pitchFamily="49" charset="0"/>
+            </a:endParaRPr>
+          </a:p>
+        </p:txBody>
+      </p:sp>
+      <p:sp>
+        <p:nvSpPr>
+          <p:cNvPr id="9" name="Rectangle 8"/>
+          <p:cNvSpPr/>
+          <p:nvPr/>
+        </p:nvSpPr>
+        <p:spPr>
+          <a:xfrm>
+            <a:off x="1622854" y="5374363"/>
+            <a:ext cx="799070" cy="469556"/>
+          </a:xfrm>
+          <a:prstGeom prst="rect">
+            <a:avLst/>
+          </a:prstGeom>
+        </p:spPr>
+        <p:style>
+          <a:lnRef idx="3">
+            <a:schemeClr val="lt1"/>
+          </a:lnRef>
+          <a:fillRef idx="1">
+            <a:schemeClr val="accent4"/>
+          </a:fillRef>
+          <a:effectRef idx="1">
+            <a:schemeClr val="accent4"/>
+          </a:effectRef>
+          <a:fontRef idx="minor">
+            <a:schemeClr val="lt1"/>
+          </a:fontRef>
+        </p:style>
+        <p:txBody>
+          <a:bodyPr rtlCol="0" anchor="ctr"/>
+          <a:lstStyle/>
+          <a:p>
+            <a:pPr algn="ctr"/>
+            <a:r>
+              <a:rPr lang="en-US" smtClean="0">
+                <a:latin typeface="Consolas" panose="020B0609020204030204" pitchFamily="49" charset="0"/>
+              </a:rPr>
+              <a:t>#h5</a:t>
+            </a:r>
+            <a:endParaRPr lang="en-US">
+              <a:latin typeface="Consolas" panose="020B0609020204030204" pitchFamily="49" charset="0"/>
+            </a:endParaRPr>
+          </a:p>
+        </p:txBody>
+      </p:sp>
+      <p:sp>
+        <p:nvSpPr>
+          <p:cNvPr id="10" name="Rectangle 9"/>
+          <p:cNvSpPr/>
+          <p:nvPr/>
+        </p:nvSpPr>
+        <p:spPr>
+          <a:xfrm>
+            <a:off x="3048000" y="3130379"/>
+            <a:ext cx="848497" cy="469556"/>
+          </a:xfrm>
+          <a:prstGeom prst="rect">
+            <a:avLst/>
+          </a:prstGeom>
+        </p:spPr>
+        <p:style>
+          <a:lnRef idx="1">
+            <a:schemeClr val="accent4"/>
+          </a:lnRef>
+          <a:fillRef idx="2">
+            <a:schemeClr val="accent4"/>
+          </a:fillRef>
+          <a:effectRef idx="1">
+            <a:schemeClr val="accent4"/>
+          </a:effectRef>
+          <a:fontRef idx="minor">
+            <a:schemeClr val="dk1"/>
+          </a:fontRef>
+        </p:style>
+        <p:txBody>
+          <a:bodyPr rtlCol="0" anchor="ctr"/>
+          <a:lstStyle/>
+          <a:p>
+            <a:pPr algn="ctr"/>
+            <a:r>
+              <a:rPr lang="en-US" smtClean="0">
+                <a:latin typeface="Consolas" panose="020B0609020204030204" pitchFamily="49" charset="0"/>
+              </a:rPr>
+              <a:t>elt1</a:t>
+            </a:r>
+            <a:endParaRPr lang="en-US">
+              <a:latin typeface="Consolas" panose="020B0609020204030204" pitchFamily="49" charset="0"/>
+            </a:endParaRPr>
+          </a:p>
+        </p:txBody>
+      </p:sp>
+      <p:cxnSp>
+        <p:nvCxnSpPr>
+          <p:cNvPr id="12" name="Straight Arrow Connector 11"/>
+          <p:cNvCxnSpPr>
+            <a:stCxn id="5" idx="3"/>
+            <a:endCxn id="10" idx="1"/>
+          </p:cNvCxnSpPr>
+          <p:nvPr/>
+        </p:nvCxnSpPr>
+        <p:spPr>
+          <a:xfrm>
+            <a:off x="2421924" y="3365157"/>
+            <a:ext cx="626076" cy="0"/>
+          </a:xfrm>
+          <a:prstGeom prst="straightConnector1">
+            <a:avLst/>
+          </a:prstGeom>
+          <a:ln w="38100">
+            <a:solidFill>
+              <a:srgbClr val="0000FF"/>
+            </a:solidFill>
+            <a:tailEnd type="triangle"/>
+          </a:ln>
+        </p:spPr>
+        <p:style>
+          <a:lnRef idx="1">
+            <a:schemeClr val="accent1"/>
+          </a:lnRef>
+          <a:fillRef idx="0">
+            <a:schemeClr val="accent1"/>
+          </a:fillRef>
+          <a:effectRef idx="0">
+            <a:schemeClr val="accent1"/>
+          </a:effectRef>
+          <a:fontRef idx="minor">
+            <a:schemeClr val="tx1"/>
+          </a:fontRef>
+        </p:style>
+      </p:cxnSp>
+      <p:sp>
+        <p:nvSpPr>
+          <p:cNvPr id="13" name="Rectangle 12"/>
+          <p:cNvSpPr/>
+          <p:nvPr/>
+        </p:nvSpPr>
+        <p:spPr>
+          <a:xfrm>
+            <a:off x="4357816" y="3130379"/>
+            <a:ext cx="848497" cy="469556"/>
+          </a:xfrm>
+          <a:prstGeom prst="rect">
+            <a:avLst/>
+          </a:prstGeom>
+        </p:spPr>
+        <p:style>
+          <a:lnRef idx="1">
+            <a:schemeClr val="accent4"/>
+          </a:lnRef>
+          <a:fillRef idx="2">
+            <a:schemeClr val="accent4"/>
+          </a:fillRef>
+          <a:effectRef idx="1">
+            <a:schemeClr val="accent4"/>
+          </a:effectRef>
+          <a:fontRef idx="minor">
+            <a:schemeClr val="dk1"/>
+          </a:fontRef>
+        </p:style>
+        <p:txBody>
+          <a:bodyPr rtlCol="0" anchor="ctr"/>
+          <a:lstStyle/>
+          <a:p>
+            <a:pPr algn="ctr"/>
+            <a:r>
+              <a:rPr lang="en-US" smtClean="0">
+                <a:latin typeface="Consolas" panose="020B0609020204030204" pitchFamily="49" charset="0"/>
+              </a:rPr>
+              <a:t>elt2</a:t>
+            </a:r>
+            <a:endParaRPr lang="en-US">
+              <a:latin typeface="Consolas" panose="020B0609020204030204" pitchFamily="49" charset="0"/>
+            </a:endParaRPr>
+          </a:p>
+        </p:txBody>
+      </p:sp>
+      <p:sp>
+        <p:nvSpPr>
+          <p:cNvPr id="14" name="Rectangle 13"/>
+          <p:cNvSpPr/>
+          <p:nvPr/>
+        </p:nvSpPr>
+        <p:spPr>
+          <a:xfrm>
+            <a:off x="3047998" y="4252371"/>
+            <a:ext cx="848497" cy="469556"/>
+          </a:xfrm>
+          <a:prstGeom prst="rect">
+            <a:avLst/>
+          </a:prstGeom>
+        </p:spPr>
+        <p:style>
+          <a:lnRef idx="1">
+            <a:schemeClr val="accent4"/>
+          </a:lnRef>
+          <a:fillRef idx="2">
+            <a:schemeClr val="accent4"/>
+          </a:fillRef>
+          <a:effectRef idx="1">
+            <a:schemeClr val="accent4"/>
+          </a:effectRef>
+          <a:fontRef idx="minor">
+            <a:schemeClr val="dk1"/>
+          </a:fontRef>
+        </p:style>
+        <p:txBody>
+          <a:bodyPr rtlCol="0" anchor="ctr"/>
+          <a:lstStyle/>
+          <a:p>
+            <a:pPr algn="ctr"/>
+            <a:r>
+              <a:rPr lang="en-US" smtClean="0">
+                <a:latin typeface="Consolas" panose="020B0609020204030204" pitchFamily="49" charset="0"/>
+              </a:rPr>
+              <a:t>elt3</a:t>
+            </a:r>
+            <a:endParaRPr lang="en-US">
+              <a:latin typeface="Consolas" panose="020B0609020204030204" pitchFamily="49" charset="0"/>
+            </a:endParaRPr>
+          </a:p>
+        </p:txBody>
+      </p:sp>
+      <p:sp>
+        <p:nvSpPr>
+          <p:cNvPr id="15" name="Rectangle 14"/>
+          <p:cNvSpPr/>
+          <p:nvPr/>
+        </p:nvSpPr>
+        <p:spPr>
+          <a:xfrm>
+            <a:off x="3047998" y="5374362"/>
+            <a:ext cx="848497" cy="469556"/>
+          </a:xfrm>
+          <a:prstGeom prst="rect">
+            <a:avLst/>
+          </a:prstGeom>
+        </p:spPr>
+        <p:style>
+          <a:lnRef idx="1">
+            <a:schemeClr val="accent4"/>
+          </a:lnRef>
+          <a:fillRef idx="2">
+            <a:schemeClr val="accent4"/>
+          </a:fillRef>
+          <a:effectRef idx="1">
+            <a:schemeClr val="accent4"/>
+          </a:effectRef>
+          <a:fontRef idx="minor">
+            <a:schemeClr val="dk1"/>
+          </a:fontRef>
+        </p:style>
+        <p:txBody>
+          <a:bodyPr rtlCol="0" anchor="ctr"/>
+          <a:lstStyle/>
+          <a:p>
+            <a:pPr algn="ctr"/>
+            <a:r>
+              <a:rPr lang="en-US" smtClean="0">
+                <a:latin typeface="Consolas" panose="020B0609020204030204" pitchFamily="49" charset="0"/>
+              </a:rPr>
+              <a:t>elt4</a:t>
+            </a:r>
+            <a:endParaRPr lang="en-US">
+              <a:latin typeface="Consolas" panose="020B0609020204030204" pitchFamily="49" charset="0"/>
+            </a:endParaRPr>
+          </a:p>
+        </p:txBody>
+      </p:sp>
+      <p:cxnSp>
+        <p:nvCxnSpPr>
+          <p:cNvPr id="16" name="Straight Arrow Connector 15"/>
+          <p:cNvCxnSpPr>
+            <a:stCxn id="10" idx="3"/>
+            <a:endCxn id="13" idx="1"/>
+          </p:cNvCxnSpPr>
+          <p:nvPr/>
+        </p:nvCxnSpPr>
+        <p:spPr>
+          <a:xfrm>
+            <a:off x="3896497" y="3365157"/>
+            <a:ext cx="461319" cy="0"/>
+          </a:xfrm>
+          <a:prstGeom prst="straightConnector1">
+            <a:avLst/>
+          </a:prstGeom>
+          <a:ln w="38100">
+            <a:solidFill>
+              <a:srgbClr val="0000FF"/>
+            </a:solidFill>
+            <a:tailEnd type="triangle"/>
+          </a:ln>
+        </p:spPr>
+        <p:style>
+          <a:lnRef idx="1">
+            <a:schemeClr val="accent1"/>
+          </a:lnRef>
+          <a:fillRef idx="0">
+            <a:schemeClr val="accent1"/>
+          </a:fillRef>
+          <a:effectRef idx="0">
+            <a:schemeClr val="accent1"/>
+          </a:effectRef>
+          <a:fontRef idx="minor">
+            <a:schemeClr val="tx1"/>
+          </a:fontRef>
+        </p:style>
+      </p:cxnSp>
+      <p:cxnSp>
+        <p:nvCxnSpPr>
+          <p:cNvPr id="19" name="Straight Arrow Connector 18"/>
+          <p:cNvCxnSpPr>
+            <a:stCxn id="7" idx="3"/>
+            <a:endCxn id="14" idx="1"/>
+          </p:cNvCxnSpPr>
+          <p:nvPr/>
+        </p:nvCxnSpPr>
+        <p:spPr>
+          <a:xfrm>
+            <a:off x="2421924" y="4487149"/>
+            <a:ext cx="626074" cy="0"/>
+          </a:xfrm>
+          <a:prstGeom prst="straightConnector1">
+            <a:avLst/>
+          </a:prstGeom>
+          <a:ln w="38100">
+            <a:solidFill>
+              <a:srgbClr val="0000FF"/>
+            </a:solidFill>
+            <a:tailEnd type="triangle"/>
+          </a:ln>
+        </p:spPr>
+        <p:style>
+          <a:lnRef idx="1">
+            <a:schemeClr val="accent1"/>
+          </a:lnRef>
+          <a:fillRef idx="0">
+            <a:schemeClr val="accent1"/>
+          </a:fillRef>
+          <a:effectRef idx="0">
+            <a:schemeClr val="accent1"/>
+          </a:effectRef>
+          <a:fontRef idx="minor">
+            <a:schemeClr val="tx1"/>
+          </a:fontRef>
+        </p:style>
+      </p:cxnSp>
+      <p:cxnSp>
+        <p:nvCxnSpPr>
+          <p:cNvPr id="23" name="Straight Arrow Connector 22"/>
+          <p:cNvCxnSpPr>
+            <a:stCxn id="9" idx="3"/>
+            <a:endCxn id="15" idx="1"/>
+          </p:cNvCxnSpPr>
+          <p:nvPr/>
+        </p:nvCxnSpPr>
+        <p:spPr>
+          <a:xfrm flipV="1">
+            <a:off x="2421924" y="5609140"/>
+            <a:ext cx="626074" cy="1"/>
+          </a:xfrm>
+          <a:prstGeom prst="straightConnector1">
+            <a:avLst/>
+          </a:prstGeom>
+          <a:ln w="38100">
+            <a:solidFill>
+              <a:srgbClr val="0000FF"/>
+            </a:solidFill>
+            <a:tailEnd type="triangle"/>
+          </a:ln>
+        </p:spPr>
+        <p:style>
+          <a:lnRef idx="1">
+            <a:schemeClr val="accent1"/>
+          </a:lnRef>
+          <a:fillRef idx="0">
+            <a:schemeClr val="accent1"/>
+          </a:fillRef>
+          <a:effectRef idx="0">
+            <a:schemeClr val="accent1"/>
+          </a:effectRef>
+          <a:fontRef idx="minor">
+            <a:schemeClr val="tx1"/>
+          </a:fontRef>
+        </p:style>
+      </p:cxnSp>
+      <p:sp>
+        <p:nvSpPr>
+          <p:cNvPr id="27" name="TextBox 26"/>
+          <p:cNvSpPr txBox="1"/>
+          <p:nvPr/>
+        </p:nvSpPr>
+        <p:spPr>
+          <a:xfrm>
+            <a:off x="6351373" y="3015049"/>
+            <a:ext cx="4664498" cy="1446550"/>
+          </a:xfrm>
+          <a:prstGeom prst="rect">
+            <a:avLst/>
+          </a:prstGeom>
+          <a:noFill/>
+        </p:spPr>
+        <p:txBody>
+          <a:bodyPr wrap="square" rtlCol="0">
+            <a:spAutoFit/>
+          </a:bodyPr>
+          <a:lstStyle/>
+          <a:p>
+            <a:r>
+              <a:rPr lang="ru-RU" sz="2200" smtClean="0"/>
+              <a:t>Здесь выполнются условия</a:t>
+            </a:r>
+          </a:p>
+          <a:p>
+            <a:r>
+              <a:rPr lang="en-US" sz="2200" smtClean="0">
+                <a:latin typeface="Consolas" panose="020B0609020204030204" pitchFamily="49" charset="0"/>
+              </a:rPr>
+              <a:t>hash(elt1) == hash(elt2)</a:t>
+            </a:r>
+          </a:p>
+          <a:p>
+            <a:r>
+              <a:rPr lang="en-US" sz="2200" smtClean="0">
+                <a:latin typeface="Consolas" panose="020B0609020204030204" pitchFamily="49" charset="0"/>
+              </a:rPr>
+              <a:t>elt1 != elt2</a:t>
+            </a:r>
+          </a:p>
+          <a:p>
+            <a:r>
+              <a:rPr lang="en-US" sz="2200">
+                <a:latin typeface="Consolas" panose="020B0609020204030204" pitchFamily="49" charset="0"/>
+              </a:rPr>
+              <a:t>hash(elt1) </a:t>
+            </a:r>
+            <a:r>
+              <a:rPr lang="en-US" sz="2200" smtClean="0">
+                <a:latin typeface="Consolas" panose="020B0609020204030204" pitchFamily="49" charset="0"/>
+              </a:rPr>
+              <a:t>!= hash(elt3)</a:t>
+            </a:r>
+            <a:endParaRPr lang="en-US" sz="2200">
+              <a:latin typeface="Consolas" panose="020B0609020204030204" pitchFamily="49" charset="0"/>
+            </a:endParaRPr>
           </a:p>
         </p:txBody>
       </p:sp>
     </p:spTree>
     <p:extLst>
       <p:ext uri="{BB962C8B-B14F-4D97-AF65-F5344CB8AC3E}">
-        <p14:creationId xmlns:p14="http://schemas.microsoft.com/office/powerpoint/2010/main" val="4187503139"/>
+        <p14:creationId xmlns:p14="http://schemas.microsoft.com/office/powerpoint/2010/main" val="1318884506"/>
       </p:ext>
     </p:extLst>
   </p:cSld>
@@ -20120,11 +20801,7 @@
           <a:p>
             <a:r>
               <a:rPr lang="ru-RU" smtClean="0"/>
-              <a:t>Собственный </a:t>
-            </a:r>
-            <a:r>
-              <a:rPr lang="en-US" smtClean="0"/>
-              <a:t>hash</a:t>
+              <a:t>Пользовательская структура</a:t>
             </a:r>
             <a:endParaRPr lang="en-US"/>
           </a:p>
@@ -20140,64 +20817,80 @@
             <p:ph idx="1"/>
           </p:nvPr>
         </p:nvSpPr>
-        <p:spPr>
-          <a:xfrm>
-            <a:off x="1143000" y="2057400"/>
-            <a:ext cx="10406449" cy="4038600"/>
-          </a:xfrm>
-        </p:spPr>
+        <p:spPr/>
         <p:txBody>
           <a:bodyPr/>
           <a:lstStyle/>
           <a:p>
             <a:r>
               <a:rPr lang="ru-RU" smtClean="0"/>
-              <a:t>Если угадайка не привлекает, есть </a:t>
-            </a:r>
-            <a:r>
-              <a:rPr lang="en-US" smtClean="0"/>
-              <a:t>boost</a:t>
-            </a:r>
-            <a:endParaRPr lang="ru-RU" smtClean="0"/>
+              <a:t>Итак </a:t>
+            </a:r>
+            <a:r>
+              <a:rPr lang="ru-RU" smtClean="0"/>
+              <a:t>у нас есть структура</a:t>
+            </a:r>
           </a:p>
           <a:p>
             <a:pPr marL="45720" indent="0">
               <a:buNone/>
             </a:pPr>
             <a:r>
-              <a:rPr lang="en-US" smtClean="0">
-                <a:latin typeface="Consolas" panose="020B0609020204030204" pitchFamily="49" charset="0"/>
-              </a:rPr>
-              <a:t>result_type </a:t>
-            </a:r>
-            <a:r>
               <a:rPr lang="en-US">
                 <a:latin typeface="Consolas" panose="020B0609020204030204" pitchFamily="49" charset="0"/>
               </a:rPr>
-              <a:t>operator()(argument_type const&amp; s) const </a:t>
-            </a:r>
-            <a:r>
-              <a:rPr lang="en-US" smtClean="0">
-                <a:latin typeface="Consolas" panose="020B0609020204030204" pitchFamily="49" charset="0"/>
-              </a:rPr>
-              <a:t>noexcept</a:t>
+              <a:t>struct S </a:t>
+            </a:r>
+            <a:r>
+              <a:rPr lang="en-US" smtClean="0">
+                <a:latin typeface="Consolas" panose="020B0609020204030204" pitchFamily="49" charset="0"/>
+              </a:rPr>
+              <a:t>{</a:t>
             </a:r>
             <a:r>
               <a:rPr lang="ru-RU" smtClean="0">
                 <a:latin typeface="Consolas" panose="020B0609020204030204" pitchFamily="49" charset="0"/>
               </a:rPr>
-              <a:t> </a:t>
-            </a:r>
-            <a:r>
-              <a:rPr lang="en-US" smtClean="0">
-                <a:latin typeface="Consolas" panose="020B0609020204030204" pitchFamily="49" charset="0"/>
-              </a:rPr>
-              <a:t>{</a:t>
-            </a:r>
-            <a:r>
+              <a:t/>
+            </a:r>
+            <a:br>
               <a:rPr lang="ru-RU" smtClean="0">
                 <a:latin typeface="Consolas" panose="020B0609020204030204" pitchFamily="49" charset="0"/>
               </a:rPr>
+            </a:br>
+            <a:r>
+              <a:rPr lang="en-US" smtClean="0">
+                <a:latin typeface="Consolas" panose="020B0609020204030204" pitchFamily="49" charset="0"/>
+              </a:rPr>
+              <a:t>  string first_name, </a:t>
+            </a:r>
+            <a:r>
+              <a:rPr lang="en-US">
+                <a:latin typeface="Consolas" panose="020B0609020204030204" pitchFamily="49" charset="0"/>
+              </a:rPr>
+              <a:t>last_name;</a:t>
+            </a:r>
+            <a:br>
+              <a:rPr lang="en-US">
+                <a:latin typeface="Consolas" panose="020B0609020204030204" pitchFamily="49" charset="0"/>
+              </a:rPr>
+            </a:br>
+            <a:r>
+              <a:rPr lang="en-US">
+                <a:latin typeface="Consolas" panose="020B0609020204030204" pitchFamily="49" charset="0"/>
+              </a:rPr>
+              <a:t>  bool equals(const S&amp; rhs</a:t>
+            </a:r>
+            <a:r>
+              <a:rPr lang="en-US" smtClean="0">
+                <a:latin typeface="Consolas" panose="020B0609020204030204" pitchFamily="49" charset="0"/>
+              </a:rPr>
+              <a:t>) const;</a:t>
+            </a:r>
+            <a:r>
+              <a:rPr lang="ru-RU" smtClean="0">
+                <a:latin typeface="Consolas" panose="020B0609020204030204" pitchFamily="49" charset="0"/>
+              </a:rPr>
               <a:t/>
             </a:r>
             <a:br>
@@ -20206,245 +20899,53 @@
               </a:rPr>
             </a:br>
             <a:r>
-              <a:rPr lang="ru-RU" smtClean="0">
+              <a:rPr lang="en-US" smtClean="0">
+                <a:latin typeface="Consolas" panose="020B0609020204030204" pitchFamily="49" charset="0"/>
+              </a:rPr>
+              <a:t>};</a:t>
+            </a:r>
+          </a:p>
+          <a:p>
+            <a:pPr marL="45720" indent="0">
+              <a:buNone/>
+            </a:pPr>
+            <a:r>
+              <a:rPr lang="en-US">
+                <a:latin typeface="Consolas" panose="020B0609020204030204" pitchFamily="49" charset="0"/>
+              </a:rPr>
+              <a:t>bool operator==(const S&amp; lhs, const S&amp; rhs) {</a:t>
+            </a:r>
+            <a:r>
+              <a:rPr lang="ru-RU">
+                <a:latin typeface="Consolas" panose="020B0609020204030204" pitchFamily="49" charset="0"/>
+              </a:rPr>
+              <a:t/>
+            </a:r>
+            <a:br>
+              <a:rPr lang="ru-RU">
+                <a:latin typeface="Consolas" panose="020B0609020204030204" pitchFamily="49" charset="0"/>
+              </a:rPr>
+            </a:br>
+            <a:r>
+              <a:rPr lang="ru-RU">
                 <a:latin typeface="Consolas" panose="020B0609020204030204" pitchFamily="49" charset="0"/>
               </a:rPr>
               <a:t>  </a:t>
             </a:r>
             <a:r>
-              <a:rPr lang="en-US" smtClean="0">
-                <a:latin typeface="Consolas" panose="020B0609020204030204" pitchFamily="49" charset="0"/>
-              </a:rPr>
-              <a:t>result_type </a:t>
-            </a:r>
-            <a:r>
               <a:rPr lang="en-US">
                 <a:latin typeface="Consolas" panose="020B0609020204030204" pitchFamily="49" charset="0"/>
               </a:rPr>
-              <a:t>const </a:t>
-            </a:r>
-            <a:r>
-              <a:rPr lang="en-US" smtClean="0">
-                <a:latin typeface="Consolas" panose="020B0609020204030204" pitchFamily="49" charset="0"/>
-              </a:rPr>
-              <a:t>h1</a:t>
-            </a:r>
-            <a:r>
-              <a:rPr lang="ru-RU" smtClean="0">
-                <a:latin typeface="Consolas" panose="020B0609020204030204" pitchFamily="49" charset="0"/>
-              </a:rPr>
-              <a:t> = </a:t>
-            </a:r>
-            <a:r>
-              <a:rPr lang="en-US" smtClean="0">
-                <a:latin typeface="Consolas" panose="020B0609020204030204" pitchFamily="49" charset="0"/>
-              </a:rPr>
-              <a:t>hash&lt;string</a:t>
-            </a:r>
-            <a:r>
-              <a:rPr lang="en-US">
-                <a:latin typeface="Consolas" panose="020B0609020204030204" pitchFamily="49" charset="0"/>
-              </a:rPr>
-              <a:t>&gt;{}(s.first_name</a:t>
-            </a:r>
-            <a:r>
-              <a:rPr lang="en-US" smtClean="0">
-                <a:latin typeface="Consolas" panose="020B0609020204030204" pitchFamily="49" charset="0"/>
-              </a:rPr>
-              <a:t>);</a:t>
-            </a:r>
-            <a:r>
-              <a:rPr lang="ru-RU" smtClean="0">
+              <a:t>return lhs.equals(rhs);</a:t>
+            </a:r>
+            <a:r>
+              <a:rPr lang="ru-RU">
                 <a:latin typeface="Consolas" panose="020B0609020204030204" pitchFamily="49" charset="0"/>
               </a:rPr>
               <a:t/>
             </a:r>
             <a:br>
-              <a:rPr lang="ru-RU" smtClean="0">
-                <a:latin typeface="Consolas" panose="020B0609020204030204" pitchFamily="49" charset="0"/>
-              </a:rPr>
-            </a:br>
-            <a:r>
-              <a:rPr lang="en-US" smtClean="0">
-                <a:latin typeface="Consolas" panose="020B0609020204030204" pitchFamily="49" charset="0"/>
-              </a:rPr>
-              <a:t>  </a:t>
-            </a:r>
-            <a:r>
-              <a:rPr lang="en-US">
-                <a:latin typeface="Consolas" panose="020B0609020204030204" pitchFamily="49" charset="0"/>
-              </a:rPr>
-              <a:t>result_type const </a:t>
-            </a:r>
-            <a:r>
-              <a:rPr lang="en-US" smtClean="0">
-                <a:latin typeface="Consolas" panose="020B0609020204030204" pitchFamily="49" charset="0"/>
-              </a:rPr>
-              <a:t>h2</a:t>
-            </a:r>
-            <a:r>
-              <a:rPr lang="ru-RU" smtClean="0">
-                <a:latin typeface="Consolas" panose="020B0609020204030204" pitchFamily="49" charset="0"/>
-              </a:rPr>
-              <a:t> = </a:t>
-            </a:r>
-            <a:r>
-              <a:rPr lang="en-US" smtClean="0">
-                <a:latin typeface="Consolas" panose="020B0609020204030204" pitchFamily="49" charset="0"/>
-              </a:rPr>
-              <a:t>hash&lt;string</a:t>
-            </a:r>
-            <a:r>
-              <a:rPr lang="en-US">
-                <a:latin typeface="Consolas" panose="020B0609020204030204" pitchFamily="49" charset="0"/>
-              </a:rPr>
-              <a:t>&gt;{}(</a:t>
-            </a:r>
-            <a:r>
-              <a:rPr lang="en-US" smtClean="0">
-                <a:latin typeface="Consolas" panose="020B0609020204030204" pitchFamily="49" charset="0"/>
-              </a:rPr>
-              <a:t>s.last_name</a:t>
-            </a:r>
-            <a:r>
-              <a:rPr lang="ru-RU" smtClean="0">
-                <a:latin typeface="Consolas" panose="020B0609020204030204" pitchFamily="49" charset="0"/>
-              </a:rPr>
-              <a:t>)</a:t>
-            </a:r>
-            <a:r>
-              <a:rPr lang="en-US">
-                <a:latin typeface="Consolas" panose="020B0609020204030204" pitchFamily="49" charset="0"/>
-              </a:rPr>
-              <a:t>;</a:t>
-            </a:r>
-            <a:br>
-              <a:rPr lang="en-US">
-                <a:latin typeface="Consolas" panose="020B0609020204030204" pitchFamily="49" charset="0"/>
-              </a:rPr>
-            </a:br>
-            <a:r>
-              <a:rPr lang="en-US">
-                <a:latin typeface="Consolas" panose="020B0609020204030204" pitchFamily="49" charset="0"/>
-              </a:rPr>
-              <a:t>  size_t seed = 0;</a:t>
-            </a:r>
-            <a:br>
-              <a:rPr lang="en-US">
-                <a:latin typeface="Consolas" panose="020B0609020204030204" pitchFamily="49" charset="0"/>
-              </a:rPr>
-            </a:br>
-            <a:r>
-              <a:rPr lang="en-US">
-                <a:latin typeface="Consolas" panose="020B0609020204030204" pitchFamily="49" charset="0"/>
-              </a:rPr>
-              <a:t> </a:t>
-            </a:r>
-            <a:r>
-              <a:rPr lang="en-US" smtClean="0">
-                <a:latin typeface="Consolas" panose="020B0609020204030204" pitchFamily="49" charset="0"/>
-              </a:rPr>
-              <a:t> </a:t>
-            </a:r>
-            <a:r>
-              <a:rPr lang="en-US" smtClean="0">
-                <a:solidFill>
-                  <a:srgbClr val="0000FF"/>
-                </a:solidFill>
-                <a:latin typeface="Consolas" panose="020B0609020204030204" pitchFamily="49" charset="0"/>
-              </a:rPr>
-              <a:t>boost</a:t>
-            </a:r>
-            <a:r>
-              <a:rPr lang="en-US">
-                <a:solidFill>
-                  <a:srgbClr val="0000FF"/>
-                </a:solidFill>
-                <a:latin typeface="Consolas" panose="020B0609020204030204" pitchFamily="49" charset="0"/>
-              </a:rPr>
-              <a:t>::hash_combine</a:t>
-            </a:r>
-            <a:r>
-              <a:rPr lang="en-US">
-                <a:latin typeface="Consolas" panose="020B0609020204030204" pitchFamily="49" charset="0"/>
-              </a:rPr>
-              <a:t>(seed, </a:t>
-            </a:r>
-            <a:r>
-              <a:rPr lang="en-US" smtClean="0">
-                <a:latin typeface="Consolas" panose="020B0609020204030204" pitchFamily="49" charset="0"/>
-              </a:rPr>
-              <a:t>h1);</a:t>
-            </a:r>
-            <a:br>
-              <a:rPr lang="en-US" smtClean="0">
-                <a:latin typeface="Consolas" panose="020B0609020204030204" pitchFamily="49" charset="0"/>
-              </a:rPr>
-            </a:br>
-            <a:r>
-              <a:rPr lang="en-US" smtClean="0">
-                <a:latin typeface="Consolas" panose="020B0609020204030204" pitchFamily="49" charset="0"/>
-              </a:rPr>
-              <a:t>  boost</a:t>
-            </a:r>
-            <a:r>
-              <a:rPr lang="en-US">
-                <a:latin typeface="Consolas" panose="020B0609020204030204" pitchFamily="49" charset="0"/>
-              </a:rPr>
-              <a:t>::hash_combine(seed, </a:t>
-            </a:r>
-            <a:r>
-              <a:rPr lang="en-US" smtClean="0">
-                <a:latin typeface="Consolas" panose="020B0609020204030204" pitchFamily="49" charset="0"/>
-              </a:rPr>
-              <a:t>h2);</a:t>
-            </a:r>
-            <a:r>
-              <a:rPr lang="ru-RU" smtClean="0">
-                <a:latin typeface="Consolas" panose="020B0609020204030204" pitchFamily="49" charset="0"/>
-              </a:rPr>
-              <a:t/>
-            </a:r>
-            <a:br>
-              <a:rPr lang="ru-RU" smtClean="0">
-                <a:latin typeface="Consolas" panose="020B0609020204030204" pitchFamily="49" charset="0"/>
-              </a:rPr>
-            </a:br>
-            <a:r>
-              <a:rPr lang="ru-RU" smtClean="0">
-                <a:latin typeface="Consolas" panose="020B0609020204030204" pitchFamily="49" charset="0"/>
-              </a:rPr>
-              <a:t> </a:t>
-            </a:r>
-            <a:r>
-              <a:rPr lang="en-US" smtClean="0">
-                <a:latin typeface="Consolas" panose="020B0609020204030204" pitchFamily="49" charset="0"/>
-              </a:rPr>
-              <a:t> </a:t>
-            </a:r>
-            <a:r>
-              <a:rPr lang="en-US">
-                <a:latin typeface="Consolas" panose="020B0609020204030204" pitchFamily="49" charset="0"/>
-              </a:rPr>
-              <a:t>return </a:t>
-            </a:r>
-            <a:r>
-              <a:rPr lang="en-US" smtClean="0">
-                <a:solidFill>
-                  <a:srgbClr val="0000FF"/>
-                </a:solidFill>
-                <a:latin typeface="Consolas" panose="020B0609020204030204" pitchFamily="49" charset="0"/>
-              </a:rPr>
-              <a:t>seed;</a:t>
-            </a:r>
-            <a:r>
-              <a:rPr lang="ru-RU" smtClean="0">
-                <a:latin typeface="Consolas" panose="020B0609020204030204" pitchFamily="49" charset="0"/>
-              </a:rPr>
-              <a:t/>
-            </a:r>
-            <a:br>
-              <a:rPr lang="ru-RU" smtClean="0">
+              <a:rPr lang="ru-RU">
                 <a:latin typeface="Consolas" panose="020B0609020204030204" pitchFamily="49" charset="0"/>
               </a:rPr>
             </a:br>
@@ -20461,19 +20962,17 @@
           <a:p>
             <a:r>
               <a:rPr lang="ru-RU" smtClean="0"/>
-              <a:t>Это работает всегда. Но это </a:t>
+              <a:t>Обычно та или иная стратегия для равенства не составляет проблемы. Равенство должно быть транзитивно, симметрично и рефлексивно.</a:t>
+            </a:r>
+          </a:p>
+          <a:p>
+            <a:r>
+              <a:rPr lang="ru-RU" smtClean="0"/>
+              <a:t>Но как определить собственный </a:t>
             </a:r>
             <a:r>
               <a:rPr lang="en-US" smtClean="0"/>
-              <a:t>boost</a:t>
-            </a:r>
-            <a:r>
-              <a:rPr lang="ru-RU" smtClean="0"/>
-              <a:t>, его надо затаскивать в проект</a:t>
-            </a:r>
-            <a:r>
-              <a:rPr lang="en-US" smtClean="0"/>
-              <a:t>.</a:t>
+              <a:t>hash?</a:t>
             </a:r>
             <a:endParaRPr lang="ru-RU" smtClean="0"/>
           </a:p>
@@ -20482,7 +20981,7 @@
     </p:spTree>
     <p:extLst>
       <p:ext uri="{BB962C8B-B14F-4D97-AF65-F5344CB8AC3E}">
-        <p14:creationId xmlns:p14="http://schemas.microsoft.com/office/powerpoint/2010/main" val="3039205336"/>
+        <p14:creationId xmlns:p14="http://schemas.microsoft.com/office/powerpoint/2010/main" val="207336578"/>
       </p:ext>
     </p:extLst>
   </p:cSld>
@@ -20526,7 +21025,11 @@
           <a:p>
             <a:r>
               <a:rPr lang="ru-RU" smtClean="0"/>
-              <a:t>Домашняя наработка</a:t>
+              <a:t>Собственный </a:t>
+            </a:r>
+            <a:r>
+              <a:rPr lang="en-US" smtClean="0"/>
+              <a:t>hash</a:t>
             </a:r>
             <a:endParaRPr lang="en-US"/>
           </a:p>
@@ -20542,39 +21045,259 @@
             <p:ph idx="1"/>
           </p:nvPr>
         </p:nvSpPr>
-        <p:spPr/>
+        <p:spPr>
+          <a:xfrm>
+            <a:off x="1143000" y="2057400"/>
+            <a:ext cx="10406449" cy="4038600"/>
+          </a:xfrm>
+        </p:spPr>
         <p:txBody>
           <a:bodyPr/>
           <a:lstStyle/>
           <a:p>
             <a:r>
               <a:rPr lang="ru-RU" smtClean="0"/>
-              <a:t>Разберитесь с </a:t>
-            </a:r>
-            <a:r>
-              <a:rPr lang="en-US" smtClean="0"/>
-              <a:t>rehash </a:t>
-            </a:r>
-            <a:r>
-              <a:rPr lang="ru-RU" smtClean="0"/>
-              <a:t>и </a:t>
-            </a:r>
-            <a:r>
-              <a:rPr lang="en-US" smtClean="0"/>
-              <a:t>reserve. </a:t>
-            </a:r>
-            <a:r>
-              <a:rPr lang="ru-RU" smtClean="0"/>
-              <a:t>Когда вы хотите и когда не хотите их применять?</a:t>
-            </a:r>
-            <a:endParaRPr lang="en-US"/>
+              <a:t>Простейший способ это сделать что-нибудь исходя из фантазии</a:t>
+            </a:r>
+          </a:p>
+          <a:p>
+            <a:pPr marL="45720" indent="0">
+              <a:buNone/>
+            </a:pPr>
+            <a:r>
+              <a:rPr lang="en-US" smtClean="0">
+                <a:latin typeface="Consolas" panose="020B0609020204030204" pitchFamily="49" charset="0"/>
+              </a:rPr>
+              <a:t>result_type </a:t>
+            </a:r>
+            <a:r>
+              <a:rPr lang="en-US">
+                <a:latin typeface="Consolas" panose="020B0609020204030204" pitchFamily="49" charset="0"/>
+              </a:rPr>
+              <a:t>operator()(argument_type const&amp; s) const </a:t>
+            </a:r>
+            <a:r>
+              <a:rPr lang="en-US" smtClean="0">
+                <a:latin typeface="Consolas" panose="020B0609020204030204" pitchFamily="49" charset="0"/>
+              </a:rPr>
+              <a:t>noexcept</a:t>
+            </a:r>
+            <a:r>
+              <a:rPr lang="ru-RU" smtClean="0">
+                <a:latin typeface="Consolas" panose="020B0609020204030204" pitchFamily="49" charset="0"/>
+              </a:rPr>
+              <a:t> </a:t>
+            </a:r>
+            <a:r>
+              <a:rPr lang="en-US" smtClean="0">
+                <a:latin typeface="Consolas" panose="020B0609020204030204" pitchFamily="49" charset="0"/>
+              </a:rPr>
+              <a:t>{</a:t>
+            </a:r>
+            <a:r>
+              <a:rPr lang="ru-RU" smtClean="0">
+                <a:latin typeface="Consolas" panose="020B0609020204030204" pitchFamily="49" charset="0"/>
+              </a:rPr>
+              <a:t/>
+            </a:r>
+            <a:br>
+              <a:rPr lang="ru-RU" smtClean="0">
+                <a:latin typeface="Consolas" panose="020B0609020204030204" pitchFamily="49" charset="0"/>
+              </a:rPr>
+            </a:br>
+            <a:r>
+              <a:rPr lang="ru-RU" smtClean="0">
+                <a:latin typeface="Consolas" panose="020B0609020204030204" pitchFamily="49" charset="0"/>
+              </a:rPr>
+              <a:t>  </a:t>
+            </a:r>
+            <a:r>
+              <a:rPr lang="en-US" smtClean="0">
+                <a:latin typeface="Consolas" panose="020B0609020204030204" pitchFamily="49" charset="0"/>
+              </a:rPr>
+              <a:t>result_type </a:t>
+            </a:r>
+            <a:r>
+              <a:rPr lang="en-US">
+                <a:latin typeface="Consolas" panose="020B0609020204030204" pitchFamily="49" charset="0"/>
+              </a:rPr>
+              <a:t>const </a:t>
+            </a:r>
+            <a:r>
+              <a:rPr lang="en-US" smtClean="0">
+                <a:latin typeface="Consolas" panose="020B0609020204030204" pitchFamily="49" charset="0"/>
+              </a:rPr>
+              <a:t>h1</a:t>
+            </a:r>
+            <a:r>
+              <a:rPr lang="ru-RU" smtClean="0">
+                <a:latin typeface="Consolas" panose="020B0609020204030204" pitchFamily="49" charset="0"/>
+              </a:rPr>
+              <a:t> = </a:t>
+            </a:r>
+            <a:r>
+              <a:rPr lang="en-US" smtClean="0">
+                <a:latin typeface="Consolas" panose="020B0609020204030204" pitchFamily="49" charset="0"/>
+              </a:rPr>
+              <a:t>hash&lt;string</a:t>
+            </a:r>
+            <a:r>
+              <a:rPr lang="en-US">
+                <a:latin typeface="Consolas" panose="020B0609020204030204" pitchFamily="49" charset="0"/>
+              </a:rPr>
+              <a:t>&gt;{}(s.first_name</a:t>
+            </a:r>
+            <a:r>
+              <a:rPr lang="en-US" smtClean="0">
+                <a:latin typeface="Consolas" panose="020B0609020204030204" pitchFamily="49" charset="0"/>
+              </a:rPr>
+              <a:t>);</a:t>
+            </a:r>
+            <a:r>
+              <a:rPr lang="ru-RU" smtClean="0">
+                <a:latin typeface="Consolas" panose="020B0609020204030204" pitchFamily="49" charset="0"/>
+              </a:rPr>
+              <a:t/>
+            </a:r>
+            <a:br>
+              <a:rPr lang="ru-RU" smtClean="0">
+                <a:latin typeface="Consolas" panose="020B0609020204030204" pitchFamily="49" charset="0"/>
+              </a:rPr>
+            </a:br>
+            <a:r>
+              <a:rPr lang="en-US" smtClean="0">
+                <a:latin typeface="Consolas" panose="020B0609020204030204" pitchFamily="49" charset="0"/>
+              </a:rPr>
+              <a:t>  </a:t>
+            </a:r>
+            <a:r>
+              <a:rPr lang="en-US">
+                <a:latin typeface="Consolas" panose="020B0609020204030204" pitchFamily="49" charset="0"/>
+              </a:rPr>
+              <a:t>result_type const </a:t>
+            </a:r>
+            <a:r>
+              <a:rPr lang="en-US" smtClean="0">
+                <a:latin typeface="Consolas" panose="020B0609020204030204" pitchFamily="49" charset="0"/>
+              </a:rPr>
+              <a:t>h2</a:t>
+            </a:r>
+            <a:r>
+              <a:rPr lang="ru-RU" smtClean="0">
+                <a:latin typeface="Consolas" panose="020B0609020204030204" pitchFamily="49" charset="0"/>
+              </a:rPr>
+              <a:t> = </a:t>
+            </a:r>
+            <a:r>
+              <a:rPr lang="en-US" smtClean="0">
+                <a:latin typeface="Consolas" panose="020B0609020204030204" pitchFamily="49" charset="0"/>
+              </a:rPr>
+              <a:t>hash&lt;string</a:t>
+            </a:r>
+            <a:r>
+              <a:rPr lang="en-US">
+                <a:latin typeface="Consolas" panose="020B0609020204030204" pitchFamily="49" charset="0"/>
+              </a:rPr>
+              <a:t>&gt;{}(</a:t>
+            </a:r>
+            <a:r>
+              <a:rPr lang="en-US" smtClean="0">
+                <a:latin typeface="Consolas" panose="020B0609020204030204" pitchFamily="49" charset="0"/>
+              </a:rPr>
+              <a:t>s.last_name</a:t>
+            </a:r>
+            <a:r>
+              <a:rPr lang="ru-RU" smtClean="0">
+                <a:latin typeface="Consolas" panose="020B0609020204030204" pitchFamily="49" charset="0"/>
+              </a:rPr>
+              <a:t>)</a:t>
+            </a:r>
+            <a:r>
+              <a:rPr lang="en-US" smtClean="0">
+                <a:latin typeface="Consolas" panose="020B0609020204030204" pitchFamily="49" charset="0"/>
+              </a:rPr>
+              <a:t>;</a:t>
+            </a:r>
+            <a:r>
+              <a:rPr lang="ru-RU" smtClean="0">
+                <a:latin typeface="Consolas" panose="020B0609020204030204" pitchFamily="49" charset="0"/>
+              </a:rPr>
+              <a:t/>
+            </a:r>
+            <a:br>
+              <a:rPr lang="ru-RU" smtClean="0">
+                <a:latin typeface="Consolas" panose="020B0609020204030204" pitchFamily="49" charset="0"/>
+              </a:rPr>
+            </a:br>
+            <a:r>
+              <a:rPr lang="ru-RU" smtClean="0">
+                <a:latin typeface="Consolas" panose="020B0609020204030204" pitchFamily="49" charset="0"/>
+              </a:rPr>
+              <a:t> </a:t>
+            </a:r>
+            <a:r>
+              <a:rPr lang="en-US" smtClean="0">
+                <a:latin typeface="Consolas" panose="020B0609020204030204" pitchFamily="49" charset="0"/>
+              </a:rPr>
+              <a:t> </a:t>
+            </a:r>
+            <a:r>
+              <a:rPr lang="en-US">
+                <a:latin typeface="Consolas" panose="020B0609020204030204" pitchFamily="49" charset="0"/>
+              </a:rPr>
+              <a:t>return </a:t>
+            </a:r>
+            <a:r>
+              <a:rPr lang="en-US">
+                <a:solidFill>
+                  <a:srgbClr val="0000FF"/>
+                </a:solidFill>
+                <a:latin typeface="Consolas" panose="020B0609020204030204" pitchFamily="49" charset="0"/>
+              </a:rPr>
+              <a:t>h1 ^ (h2 &lt;&lt; 1</a:t>
+            </a:r>
+            <a:r>
+              <a:rPr lang="en-US" smtClean="0">
+                <a:solidFill>
+                  <a:srgbClr val="0000FF"/>
+                </a:solidFill>
+                <a:latin typeface="Consolas" panose="020B0609020204030204" pitchFamily="49" charset="0"/>
+              </a:rPr>
+              <a:t>);</a:t>
+            </a:r>
+            <a:r>
+              <a:rPr lang="ru-RU" smtClean="0">
+                <a:latin typeface="Consolas" panose="020B0609020204030204" pitchFamily="49" charset="0"/>
+              </a:rPr>
+              <a:t/>
+            </a:r>
+            <a:br>
+              <a:rPr lang="ru-RU" smtClean="0">
+                <a:latin typeface="Consolas" panose="020B0609020204030204" pitchFamily="49" charset="0"/>
+              </a:rPr>
+            </a:br>
+            <a:r>
+              <a:rPr lang="en-US" smtClean="0">
+                <a:latin typeface="Consolas" panose="020B0609020204030204" pitchFamily="49" charset="0"/>
+              </a:rPr>
+              <a:t>}</a:t>
+            </a:r>
+            <a:endParaRPr lang="ru-RU" smtClean="0">
+              <a:latin typeface="Consolas" panose="020B0609020204030204" pitchFamily="49" charset="0"/>
+            </a:endParaRPr>
+          </a:p>
+          <a:p>
+            <a:r>
+              <a:rPr lang="ru-RU" smtClean="0"/>
+              <a:t>Этот способ неплох и часто (например в этом случае) он даже работает, но в общем это всегда угадайка.</a:t>
+            </a:r>
           </a:p>
         </p:txBody>
       </p:sp>
     </p:spTree>
     <p:extLst>
       <p:ext uri="{BB962C8B-B14F-4D97-AF65-F5344CB8AC3E}">
-        <p14:creationId xmlns:p14="http://schemas.microsoft.com/office/powerpoint/2010/main" val="1318884506"/>
+        <p14:creationId xmlns:p14="http://schemas.microsoft.com/office/powerpoint/2010/main" val="4187503139"/>
       </p:ext>
     </p:extLst>
   </p:cSld>
@@ -20603,6 +21326,33 @@
       </p:grpSpPr>
       <p:sp>
         <p:nvSpPr>
+          <p:cNvPr id="2" name="Title 1"/>
+          <p:cNvSpPr>
+            <a:spLocks noGrp="1"/>
+          </p:cNvSpPr>
+          <p:nvPr>
+            <p:ph type="title"/>
+          </p:nvPr>
+        </p:nvSpPr>
+        <p:spPr/>
+        <p:txBody>
+          <a:bodyPr/>
+          <a:lstStyle/>
+          <a:p>
+            <a:r>
+              <a:rPr lang="ru-RU" smtClean="0"/>
+              <a:t>Собственный </a:t>
+            </a:r>
+            <a:r>
+              <a:rPr lang="en-US" smtClean="0"/>
+              <a:t>hash</a:t>
+            </a:r>
+            <a:endParaRPr lang="en-US"/>
+          </a:p>
+        </p:txBody>
+      </p:sp>
+      <p:sp>
+        <p:nvSpPr>
           <p:cNvPr id="3" name="Content Placeholder 2"/>
           <p:cNvSpPr>
             <a:spLocks noGrp="1"/>
@@ -20613,78 +21363,347 @@
         </p:nvSpPr>
         <p:spPr>
           <a:xfrm>
-            <a:off x="1143000" y="742122"/>
-            <a:ext cx="9872871" cy="5353878"/>
+            <a:off x="1143000" y="2057400"/>
+            <a:ext cx="10406449" cy="4038600"/>
           </a:xfrm>
         </p:spPr>
         <p:txBody>
-          <a:bodyPr>
-            <a:noAutofit/>
-          </a:bodyPr>
+          <a:bodyPr/>
           <a:lstStyle/>
           <a:p>
-            <a:pPr>
-              <a:lnSpc>
-                <a:spcPct val="150000"/>
-              </a:lnSpc>
-              <a:buFont typeface="Wingdings" panose="05000000000000000000" pitchFamily="2" charset="2"/>
-              <a:buChar char="q"/>
+            <a:r>
+              <a:rPr lang="ru-RU" smtClean="0"/>
+              <a:t>Если угадайка не привлекает, есть </a:t>
+            </a:r>
+            <a:r>
+              <a:rPr lang="en-US" smtClean="0"/>
+              <a:t>boost</a:t>
+            </a:r>
+            <a:endParaRPr lang="ru-RU" smtClean="0"/>
+          </a:p>
+          <a:p>
+            <a:pPr marL="45720" indent="0">
+              <a:buNone/>
             </a:pPr>
             <a:r>
-              <a:rPr lang="ru-RU" sz="4800" smtClean="0"/>
-              <a:t> Множества</a:t>
-            </a:r>
-          </a:p>
-          <a:p>
-            <a:pPr>
-              <a:lnSpc>
-                <a:spcPct val="150000"/>
-              </a:lnSpc>
-              <a:buFont typeface="Wingdings" panose="05000000000000000000" pitchFamily="2" charset="2"/>
-              <a:buChar char="q"/>
-            </a:pPr>
-            <a:r>
-              <a:rPr lang="ru-RU" sz="4800" smtClean="0"/>
-              <a:t> Отображения</a:t>
-            </a:r>
-          </a:p>
-          <a:p>
-            <a:pPr>
-              <a:lnSpc>
-                <a:spcPct val="150000"/>
-              </a:lnSpc>
-              <a:buFont typeface="Wingdings" panose="05000000000000000000" pitchFamily="2" charset="2"/>
-              <a:buChar char="q"/>
-            </a:pPr>
-            <a:r>
-              <a:rPr lang="ru-RU" sz="4800" smtClean="0"/>
-              <a:t> Словари</a:t>
-            </a:r>
-            <a:endParaRPr lang="en-US" sz="4800" smtClean="0"/>
-          </a:p>
-          <a:p>
-            <a:pPr>
-              <a:lnSpc>
-                <a:spcPct val="150000"/>
-              </a:lnSpc>
-              <a:buFont typeface="Wingdings" panose="05000000000000000000" pitchFamily="2" charset="2"/>
-              <a:buChar char="Ø"/>
-            </a:pPr>
-            <a:r>
-              <a:rPr lang="en-US" sz="4800"/>
+              <a:rPr lang="en-US" smtClean="0">
+                <a:latin typeface="Consolas" panose="020B0609020204030204" pitchFamily="49" charset="0"/>
+              </a:rPr>
+              <a:t>result_type </a:t>
+            </a:r>
+            <a:r>
+              <a:rPr lang="en-US">
+                <a:latin typeface="Consolas" panose="020B0609020204030204" pitchFamily="49" charset="0"/>
+              </a:rPr>
+              <a:t>operator()(argument_type const&amp; s) const </a:t>
+            </a:r>
+            <a:r>
+              <a:rPr lang="en-US" smtClean="0">
+                <a:latin typeface="Consolas" panose="020B0609020204030204" pitchFamily="49" charset="0"/>
+              </a:rPr>
+              <a:t>noexcept</a:t>
+            </a:r>
+            <a:r>
+              <a:rPr lang="ru-RU" smtClean="0">
+                <a:latin typeface="Consolas" panose="020B0609020204030204" pitchFamily="49" charset="0"/>
+              </a:rPr>
               <a:t> </a:t>
             </a:r>
             <a:r>
-              <a:rPr lang="ru-RU" sz="4800" smtClean="0"/>
-              <a:t>Критика</a:t>
-            </a:r>
+              <a:rPr lang="en-US" smtClean="0">
+                <a:latin typeface="Consolas" panose="020B0609020204030204" pitchFamily="49" charset="0"/>
+              </a:rPr>
+              <a:t>{</a:t>
+            </a:r>
+            <a:r>
+              <a:rPr lang="ru-RU" smtClean="0">
+                <a:latin typeface="Consolas" panose="020B0609020204030204" pitchFamily="49" charset="0"/>
+              </a:rPr>
+              <a:t/>
+            </a:r>
+            <a:br>
+              <a:rPr lang="ru-RU" smtClean="0">
+                <a:latin typeface="Consolas" panose="020B0609020204030204" pitchFamily="49" charset="0"/>
+              </a:rPr>
+            </a:br>
+            <a:r>
+              <a:rPr lang="ru-RU" smtClean="0">
+                <a:latin typeface="Consolas" panose="020B0609020204030204" pitchFamily="49" charset="0"/>
+              </a:rPr>
+              <a:t>  </a:t>
+            </a:r>
+            <a:r>
+              <a:rPr lang="en-US" smtClean="0">
+                <a:latin typeface="Consolas" panose="020B0609020204030204" pitchFamily="49" charset="0"/>
+              </a:rPr>
+              <a:t>result_type </a:t>
+            </a:r>
+            <a:r>
+              <a:rPr lang="en-US">
+                <a:latin typeface="Consolas" panose="020B0609020204030204" pitchFamily="49" charset="0"/>
+              </a:rPr>
+              <a:t>const </a:t>
+            </a:r>
+            <a:r>
+              <a:rPr lang="en-US" smtClean="0">
+                <a:latin typeface="Consolas" panose="020B0609020204030204" pitchFamily="49" charset="0"/>
+              </a:rPr>
+              <a:t>h1</a:t>
+            </a:r>
+            <a:r>
+              <a:rPr lang="ru-RU" smtClean="0">
+                <a:latin typeface="Consolas" panose="020B0609020204030204" pitchFamily="49" charset="0"/>
+              </a:rPr>
+              <a:t> = </a:t>
+            </a:r>
+            <a:r>
+              <a:rPr lang="en-US" smtClean="0">
+                <a:latin typeface="Consolas" panose="020B0609020204030204" pitchFamily="49" charset="0"/>
+              </a:rPr>
+              <a:t>hash&lt;string</a:t>
+            </a:r>
+            <a:r>
+              <a:rPr lang="en-US">
+                <a:latin typeface="Consolas" panose="020B0609020204030204" pitchFamily="49" charset="0"/>
+              </a:rPr>
+              <a:t>&gt;{}(s.first_name</a:t>
+            </a:r>
+            <a:r>
+              <a:rPr lang="en-US" smtClean="0">
+                <a:latin typeface="Consolas" panose="020B0609020204030204" pitchFamily="49" charset="0"/>
+              </a:rPr>
+              <a:t>);</a:t>
+            </a:r>
+            <a:r>
+              <a:rPr lang="ru-RU" smtClean="0">
+                <a:latin typeface="Consolas" panose="020B0609020204030204" pitchFamily="49" charset="0"/>
+              </a:rPr>
+              <a:t/>
+            </a:r>
+            <a:br>
+              <a:rPr lang="ru-RU" smtClean="0">
+                <a:latin typeface="Consolas" panose="020B0609020204030204" pitchFamily="49" charset="0"/>
+              </a:rPr>
+            </a:br>
+            <a:r>
+              <a:rPr lang="en-US" smtClean="0">
+                <a:latin typeface="Consolas" panose="020B0609020204030204" pitchFamily="49" charset="0"/>
+              </a:rPr>
+              <a:t>  </a:t>
+            </a:r>
+            <a:r>
+              <a:rPr lang="en-US">
+                <a:latin typeface="Consolas" panose="020B0609020204030204" pitchFamily="49" charset="0"/>
+              </a:rPr>
+              <a:t>result_type const </a:t>
+            </a:r>
+            <a:r>
+              <a:rPr lang="en-US" smtClean="0">
+                <a:latin typeface="Consolas" panose="020B0609020204030204" pitchFamily="49" charset="0"/>
+              </a:rPr>
+              <a:t>h2</a:t>
+            </a:r>
+            <a:r>
+              <a:rPr lang="ru-RU" smtClean="0">
+                <a:latin typeface="Consolas" panose="020B0609020204030204" pitchFamily="49" charset="0"/>
+              </a:rPr>
+              <a:t> = </a:t>
+            </a:r>
+            <a:r>
+              <a:rPr lang="en-US" smtClean="0">
+                <a:latin typeface="Consolas" panose="020B0609020204030204" pitchFamily="49" charset="0"/>
+              </a:rPr>
+              <a:t>hash&lt;string</a:t>
+            </a:r>
+            <a:r>
+              <a:rPr lang="en-US">
+                <a:latin typeface="Consolas" panose="020B0609020204030204" pitchFamily="49" charset="0"/>
+              </a:rPr>
+              <a:t>&gt;{}(</a:t>
+            </a:r>
+            <a:r>
+              <a:rPr lang="en-US" smtClean="0">
+                <a:latin typeface="Consolas" panose="020B0609020204030204" pitchFamily="49" charset="0"/>
+              </a:rPr>
+              <a:t>s.last_name</a:t>
+            </a:r>
+            <a:r>
+              <a:rPr lang="ru-RU" smtClean="0">
+                <a:latin typeface="Consolas" panose="020B0609020204030204" pitchFamily="49" charset="0"/>
+              </a:rPr>
+              <a:t>)</a:t>
+            </a:r>
+            <a:r>
+              <a:rPr lang="en-US">
+                <a:latin typeface="Consolas" panose="020B0609020204030204" pitchFamily="49" charset="0"/>
+              </a:rPr>
+              <a:t>;</a:t>
+            </a:r>
+            <a:br>
+              <a:rPr lang="en-US">
+                <a:latin typeface="Consolas" panose="020B0609020204030204" pitchFamily="49" charset="0"/>
+              </a:rPr>
+            </a:br>
+            <a:r>
+              <a:rPr lang="en-US">
+                <a:latin typeface="Consolas" panose="020B0609020204030204" pitchFamily="49" charset="0"/>
+              </a:rPr>
+              <a:t>  size_t seed = 0;</a:t>
+            </a:r>
+            <a:br>
+              <a:rPr lang="en-US">
+                <a:latin typeface="Consolas" panose="020B0609020204030204" pitchFamily="49" charset="0"/>
+              </a:rPr>
+            </a:br>
+            <a:r>
+              <a:rPr lang="en-US">
+                <a:latin typeface="Consolas" panose="020B0609020204030204" pitchFamily="49" charset="0"/>
+              </a:rPr>
+              <a:t> </a:t>
+            </a:r>
+            <a:r>
+              <a:rPr lang="en-US" smtClean="0">
+                <a:latin typeface="Consolas" panose="020B0609020204030204" pitchFamily="49" charset="0"/>
+              </a:rPr>
+              <a:t> </a:t>
+            </a:r>
+            <a:r>
+              <a:rPr lang="en-US" smtClean="0">
+                <a:solidFill>
+                  <a:srgbClr val="0000FF"/>
+                </a:solidFill>
+                <a:latin typeface="Consolas" panose="020B0609020204030204" pitchFamily="49" charset="0"/>
+              </a:rPr>
+              <a:t>boost</a:t>
+            </a:r>
+            <a:r>
+              <a:rPr lang="en-US">
+                <a:solidFill>
+                  <a:srgbClr val="0000FF"/>
+                </a:solidFill>
+                <a:latin typeface="Consolas" panose="020B0609020204030204" pitchFamily="49" charset="0"/>
+              </a:rPr>
+              <a:t>::hash_combine</a:t>
+            </a:r>
+            <a:r>
+              <a:rPr lang="en-US">
+                <a:latin typeface="Consolas" panose="020B0609020204030204" pitchFamily="49" charset="0"/>
+              </a:rPr>
+              <a:t>(seed, </a:t>
+            </a:r>
+            <a:r>
+              <a:rPr lang="en-US" smtClean="0">
+                <a:latin typeface="Consolas" panose="020B0609020204030204" pitchFamily="49" charset="0"/>
+              </a:rPr>
+              <a:t>h1);</a:t>
+            </a:r>
+            <a:br>
+              <a:rPr lang="en-US" smtClean="0">
+                <a:latin typeface="Consolas" panose="020B0609020204030204" pitchFamily="49" charset="0"/>
+              </a:rPr>
+            </a:br>
+            <a:r>
+              <a:rPr lang="en-US" smtClean="0">
+                <a:latin typeface="Consolas" panose="020B0609020204030204" pitchFamily="49" charset="0"/>
+              </a:rPr>
+              <a:t>  boost</a:t>
+            </a:r>
+            <a:r>
+              <a:rPr lang="en-US">
+                <a:latin typeface="Consolas" panose="020B0609020204030204" pitchFamily="49" charset="0"/>
+              </a:rPr>
+              <a:t>::hash_combine(seed, </a:t>
+            </a:r>
+            <a:r>
+              <a:rPr lang="en-US" smtClean="0">
+                <a:latin typeface="Consolas" panose="020B0609020204030204" pitchFamily="49" charset="0"/>
+              </a:rPr>
+              <a:t>h2);</a:t>
+            </a:r>
+            <a:r>
+              <a:rPr lang="ru-RU" smtClean="0">
+                <a:latin typeface="Consolas" panose="020B0609020204030204" pitchFamily="49" charset="0"/>
+              </a:rPr>
+              <a:t/>
+            </a:r>
+            <a:br>
+              <a:rPr lang="ru-RU" smtClean="0">
+                <a:latin typeface="Consolas" panose="020B0609020204030204" pitchFamily="49" charset="0"/>
+              </a:rPr>
+            </a:br>
+            <a:r>
+              <a:rPr lang="ru-RU" smtClean="0">
+                <a:latin typeface="Consolas" panose="020B0609020204030204" pitchFamily="49" charset="0"/>
+              </a:rPr>
+              <a:t> </a:t>
+            </a:r>
+            <a:r>
+              <a:rPr lang="en-US" smtClean="0">
+                <a:latin typeface="Consolas" panose="020B0609020204030204" pitchFamily="49" charset="0"/>
+              </a:rPr>
+              <a:t> </a:t>
+            </a:r>
+            <a:r>
+              <a:rPr lang="en-US">
+                <a:latin typeface="Consolas" panose="020B0609020204030204" pitchFamily="49" charset="0"/>
+              </a:rPr>
+              <a:t>return </a:t>
+            </a:r>
+            <a:r>
+              <a:rPr lang="en-US" smtClean="0">
+                <a:solidFill>
+                  <a:srgbClr val="0000FF"/>
+                </a:solidFill>
+                <a:latin typeface="Consolas" panose="020B0609020204030204" pitchFamily="49" charset="0"/>
+              </a:rPr>
+              <a:t>seed;</a:t>
+            </a:r>
+            <a:r>
+              <a:rPr lang="ru-RU" smtClean="0">
+                <a:latin typeface="Consolas" panose="020B0609020204030204" pitchFamily="49" charset="0"/>
+              </a:rPr>
+              <a:t/>
+            </a:r>
+            <a:br>
+              <a:rPr lang="ru-RU" smtClean="0">
+                <a:latin typeface="Consolas" panose="020B0609020204030204" pitchFamily="49" charset="0"/>
+              </a:rPr>
+            </a:br>
+            <a:r>
+              <a:rPr lang="en-US" smtClean="0">
+                <a:latin typeface="Consolas" panose="020B0609020204030204" pitchFamily="49" charset="0"/>
+              </a:rPr>
+              <a:t>}</a:t>
+            </a:r>
+            <a:endParaRPr lang="ru-RU" smtClean="0">
+              <a:latin typeface="Consolas" panose="020B0609020204030204" pitchFamily="49" charset="0"/>
+            </a:endParaRPr>
+          </a:p>
+          <a:p>
+            <a:r>
+              <a:rPr lang="ru-RU" smtClean="0"/>
+              <a:t>Это работает всегда. Но это </a:t>
+            </a:r>
+            <a:r>
+              <a:rPr lang="en-US" smtClean="0"/>
+              <a:t>boost</a:t>
+            </a:r>
+            <a:r>
+              <a:rPr lang="ru-RU" smtClean="0"/>
+              <a:t>, его надо затаскивать в проект</a:t>
+            </a:r>
+            <a:r>
+              <a:rPr lang="en-US" smtClean="0"/>
+              <a:t>.</a:t>
+            </a:r>
+            <a:endParaRPr lang="ru-RU" smtClean="0"/>
           </a:p>
         </p:txBody>
       </p:sp>
     </p:spTree>
     <p:extLst>
       <p:ext uri="{BB962C8B-B14F-4D97-AF65-F5344CB8AC3E}">
-        <p14:creationId xmlns:p14="http://schemas.microsoft.com/office/powerpoint/2010/main" val="141265570"/>
+        <p14:creationId xmlns:p14="http://schemas.microsoft.com/office/powerpoint/2010/main" val="3039205336"/>
       </p:ext>
     </p:extLst>
   </p:cSld>
@@ -20728,19 +21747,7 @@
           <a:p>
             <a:r>
               <a:rPr lang="ru-RU" smtClean="0"/>
-              <a:t>Паттерн </a:t>
-            </a:r>
-            <a:r>
-              <a:rPr lang="en-US" smtClean="0"/>
-              <a:t>"</a:t>
-            </a:r>
-            <a:r>
-              <a:rPr lang="ru-RU" smtClean="0"/>
-              <a:t>создание и использование</a:t>
-            </a:r>
-            <a:r>
-              <a:rPr lang="en-US" smtClean="0"/>
-              <a:t>"</a:t>
+              <a:t>Обсуждение</a:t>
             </a:r>
             <a:endParaRPr lang="en-US"/>
           </a:p>
@@ -20763,91 +21770,14 @@
           <a:p>
             <a:r>
               <a:rPr lang="ru-RU" smtClean="0"/>
-              <a:t>Распространённый паттерн в коде</a:t>
-            </a:r>
-          </a:p>
-          <a:p>
-            <a:pPr marL="45720" indent="0">
-              <a:buNone/>
-            </a:pPr>
-            <a:r>
-              <a:rPr lang="en-US">
-                <a:latin typeface="Consolas" panose="020B0609020204030204" pitchFamily="49" charset="0"/>
-              </a:rPr>
-              <a:t>set&lt;int&gt; </a:t>
-            </a:r>
-            <a:r>
-              <a:rPr lang="en-US" smtClean="0">
-                <a:latin typeface="Consolas" panose="020B0609020204030204" pitchFamily="49" charset="0"/>
-              </a:rPr>
-              <a:t>s;</a:t>
-            </a:r>
-          </a:p>
-          <a:p>
-            <a:r>
-              <a:rPr lang="ru-RU" smtClean="0"/>
-              <a:t>Тут какое-то заполнение множества</a:t>
-            </a:r>
-          </a:p>
-          <a:p>
-            <a:pPr marL="45720" indent="0">
-              <a:buNone/>
-            </a:pPr>
-            <a:r>
-              <a:rPr lang="en-US" smtClean="0">
-                <a:latin typeface="Consolas" panose="020B0609020204030204" pitchFamily="49" charset="0"/>
-              </a:rPr>
-              <a:t>auto </a:t>
-            </a:r>
-            <a:r>
-              <a:rPr lang="en-US">
-                <a:latin typeface="Consolas" panose="020B0609020204030204" pitchFamily="49" charset="0"/>
-              </a:rPr>
-              <a:t>itb = s.lower_bound(30);</a:t>
-            </a:r>
-            <a:br>
-              <a:rPr lang="en-US">
-                <a:latin typeface="Consolas" panose="020B0609020204030204" pitchFamily="49" charset="0"/>
-              </a:rPr>
-            </a:br>
-            <a:r>
-              <a:rPr lang="en-US">
-                <a:latin typeface="Consolas" panose="020B0609020204030204" pitchFamily="49" charset="0"/>
-              </a:rPr>
-              <a:t>auto ite = s.upper_bound(100</a:t>
-            </a:r>
-            <a:r>
-              <a:rPr lang="en-US" smtClean="0">
-                <a:latin typeface="Consolas" panose="020B0609020204030204" pitchFamily="49" charset="0"/>
-              </a:rPr>
-              <a:t>);</a:t>
-            </a:r>
-            <a:endParaRPr lang="ru-RU" smtClean="0">
-              <a:latin typeface="Consolas" panose="020B0609020204030204" pitchFamily="49" charset="0"/>
-            </a:endParaRPr>
-          </a:p>
-          <a:p>
-            <a:r>
-              <a:rPr lang="ru-RU"/>
-              <a:t>И</a:t>
-            </a:r>
-            <a:r>
-              <a:rPr lang="ru-RU" smtClean="0"/>
-              <a:t> ниже этой черты только использование множества</a:t>
-            </a:r>
-            <a:endParaRPr lang="en-US" smtClean="0"/>
-          </a:p>
-          <a:p>
-            <a:r>
-              <a:rPr lang="ru-RU" smtClean="0"/>
-              <a:t>Что смущает в этом коде?</a:t>
-            </a:r>
-            <a:endParaRPr lang="en-US"/>
-          </a:p>
-          <a:p>
-            <a:pPr marL="45720" indent="0">
-              <a:buNone/>
-            </a:pPr>
+              <a:t>По сути неупорядоченный контейнер это что-то вроде последовательного контейнера (его основная масса это вектор последовательных бакетов).</a:t>
+            </a:r>
+          </a:p>
+          <a:p>
+            <a:r>
+              <a:rPr lang="ru-RU" smtClean="0"/>
+              <a:t>Что это означает в практическом смысле?</a:t>
+            </a:r>
             <a:endParaRPr lang="en-US"/>
           </a:p>
         </p:txBody>
@@ -20855,7 +21785,7 @@
     </p:spTree>
     <p:extLst>
       <p:ext uri="{BB962C8B-B14F-4D97-AF65-F5344CB8AC3E}">
-        <p14:creationId xmlns:p14="http://schemas.microsoft.com/office/powerpoint/2010/main" val="2508303719"/>
+        <p14:creationId xmlns:p14="http://schemas.microsoft.com/office/powerpoint/2010/main" val="2054498946"/>
       </p:ext>
     </p:extLst>
   </p:cSld>
@@ -20899,7 +21829,7 @@
           <a:p>
             <a:r>
               <a:rPr lang="ru-RU" smtClean="0"/>
-              <a:t>Обсуждение: критика множеств</a:t>
+              <a:t>Низкоуровневая информация</a:t>
             </a:r>
             <a:endParaRPr lang="en-US"/>
           </a:p>
@@ -20921,43 +21851,8 @@
           <a:lstStyle/>
           <a:p>
             <a:r>
-              <a:rPr lang="ru-RU" smtClean="0"/>
-              <a:t>При использовании множеств и отображений, мы всегда платим цену</a:t>
-            </a:r>
-          </a:p>
-          <a:p>
-            <a:pPr lvl="1"/>
-            <a:r>
-              <a:rPr lang="ru-RU" smtClean="0"/>
-              <a:t>Нелокальность обращений в память</a:t>
-            </a:r>
-          </a:p>
-          <a:p>
-            <a:pPr lvl="1"/>
-            <a:r>
-              <a:rPr lang="ru-RU" smtClean="0"/>
-              <a:t>Логарифмические штрафы на поиск для упорядоченных словарей</a:t>
-            </a:r>
-          </a:p>
-          <a:p>
-            <a:pPr lvl="1"/>
-            <a:r>
-              <a:rPr lang="ru-RU" smtClean="0"/>
-              <a:t>Отсутствие </a:t>
-            </a:r>
-            <a:r>
               <a:rPr lang="en-US" smtClean="0"/>
-              <a:t>lower/upper </a:t>
-            </a:r>
-            <a:r>
-              <a:rPr lang="ru-RU" smtClean="0"/>
-              <a:t>интервалов для неупорядоченных словарей</a:t>
-            </a:r>
-          </a:p>
-          <a:p>
-            <a:r>
-              <a:rPr lang="ru-RU" smtClean="0"/>
-              <a:t>Назовите мне контейнер, который лишён всех этих проблем?</a:t>
+              <a:t>max_load_factor, etc</a:t>
             </a:r>
             <a:endParaRPr lang="en-US"/>
           </a:p>
@@ -20966,7 +21861,7 @@
     </p:spTree>
     <p:extLst>
       <p:ext uri="{BB962C8B-B14F-4D97-AF65-F5344CB8AC3E}">
-        <p14:creationId xmlns:p14="http://schemas.microsoft.com/office/powerpoint/2010/main" val="510146877"/>
+        <p14:creationId xmlns:p14="http://schemas.microsoft.com/office/powerpoint/2010/main" val="26686239"/>
       </p:ext>
     </p:extLst>
   </p:cSld>
@@ -21010,7 +21905,7 @@
           <a:p>
             <a:r>
               <a:rPr lang="ru-RU" smtClean="0"/>
-              <a:t>Обсуждение: критика множеств</a:t>
+              <a:t>Резервирование памяти</a:t>
             </a:r>
             <a:endParaRPr lang="en-US"/>
           </a:p>
@@ -21033,71 +21928,236 @@
           <a:p>
             <a:r>
               <a:rPr lang="ru-RU" smtClean="0"/>
-              <a:t>При использовании множеств и отображений, мы всегда платим цену</a:t>
-            </a:r>
-          </a:p>
-          <a:p>
-            <a:pPr lvl="1"/>
-            <a:r>
-              <a:rPr lang="ru-RU" smtClean="0"/>
-              <a:t>Нелокальность обращений в память</a:t>
-            </a:r>
-          </a:p>
-          <a:p>
-            <a:pPr lvl="1"/>
-            <a:r>
-              <a:rPr lang="ru-RU" smtClean="0"/>
-              <a:t>Логарифмические штрафы на поиск для упорядоченных словарей</a:t>
-            </a:r>
-          </a:p>
-          <a:p>
-            <a:pPr lvl="1"/>
-            <a:r>
-              <a:rPr lang="ru-RU" smtClean="0"/>
-              <a:t>Отсутствие </a:t>
-            </a:r>
-            <a:r>
-              <a:rPr lang="en-US" smtClean="0"/>
-              <a:t>lower/upper </a:t>
-            </a:r>
-            <a:r>
-              <a:rPr lang="ru-RU" smtClean="0"/>
-              <a:t>интервалов для неупорядоченных словарей</a:t>
-            </a:r>
-          </a:p>
-          <a:p>
-            <a:r>
-              <a:rPr lang="ru-RU" smtClean="0"/>
-              <a:t>Назовите мне контейнер, который лишён всех этих проблем?</a:t>
-            </a:r>
-          </a:p>
-          <a:p>
-            <a:r>
-              <a:rPr lang="ru-RU" smtClean="0"/>
-              <a:t>Правильный ответ: </a:t>
-            </a:r>
-            <a:r>
-              <a:rPr lang="ru-RU" b="1" smtClean="0"/>
-              <a:t>сортированный вектор</a:t>
-            </a:r>
-            <a:r>
-              <a:rPr lang="ru-RU" smtClean="0"/>
-              <a:t>. Парадоксально, ведь именно замена таких векторов на множества и была тем, с чего лекция началась.</a:t>
-            </a:r>
-          </a:p>
-          <a:p>
-            <a:r>
-              <a:rPr lang="ru-RU" smtClean="0"/>
-              <a:t>Но да, иногда обратная замена не менее выгодна</a:t>
-            </a:r>
-            <a:endParaRPr lang="en-US"/>
+              <a:t>Следующий эксперимент показывает эффект резервирования</a:t>
+            </a:r>
+          </a:p>
+          <a:p>
+            <a:pPr marL="45720" indent="0">
+              <a:buNone/>
+            </a:pPr>
+            <a:r>
+              <a:rPr lang="en-US" sz="2000" smtClean="0">
+                <a:latin typeface="Consolas" panose="020B0609020204030204" pitchFamily="49" charset="0"/>
+              </a:rPr>
+              <a:t>unordered_map&lt;int, </a:t>
+            </a:r>
+            <a:r>
+              <a:rPr lang="en-US" sz="2000">
+                <a:latin typeface="Consolas" panose="020B0609020204030204" pitchFamily="49" charset="0"/>
+              </a:rPr>
+              <a:t>Foo&gt; mapNoReserve</a:t>
+            </a:r>
+            <a:r>
+              <a:rPr lang="en-US" sz="2000" smtClean="0">
+                <a:latin typeface="Consolas" panose="020B0609020204030204" pitchFamily="49" charset="0"/>
+              </a:rPr>
+              <a:t>;</a:t>
+            </a:r>
+            <a:r>
+              <a:rPr lang="ru-RU" sz="2000" smtClean="0">
+                <a:latin typeface="Consolas" panose="020B0609020204030204" pitchFamily="49" charset="0"/>
+              </a:rPr>
+              <a:t/>
+            </a:r>
+            <a:br>
+              <a:rPr lang="ru-RU" sz="2000" smtClean="0">
+                <a:latin typeface="Consolas" panose="020B0609020204030204" pitchFamily="49" charset="0"/>
+              </a:rPr>
+            </a:br>
+            <a:r>
+              <a:rPr lang="en-US" sz="2000" smtClean="0">
+                <a:latin typeface="Consolas" panose="020B0609020204030204" pitchFamily="49" charset="0"/>
+              </a:rPr>
+              <a:t>unordered_map&lt;int, </a:t>
+            </a:r>
+            <a:r>
+              <a:rPr lang="en-US" sz="2000">
+                <a:latin typeface="Consolas" panose="020B0609020204030204" pitchFamily="49" charset="0"/>
+              </a:rPr>
+              <a:t>Foo&gt; mapReserve</a:t>
+            </a:r>
+            <a:r>
+              <a:rPr lang="en-US" sz="2000" smtClean="0">
+                <a:latin typeface="Consolas" panose="020B0609020204030204" pitchFamily="49" charset="0"/>
+              </a:rPr>
+              <a:t>;</a:t>
+            </a:r>
+            <a:endParaRPr lang="en-US" sz="2000">
+              <a:latin typeface="Consolas" panose="020B0609020204030204" pitchFamily="49" charset="0"/>
+            </a:endParaRPr>
+          </a:p>
+          <a:p>
+            <a:pPr marL="45720" indent="0">
+              <a:buNone/>
+            </a:pPr>
+            <a:r>
+              <a:rPr lang="en-US" sz="2000" smtClean="0">
+                <a:latin typeface="Consolas" panose="020B0609020204030204" pitchFamily="49" charset="0"/>
+              </a:rPr>
+              <a:t>// </a:t>
+            </a:r>
+            <a:r>
+              <a:rPr lang="ru-RU" sz="2000" smtClean="0">
+                <a:latin typeface="Consolas" panose="020B0609020204030204" pitchFamily="49" charset="0"/>
+              </a:rPr>
+              <a:t>контрольная точка 1</a:t>
+            </a:r>
+            <a:endParaRPr lang="en-US" sz="2000">
+              <a:latin typeface="Consolas" panose="020B0609020204030204" pitchFamily="49" charset="0"/>
+            </a:endParaRPr>
+          </a:p>
+          <a:p>
+            <a:pPr marL="45720" indent="0">
+              <a:buNone/>
+            </a:pPr>
+            <a:r>
+              <a:rPr lang="en-US" sz="2000" smtClean="0">
+                <a:latin typeface="Consolas" panose="020B0609020204030204" pitchFamily="49" charset="0"/>
+              </a:rPr>
+              <a:t>mapReserve.reserve(1000);</a:t>
+            </a:r>
+            <a:endParaRPr lang="en-US" sz="2000">
+              <a:latin typeface="Consolas" panose="020B0609020204030204" pitchFamily="49" charset="0"/>
+            </a:endParaRPr>
+          </a:p>
+          <a:p>
+            <a:pPr marL="45720" indent="0">
+              <a:buNone/>
+            </a:pPr>
+            <a:r>
+              <a:rPr lang="en-US" sz="2000" smtClean="0">
+                <a:latin typeface="Consolas" panose="020B0609020204030204" pitchFamily="49" charset="0"/>
+              </a:rPr>
+              <a:t>// </a:t>
+            </a:r>
+            <a:r>
+              <a:rPr lang="ru-RU" sz="2000" smtClean="0">
+                <a:latin typeface="Consolas" panose="020B0609020204030204" pitchFamily="49" charset="0"/>
+              </a:rPr>
+              <a:t>контрольная точка 2</a:t>
+            </a:r>
+            <a:endParaRPr lang="en-US" sz="2000">
+              <a:latin typeface="Consolas" panose="020B0609020204030204" pitchFamily="49" charset="0"/>
+            </a:endParaRPr>
+          </a:p>
+          <a:p>
+            <a:pPr marL="45720" indent="0">
+              <a:buNone/>
+            </a:pPr>
+            <a:r>
+              <a:rPr lang="en-US" sz="2000" smtClean="0">
+                <a:latin typeface="Consolas" panose="020B0609020204030204" pitchFamily="49" charset="0"/>
+              </a:rPr>
+              <a:t>for(int </a:t>
+            </a:r>
+            <a:r>
+              <a:rPr lang="en-US" sz="2000">
+                <a:latin typeface="Consolas" panose="020B0609020204030204" pitchFamily="49" charset="0"/>
+              </a:rPr>
+              <a:t>i = 0; i &lt; 1000; ++i</a:t>
+            </a:r>
+            <a:r>
+              <a:rPr lang="en-US" sz="2000" smtClean="0">
+                <a:latin typeface="Consolas" panose="020B0609020204030204" pitchFamily="49" charset="0"/>
+              </a:rPr>
+              <a:t>) {</a:t>
+            </a:r>
+            <a:br>
+              <a:rPr lang="en-US" sz="2000" smtClean="0">
+                <a:latin typeface="Consolas" panose="020B0609020204030204" pitchFamily="49" charset="0"/>
+              </a:rPr>
+            </a:br>
+            <a:r>
+              <a:rPr lang="en-US" sz="2000" smtClean="0">
+                <a:latin typeface="Consolas" panose="020B0609020204030204" pitchFamily="49" charset="0"/>
+              </a:rPr>
+              <a:t>  mapNoReserve.insert({i</a:t>
+            </a:r>
+            <a:r>
+              <a:rPr lang="en-US" sz="2000">
+                <a:latin typeface="Consolas" panose="020B0609020204030204" pitchFamily="49" charset="0"/>
+              </a:rPr>
+              <a:t>, Foo</a:t>
+            </a:r>
+            <a:r>
+              <a:rPr lang="en-US" sz="2000" smtClean="0">
+                <a:latin typeface="Consolas" panose="020B0609020204030204" pitchFamily="49" charset="0"/>
+              </a:rPr>
+              <a:t>()});</a:t>
+            </a:r>
+            <a:br>
+              <a:rPr lang="en-US" sz="2000" smtClean="0">
+                <a:latin typeface="Consolas" panose="020B0609020204030204" pitchFamily="49" charset="0"/>
+              </a:rPr>
+            </a:br>
+            <a:r>
+              <a:rPr lang="en-US" sz="2000" smtClean="0">
+                <a:latin typeface="Consolas" panose="020B0609020204030204" pitchFamily="49" charset="0"/>
+              </a:rPr>
+              <a:t>  </a:t>
+            </a:r>
+            <a:r>
+              <a:rPr lang="en-US" sz="2000">
+                <a:latin typeface="Consolas" panose="020B0609020204030204" pitchFamily="49" charset="0"/>
+              </a:rPr>
+              <a:t>mapReserve.insert</a:t>
+            </a:r>
+            <a:r>
+              <a:rPr lang="en-US" sz="2000" smtClean="0">
+                <a:latin typeface="Consolas" panose="020B0609020204030204" pitchFamily="49" charset="0"/>
+              </a:rPr>
+              <a:t>({i</a:t>
+            </a:r>
+            <a:r>
+              <a:rPr lang="en-US" sz="2000">
+                <a:latin typeface="Consolas" panose="020B0609020204030204" pitchFamily="49" charset="0"/>
+              </a:rPr>
+              <a:t>, Foo</a:t>
+            </a:r>
+            <a:r>
+              <a:rPr lang="en-US" sz="2000" smtClean="0">
+                <a:latin typeface="Consolas" panose="020B0609020204030204" pitchFamily="49" charset="0"/>
+              </a:rPr>
+              <a:t>()});</a:t>
+            </a:r>
+            <a:br>
+              <a:rPr lang="en-US" sz="2000" smtClean="0">
+                <a:latin typeface="Consolas" panose="020B0609020204030204" pitchFamily="49" charset="0"/>
+              </a:rPr>
+            </a:br>
+            <a:r>
+              <a:rPr lang="en-US" sz="2000" smtClean="0">
+                <a:latin typeface="Consolas" panose="020B0609020204030204" pitchFamily="49" charset="0"/>
+              </a:rPr>
+              <a:t>}</a:t>
+            </a:r>
+          </a:p>
+          <a:p>
+            <a:pPr marL="45720" indent="0">
+              <a:buNone/>
+            </a:pPr>
+            <a:r>
+              <a:rPr lang="en-US" sz="2000" smtClean="0">
+                <a:latin typeface="Consolas" panose="020B0609020204030204" pitchFamily="49" charset="0"/>
+              </a:rPr>
+              <a:t>// </a:t>
+            </a:r>
+            <a:r>
+              <a:rPr lang="ru-RU" sz="2000" smtClean="0">
+                <a:latin typeface="Consolas" panose="020B0609020204030204" pitchFamily="49" charset="0"/>
+              </a:rPr>
+              <a:t>контрольная точка 3</a:t>
+            </a:r>
+            <a:endParaRPr lang="en-US" sz="2000">
+              <a:latin typeface="Consolas" panose="020B0609020204030204" pitchFamily="49" charset="0"/>
+            </a:endParaRPr>
           </a:p>
         </p:txBody>
       </p:sp>
     </p:spTree>
     <p:extLst>
       <p:ext uri="{BB962C8B-B14F-4D97-AF65-F5344CB8AC3E}">
-        <p14:creationId xmlns:p14="http://schemas.microsoft.com/office/powerpoint/2010/main" val="2017228014"/>
+        <p14:creationId xmlns:p14="http://schemas.microsoft.com/office/powerpoint/2010/main" val="2851774702"/>
       </p:ext>
     </p:extLst>
   </p:cSld>
@@ -21717,19 +22777,7 @@
           <a:p>
             <a:r>
               <a:rPr lang="ru-RU" smtClean="0"/>
-              <a:t>Паттерн </a:t>
-            </a:r>
-            <a:r>
-              <a:rPr lang="en-US" smtClean="0"/>
-              <a:t>"</a:t>
-            </a:r>
-            <a:r>
-              <a:rPr lang="ru-RU" smtClean="0"/>
-              <a:t>создание и использование</a:t>
-            </a:r>
-            <a:r>
-              <a:rPr lang="en-US" smtClean="0"/>
-              <a:t>"</a:t>
+              <a:t>Рехэш</a:t>
             </a:r>
             <a:endParaRPr lang="en-US"/>
           </a:p>
@@ -21751,92 +22799,63 @@
           <a:lstStyle/>
           <a:p>
             <a:r>
-              <a:rPr lang="ru-RU" smtClean="0"/>
-              <a:t>Распространённый паттерн в коде</a:t>
-            </a:r>
-          </a:p>
-          <a:p>
-            <a:pPr marL="45720" indent="0">
-              <a:buNone/>
-            </a:pPr>
+              <a:rPr lang="en-US" smtClean="0">
+                <a:latin typeface="Consolas" panose="020B0609020204030204" pitchFamily="49" charset="0"/>
+              </a:rPr>
+              <a:t>reserve(count)</a:t>
+            </a:r>
+            <a:r>
+              <a:rPr lang="en-US" smtClean="0"/>
+              <a:t> </a:t>
+            </a:r>
+            <a:r>
+              <a:rPr lang="ru-RU" smtClean="0"/>
+              <a:t>делает то же самое, что </a:t>
+            </a:r>
+            <a:br>
+              <a:rPr lang="ru-RU" smtClean="0"/>
+            </a:br>
+            <a:r>
+              <a:rPr lang="en-US" smtClean="0">
+                <a:latin typeface="Consolas" panose="020B0609020204030204" pitchFamily="49" charset="0"/>
+              </a:rPr>
+              <a:t>rehash(std</a:t>
+            </a:r>
             <a:r>
               <a:rPr lang="en-US">
                 <a:latin typeface="Consolas" panose="020B0609020204030204" pitchFamily="49" charset="0"/>
               </a:rPr>
-              <a:t>set&lt;int&gt; </a:t>
-            </a:r>
-            <a:r>
-              <a:rPr lang="en-US" smtClean="0">
-                <a:latin typeface="Consolas" panose="020B0609020204030204" pitchFamily="49" charset="0"/>
-              </a:rPr>
-              <a:t>s;</a:t>
-            </a:r>
-          </a:p>
-          <a:p>
-            <a:r>
-              <a:rPr lang="ru-RU" smtClean="0"/>
-              <a:t>Тут какое-то заполнение множества</a:t>
-            </a:r>
-          </a:p>
-          <a:p>
-            <a:pPr marL="45720" indent="0">
-              <a:buNone/>
-            </a:pPr>
-            <a:r>
-              <a:rPr lang="en-US" smtClean="0">
-                <a:latin typeface="Consolas" panose="020B0609020204030204" pitchFamily="49" charset="0"/>
-              </a:rPr>
-              <a:t>auto </a:t>
-            </a:r>
-            <a:r>
-              <a:rPr lang="en-US">
-                <a:latin typeface="Consolas" panose="020B0609020204030204" pitchFamily="49" charset="0"/>
-              </a:rPr>
-              <a:t>itb = s.lower_bound(30);</a:t>
-            </a:r>
-            <a:br>
-              <a:rPr lang="en-US">
-                <a:latin typeface="Consolas" panose="020B0609020204030204" pitchFamily="49" charset="0"/>
-              </a:rPr>
-            </a:br>
-            <a:r>
-              <a:rPr lang="en-US">
-                <a:latin typeface="Consolas" panose="020B0609020204030204" pitchFamily="49" charset="0"/>
-              </a:rPr>
-              <a:t>auto ite = s.upper_bound(100</a:t>
-            </a:r>
-            <a:r>
-              <a:rPr lang="en-US" smtClean="0">
-                <a:latin typeface="Consolas" panose="020B0609020204030204" pitchFamily="49" charset="0"/>
-              </a:rPr>
-              <a:t>);</a:t>
+              <a:t>::ceil(count / max_load_factor</a:t>
+            </a:r>
+            <a:r>
+              <a:rPr lang="en-US" smtClean="0">
+                <a:latin typeface="Consolas" panose="020B0609020204030204" pitchFamily="49" charset="0"/>
+              </a:rPr>
+              <a:t>()))</a:t>
+            </a:r>
+          </a:p>
+          <a:p>
+            <a:r>
+              <a:rPr lang="ru-RU" smtClean="0"/>
+              <a:t>Особый случай </a:t>
+            </a:r>
+            <a:r>
+              <a:rPr lang="en-US" smtClean="0">
+                <a:latin typeface="Consolas" panose="020B0609020204030204" pitchFamily="49" charset="0"/>
+              </a:rPr>
+              <a:t>rehash(0</a:t>
+            </a:r>
+            <a:r>
+              <a:rPr lang="en-US" smtClean="0">
+                <a:latin typeface="Consolas" panose="020B0609020204030204" pitchFamily="49" charset="0"/>
+              </a:rPr>
+              <a:t>)</a:t>
             </a:r>
             <a:endParaRPr lang="ru-RU" smtClean="0">
               <a:latin typeface="Consolas" panose="020B0609020204030204" pitchFamily="49" charset="0"/>
             </a:endParaRPr>
           </a:p>
           <a:p>
-            <a:r>
-              <a:rPr lang="ru-RU"/>
-              <a:t>И</a:t>
-            </a:r>
-            <a:r>
-              <a:rPr lang="ru-RU" smtClean="0"/>
-              <a:t> ниже этой черты только использование множества</a:t>
-            </a:r>
-            <a:endParaRPr lang="en-US" smtClean="0"/>
-          </a:p>
-          <a:p>
-            <a:r>
-              <a:rPr lang="ru-RU" smtClean="0"/>
-              <a:t>Можно ли это заменить на работу с вектором?</a:t>
-            </a:r>
-            <a:endParaRPr lang="en-US"/>
-          </a:p>
-          <a:p>
-            <a:pPr marL="45720" indent="0">
-              <a:buNone/>
-            </a:pPr>
             <a:endParaRPr lang="en-US"/>
           </a:p>
         </p:txBody>
@@ -21844,7 +22863,7 @@
     </p:spTree>
     <p:extLst>
       <p:ext uri="{BB962C8B-B14F-4D97-AF65-F5344CB8AC3E}">
-        <p14:creationId xmlns:p14="http://schemas.microsoft.com/office/powerpoint/2010/main" val="961096159"/>
+        <p14:creationId xmlns:p14="http://schemas.microsoft.com/office/powerpoint/2010/main" val="372524136"/>
       </p:ext>
     </p:extLst>
   </p:cSld>
@@ -21888,19 +22907,7 @@
           <a:p>
             <a:r>
               <a:rPr lang="ru-RU" smtClean="0"/>
-              <a:t>Паттерн </a:t>
-            </a:r>
-            <a:r>
-              <a:rPr lang="en-US" smtClean="0"/>
-              <a:t>"</a:t>
-            </a:r>
-            <a:r>
-              <a:rPr lang="ru-RU" smtClean="0"/>
-              <a:t>создание и использование</a:t>
-            </a:r>
-            <a:r>
-              <a:rPr lang="en-US" smtClean="0"/>
-              <a:t>"</a:t>
+              <a:t>Тест производительности</a:t>
             </a:r>
             <a:endParaRPr lang="en-US"/>
           </a:p>
@@ -21923,141 +22930,88 @@
           <a:p>
             <a:r>
               <a:rPr lang="ru-RU" smtClean="0"/>
-              <a:t>Распространённый паттерн в коде</a:t>
-            </a:r>
-          </a:p>
-          <a:p>
-            <a:pPr marL="45720" indent="0">
-              <a:buNone/>
-            </a:pPr>
-            <a:r>
-              <a:rPr lang="en-US">
-                <a:latin typeface="Consolas" panose="020B0609020204030204" pitchFamily="49" charset="0"/>
-              </a:rPr>
-              <a:t>set&lt;int&gt; </a:t>
-            </a:r>
-            <a:r>
-              <a:rPr lang="en-US" smtClean="0">
-                <a:latin typeface="Consolas" panose="020B0609020204030204" pitchFamily="49" charset="0"/>
-              </a:rPr>
-              <a:t>s;</a:t>
-            </a:r>
-          </a:p>
-          <a:p>
-            <a:r>
-              <a:rPr lang="ru-RU" smtClean="0"/>
-              <a:t>Тут какое-то заполнение множества</a:t>
-            </a:r>
-          </a:p>
-          <a:p>
-            <a:pPr marL="45720" indent="0">
-              <a:buNone/>
-            </a:pPr>
-            <a:r>
-              <a:rPr lang="en-US" smtClean="0">
-                <a:latin typeface="Consolas" panose="020B0609020204030204" pitchFamily="49" charset="0"/>
-              </a:rPr>
-              <a:t>vector&lt;int&gt; v(s.begin(), s.end());</a:t>
-            </a:r>
-            <a:endParaRPr lang="ru-RU" smtClean="0">
-              <a:latin typeface="Consolas" panose="020B0609020204030204" pitchFamily="49" charset="0"/>
-            </a:endParaRPr>
-          </a:p>
-          <a:p>
-            <a:pPr marL="45720" indent="0">
-              <a:buNone/>
-            </a:pPr>
-            <a:r>
-              <a:rPr lang="en-US" smtClean="0">
-                <a:latin typeface="Consolas" panose="020B0609020204030204" pitchFamily="49" charset="0"/>
-              </a:rPr>
-              <a:t>auto </a:t>
-            </a:r>
-            <a:r>
-              <a:rPr lang="en-US">
-                <a:latin typeface="Consolas" panose="020B0609020204030204" pitchFamily="49" charset="0"/>
-              </a:rPr>
-              <a:t>itb = </a:t>
-            </a:r>
-            <a:r>
-              <a:rPr lang="en-US" smtClean="0">
-                <a:latin typeface="Consolas" panose="020B0609020204030204" pitchFamily="49" charset="0"/>
-              </a:rPr>
-              <a:t>lower_bound(v.begin(), v.end(), 30</a:t>
-            </a:r>
-            <a:r>
-              <a:rPr lang="en-US">
-                <a:latin typeface="Consolas" panose="020B0609020204030204" pitchFamily="49" charset="0"/>
-              </a:rPr>
-              <a:t>);</a:t>
-            </a:r>
-            <a:br>
-              <a:rPr lang="en-US">
-                <a:latin typeface="Consolas" panose="020B0609020204030204" pitchFamily="49" charset="0"/>
-              </a:rPr>
-            </a:br>
-            <a:r>
-              <a:rPr lang="en-US">
-                <a:latin typeface="Consolas" panose="020B0609020204030204" pitchFamily="49" charset="0"/>
-              </a:rPr>
-              <a:t>auto ite = </a:t>
-            </a:r>
-            <a:r>
-              <a:rPr lang="en-US" smtClean="0">
-                <a:latin typeface="Consolas" panose="020B0609020204030204" pitchFamily="49" charset="0"/>
-              </a:rPr>
-              <a:t>upper_bound(</a:t>
-            </a:r>
-            <a:r>
-              <a:rPr lang="en-US">
-                <a:latin typeface="Consolas" panose="020B0609020204030204" pitchFamily="49" charset="0"/>
-              </a:rPr>
-              <a:t>v.begin(), v.end(), </a:t>
-            </a:r>
-            <a:r>
-              <a:rPr lang="en-US" smtClean="0">
-                <a:latin typeface="Consolas" panose="020B0609020204030204" pitchFamily="49" charset="0"/>
-              </a:rPr>
-              <a:t>100);</a:t>
-            </a:r>
-            <a:endParaRPr lang="ru-RU" smtClean="0">
-              <a:latin typeface="Consolas" panose="020B0609020204030204" pitchFamily="49" charset="0"/>
-            </a:endParaRPr>
-          </a:p>
-          <a:p>
+              <a:t>Структуры данных</a:t>
+            </a:r>
+          </a:p>
+          <a:p>
+            <a:pPr lvl="1"/>
+            <a:r>
+              <a:rPr lang="en-US" smtClean="0"/>
+              <a:t>map&lt;string, vector&lt;string&gt;&gt;</a:t>
+            </a:r>
+          </a:p>
+          <a:p>
+            <a:pPr lvl="1"/>
+            <a:r>
+              <a:rPr lang="en-US" smtClean="0"/>
+              <a:t>multimap</a:t>
+            </a:r>
+            <a:r>
+              <a:rPr lang="en-US"/>
+              <a:t>&lt;string</a:t>
+            </a:r>
+            <a:r>
+              <a:rPr lang="en-US" smtClean="0"/>
+              <a:t>, string&gt;</a:t>
+            </a:r>
+          </a:p>
+          <a:p>
+            <a:pPr lvl="1"/>
+            <a:r>
+              <a:rPr lang="en-US" smtClean="0"/>
+              <a:t>unordered_map&lt;string</a:t>
+            </a:r>
+            <a:r>
+              <a:rPr lang="en-US"/>
+              <a:t>, vector&lt;string&gt;&gt;</a:t>
+            </a:r>
+          </a:p>
+          <a:p>
+            <a:pPr lvl="1"/>
+            <a:r>
+              <a:rPr lang="en-US"/>
+              <a:t>unordered_</a:t>
+            </a:r>
+            <a:r>
+              <a:rPr lang="en-US" smtClean="0"/>
+              <a:t>multimap&lt;string</a:t>
+            </a:r>
+            <a:r>
+              <a:rPr lang="en-US"/>
+              <a:t>, </a:t>
+            </a:r>
+            <a:r>
+              <a:rPr lang="en-US"/>
+              <a:t>string</a:t>
+            </a:r>
+            <a:r>
+              <a:rPr lang="en-US" smtClean="0"/>
+              <a:t>&gt;</a:t>
+            </a:r>
+          </a:p>
+          <a:p>
+            <a:r>
+              <a:rPr lang="ru-RU" smtClean="0"/>
+              <a:t>Сценарий работы: </a:t>
+            </a:r>
+          </a:p>
+          <a:p>
+            <a:pPr lvl="1"/>
             <a:r>
               <a:rPr lang="ru-RU"/>
-              <a:t>И</a:t>
-            </a:r>
-            <a:r>
-              <a:rPr lang="ru-RU" smtClean="0"/>
-              <a:t> ниже этой черты только использование вектора.</a:t>
-            </a:r>
-            <a:endParaRPr lang="en-US" smtClean="0"/>
-          </a:p>
-          <a:p>
-            <a:r>
-              <a:rPr lang="ru-RU" smtClean="0"/>
-              <a:t>Например так. Как только множество готово его можно перекинуть в вектор. Можно взять вектор и изначально, тогда не забыть </a:t>
-            </a:r>
-            <a:r>
-              <a:rPr lang="en-US" smtClean="0"/>
-              <a:t>sort </a:t>
-            </a:r>
-            <a:r>
-              <a:rPr lang="ru-RU" smtClean="0"/>
-              <a:t>и </a:t>
-            </a:r>
-            <a:r>
-              <a:rPr lang="en-US" smtClean="0"/>
-              <a:t>unique.</a:t>
-            </a:r>
-            <a:endParaRPr lang="en-US"/>
-          </a:p>
-          <a:p>
-            <a:pPr marL="45720" indent="0">
-              <a:buNone/>
-            </a:pPr>
+              <a:t>Г</a:t>
+            </a:r>
+            <a:r>
+              <a:rPr lang="ru-RU" smtClean="0"/>
+              <a:t>енерируются разные случайные ключи (но общим количество существенно меньше чем размер отображения). Отображения заполняются. </a:t>
+            </a:r>
+          </a:p>
+          <a:p>
+            <a:pPr lvl="1"/>
+            <a:r>
+              <a:rPr lang="ru-RU" smtClean="0"/>
+              <a:t>Далее генерируются ключи для поиска. Они ищутся в отображениях и все значения с таким ключом делаются равными.</a:t>
+            </a:r>
             <a:endParaRPr lang="en-US"/>
           </a:p>
         </p:txBody>
@@ -22065,7 +23019,7 @@
     </p:spTree>
     <p:extLst>
       <p:ext uri="{BB962C8B-B14F-4D97-AF65-F5344CB8AC3E}">
-        <p14:creationId xmlns:p14="http://schemas.microsoft.com/office/powerpoint/2010/main" val="4286037447"/>
+        <p14:creationId xmlns:p14="http://schemas.microsoft.com/office/powerpoint/2010/main" val="3128593365"/>
       </p:ext>
     </p:extLst>
   </p:cSld>
@@ -22076,6 +23030,2058 @@
 </file>
 
 <file path=ppt/slides/slide62.xml><?xml version="1.0" encoding="utf-8"?>
+<p:sld xmlns:a="http://schemas.openxmlformats.org/drawingml/2006/main" xmlns:r="http://schemas.openxmlformats.org/officeDocument/2006/relationships" xmlns:p="http://schemas.openxmlformats.org/presentationml/2006/main">
+  <p:cSld>
+    <p:spTree>
+      <p:nvGrpSpPr>
+        <p:cNvPr id="1" name=""/>
+        <p:cNvGrpSpPr/>
+        <p:nvPr/>
+      </p:nvGrpSpPr>
+      <p:grpSpPr>
+        <a:xfrm>
+          <a:off x="0" y="0"/>
+          <a:ext cx="0" cy="0"/>
+          <a:chOff x="0" y="0"/>
+          <a:chExt cx="0" cy="0"/>
+        </a:xfrm>
+      </p:grpSpPr>
+      <p:sp>
+        <p:nvSpPr>
+          <p:cNvPr id="2" name="Title 1"/>
+          <p:cNvSpPr>
+            <a:spLocks noGrp="1"/>
+          </p:cNvSpPr>
+          <p:nvPr>
+            <p:ph type="title"/>
+          </p:nvPr>
+        </p:nvSpPr>
+        <p:spPr/>
+        <p:txBody>
+          <a:bodyPr/>
+          <a:lstStyle/>
+          <a:p>
+            <a:r>
+              <a:rPr lang="ru-RU" smtClean="0"/>
+              <a:t>Тест производительности</a:t>
+            </a:r>
+            <a:endParaRPr lang="en-US"/>
+          </a:p>
+        </p:txBody>
+      </p:sp>
+      <p:sp>
+        <p:nvSpPr>
+          <p:cNvPr id="3" name="Content Placeholder 2"/>
+          <p:cNvSpPr>
+            <a:spLocks noGrp="1"/>
+          </p:cNvSpPr>
+          <p:nvPr>
+            <p:ph idx="1"/>
+          </p:nvPr>
+        </p:nvSpPr>
+        <p:spPr/>
+        <p:txBody>
+          <a:bodyPr/>
+          <a:lstStyle/>
+          <a:p>
+            <a:r>
+              <a:rPr lang="ru-RU" smtClean="0"/>
+              <a:t>Результаты</a:t>
+            </a:r>
+          </a:p>
+          <a:p>
+            <a:pPr lvl="1"/>
+            <a:r>
+              <a:rPr lang="en-US"/>
+              <a:t>unordered_map&lt;string, </a:t>
+            </a:r>
+            <a:r>
+              <a:rPr lang="en-US"/>
+              <a:t>vector&lt;string</a:t>
+            </a:r>
+            <a:r>
+              <a:rPr lang="en-US" smtClean="0"/>
+              <a:t>&gt;&gt;</a:t>
+            </a:r>
+            <a:r>
+              <a:rPr lang="ru-RU" smtClean="0"/>
+              <a:t> </a:t>
+            </a:r>
+            <a:r>
+              <a:rPr lang="en-US" smtClean="0">
+                <a:latin typeface="Consolas" panose="020B0609020204030204" pitchFamily="49" charset="0"/>
+              </a:rPr>
+              <a:t>(</a:t>
+            </a:r>
+            <a:r>
+              <a:rPr lang="en-US" smtClean="0">
+                <a:solidFill>
+                  <a:srgbClr val="0000FF"/>
+                </a:solidFill>
+                <a:latin typeface="Consolas" panose="020B0609020204030204" pitchFamily="49" charset="0"/>
+              </a:rPr>
+              <a:t>0.775</a:t>
+            </a:r>
+            <a:r>
+              <a:rPr lang="en-US" smtClean="0">
+                <a:latin typeface="Consolas" panose="020B0609020204030204" pitchFamily="49" charset="0"/>
+              </a:rPr>
+              <a:t>)</a:t>
+            </a:r>
+            <a:endParaRPr lang="en-US">
+              <a:latin typeface="Consolas" panose="020B0609020204030204" pitchFamily="49" charset="0"/>
+            </a:endParaRPr>
+          </a:p>
+          <a:p>
+            <a:pPr lvl="1"/>
+            <a:r>
+              <a:rPr lang="en-US" smtClean="0"/>
+              <a:t>map&lt;string, vector&lt;string&gt;&gt; </a:t>
+            </a:r>
+            <a:r>
+              <a:rPr lang="en-US">
+                <a:latin typeface="Consolas" panose="020B0609020204030204" pitchFamily="49" charset="0"/>
+              </a:rPr>
+              <a:t>(</a:t>
+            </a:r>
+            <a:r>
+              <a:rPr lang="en-US" smtClean="0">
+                <a:latin typeface="Consolas" panose="020B0609020204030204" pitchFamily="49" charset="0"/>
+              </a:rPr>
+              <a:t>0.926)</a:t>
+            </a:r>
+            <a:endParaRPr lang="ru-RU" smtClean="0"/>
+          </a:p>
+          <a:p>
+            <a:pPr lvl="1"/>
+            <a:r>
+              <a:rPr lang="en-US"/>
+              <a:t>unordered_multimap&lt;string, </a:t>
+            </a:r>
+            <a:r>
+              <a:rPr lang="en-US"/>
+              <a:t>string</a:t>
+            </a:r>
+            <a:r>
+              <a:rPr lang="en-US" smtClean="0"/>
+              <a:t>&gt; </a:t>
+            </a:r>
+            <a:r>
+              <a:rPr lang="en-US" smtClean="0">
+                <a:latin typeface="Consolas" panose="020B0609020204030204" pitchFamily="49" charset="0"/>
+              </a:rPr>
+              <a:t>(3.769)</a:t>
+            </a:r>
+            <a:endParaRPr lang="en-US"/>
+          </a:p>
+          <a:p>
+            <a:pPr lvl="1"/>
+            <a:r>
+              <a:rPr lang="en-US" smtClean="0"/>
+              <a:t>multimap&lt;string, string&gt; </a:t>
+            </a:r>
+            <a:r>
+              <a:rPr lang="en-US" smtClean="0">
+                <a:latin typeface="Consolas" panose="020B0609020204030204" pitchFamily="49" charset="0"/>
+              </a:rPr>
+              <a:t>(</a:t>
+            </a:r>
+            <a:r>
+              <a:rPr lang="en-US" smtClean="0">
+                <a:solidFill>
+                  <a:srgbClr val="FF0000"/>
+                </a:solidFill>
+                <a:latin typeface="Consolas" panose="020B0609020204030204" pitchFamily="49" charset="0"/>
+              </a:rPr>
+              <a:t>4.274</a:t>
+            </a:r>
+            <a:r>
+              <a:rPr lang="en-US" smtClean="0">
+                <a:latin typeface="Consolas" panose="020B0609020204030204" pitchFamily="49" charset="0"/>
+              </a:rPr>
+              <a:t>)</a:t>
+            </a:r>
+            <a:endParaRPr lang="en-US" smtClean="0"/>
+          </a:p>
+          <a:p>
+            <a:r>
+              <a:rPr lang="ru-RU" smtClean="0"/>
+              <a:t>Сценарий работы: </a:t>
+            </a:r>
+          </a:p>
+          <a:p>
+            <a:pPr lvl="1"/>
+            <a:r>
+              <a:rPr lang="ru-RU"/>
+              <a:t>Г</a:t>
+            </a:r>
+            <a:r>
+              <a:rPr lang="ru-RU" smtClean="0"/>
+              <a:t>енерируются разные случайные ключи (но общим количество существенно меньше чем размер отображения). Отображения заполняются. </a:t>
+            </a:r>
+          </a:p>
+          <a:p>
+            <a:pPr lvl="1"/>
+            <a:r>
+              <a:rPr lang="ru-RU" smtClean="0"/>
+              <a:t>Далее генерируются ключи для поиска. Они ищутся в отображениях и все значения с таким ключом делаются равными.</a:t>
+            </a:r>
+          </a:p>
+          <a:p>
+            <a:r>
+              <a:rPr lang="ru-RU" smtClean="0"/>
+              <a:t>Разница в зависимости от контейнера </a:t>
+            </a:r>
+            <a:r>
+              <a:rPr lang="ru-RU" smtClean="0">
+                <a:latin typeface="Corbel" panose="020B0503020204020204" pitchFamily="34" charset="0"/>
+              </a:rPr>
+              <a:t>–</a:t>
+            </a:r>
+            <a:r>
+              <a:rPr lang="ru-RU" smtClean="0"/>
+              <a:t> в </a:t>
+            </a:r>
+            <a:r>
+              <a:rPr lang="ru-RU" smtClean="0">
+                <a:solidFill>
+                  <a:srgbClr val="FF0000"/>
+                </a:solidFill>
+                <a:latin typeface="Consolas" panose="020B0609020204030204" pitchFamily="49" charset="0"/>
+              </a:rPr>
+              <a:t>5.5</a:t>
+            </a:r>
+            <a:r>
+              <a:rPr lang="ru-RU" smtClean="0"/>
+              <a:t> раз!</a:t>
+            </a:r>
+            <a:endParaRPr lang="en-US"/>
+          </a:p>
+        </p:txBody>
+      </p:sp>
+    </p:spTree>
+    <p:extLst>
+      <p:ext uri="{BB962C8B-B14F-4D97-AF65-F5344CB8AC3E}">
+        <p14:creationId xmlns:p14="http://schemas.microsoft.com/office/powerpoint/2010/main" val="1539870661"/>
+      </p:ext>
+    </p:extLst>
+  </p:cSld>
+  <p:clrMapOvr>
+    <a:masterClrMapping/>
+  </p:clrMapOvr>
+</p:sld>
+</file>
+
+<file path=ppt/slides/slide63.xml><?xml version="1.0" encoding="utf-8"?>
+<p:sld xmlns:a="http://schemas.openxmlformats.org/drawingml/2006/main" xmlns:r="http://schemas.openxmlformats.org/officeDocument/2006/relationships" xmlns:p="http://schemas.openxmlformats.org/presentationml/2006/main">
+  <p:cSld>
+    <p:spTree>
+      <p:nvGrpSpPr>
+        <p:cNvPr id="1" name=""/>
+        <p:cNvGrpSpPr/>
+        <p:nvPr/>
+      </p:nvGrpSpPr>
+      <p:grpSpPr>
+        <a:xfrm>
+          <a:off x="0" y="0"/>
+          <a:ext cx="0" cy="0"/>
+          <a:chOff x="0" y="0"/>
+          <a:chExt cx="0" cy="0"/>
+        </a:xfrm>
+      </p:grpSpPr>
+      <p:sp>
+        <p:nvSpPr>
+          <p:cNvPr id="2" name="Title 1"/>
+          <p:cNvSpPr>
+            <a:spLocks noGrp="1"/>
+          </p:cNvSpPr>
+          <p:nvPr>
+            <p:ph type="title"/>
+          </p:nvPr>
+        </p:nvSpPr>
+        <p:spPr/>
+        <p:txBody>
+          <a:bodyPr/>
+          <a:lstStyle/>
+          <a:p>
+            <a:r>
+              <a:rPr lang="ru-RU" smtClean="0"/>
+              <a:t>Обсуждение</a:t>
+            </a:r>
+            <a:endParaRPr lang="en-US"/>
+          </a:p>
+        </p:txBody>
+      </p:sp>
+      <p:sp>
+        <p:nvSpPr>
+          <p:cNvPr id="3" name="Content Placeholder 2"/>
+          <p:cNvSpPr>
+            <a:spLocks noGrp="1"/>
+          </p:cNvSpPr>
+          <p:nvPr>
+            <p:ph idx="1"/>
+          </p:nvPr>
+        </p:nvSpPr>
+        <p:spPr/>
+        <p:txBody>
+          <a:bodyPr/>
+          <a:lstStyle/>
+          <a:p>
+            <a:r>
+              <a:rPr lang="ru-RU" smtClean="0"/>
+              <a:t>Даст ли что-нибудь переход на </a:t>
+            </a:r>
+            <a:r>
+              <a:rPr lang="en-US" smtClean="0"/>
+              <a:t>unordered_map </a:t>
+            </a:r>
+            <a:r>
+              <a:rPr lang="ru-RU" smtClean="0"/>
+              <a:t>в орбитах</a:t>
+            </a:r>
+            <a:r>
+              <a:rPr lang="en-US" smtClean="0"/>
+              <a:t>?</a:t>
+            </a:r>
+            <a:endParaRPr lang="en-US"/>
+          </a:p>
+        </p:txBody>
+      </p:sp>
+    </p:spTree>
+    <p:extLst>
+      <p:ext uri="{BB962C8B-B14F-4D97-AF65-F5344CB8AC3E}">
+        <p14:creationId xmlns:p14="http://schemas.microsoft.com/office/powerpoint/2010/main" val="208734875"/>
+      </p:ext>
+    </p:extLst>
+  </p:cSld>
+  <p:clrMapOvr>
+    <a:masterClrMapping/>
+  </p:clrMapOvr>
+</p:sld>
+</file>
+
+<file path=ppt/slides/slide64.xml><?xml version="1.0" encoding="utf-8"?>
+<p:sld xmlns:a="http://schemas.openxmlformats.org/drawingml/2006/main" xmlns:r="http://schemas.openxmlformats.org/officeDocument/2006/relationships" xmlns:p="http://schemas.openxmlformats.org/presentationml/2006/main">
+  <p:cSld>
+    <p:spTree>
+      <p:nvGrpSpPr>
+        <p:cNvPr id="1" name=""/>
+        <p:cNvGrpSpPr/>
+        <p:nvPr/>
+      </p:nvGrpSpPr>
+      <p:grpSpPr>
+        <a:xfrm>
+          <a:off x="0" y="0"/>
+          <a:ext cx="0" cy="0"/>
+          <a:chOff x="0" y="0"/>
+          <a:chExt cx="0" cy="0"/>
+        </a:xfrm>
+      </p:grpSpPr>
+      <p:sp>
+        <p:nvSpPr>
+          <p:cNvPr id="2" name="Title 1"/>
+          <p:cNvSpPr>
+            <a:spLocks noGrp="1"/>
+          </p:cNvSpPr>
+          <p:nvPr>
+            <p:ph type="title"/>
+          </p:nvPr>
+        </p:nvSpPr>
+        <p:spPr/>
+        <p:txBody>
+          <a:bodyPr/>
+          <a:lstStyle/>
+          <a:p>
+            <a:r>
+              <a:rPr lang="ru-RU" smtClean="0"/>
+              <a:t>Обсуждение</a:t>
+            </a:r>
+            <a:endParaRPr lang="en-US"/>
+          </a:p>
+        </p:txBody>
+      </p:sp>
+      <p:sp>
+        <p:nvSpPr>
+          <p:cNvPr id="3" name="Content Placeholder 2"/>
+          <p:cNvSpPr>
+            <a:spLocks noGrp="1"/>
+          </p:cNvSpPr>
+          <p:nvPr>
+            <p:ph idx="1"/>
+          </p:nvPr>
+        </p:nvSpPr>
+        <p:spPr/>
+        <p:txBody>
+          <a:bodyPr/>
+          <a:lstStyle/>
+          <a:p>
+            <a:r>
+              <a:rPr lang="ru-RU" smtClean="0"/>
+              <a:t>Даст ли что-нибудь переход на </a:t>
+            </a:r>
+            <a:r>
+              <a:rPr lang="en-US" smtClean="0"/>
+              <a:t>unordered_map </a:t>
+            </a:r>
+            <a:r>
+              <a:rPr lang="ru-RU" smtClean="0"/>
+              <a:t>в орбитах</a:t>
+            </a:r>
+            <a:r>
+              <a:rPr lang="en-US" smtClean="0"/>
+              <a:t>?</a:t>
+            </a:r>
+          </a:p>
+          <a:p>
+            <a:r>
+              <a:rPr lang="ru-RU" smtClean="0"/>
+              <a:t>Тут можно </a:t>
+            </a:r>
+            <a:r>
+              <a:rPr lang="en-US" smtClean="0"/>
+              <a:t>demo</a:t>
+            </a:r>
+            <a:r>
+              <a:rPr lang="ru-RU" smtClean="0"/>
+              <a:t>, но априори ясно, что нет, так как ключи </a:t>
+            </a:r>
+            <a:r>
+              <a:rPr lang="en-US" smtClean="0"/>
+              <a:t>int </a:t>
+            </a:r>
+            <a:r>
+              <a:rPr lang="ru-RU" smtClean="0"/>
+              <a:t>и коллизий мало</a:t>
+            </a:r>
+            <a:endParaRPr lang="en-US"/>
+          </a:p>
+        </p:txBody>
+      </p:sp>
+    </p:spTree>
+    <p:extLst>
+      <p:ext uri="{BB962C8B-B14F-4D97-AF65-F5344CB8AC3E}">
+        <p14:creationId xmlns:p14="http://schemas.microsoft.com/office/powerpoint/2010/main" val="171278468"/>
+      </p:ext>
+    </p:extLst>
+  </p:cSld>
+  <p:clrMapOvr>
+    <a:masterClrMapping/>
+  </p:clrMapOvr>
+</p:sld>
+</file>
+
+<file path=ppt/slides/slide65.xml><?xml version="1.0" encoding="utf-8"?>
+<p:sld xmlns:a="http://schemas.openxmlformats.org/drawingml/2006/main" xmlns:r="http://schemas.openxmlformats.org/officeDocument/2006/relationships" xmlns:p="http://schemas.openxmlformats.org/presentationml/2006/main">
+  <p:cSld>
+    <p:spTree>
+      <p:nvGrpSpPr>
+        <p:cNvPr id="1" name=""/>
+        <p:cNvGrpSpPr/>
+        <p:nvPr/>
+      </p:nvGrpSpPr>
+      <p:grpSpPr>
+        <a:xfrm>
+          <a:off x="0" y="0"/>
+          <a:ext cx="0" cy="0"/>
+          <a:chOff x="0" y="0"/>
+          <a:chExt cx="0" cy="0"/>
+        </a:xfrm>
+      </p:grpSpPr>
+      <p:sp>
+        <p:nvSpPr>
+          <p:cNvPr id="3" name="Content Placeholder 2"/>
+          <p:cNvSpPr>
+            <a:spLocks noGrp="1"/>
+          </p:cNvSpPr>
+          <p:nvPr>
+            <p:ph idx="1"/>
+          </p:nvPr>
+        </p:nvSpPr>
+        <p:spPr>
+          <a:xfrm>
+            <a:off x="1143000" y="742122"/>
+            <a:ext cx="9872871" cy="5353878"/>
+          </a:xfrm>
+        </p:spPr>
+        <p:txBody>
+          <a:bodyPr>
+            <a:noAutofit/>
+          </a:bodyPr>
+          <a:lstStyle/>
+          <a:p>
+            <a:pPr>
+              <a:lnSpc>
+                <a:spcPct val="150000"/>
+              </a:lnSpc>
+              <a:buFont typeface="Wingdings" panose="05000000000000000000" pitchFamily="2" charset="2"/>
+              <a:buChar char="q"/>
+            </a:pPr>
+            <a:r>
+              <a:rPr lang="ru-RU" sz="4800" smtClean="0"/>
+              <a:t> Множества</a:t>
+            </a:r>
+          </a:p>
+          <a:p>
+            <a:pPr>
+              <a:lnSpc>
+                <a:spcPct val="150000"/>
+              </a:lnSpc>
+              <a:buFont typeface="Wingdings" panose="05000000000000000000" pitchFamily="2" charset="2"/>
+              <a:buChar char="q"/>
+            </a:pPr>
+            <a:r>
+              <a:rPr lang="ru-RU" sz="4800" smtClean="0"/>
+              <a:t> Отображения</a:t>
+            </a:r>
+          </a:p>
+          <a:p>
+            <a:pPr>
+              <a:lnSpc>
+                <a:spcPct val="150000"/>
+              </a:lnSpc>
+              <a:buFont typeface="Wingdings" panose="05000000000000000000" pitchFamily="2" charset="2"/>
+              <a:buChar char="q"/>
+            </a:pPr>
+            <a:r>
+              <a:rPr lang="ru-RU" sz="4800" smtClean="0"/>
+              <a:t> Словари</a:t>
+            </a:r>
+            <a:endParaRPr lang="en-US" sz="4800" smtClean="0"/>
+          </a:p>
+          <a:p>
+            <a:pPr>
+              <a:lnSpc>
+                <a:spcPct val="150000"/>
+              </a:lnSpc>
+              <a:buFont typeface="Wingdings" panose="05000000000000000000" pitchFamily="2" charset="2"/>
+              <a:buChar char="Ø"/>
+            </a:pPr>
+            <a:r>
+              <a:rPr lang="en-US" sz="4800"/>
+              <a:t> </a:t>
+            </a:r>
+            <a:r>
+              <a:rPr lang="ru-RU" sz="4800" smtClean="0"/>
+              <a:t>За пределами</a:t>
+            </a:r>
+            <a:r>
+              <a:rPr lang="en-US" sz="4800" smtClean="0"/>
+              <a:t> </a:t>
+            </a:r>
+            <a:r>
+              <a:rPr lang="ru-RU" sz="4800" smtClean="0"/>
+              <a:t>стандарта</a:t>
+            </a:r>
+            <a:endParaRPr lang="ru-RU" sz="4800" smtClean="0"/>
+          </a:p>
+        </p:txBody>
+      </p:sp>
+    </p:spTree>
+    <p:extLst>
+      <p:ext uri="{BB962C8B-B14F-4D97-AF65-F5344CB8AC3E}">
+        <p14:creationId xmlns:p14="http://schemas.microsoft.com/office/powerpoint/2010/main" val="141265570"/>
+      </p:ext>
+    </p:extLst>
+  </p:cSld>
+  <p:clrMapOvr>
+    <a:masterClrMapping/>
+  </p:clrMapOvr>
+</p:sld>
+</file>
+
+<file path=ppt/slides/slide66.xml><?xml version="1.0" encoding="utf-8"?>
+<p:sld xmlns:a="http://schemas.openxmlformats.org/drawingml/2006/main" xmlns:r="http://schemas.openxmlformats.org/officeDocument/2006/relationships" xmlns:p="http://schemas.openxmlformats.org/presentationml/2006/main">
+  <p:cSld>
+    <p:spTree>
+      <p:nvGrpSpPr>
+        <p:cNvPr id="1" name=""/>
+        <p:cNvGrpSpPr/>
+        <p:nvPr/>
+      </p:nvGrpSpPr>
+      <p:grpSpPr>
+        <a:xfrm>
+          <a:off x="0" y="0"/>
+          <a:ext cx="0" cy="0"/>
+          <a:chOff x="0" y="0"/>
+          <a:chExt cx="0" cy="0"/>
+        </a:xfrm>
+      </p:grpSpPr>
+      <p:sp>
+        <p:nvSpPr>
+          <p:cNvPr id="2" name="Title 1"/>
+          <p:cNvSpPr>
+            <a:spLocks noGrp="1"/>
+          </p:cNvSpPr>
+          <p:nvPr>
+            <p:ph type="title"/>
+          </p:nvPr>
+        </p:nvSpPr>
+        <p:spPr/>
+        <p:txBody>
+          <a:bodyPr/>
+          <a:lstStyle/>
+          <a:p>
+            <a:r>
+              <a:rPr lang="ru-RU" smtClean="0"/>
+              <a:t>Паттерн </a:t>
+            </a:r>
+            <a:r>
+              <a:rPr lang="en-US" smtClean="0"/>
+              <a:t>"</a:t>
+            </a:r>
+            <a:r>
+              <a:rPr lang="ru-RU" smtClean="0"/>
+              <a:t>создание и использование</a:t>
+            </a:r>
+            <a:r>
+              <a:rPr lang="en-US" smtClean="0"/>
+              <a:t>"</a:t>
+            </a:r>
+            <a:endParaRPr lang="en-US"/>
+          </a:p>
+        </p:txBody>
+      </p:sp>
+      <p:sp>
+        <p:nvSpPr>
+          <p:cNvPr id="3" name="Content Placeholder 2"/>
+          <p:cNvSpPr>
+            <a:spLocks noGrp="1"/>
+          </p:cNvSpPr>
+          <p:nvPr>
+            <p:ph idx="1"/>
+          </p:nvPr>
+        </p:nvSpPr>
+        <p:spPr/>
+        <p:txBody>
+          <a:bodyPr/>
+          <a:lstStyle/>
+          <a:p>
+            <a:r>
+              <a:rPr lang="ru-RU" smtClean="0"/>
+              <a:t>Распространённый паттерн в коде</a:t>
+            </a:r>
+          </a:p>
+          <a:p>
+            <a:pPr marL="45720" indent="0">
+              <a:buNone/>
+            </a:pPr>
+            <a:r>
+              <a:rPr lang="en-US">
+                <a:latin typeface="Consolas" panose="020B0609020204030204" pitchFamily="49" charset="0"/>
+              </a:rPr>
+              <a:t>set&lt;int&gt; </a:t>
+            </a:r>
+            <a:r>
+              <a:rPr lang="en-US" smtClean="0">
+                <a:latin typeface="Consolas" panose="020B0609020204030204" pitchFamily="49" charset="0"/>
+              </a:rPr>
+              <a:t>s;</a:t>
+            </a:r>
+          </a:p>
+          <a:p>
+            <a:r>
+              <a:rPr lang="ru-RU" smtClean="0"/>
+              <a:t>Тут какое-то заполнение множества</a:t>
+            </a:r>
+          </a:p>
+          <a:p>
+            <a:pPr marL="45720" indent="0">
+              <a:buNone/>
+            </a:pPr>
+            <a:r>
+              <a:rPr lang="en-US" smtClean="0">
+                <a:latin typeface="Consolas" panose="020B0609020204030204" pitchFamily="49" charset="0"/>
+              </a:rPr>
+              <a:t>auto </a:t>
+            </a:r>
+            <a:r>
+              <a:rPr lang="en-US">
+                <a:latin typeface="Consolas" panose="020B0609020204030204" pitchFamily="49" charset="0"/>
+              </a:rPr>
+              <a:t>itb = s.lower_bound(30);</a:t>
+            </a:r>
+            <a:br>
+              <a:rPr lang="en-US">
+                <a:latin typeface="Consolas" panose="020B0609020204030204" pitchFamily="49" charset="0"/>
+              </a:rPr>
+            </a:br>
+            <a:r>
+              <a:rPr lang="en-US">
+                <a:latin typeface="Consolas" panose="020B0609020204030204" pitchFamily="49" charset="0"/>
+              </a:rPr>
+              <a:t>auto ite = s.upper_bound(100</a:t>
+            </a:r>
+            <a:r>
+              <a:rPr lang="en-US" smtClean="0">
+                <a:latin typeface="Consolas" panose="020B0609020204030204" pitchFamily="49" charset="0"/>
+              </a:rPr>
+              <a:t>);</a:t>
+            </a:r>
+            <a:endParaRPr lang="ru-RU" smtClean="0">
+              <a:latin typeface="Consolas" panose="020B0609020204030204" pitchFamily="49" charset="0"/>
+            </a:endParaRPr>
+          </a:p>
+          <a:p>
+            <a:r>
+              <a:rPr lang="ru-RU"/>
+              <a:t>И</a:t>
+            </a:r>
+            <a:r>
+              <a:rPr lang="ru-RU" smtClean="0"/>
+              <a:t> ниже этой черты только использование множества</a:t>
+            </a:r>
+            <a:endParaRPr lang="en-US" smtClean="0"/>
+          </a:p>
+          <a:p>
+            <a:r>
+              <a:rPr lang="ru-RU" smtClean="0"/>
+              <a:t>Что смущает в этом коде?</a:t>
+            </a:r>
+            <a:endParaRPr lang="en-US"/>
+          </a:p>
+          <a:p>
+            <a:pPr marL="45720" indent="0">
+              <a:buNone/>
+            </a:pPr>
+            <a:endParaRPr lang="en-US"/>
+          </a:p>
+        </p:txBody>
+      </p:sp>
+    </p:spTree>
+    <p:extLst>
+      <p:ext uri="{BB962C8B-B14F-4D97-AF65-F5344CB8AC3E}">
+        <p14:creationId xmlns:p14="http://schemas.microsoft.com/office/powerpoint/2010/main" val="2508303719"/>
+      </p:ext>
+    </p:extLst>
+  </p:cSld>
+  <p:clrMapOvr>
+    <a:masterClrMapping/>
+  </p:clrMapOvr>
+</p:sld>
+</file>
+
+<file path=ppt/slides/slide67.xml><?xml version="1.0" encoding="utf-8"?>
+<p:sld xmlns:a="http://schemas.openxmlformats.org/drawingml/2006/main" xmlns:r="http://schemas.openxmlformats.org/officeDocument/2006/relationships" xmlns:p="http://schemas.openxmlformats.org/presentationml/2006/main">
+  <p:cSld>
+    <p:spTree>
+      <p:nvGrpSpPr>
+        <p:cNvPr id="1" name=""/>
+        <p:cNvGrpSpPr/>
+        <p:nvPr/>
+      </p:nvGrpSpPr>
+      <p:grpSpPr>
+        <a:xfrm>
+          <a:off x="0" y="0"/>
+          <a:ext cx="0" cy="0"/>
+          <a:chOff x="0" y="0"/>
+          <a:chExt cx="0" cy="0"/>
+        </a:xfrm>
+      </p:grpSpPr>
+      <p:sp>
+        <p:nvSpPr>
+          <p:cNvPr id="2" name="Title 1"/>
+          <p:cNvSpPr>
+            <a:spLocks noGrp="1"/>
+          </p:cNvSpPr>
+          <p:nvPr>
+            <p:ph type="title"/>
+          </p:nvPr>
+        </p:nvSpPr>
+        <p:spPr/>
+        <p:txBody>
+          <a:bodyPr/>
+          <a:lstStyle/>
+          <a:p>
+            <a:r>
+              <a:rPr lang="ru-RU" smtClean="0"/>
+              <a:t>Обсуждение: критика множеств</a:t>
+            </a:r>
+            <a:endParaRPr lang="en-US"/>
+          </a:p>
+        </p:txBody>
+      </p:sp>
+      <p:sp>
+        <p:nvSpPr>
+          <p:cNvPr id="3" name="Content Placeholder 2"/>
+          <p:cNvSpPr>
+            <a:spLocks noGrp="1"/>
+          </p:cNvSpPr>
+          <p:nvPr>
+            <p:ph idx="1"/>
+          </p:nvPr>
+        </p:nvSpPr>
+        <p:spPr/>
+        <p:txBody>
+          <a:bodyPr/>
+          <a:lstStyle/>
+          <a:p>
+            <a:r>
+              <a:rPr lang="ru-RU" smtClean="0"/>
+              <a:t>При использовании множеств и отображений, мы всегда платим цену</a:t>
+            </a:r>
+          </a:p>
+          <a:p>
+            <a:pPr lvl="1"/>
+            <a:r>
+              <a:rPr lang="ru-RU" smtClean="0"/>
+              <a:t>Нелокальность обращений в память</a:t>
+            </a:r>
+          </a:p>
+          <a:p>
+            <a:pPr lvl="1"/>
+            <a:r>
+              <a:rPr lang="ru-RU" smtClean="0"/>
+              <a:t>Логарифмические штрафы на поиск для упорядоченных словарей</a:t>
+            </a:r>
+          </a:p>
+          <a:p>
+            <a:pPr lvl="1"/>
+            <a:r>
+              <a:rPr lang="ru-RU" smtClean="0"/>
+              <a:t>Отсутствие </a:t>
+            </a:r>
+            <a:r>
+              <a:rPr lang="en-US" smtClean="0"/>
+              <a:t>lower/upper </a:t>
+            </a:r>
+            <a:r>
+              <a:rPr lang="ru-RU" smtClean="0"/>
+              <a:t>интервалов для неупорядоченных словарей</a:t>
+            </a:r>
+          </a:p>
+          <a:p>
+            <a:r>
+              <a:rPr lang="ru-RU" smtClean="0"/>
+              <a:t>Назовите мне контейнер, который лишён всех этих проблем?</a:t>
+            </a:r>
+            <a:endParaRPr lang="en-US"/>
+          </a:p>
+        </p:txBody>
+      </p:sp>
+    </p:spTree>
+    <p:extLst>
+      <p:ext uri="{BB962C8B-B14F-4D97-AF65-F5344CB8AC3E}">
+        <p14:creationId xmlns:p14="http://schemas.microsoft.com/office/powerpoint/2010/main" val="510146877"/>
+      </p:ext>
+    </p:extLst>
+  </p:cSld>
+  <p:clrMapOvr>
+    <a:masterClrMapping/>
+  </p:clrMapOvr>
+</p:sld>
+</file>
+
+<file path=ppt/slides/slide68.xml><?xml version="1.0" encoding="utf-8"?>
+<p:sld xmlns:a="http://schemas.openxmlformats.org/drawingml/2006/main" xmlns:r="http://schemas.openxmlformats.org/officeDocument/2006/relationships" xmlns:p="http://schemas.openxmlformats.org/presentationml/2006/main">
+  <p:cSld>
+    <p:spTree>
+      <p:nvGrpSpPr>
+        <p:cNvPr id="1" name=""/>
+        <p:cNvGrpSpPr/>
+        <p:nvPr/>
+      </p:nvGrpSpPr>
+      <p:grpSpPr>
+        <a:xfrm>
+          <a:off x="0" y="0"/>
+          <a:ext cx="0" cy="0"/>
+          <a:chOff x="0" y="0"/>
+          <a:chExt cx="0" cy="0"/>
+        </a:xfrm>
+      </p:grpSpPr>
+      <p:sp>
+        <p:nvSpPr>
+          <p:cNvPr id="2" name="Title 1"/>
+          <p:cNvSpPr>
+            <a:spLocks noGrp="1"/>
+          </p:cNvSpPr>
+          <p:nvPr>
+            <p:ph type="title"/>
+          </p:nvPr>
+        </p:nvSpPr>
+        <p:spPr/>
+        <p:txBody>
+          <a:bodyPr/>
+          <a:lstStyle/>
+          <a:p>
+            <a:r>
+              <a:rPr lang="ru-RU" smtClean="0"/>
+              <a:t>Обсуждение: критика множеств</a:t>
+            </a:r>
+            <a:endParaRPr lang="en-US"/>
+          </a:p>
+        </p:txBody>
+      </p:sp>
+      <p:sp>
+        <p:nvSpPr>
+          <p:cNvPr id="3" name="Content Placeholder 2"/>
+          <p:cNvSpPr>
+            <a:spLocks noGrp="1"/>
+          </p:cNvSpPr>
+          <p:nvPr>
+            <p:ph idx="1"/>
+          </p:nvPr>
+        </p:nvSpPr>
+        <p:spPr/>
+        <p:txBody>
+          <a:bodyPr/>
+          <a:lstStyle/>
+          <a:p>
+            <a:r>
+              <a:rPr lang="ru-RU" smtClean="0"/>
+              <a:t>При использовании множеств и отображений, мы всегда платим цену</a:t>
+            </a:r>
+          </a:p>
+          <a:p>
+            <a:pPr lvl="1"/>
+            <a:r>
+              <a:rPr lang="ru-RU" smtClean="0"/>
+              <a:t>Нелокальность обращений в память</a:t>
+            </a:r>
+          </a:p>
+          <a:p>
+            <a:pPr lvl="1"/>
+            <a:r>
+              <a:rPr lang="ru-RU" smtClean="0"/>
+              <a:t>Логарифмические штрафы на поиск для упорядоченных словарей</a:t>
+            </a:r>
+          </a:p>
+          <a:p>
+            <a:pPr lvl="1"/>
+            <a:r>
+              <a:rPr lang="ru-RU" smtClean="0"/>
+              <a:t>Отсутствие </a:t>
+            </a:r>
+            <a:r>
+              <a:rPr lang="en-US" smtClean="0"/>
+              <a:t>lower/upper </a:t>
+            </a:r>
+            <a:r>
+              <a:rPr lang="ru-RU" smtClean="0"/>
+              <a:t>интервалов для неупорядоченных словарей</a:t>
+            </a:r>
+          </a:p>
+          <a:p>
+            <a:r>
+              <a:rPr lang="ru-RU" smtClean="0"/>
+              <a:t>Назовите мне контейнер, который лишён всех этих проблем?</a:t>
+            </a:r>
+          </a:p>
+          <a:p>
+            <a:r>
+              <a:rPr lang="ru-RU" smtClean="0"/>
+              <a:t>Правильный ответ: </a:t>
+            </a:r>
+            <a:r>
+              <a:rPr lang="ru-RU" b="1" smtClean="0"/>
+              <a:t>сортированный вектор</a:t>
+            </a:r>
+            <a:r>
+              <a:rPr lang="ru-RU" smtClean="0"/>
+              <a:t>. Парадоксально, ведь именно замена таких векторов на множества и была тем, с чего лекция началась.</a:t>
+            </a:r>
+          </a:p>
+          <a:p>
+            <a:r>
+              <a:rPr lang="ru-RU" smtClean="0"/>
+              <a:t>Но да, иногда обратная замена не менее выгодна</a:t>
+            </a:r>
+            <a:endParaRPr lang="en-US"/>
+          </a:p>
+        </p:txBody>
+      </p:sp>
+    </p:spTree>
+    <p:extLst>
+      <p:ext uri="{BB962C8B-B14F-4D97-AF65-F5344CB8AC3E}">
+        <p14:creationId xmlns:p14="http://schemas.microsoft.com/office/powerpoint/2010/main" val="2017228014"/>
+      </p:ext>
+    </p:extLst>
+  </p:cSld>
+  <p:clrMapOvr>
+    <a:masterClrMapping/>
+  </p:clrMapOvr>
+</p:sld>
+</file>
+
+<file path=ppt/slides/slide69.xml><?xml version="1.0" encoding="utf-8"?>
+<p:sld xmlns:a="http://schemas.openxmlformats.org/drawingml/2006/main" xmlns:r="http://schemas.openxmlformats.org/officeDocument/2006/relationships" xmlns:p="http://schemas.openxmlformats.org/presentationml/2006/main">
+  <p:cSld>
+    <p:spTree>
+      <p:nvGrpSpPr>
+        <p:cNvPr id="1" name=""/>
+        <p:cNvGrpSpPr/>
+        <p:nvPr/>
+      </p:nvGrpSpPr>
+      <p:grpSpPr>
+        <a:xfrm>
+          <a:off x="0" y="0"/>
+          <a:ext cx="0" cy="0"/>
+          <a:chOff x="0" y="0"/>
+          <a:chExt cx="0" cy="0"/>
+        </a:xfrm>
+      </p:grpSpPr>
+      <p:sp>
+        <p:nvSpPr>
+          <p:cNvPr id="2" name="Title 1"/>
+          <p:cNvSpPr>
+            <a:spLocks noGrp="1"/>
+          </p:cNvSpPr>
+          <p:nvPr>
+            <p:ph type="title"/>
+          </p:nvPr>
+        </p:nvSpPr>
+        <p:spPr/>
+        <p:txBody>
+          <a:bodyPr/>
+          <a:lstStyle/>
+          <a:p>
+            <a:r>
+              <a:rPr lang="ru-RU" smtClean="0"/>
+              <a:t>Паттерн </a:t>
+            </a:r>
+            <a:r>
+              <a:rPr lang="en-US" smtClean="0"/>
+              <a:t>"</a:t>
+            </a:r>
+            <a:r>
+              <a:rPr lang="ru-RU" smtClean="0"/>
+              <a:t>создание и использование</a:t>
+            </a:r>
+            <a:r>
+              <a:rPr lang="en-US" smtClean="0"/>
+              <a:t>"</a:t>
+            </a:r>
+            <a:endParaRPr lang="en-US"/>
+          </a:p>
+        </p:txBody>
+      </p:sp>
+      <p:sp>
+        <p:nvSpPr>
+          <p:cNvPr id="3" name="Content Placeholder 2"/>
+          <p:cNvSpPr>
+            <a:spLocks noGrp="1"/>
+          </p:cNvSpPr>
+          <p:nvPr>
+            <p:ph idx="1"/>
+          </p:nvPr>
+        </p:nvSpPr>
+        <p:spPr/>
+        <p:txBody>
+          <a:bodyPr/>
+          <a:lstStyle/>
+          <a:p>
+            <a:r>
+              <a:rPr lang="ru-RU" smtClean="0"/>
+              <a:t>Распространённый паттерн в коде</a:t>
+            </a:r>
+          </a:p>
+          <a:p>
+            <a:pPr marL="45720" indent="0">
+              <a:buNone/>
+            </a:pPr>
+            <a:r>
+              <a:rPr lang="en-US">
+                <a:latin typeface="Consolas" panose="020B0609020204030204" pitchFamily="49" charset="0"/>
+              </a:rPr>
+              <a:t>set&lt;int&gt; </a:t>
+            </a:r>
+            <a:r>
+              <a:rPr lang="en-US" smtClean="0">
+                <a:latin typeface="Consolas" panose="020B0609020204030204" pitchFamily="49" charset="0"/>
+              </a:rPr>
+              <a:t>s;</a:t>
+            </a:r>
+          </a:p>
+          <a:p>
+            <a:r>
+              <a:rPr lang="ru-RU" smtClean="0"/>
+              <a:t>Тут какое-то заполнение множества</a:t>
+            </a:r>
+          </a:p>
+          <a:p>
+            <a:pPr marL="45720" indent="0">
+              <a:buNone/>
+            </a:pPr>
+            <a:r>
+              <a:rPr lang="en-US" smtClean="0">
+                <a:latin typeface="Consolas" panose="020B0609020204030204" pitchFamily="49" charset="0"/>
+              </a:rPr>
+              <a:t>auto </a:t>
+            </a:r>
+            <a:r>
+              <a:rPr lang="en-US">
+                <a:latin typeface="Consolas" panose="020B0609020204030204" pitchFamily="49" charset="0"/>
+              </a:rPr>
+              <a:t>itb = s.lower_bound(30);</a:t>
+            </a:r>
+            <a:br>
+              <a:rPr lang="en-US">
+                <a:latin typeface="Consolas" panose="020B0609020204030204" pitchFamily="49" charset="0"/>
+              </a:rPr>
+            </a:br>
+            <a:r>
+              <a:rPr lang="en-US">
+                <a:latin typeface="Consolas" panose="020B0609020204030204" pitchFamily="49" charset="0"/>
+              </a:rPr>
+              <a:t>auto ite = s.upper_bound(100</a:t>
+            </a:r>
+            <a:r>
+              <a:rPr lang="en-US" smtClean="0">
+                <a:latin typeface="Consolas" panose="020B0609020204030204" pitchFamily="49" charset="0"/>
+              </a:rPr>
+              <a:t>);</a:t>
+            </a:r>
+            <a:endParaRPr lang="ru-RU" smtClean="0">
+              <a:latin typeface="Consolas" panose="020B0609020204030204" pitchFamily="49" charset="0"/>
+            </a:endParaRPr>
+          </a:p>
+          <a:p>
+            <a:r>
+              <a:rPr lang="ru-RU"/>
+              <a:t>И</a:t>
+            </a:r>
+            <a:r>
+              <a:rPr lang="ru-RU" smtClean="0"/>
+              <a:t> ниже этой черты только использование множества</a:t>
+            </a:r>
+            <a:endParaRPr lang="en-US" smtClean="0"/>
+          </a:p>
+          <a:p>
+            <a:r>
+              <a:rPr lang="ru-RU" smtClean="0"/>
+              <a:t>Можно ли это заменить на работу с вектором?</a:t>
+            </a:r>
+            <a:endParaRPr lang="en-US"/>
+          </a:p>
+          <a:p>
+            <a:pPr marL="45720" indent="0">
+              <a:buNone/>
+            </a:pPr>
+            <a:endParaRPr lang="en-US"/>
+          </a:p>
+        </p:txBody>
+      </p:sp>
+    </p:spTree>
+    <p:extLst>
+      <p:ext uri="{BB962C8B-B14F-4D97-AF65-F5344CB8AC3E}">
+        <p14:creationId xmlns:p14="http://schemas.microsoft.com/office/powerpoint/2010/main" val="961096159"/>
+      </p:ext>
+    </p:extLst>
+  </p:cSld>
+  <p:clrMapOvr>
+    <a:masterClrMapping/>
+  </p:clrMapOvr>
+</p:sld>
+</file>
+
+<file path=ppt/slides/slide7.xml><?xml version="1.0" encoding="utf-8"?>
+<p:sld xmlns:a="http://schemas.openxmlformats.org/drawingml/2006/main" xmlns:r="http://schemas.openxmlformats.org/officeDocument/2006/relationships" xmlns:p="http://schemas.openxmlformats.org/presentationml/2006/main">
+  <p:cSld>
+    <p:spTree>
+      <p:nvGrpSpPr>
+        <p:cNvPr id="1" name=""/>
+        <p:cNvGrpSpPr/>
+        <p:nvPr/>
+      </p:nvGrpSpPr>
+      <p:grpSpPr>
+        <a:xfrm>
+          <a:off x="0" y="0"/>
+          <a:ext cx="0" cy="0"/>
+          <a:chOff x="0" y="0"/>
+          <a:chExt cx="0" cy="0"/>
+        </a:xfrm>
+      </p:grpSpPr>
+      <p:sp>
+        <p:nvSpPr>
+          <p:cNvPr id="2" name="Title 1"/>
+          <p:cNvSpPr>
+            <a:spLocks noGrp="1"/>
+          </p:cNvSpPr>
+          <p:nvPr>
+            <p:ph type="title"/>
+          </p:nvPr>
+        </p:nvSpPr>
+        <p:spPr/>
+        <p:txBody>
+          <a:bodyPr/>
+          <a:lstStyle/>
+          <a:p>
+            <a:r>
+              <a:rPr lang="ru-RU" smtClean="0"/>
+              <a:t>Предлагаемая процедура для орбиты</a:t>
+            </a:r>
+            <a:endParaRPr lang="en-US"/>
+          </a:p>
+        </p:txBody>
+      </p:sp>
+      <p:sp>
+        <p:nvSpPr>
+          <p:cNvPr id="3" name="Content Placeholder 2"/>
+          <p:cNvSpPr>
+            <a:spLocks noGrp="1"/>
+          </p:cNvSpPr>
+          <p:nvPr>
+            <p:ph idx="1"/>
+          </p:nvPr>
+        </p:nvSpPr>
+        <p:spPr>
+          <a:xfrm>
+            <a:off x="1143000" y="2057400"/>
+            <a:ext cx="9872871" cy="4252784"/>
+          </a:xfrm>
+        </p:spPr>
+        <p:txBody>
+          <a:bodyPr>
+            <a:noAutofit/>
+          </a:bodyPr>
+          <a:lstStyle/>
+          <a:p>
+            <a:pPr marL="45720" indent="0">
+              <a:buNone/>
+            </a:pPr>
+            <a:r>
+              <a:rPr lang="en-US" sz="1600">
+                <a:latin typeface="Consolas" panose="020B0609020204030204" pitchFamily="49" charset="0"/>
+              </a:rPr>
+              <a:t>template&lt;typename T, typename </a:t>
+            </a:r>
+            <a:r>
+              <a:rPr lang="en-US" sz="1600" smtClean="0">
+                <a:latin typeface="Consolas" panose="020B0609020204030204" pitchFamily="49" charset="0"/>
+              </a:rPr>
+              <a:t>RandIt&gt;</a:t>
+            </a:r>
+            <a:r>
+              <a:rPr lang="ru-RU" sz="1600" smtClean="0">
+                <a:latin typeface="Consolas" panose="020B0609020204030204" pitchFamily="49" charset="0"/>
+              </a:rPr>
+              <a:t/>
+            </a:r>
+            <a:br>
+              <a:rPr lang="ru-RU" sz="1600" smtClean="0">
+                <a:latin typeface="Consolas" panose="020B0609020204030204" pitchFamily="49" charset="0"/>
+              </a:rPr>
+            </a:br>
+            <a:r>
+              <a:rPr lang="en-US" sz="1600" smtClean="0">
+                <a:latin typeface="Consolas" panose="020B0609020204030204" pitchFamily="49" charset="0"/>
+              </a:rPr>
+              <a:t>vector&lt;T</a:t>
+            </a:r>
+            <a:r>
+              <a:rPr lang="en-US" sz="1600">
+                <a:latin typeface="Consolas" panose="020B0609020204030204" pitchFamily="49" charset="0"/>
+              </a:rPr>
+              <a:t>&gt; </a:t>
+            </a:r>
+            <a:r>
+              <a:rPr lang="en-US" sz="1600" smtClean="0">
+                <a:latin typeface="Consolas" panose="020B0609020204030204" pitchFamily="49" charset="0"/>
+              </a:rPr>
+              <a:t>simple_orbit(T </a:t>
+            </a:r>
+            <a:r>
+              <a:rPr lang="en-US" sz="1600">
+                <a:latin typeface="Consolas" panose="020B0609020204030204" pitchFamily="49" charset="0"/>
+              </a:rPr>
+              <a:t>num, RandIt gensbeg, RandIt gensend) </a:t>
+            </a:r>
+            <a:r>
+              <a:rPr lang="en-US" sz="1600" smtClean="0">
+                <a:latin typeface="Consolas" panose="020B0609020204030204" pitchFamily="49" charset="0"/>
+              </a:rPr>
+              <a:t>{</a:t>
+            </a:r>
+            <a:r>
+              <a:rPr lang="ru-RU" sz="1600" smtClean="0">
+                <a:latin typeface="Consolas" panose="020B0609020204030204" pitchFamily="49" charset="0"/>
+              </a:rPr>
+              <a:t/>
+            </a:r>
+            <a:br>
+              <a:rPr lang="ru-RU" sz="1600" smtClean="0">
+                <a:latin typeface="Consolas" panose="020B0609020204030204" pitchFamily="49" charset="0"/>
+              </a:rPr>
+            </a:br>
+            <a:r>
+              <a:rPr lang="en-US" sz="1600" smtClean="0">
+                <a:latin typeface="Consolas" panose="020B0609020204030204" pitchFamily="49" charset="0"/>
+              </a:rPr>
+              <a:t>  </a:t>
+            </a:r>
+            <a:r>
+              <a:rPr lang="en-US" sz="1600">
+                <a:latin typeface="Consolas" panose="020B0609020204030204" pitchFamily="49" charset="0"/>
+              </a:rPr>
+              <a:t>vector&lt;T&gt; orbit</a:t>
+            </a:r>
+            <a:r>
+              <a:rPr lang="en-US" sz="1600" smtClean="0">
+                <a:latin typeface="Consolas" panose="020B0609020204030204" pitchFamily="49" charset="0"/>
+              </a:rPr>
+              <a:t>;</a:t>
+            </a:r>
+            <a:r>
+              <a:rPr lang="ru-RU" sz="1600" smtClean="0">
+                <a:latin typeface="Consolas" panose="020B0609020204030204" pitchFamily="49" charset="0"/>
+              </a:rPr>
+              <a:t/>
+            </a:r>
+            <a:br>
+              <a:rPr lang="ru-RU" sz="1600" smtClean="0">
+                <a:latin typeface="Consolas" panose="020B0609020204030204" pitchFamily="49" charset="0"/>
+              </a:rPr>
+            </a:br>
+            <a:r>
+              <a:rPr lang="en-US" sz="1600" smtClean="0">
+                <a:latin typeface="Consolas" panose="020B0609020204030204" pitchFamily="49" charset="0"/>
+              </a:rPr>
+              <a:t>  </a:t>
+            </a:r>
+            <a:r>
+              <a:rPr lang="en-US" sz="1600">
+                <a:latin typeface="Consolas" panose="020B0609020204030204" pitchFamily="49" charset="0"/>
+              </a:rPr>
+              <a:t>vector&lt;T&gt; next = {num</a:t>
+            </a:r>
+            <a:r>
+              <a:rPr lang="en-US" sz="1600" smtClean="0">
+                <a:latin typeface="Consolas" panose="020B0609020204030204" pitchFamily="49" charset="0"/>
+              </a:rPr>
+              <a:t>};</a:t>
+            </a:r>
+            <a:r>
+              <a:rPr lang="ru-RU" sz="1600" smtClean="0">
+                <a:latin typeface="Consolas" panose="020B0609020204030204" pitchFamily="49" charset="0"/>
+              </a:rPr>
+              <a:t/>
+            </a:r>
+            <a:br>
+              <a:rPr lang="ru-RU" sz="1600" smtClean="0">
+                <a:latin typeface="Consolas" panose="020B0609020204030204" pitchFamily="49" charset="0"/>
+              </a:rPr>
+            </a:br>
+            <a:r>
+              <a:rPr lang="en-US" sz="1600" smtClean="0">
+                <a:solidFill>
+                  <a:srgbClr val="0000FF"/>
+                </a:solidFill>
+                <a:latin typeface="Consolas" panose="020B0609020204030204" pitchFamily="49" charset="0"/>
+              </a:rPr>
+              <a:t>  </a:t>
+            </a:r>
+            <a:r>
+              <a:rPr lang="en-US" sz="1600">
+                <a:solidFill>
+                  <a:srgbClr val="0000FF"/>
+                </a:solidFill>
+                <a:latin typeface="Consolas" panose="020B0609020204030204" pitchFamily="49" charset="0"/>
+              </a:rPr>
+              <a:t>while (!next.empty()) </a:t>
+            </a:r>
+            <a:r>
+              <a:rPr lang="en-US" sz="1600" smtClean="0">
+                <a:solidFill>
+                  <a:srgbClr val="0000FF"/>
+                </a:solidFill>
+                <a:latin typeface="Consolas" panose="020B0609020204030204" pitchFamily="49" charset="0"/>
+              </a:rPr>
+              <a:t>{</a:t>
+            </a:r>
+            <a:r>
+              <a:rPr lang="ru-RU" sz="1600" smtClean="0">
+                <a:solidFill>
+                  <a:srgbClr val="0000FF"/>
+                </a:solidFill>
+                <a:latin typeface="Consolas" panose="020B0609020204030204" pitchFamily="49" charset="0"/>
+              </a:rPr>
+              <a:t/>
+            </a:r>
+            <a:br>
+              <a:rPr lang="ru-RU" sz="1600" smtClean="0">
+                <a:solidFill>
+                  <a:srgbClr val="0000FF"/>
+                </a:solidFill>
+                <a:latin typeface="Consolas" panose="020B0609020204030204" pitchFamily="49" charset="0"/>
+              </a:rPr>
+            </a:br>
+            <a:r>
+              <a:rPr lang="en-US" sz="1600" smtClean="0">
+                <a:latin typeface="Consolas" panose="020B0609020204030204" pitchFamily="49" charset="0"/>
+              </a:rPr>
+              <a:t>    </a:t>
+            </a:r>
+            <a:r>
+              <a:rPr lang="en-US" sz="1600">
+                <a:latin typeface="Consolas" panose="020B0609020204030204" pitchFamily="49" charset="0"/>
+              </a:rPr>
+              <a:t>vector&lt;T&gt; tmp </a:t>
+            </a:r>
+            <a:r>
+              <a:rPr lang="en-US" sz="1600" smtClean="0">
+                <a:latin typeface="Consolas" panose="020B0609020204030204" pitchFamily="49" charset="0"/>
+              </a:rPr>
+              <a:t>{};</a:t>
+            </a:r>
+            <a:r>
+              <a:rPr lang="ru-RU" sz="1600" smtClean="0">
+                <a:latin typeface="Consolas" panose="020B0609020204030204" pitchFamily="49" charset="0"/>
+              </a:rPr>
+              <a:t/>
+            </a:r>
+            <a:br>
+              <a:rPr lang="ru-RU" sz="1600" smtClean="0">
+                <a:latin typeface="Consolas" panose="020B0609020204030204" pitchFamily="49" charset="0"/>
+              </a:rPr>
+            </a:br>
+            <a:r>
+              <a:rPr lang="en-US" sz="1600" smtClean="0">
+                <a:latin typeface="Consolas" panose="020B0609020204030204" pitchFamily="49" charset="0"/>
+              </a:rPr>
+              <a:t>    </a:t>
+            </a:r>
+            <a:r>
+              <a:rPr lang="en-US" sz="1600">
+                <a:latin typeface="Consolas" panose="020B0609020204030204" pitchFamily="49" charset="0"/>
+              </a:rPr>
+              <a:t>orbit.insert(orbit.end(), next.begin(), next.end</a:t>
+            </a:r>
+            <a:r>
+              <a:rPr lang="en-US" sz="1600" smtClean="0">
+                <a:latin typeface="Consolas" panose="020B0609020204030204" pitchFamily="49" charset="0"/>
+              </a:rPr>
+              <a:t>());</a:t>
+            </a:r>
+            <a:r>
+              <a:rPr lang="ru-RU" sz="1600" smtClean="0">
+                <a:latin typeface="Consolas" panose="020B0609020204030204" pitchFamily="49" charset="0"/>
+              </a:rPr>
+              <a:t> </a:t>
+            </a:r>
+            <a:r>
+              <a:rPr lang="en-US" sz="1600" smtClean="0">
+                <a:latin typeface="Consolas" panose="020B0609020204030204" pitchFamily="49" charset="0"/>
+              </a:rPr>
+              <a:t/>
+            </a:r>
+            <a:br>
+              <a:rPr lang="en-US" sz="1600" smtClean="0">
+                <a:latin typeface="Consolas" panose="020B0609020204030204" pitchFamily="49" charset="0"/>
+              </a:rPr>
+            </a:br>
+            <a:r>
+              <a:rPr lang="en-US" sz="1600" smtClean="0">
+                <a:latin typeface="Consolas" panose="020B0609020204030204" pitchFamily="49" charset="0"/>
+              </a:rPr>
+              <a:t>    </a:t>
+            </a:r>
+            <a:r>
+              <a:rPr lang="en-US" sz="1600" smtClean="0">
+                <a:solidFill>
+                  <a:srgbClr val="FF0000"/>
+                </a:solidFill>
+                <a:latin typeface="Consolas" panose="020B0609020204030204" pitchFamily="49" charset="0"/>
+              </a:rPr>
+              <a:t>sort(orbit.begin(), orbit.end</a:t>
+            </a:r>
+            <a:r>
+              <a:rPr lang="en-US" sz="1600">
+                <a:solidFill>
+                  <a:srgbClr val="FF0000"/>
+                </a:solidFill>
+                <a:latin typeface="Consolas" panose="020B0609020204030204" pitchFamily="49" charset="0"/>
+              </a:rPr>
+              <a:t>()</a:t>
+            </a:r>
+            <a:r>
+              <a:rPr lang="en-US" sz="1600" smtClean="0">
+                <a:solidFill>
+                  <a:srgbClr val="FF0000"/>
+                </a:solidFill>
+                <a:latin typeface="Consolas" panose="020B0609020204030204" pitchFamily="49" charset="0"/>
+              </a:rPr>
+              <a:t>);</a:t>
+            </a:r>
+            <a:r>
+              <a:rPr lang="ru-RU" sz="1600" smtClean="0">
+                <a:solidFill>
+                  <a:srgbClr val="FF0000"/>
+                </a:solidFill>
+                <a:latin typeface="Consolas" panose="020B0609020204030204" pitchFamily="49" charset="0"/>
+              </a:rPr>
+              <a:t/>
+            </a:r>
+            <a:br>
+              <a:rPr lang="ru-RU" sz="1600" smtClean="0">
+                <a:solidFill>
+                  <a:srgbClr val="FF0000"/>
+                </a:solidFill>
+                <a:latin typeface="Consolas" panose="020B0609020204030204" pitchFamily="49" charset="0"/>
+              </a:rPr>
+            </a:br>
+            <a:r>
+              <a:rPr lang="en-US" sz="1600" smtClean="0">
+                <a:latin typeface="Consolas" panose="020B0609020204030204" pitchFamily="49" charset="0"/>
+              </a:rPr>
+              <a:t>    </a:t>
+            </a:r>
+            <a:r>
+              <a:rPr lang="en-US" sz="1600">
+                <a:latin typeface="Consolas" panose="020B0609020204030204" pitchFamily="49" charset="0"/>
+              </a:rPr>
+              <a:t>for (const auto &amp;elem : next</a:t>
+            </a:r>
+            <a:r>
+              <a:rPr lang="en-US" sz="1600" smtClean="0">
+                <a:latin typeface="Consolas" panose="020B0609020204030204" pitchFamily="49" charset="0"/>
+              </a:rPr>
+              <a:t>)</a:t>
+            </a:r>
+            <a:r>
+              <a:rPr lang="ru-RU" sz="1600" smtClean="0">
+                <a:latin typeface="Consolas" panose="020B0609020204030204" pitchFamily="49" charset="0"/>
+              </a:rPr>
+              <a:t/>
+            </a:r>
+            <a:br>
+              <a:rPr lang="ru-RU" sz="1600" smtClean="0">
+                <a:latin typeface="Consolas" panose="020B0609020204030204" pitchFamily="49" charset="0"/>
+              </a:rPr>
+            </a:br>
+            <a:r>
+              <a:rPr lang="en-US" sz="1600" smtClean="0">
+                <a:latin typeface="Consolas" panose="020B0609020204030204" pitchFamily="49" charset="0"/>
+              </a:rPr>
+              <a:t>      </a:t>
+            </a:r>
+            <a:r>
+              <a:rPr lang="en-US" sz="1600">
+                <a:latin typeface="Consolas" panose="020B0609020204030204" pitchFamily="49" charset="0"/>
+              </a:rPr>
+              <a:t>for (auto igen = gensbeg; igen != gensend; ++igen) </a:t>
+            </a:r>
+            <a:r>
+              <a:rPr lang="en-US" sz="1600" smtClean="0">
+                <a:latin typeface="Consolas" panose="020B0609020204030204" pitchFamily="49" charset="0"/>
+              </a:rPr>
+              <a:t>{</a:t>
+            </a:r>
+            <a:r>
+              <a:rPr lang="ru-RU" sz="1600" smtClean="0">
+                <a:latin typeface="Consolas" panose="020B0609020204030204" pitchFamily="49" charset="0"/>
+              </a:rPr>
+              <a:t/>
+            </a:r>
+            <a:br>
+              <a:rPr lang="ru-RU" sz="1600" smtClean="0">
+                <a:latin typeface="Consolas" panose="020B0609020204030204" pitchFamily="49" charset="0"/>
+              </a:rPr>
+            </a:br>
+            <a:r>
+              <a:rPr lang="en-US" sz="1600" smtClean="0">
+                <a:latin typeface="Consolas" panose="020B0609020204030204" pitchFamily="49" charset="0"/>
+              </a:rPr>
+              <a:t>        </a:t>
+            </a:r>
+            <a:r>
+              <a:rPr lang="en-US" sz="1600">
+                <a:latin typeface="Consolas" panose="020B0609020204030204" pitchFamily="49" charset="0"/>
+              </a:rPr>
+              <a:t>auto newelem = igen-&gt;apply(elem</a:t>
+            </a:r>
+            <a:r>
+              <a:rPr lang="en-US" sz="1600" smtClean="0">
+                <a:latin typeface="Consolas" panose="020B0609020204030204" pitchFamily="49" charset="0"/>
+              </a:rPr>
+              <a:t>);</a:t>
+            </a:r>
+            <a:r>
+              <a:rPr lang="ru-RU" sz="1600" smtClean="0">
+                <a:latin typeface="Consolas" panose="020B0609020204030204" pitchFamily="49" charset="0"/>
+              </a:rPr>
+              <a:t/>
+            </a:r>
+            <a:br>
+              <a:rPr lang="ru-RU" sz="1600" smtClean="0">
+                <a:latin typeface="Consolas" panose="020B0609020204030204" pitchFamily="49" charset="0"/>
+              </a:rPr>
+            </a:br>
+            <a:r>
+              <a:rPr lang="ru-RU" sz="1600" smtClean="0">
+                <a:latin typeface="Consolas" panose="020B0609020204030204" pitchFamily="49" charset="0"/>
+              </a:rPr>
+              <a:t>        </a:t>
+            </a:r>
+            <a:r>
+              <a:rPr lang="en-US" sz="1600" smtClean="0">
+                <a:latin typeface="Consolas" panose="020B0609020204030204" pitchFamily="49" charset="0"/>
+              </a:rPr>
+              <a:t>if </a:t>
+            </a:r>
+            <a:r>
+              <a:rPr lang="en-US" sz="1600">
+                <a:latin typeface="Consolas" panose="020B0609020204030204" pitchFamily="49" charset="0"/>
+              </a:rPr>
+              <a:t>(</a:t>
+            </a:r>
+            <a:r>
+              <a:rPr lang="en-US" sz="1600">
+                <a:solidFill>
+                  <a:srgbClr val="0000FF"/>
+                </a:solidFill>
+                <a:latin typeface="Consolas" panose="020B0609020204030204" pitchFamily="49" charset="0"/>
+              </a:rPr>
+              <a:t>!binary_search(orbit.begin(), orbit.end(), newelem)</a:t>
+            </a:r>
+            <a:r>
+              <a:rPr lang="en-US" sz="1600">
+                <a:latin typeface="Consolas" panose="020B0609020204030204" pitchFamily="49" charset="0"/>
+              </a:rPr>
+              <a:t>)</a:t>
+            </a:r>
+            <a:r>
+              <a:rPr lang="ru-RU" sz="1600" smtClean="0">
+                <a:latin typeface="Consolas" panose="020B0609020204030204" pitchFamily="49" charset="0"/>
+              </a:rPr>
+              <a:t/>
+            </a:r>
+            <a:br>
+              <a:rPr lang="ru-RU" sz="1600" smtClean="0">
+                <a:latin typeface="Consolas" panose="020B0609020204030204" pitchFamily="49" charset="0"/>
+              </a:rPr>
+            </a:br>
+            <a:r>
+              <a:rPr lang="en-US" sz="1600" smtClean="0">
+                <a:latin typeface="Consolas" panose="020B0609020204030204" pitchFamily="49" charset="0"/>
+              </a:rPr>
+              <a:t>          </a:t>
+            </a:r>
+            <a:r>
+              <a:rPr lang="en-US" sz="1600">
+                <a:latin typeface="Consolas" panose="020B0609020204030204" pitchFamily="49" charset="0"/>
+              </a:rPr>
+              <a:t>tmp.push_back(newelem</a:t>
+            </a:r>
+            <a:r>
+              <a:rPr lang="en-US" sz="1600" smtClean="0">
+                <a:latin typeface="Consolas" panose="020B0609020204030204" pitchFamily="49" charset="0"/>
+              </a:rPr>
+              <a:t>);</a:t>
+            </a:r>
+            <a:r>
+              <a:rPr lang="ru-RU" sz="1600" smtClean="0">
+                <a:latin typeface="Consolas" panose="020B0609020204030204" pitchFamily="49" charset="0"/>
+              </a:rPr>
+              <a:t/>
+            </a:r>
+            <a:br>
+              <a:rPr lang="ru-RU" sz="1600" smtClean="0">
+                <a:latin typeface="Consolas" panose="020B0609020204030204" pitchFamily="49" charset="0"/>
+              </a:rPr>
+            </a:br>
+            <a:r>
+              <a:rPr lang="en-US" sz="1600" smtClean="0">
+                <a:latin typeface="Consolas" panose="020B0609020204030204" pitchFamily="49" charset="0"/>
+              </a:rPr>
+              <a:t>      }</a:t>
+            </a:r>
+            <a:r>
+              <a:rPr lang="ru-RU" sz="1600" smtClean="0">
+                <a:latin typeface="Consolas" panose="020B0609020204030204" pitchFamily="49" charset="0"/>
+              </a:rPr>
+              <a:t/>
+            </a:r>
+            <a:br>
+              <a:rPr lang="ru-RU" sz="1600" smtClean="0">
+                <a:latin typeface="Consolas" panose="020B0609020204030204" pitchFamily="49" charset="0"/>
+              </a:rPr>
+            </a:br>
+            <a:r>
+              <a:rPr lang="en-US" sz="1600" smtClean="0">
+                <a:latin typeface="Consolas" panose="020B0609020204030204" pitchFamily="49" charset="0"/>
+              </a:rPr>
+              <a:t>    </a:t>
+            </a:r>
+            <a:r>
+              <a:rPr lang="en-US" sz="1600">
+                <a:latin typeface="Consolas" panose="020B0609020204030204" pitchFamily="49" charset="0"/>
+              </a:rPr>
+              <a:t>next.swap(tmp</a:t>
+            </a:r>
+            <a:r>
+              <a:rPr lang="en-US" sz="1600" smtClean="0">
+                <a:latin typeface="Consolas" panose="020B0609020204030204" pitchFamily="49" charset="0"/>
+              </a:rPr>
+              <a:t>);</a:t>
+            </a:r>
+            <a:r>
+              <a:rPr lang="ru-RU" sz="1600" smtClean="0">
+                <a:latin typeface="Consolas" panose="020B0609020204030204" pitchFamily="49" charset="0"/>
+              </a:rPr>
+              <a:t/>
+            </a:r>
+            <a:br>
+              <a:rPr lang="ru-RU" sz="1600" smtClean="0">
+                <a:latin typeface="Consolas" panose="020B0609020204030204" pitchFamily="49" charset="0"/>
+              </a:rPr>
+            </a:br>
+            <a:r>
+              <a:rPr lang="en-US" sz="1600" smtClean="0">
+                <a:solidFill>
+                  <a:srgbClr val="0000FF"/>
+                </a:solidFill>
+                <a:latin typeface="Consolas" panose="020B0609020204030204" pitchFamily="49" charset="0"/>
+              </a:rPr>
+              <a:t>  }</a:t>
+            </a:r>
+            <a:r>
+              <a:rPr lang="ru-RU" sz="1600" smtClean="0">
+                <a:solidFill>
+                  <a:srgbClr val="0000FF"/>
+                </a:solidFill>
+                <a:latin typeface="Consolas" panose="020B0609020204030204" pitchFamily="49" charset="0"/>
+              </a:rPr>
+              <a:t/>
+            </a:r>
+            <a:br>
+              <a:rPr lang="ru-RU" sz="1600" smtClean="0">
+                <a:solidFill>
+                  <a:srgbClr val="0000FF"/>
+                </a:solidFill>
+                <a:latin typeface="Consolas" panose="020B0609020204030204" pitchFamily="49" charset="0"/>
+              </a:rPr>
+            </a:br>
+            <a:r>
+              <a:rPr lang="en-US" sz="1600" smtClean="0">
+                <a:latin typeface="Consolas" panose="020B0609020204030204" pitchFamily="49" charset="0"/>
+              </a:rPr>
+              <a:t>  </a:t>
+            </a:r>
+            <a:r>
+              <a:rPr lang="en-US" sz="1600">
+                <a:latin typeface="Consolas" panose="020B0609020204030204" pitchFamily="49" charset="0"/>
+              </a:rPr>
+              <a:t>return orbit</a:t>
+            </a:r>
+            <a:r>
+              <a:rPr lang="en-US" sz="1600" smtClean="0">
+                <a:latin typeface="Consolas" panose="020B0609020204030204" pitchFamily="49" charset="0"/>
+              </a:rPr>
+              <a:t>;</a:t>
+            </a:r>
+            <a:r>
+              <a:rPr lang="ru-RU" sz="1600" smtClean="0">
+                <a:latin typeface="Consolas" panose="020B0609020204030204" pitchFamily="49" charset="0"/>
+              </a:rPr>
+              <a:t/>
+            </a:r>
+            <a:br>
+              <a:rPr lang="ru-RU" sz="1600" smtClean="0">
+                <a:latin typeface="Consolas" panose="020B0609020204030204" pitchFamily="49" charset="0"/>
+              </a:rPr>
+            </a:br>
+            <a:r>
+              <a:rPr lang="en-US" sz="1600" smtClean="0">
+                <a:latin typeface="Consolas" panose="020B0609020204030204" pitchFamily="49" charset="0"/>
+              </a:rPr>
+              <a:t>}</a:t>
+            </a:r>
+          </a:p>
+          <a:p>
+            <a:r>
+              <a:rPr lang="ru-RU" sz="1600" smtClean="0"/>
+              <a:t>Увы, теперь нужно на каждой итерации пересортировать орбиту. Это на два цикла выше, но всё же...</a:t>
+            </a:r>
+            <a:endParaRPr lang="en-US" sz="1600"/>
+          </a:p>
+        </p:txBody>
+      </p:sp>
+    </p:spTree>
+    <p:extLst>
+      <p:ext uri="{BB962C8B-B14F-4D97-AF65-F5344CB8AC3E}">
+        <p14:creationId xmlns:p14="http://schemas.microsoft.com/office/powerpoint/2010/main" val="1920003727"/>
+      </p:ext>
+    </p:extLst>
+  </p:cSld>
+  <p:clrMapOvr>
+    <a:masterClrMapping/>
+  </p:clrMapOvr>
+</p:sld>
+</file>
+
+<file path=ppt/slides/slide70.xml><?xml version="1.0" encoding="utf-8"?>
+<p:sld xmlns:a="http://schemas.openxmlformats.org/drawingml/2006/main" xmlns:r="http://schemas.openxmlformats.org/officeDocument/2006/relationships" xmlns:p="http://schemas.openxmlformats.org/presentationml/2006/main">
+  <p:cSld>
+    <p:spTree>
+      <p:nvGrpSpPr>
+        <p:cNvPr id="1" name=""/>
+        <p:cNvGrpSpPr/>
+        <p:nvPr/>
+      </p:nvGrpSpPr>
+      <p:grpSpPr>
+        <a:xfrm>
+          <a:off x="0" y="0"/>
+          <a:ext cx="0" cy="0"/>
+          <a:chOff x="0" y="0"/>
+          <a:chExt cx="0" cy="0"/>
+        </a:xfrm>
+      </p:grpSpPr>
+      <p:sp>
+        <p:nvSpPr>
+          <p:cNvPr id="2" name="Title 1"/>
+          <p:cNvSpPr>
+            <a:spLocks noGrp="1"/>
+          </p:cNvSpPr>
+          <p:nvPr>
+            <p:ph type="title"/>
+          </p:nvPr>
+        </p:nvSpPr>
+        <p:spPr/>
+        <p:txBody>
+          <a:bodyPr/>
+          <a:lstStyle/>
+          <a:p>
+            <a:r>
+              <a:rPr lang="ru-RU" smtClean="0"/>
+              <a:t>Паттерн </a:t>
+            </a:r>
+            <a:r>
+              <a:rPr lang="en-US" smtClean="0"/>
+              <a:t>"</a:t>
+            </a:r>
+            <a:r>
+              <a:rPr lang="ru-RU" smtClean="0"/>
+              <a:t>создание и использование</a:t>
+            </a:r>
+            <a:r>
+              <a:rPr lang="en-US" smtClean="0"/>
+              <a:t>"</a:t>
+            </a:r>
+            <a:endParaRPr lang="en-US"/>
+          </a:p>
+        </p:txBody>
+      </p:sp>
+      <p:sp>
+        <p:nvSpPr>
+          <p:cNvPr id="3" name="Content Placeholder 2"/>
+          <p:cNvSpPr>
+            <a:spLocks noGrp="1"/>
+          </p:cNvSpPr>
+          <p:nvPr>
+            <p:ph idx="1"/>
+          </p:nvPr>
+        </p:nvSpPr>
+        <p:spPr/>
+        <p:txBody>
+          <a:bodyPr/>
+          <a:lstStyle/>
+          <a:p>
+            <a:r>
+              <a:rPr lang="ru-RU" smtClean="0"/>
+              <a:t>Распространённый паттерн в коде</a:t>
+            </a:r>
+          </a:p>
+          <a:p>
+            <a:pPr marL="45720" indent="0">
+              <a:buNone/>
+            </a:pPr>
+            <a:r>
+              <a:rPr lang="en-US" smtClean="0">
+                <a:latin typeface="Consolas" panose="020B0609020204030204" pitchFamily="49" charset="0"/>
+              </a:rPr>
+              <a:t>boost::container::flat_</a:t>
+            </a:r>
+            <a:r>
+              <a:rPr lang="en-US" smtClean="0">
+                <a:latin typeface="Consolas" panose="020B0609020204030204" pitchFamily="49" charset="0"/>
+              </a:rPr>
+              <a:t>set&lt;int</a:t>
+            </a:r>
+            <a:r>
+              <a:rPr lang="en-US">
+                <a:latin typeface="Consolas" panose="020B0609020204030204" pitchFamily="49" charset="0"/>
+              </a:rPr>
+              <a:t>&gt; </a:t>
+            </a:r>
+            <a:r>
+              <a:rPr lang="en-US" smtClean="0">
+                <a:latin typeface="Consolas" panose="020B0609020204030204" pitchFamily="49" charset="0"/>
+              </a:rPr>
+              <a:t>s;</a:t>
+            </a:r>
+          </a:p>
+          <a:p>
+            <a:r>
+              <a:rPr lang="ru-RU" smtClean="0"/>
+              <a:t>Тут какое-то заполнение множества</a:t>
+            </a:r>
+          </a:p>
+          <a:p>
+            <a:pPr marL="45720" indent="0">
+              <a:buNone/>
+            </a:pPr>
+            <a:r>
+              <a:rPr lang="en-US" smtClean="0">
+                <a:latin typeface="Consolas" panose="020B0609020204030204" pitchFamily="49" charset="0"/>
+              </a:rPr>
+              <a:t>auto </a:t>
+            </a:r>
+            <a:r>
+              <a:rPr lang="en-US">
+                <a:latin typeface="Consolas" panose="020B0609020204030204" pitchFamily="49" charset="0"/>
+              </a:rPr>
+              <a:t>itb = s.lower_bound(30);</a:t>
+            </a:r>
+            <a:br>
+              <a:rPr lang="en-US">
+                <a:latin typeface="Consolas" panose="020B0609020204030204" pitchFamily="49" charset="0"/>
+              </a:rPr>
+            </a:br>
+            <a:r>
+              <a:rPr lang="en-US">
+                <a:latin typeface="Consolas" panose="020B0609020204030204" pitchFamily="49" charset="0"/>
+              </a:rPr>
+              <a:t>auto ite = s.upper_bound(100</a:t>
+            </a:r>
+            <a:r>
+              <a:rPr lang="en-US" smtClean="0">
+                <a:latin typeface="Consolas" panose="020B0609020204030204" pitchFamily="49" charset="0"/>
+              </a:rPr>
+              <a:t>);</a:t>
+            </a:r>
+            <a:endParaRPr lang="ru-RU" smtClean="0">
+              <a:latin typeface="Consolas" panose="020B0609020204030204" pitchFamily="49" charset="0"/>
+            </a:endParaRPr>
+          </a:p>
+          <a:p>
+            <a:r>
+              <a:rPr lang="ru-RU"/>
+              <a:t>И</a:t>
+            </a:r>
+            <a:r>
+              <a:rPr lang="ru-RU" smtClean="0"/>
+              <a:t> ниже этой черты только использование множества</a:t>
+            </a:r>
+            <a:endParaRPr lang="en-US" smtClean="0"/>
+          </a:p>
+          <a:p>
+            <a:r>
+              <a:rPr lang="ru-RU" smtClean="0"/>
+              <a:t>Здесь </a:t>
+            </a:r>
+            <a:r>
+              <a:rPr lang="en-US" smtClean="0"/>
+              <a:t>flat_set </a:t>
+            </a:r>
+            <a:r>
+              <a:rPr lang="ru-RU" smtClean="0"/>
+              <a:t>это тонкая прослойка над обычным сортированным вектором.</a:t>
+            </a:r>
+          </a:p>
+          <a:p>
+            <a:r>
+              <a:rPr lang="ru-RU" smtClean="0"/>
+              <a:t>Тщательные замеры производительности требуются при таких переходах</a:t>
+            </a:r>
+            <a:endParaRPr lang="en-US"/>
+          </a:p>
+          <a:p>
+            <a:pPr marL="45720" indent="0">
+              <a:buNone/>
+            </a:pPr>
+            <a:endParaRPr lang="en-US"/>
+          </a:p>
+        </p:txBody>
+      </p:sp>
+    </p:spTree>
+    <p:extLst>
+      <p:ext uri="{BB962C8B-B14F-4D97-AF65-F5344CB8AC3E}">
+        <p14:creationId xmlns:p14="http://schemas.microsoft.com/office/powerpoint/2010/main" val="2644034536"/>
+      </p:ext>
+    </p:extLst>
+  </p:cSld>
+  <p:clrMapOvr>
+    <a:masterClrMapping/>
+  </p:clrMapOvr>
+</p:sld>
+</file>
+
+<file path=ppt/slides/slide71.xml><?xml version="1.0" encoding="utf-8"?>
+<p:sld xmlns:a="http://schemas.openxmlformats.org/drawingml/2006/main" xmlns:r="http://schemas.openxmlformats.org/officeDocument/2006/relationships" xmlns:p="http://schemas.openxmlformats.org/presentationml/2006/main">
+  <p:cSld>
+    <p:spTree>
+      <p:nvGrpSpPr>
+        <p:cNvPr id="1" name=""/>
+        <p:cNvGrpSpPr/>
+        <p:nvPr/>
+      </p:nvGrpSpPr>
+      <p:grpSpPr>
+        <a:xfrm>
+          <a:off x="0" y="0"/>
+          <a:ext cx="0" cy="0"/>
+          <a:chOff x="0" y="0"/>
+          <a:chExt cx="0" cy="0"/>
+        </a:xfrm>
+      </p:grpSpPr>
+      <p:sp>
+        <p:nvSpPr>
+          <p:cNvPr id="2" name="Title 1"/>
+          <p:cNvSpPr>
+            <a:spLocks noGrp="1"/>
+          </p:cNvSpPr>
+          <p:nvPr>
+            <p:ph type="title"/>
+          </p:nvPr>
+        </p:nvSpPr>
+        <p:spPr/>
+        <p:txBody>
+          <a:bodyPr/>
+          <a:lstStyle/>
+          <a:p>
+            <a:r>
+              <a:rPr lang="ru-RU" smtClean="0"/>
+              <a:t>Паттерн "двойное отображение"</a:t>
+            </a:r>
+            <a:endParaRPr lang="en-US"/>
+          </a:p>
+        </p:txBody>
+      </p:sp>
+      <p:sp>
+        <p:nvSpPr>
+          <p:cNvPr id="3" name="Content Placeholder 2"/>
+          <p:cNvSpPr>
+            <a:spLocks noGrp="1"/>
+          </p:cNvSpPr>
+          <p:nvPr>
+            <p:ph idx="1"/>
+          </p:nvPr>
+        </p:nvSpPr>
+        <p:spPr/>
+        <p:txBody>
+          <a:bodyPr/>
+          <a:lstStyle/>
+          <a:p>
+            <a:r>
+              <a:rPr lang="en-US" smtClean="0"/>
+              <a:t>TODO: bimap</a:t>
+            </a:r>
+            <a:endParaRPr lang="en-US"/>
+          </a:p>
+        </p:txBody>
+      </p:sp>
+    </p:spTree>
+    <p:extLst>
+      <p:ext uri="{BB962C8B-B14F-4D97-AF65-F5344CB8AC3E}">
+        <p14:creationId xmlns:p14="http://schemas.microsoft.com/office/powerpoint/2010/main" val="2531846190"/>
+      </p:ext>
+    </p:extLst>
+  </p:cSld>
+  <p:clrMapOvr>
+    <a:masterClrMapping/>
+  </p:clrMapOvr>
+</p:sld>
+</file>
+
+<file path=ppt/slides/slide72.xml><?xml version="1.0" encoding="utf-8"?>
 <p:sld xmlns:a="http://schemas.openxmlformats.org/drawingml/2006/main" xmlns:r="http://schemas.openxmlformats.org/officeDocument/2006/relationships" xmlns:p="http://schemas.openxmlformats.org/presentationml/2006/main">
   <p:cSld>
     <p:spTree>
@@ -22353,641 +25359,6 @@
     <p:extLst>
       <p:ext uri="{BB962C8B-B14F-4D97-AF65-F5344CB8AC3E}">
         <p14:creationId xmlns:p14="http://schemas.microsoft.com/office/powerpoint/2010/main" val="1719869055"/>
-      </p:ext>
-    </p:extLst>
-  </p:cSld>
-  <p:clrMapOvr>
-    <a:masterClrMapping/>
-  </p:clrMapOvr>
-</p:sld>
-</file>
-
-<file path=ppt/slides/slide7.xml><?xml version="1.0" encoding="utf-8"?>
-<p:sld xmlns:a="http://schemas.openxmlformats.org/drawingml/2006/main" xmlns:r="http://schemas.openxmlformats.org/officeDocument/2006/relationships" xmlns:p="http://schemas.openxmlformats.org/presentationml/2006/main">
-  <p:cSld>
-    <p:spTree>
-      <p:nvGrpSpPr>
-        <p:cNvPr id="1" name=""/>
-        <p:cNvGrpSpPr/>
-        <p:nvPr/>
-      </p:nvGrpSpPr>
-      <p:grpSpPr>
-        <a:xfrm>
-          <a:off x="0" y="0"/>
-          <a:ext cx="0" cy="0"/>
-          <a:chOff x="0" y="0"/>
-          <a:chExt cx="0" cy="0"/>
-        </a:xfrm>
-      </p:grpSpPr>
-      <p:sp>
-        <p:nvSpPr>
-          <p:cNvPr id="2" name="Title 1"/>
-          <p:cNvSpPr>
-            <a:spLocks noGrp="1"/>
-          </p:cNvSpPr>
-          <p:nvPr>
-            <p:ph type="title"/>
-          </p:nvPr>
-        </p:nvSpPr>
-        <p:spPr/>
-        <p:txBody>
-          <a:bodyPr/>
-          <a:lstStyle/>
-          <a:p>
-            <a:r>
-              <a:rPr lang="ru-RU" smtClean="0"/>
-              <a:t>Предлагаемая процедура для орбиты</a:t>
-            </a:r>
-            <a:endParaRPr lang="en-US"/>
-          </a:p>
-        </p:txBody>
-      </p:sp>
-      <p:sp>
-        <p:nvSpPr>
-          <p:cNvPr id="3" name="Content Placeholder 2"/>
-          <p:cNvSpPr>
-            <a:spLocks noGrp="1"/>
-          </p:cNvSpPr>
-          <p:nvPr>
-            <p:ph idx="1"/>
-          </p:nvPr>
-        </p:nvSpPr>
-        <p:spPr>
-          <a:xfrm>
-            <a:off x="1143000" y="2057400"/>
-            <a:ext cx="9872871" cy="4252784"/>
-          </a:xfrm>
-        </p:spPr>
-        <p:txBody>
-          <a:bodyPr>
-            <a:noAutofit/>
-          </a:bodyPr>
-          <a:lstStyle/>
-          <a:p>
-            <a:pPr marL="45720" indent="0">
-              <a:buNone/>
-            </a:pPr>
-            <a:r>
-              <a:rPr lang="en-US" sz="1600">
-                <a:latin typeface="Consolas" panose="020B0609020204030204" pitchFamily="49" charset="0"/>
-              </a:rPr>
-              <a:t>template&lt;typename T, typename </a:t>
-            </a:r>
-            <a:r>
-              <a:rPr lang="en-US" sz="1600" smtClean="0">
-                <a:latin typeface="Consolas" panose="020B0609020204030204" pitchFamily="49" charset="0"/>
-              </a:rPr>
-              <a:t>RandIt&gt;</a:t>
-            </a:r>
-            <a:r>
-              <a:rPr lang="ru-RU" sz="1600" smtClean="0">
-                <a:latin typeface="Consolas" panose="020B0609020204030204" pitchFamily="49" charset="0"/>
-              </a:rPr>
-              <a:t/>
-            </a:r>
-            <a:br>
-              <a:rPr lang="ru-RU" sz="1600" smtClean="0">
-                <a:latin typeface="Consolas" panose="020B0609020204030204" pitchFamily="49" charset="0"/>
-              </a:rPr>
-            </a:br>
-            <a:r>
-              <a:rPr lang="en-US" sz="1600" smtClean="0">
-                <a:latin typeface="Consolas" panose="020B0609020204030204" pitchFamily="49" charset="0"/>
-              </a:rPr>
-              <a:t>vector&lt;T</a:t>
-            </a:r>
-            <a:r>
-              <a:rPr lang="en-US" sz="1600">
-                <a:latin typeface="Consolas" panose="020B0609020204030204" pitchFamily="49" charset="0"/>
-              </a:rPr>
-              <a:t>&gt; </a:t>
-            </a:r>
-            <a:r>
-              <a:rPr lang="en-US" sz="1600" smtClean="0">
-                <a:latin typeface="Consolas" panose="020B0609020204030204" pitchFamily="49" charset="0"/>
-              </a:rPr>
-              <a:t>simple_orbit(T </a:t>
-            </a:r>
-            <a:r>
-              <a:rPr lang="en-US" sz="1600">
-                <a:latin typeface="Consolas" panose="020B0609020204030204" pitchFamily="49" charset="0"/>
-              </a:rPr>
-              <a:t>num, RandIt gensbeg, RandIt gensend) </a:t>
-            </a:r>
-            <a:r>
-              <a:rPr lang="en-US" sz="1600" smtClean="0">
-                <a:latin typeface="Consolas" panose="020B0609020204030204" pitchFamily="49" charset="0"/>
-              </a:rPr>
-              <a:t>{</a:t>
-            </a:r>
-            <a:r>
-              <a:rPr lang="ru-RU" sz="1600" smtClean="0">
-                <a:latin typeface="Consolas" panose="020B0609020204030204" pitchFamily="49" charset="0"/>
-              </a:rPr>
-              <a:t/>
-            </a:r>
-            <a:br>
-              <a:rPr lang="ru-RU" sz="1600" smtClean="0">
-                <a:latin typeface="Consolas" panose="020B0609020204030204" pitchFamily="49" charset="0"/>
-              </a:rPr>
-            </a:br>
-            <a:r>
-              <a:rPr lang="en-US" sz="1600" smtClean="0">
-                <a:latin typeface="Consolas" panose="020B0609020204030204" pitchFamily="49" charset="0"/>
-              </a:rPr>
-              <a:t>  </a:t>
-            </a:r>
-            <a:r>
-              <a:rPr lang="en-US" sz="1600">
-                <a:latin typeface="Consolas" panose="020B0609020204030204" pitchFamily="49" charset="0"/>
-              </a:rPr>
-              <a:t>vector&lt;T&gt; orbit</a:t>
-            </a:r>
-            <a:r>
-              <a:rPr lang="en-US" sz="1600" smtClean="0">
-                <a:latin typeface="Consolas" panose="020B0609020204030204" pitchFamily="49" charset="0"/>
-              </a:rPr>
-              <a:t>;</a:t>
-            </a:r>
-            <a:r>
-              <a:rPr lang="ru-RU" sz="1600" smtClean="0">
-                <a:latin typeface="Consolas" panose="020B0609020204030204" pitchFamily="49" charset="0"/>
-              </a:rPr>
-              <a:t/>
-            </a:r>
-            <a:br>
-              <a:rPr lang="ru-RU" sz="1600" smtClean="0">
-                <a:latin typeface="Consolas" panose="020B0609020204030204" pitchFamily="49" charset="0"/>
-              </a:rPr>
-            </a:br>
-            <a:r>
-              <a:rPr lang="en-US" sz="1600" smtClean="0">
-                <a:latin typeface="Consolas" panose="020B0609020204030204" pitchFamily="49" charset="0"/>
-              </a:rPr>
-              <a:t>  </a:t>
-            </a:r>
-            <a:r>
-              <a:rPr lang="en-US" sz="1600">
-                <a:latin typeface="Consolas" panose="020B0609020204030204" pitchFamily="49" charset="0"/>
-              </a:rPr>
-              <a:t>vector&lt;T&gt; next = {num</a:t>
-            </a:r>
-            <a:r>
-              <a:rPr lang="en-US" sz="1600" smtClean="0">
-                <a:latin typeface="Consolas" panose="020B0609020204030204" pitchFamily="49" charset="0"/>
-              </a:rPr>
-              <a:t>};</a:t>
-            </a:r>
-            <a:r>
-              <a:rPr lang="ru-RU" sz="1600" smtClean="0">
-                <a:latin typeface="Consolas" panose="020B0609020204030204" pitchFamily="49" charset="0"/>
-              </a:rPr>
-              <a:t/>
-            </a:r>
-            <a:br>
-              <a:rPr lang="ru-RU" sz="1600" smtClean="0">
-                <a:latin typeface="Consolas" panose="020B0609020204030204" pitchFamily="49" charset="0"/>
-              </a:rPr>
-            </a:br>
-            <a:r>
-              <a:rPr lang="en-US" sz="1600" smtClean="0">
-                <a:solidFill>
-                  <a:srgbClr val="0000FF"/>
-                </a:solidFill>
-                <a:latin typeface="Consolas" panose="020B0609020204030204" pitchFamily="49" charset="0"/>
-              </a:rPr>
-              <a:t>  </a:t>
-            </a:r>
-            <a:r>
-              <a:rPr lang="en-US" sz="1600">
-                <a:solidFill>
-                  <a:srgbClr val="0000FF"/>
-                </a:solidFill>
-                <a:latin typeface="Consolas" panose="020B0609020204030204" pitchFamily="49" charset="0"/>
-              </a:rPr>
-              <a:t>while (!next.empty()) </a:t>
-            </a:r>
-            <a:r>
-              <a:rPr lang="en-US" sz="1600" smtClean="0">
-                <a:solidFill>
-                  <a:srgbClr val="0000FF"/>
-                </a:solidFill>
-                <a:latin typeface="Consolas" panose="020B0609020204030204" pitchFamily="49" charset="0"/>
-              </a:rPr>
-              <a:t>{</a:t>
-            </a:r>
-            <a:r>
-              <a:rPr lang="ru-RU" sz="1600" smtClean="0">
-                <a:solidFill>
-                  <a:srgbClr val="0000FF"/>
-                </a:solidFill>
-                <a:latin typeface="Consolas" panose="020B0609020204030204" pitchFamily="49" charset="0"/>
-              </a:rPr>
-              <a:t/>
-            </a:r>
-            <a:br>
-              <a:rPr lang="ru-RU" sz="1600" smtClean="0">
-                <a:solidFill>
-                  <a:srgbClr val="0000FF"/>
-                </a:solidFill>
-                <a:latin typeface="Consolas" panose="020B0609020204030204" pitchFamily="49" charset="0"/>
-              </a:rPr>
-            </a:br>
-            <a:r>
-              <a:rPr lang="en-US" sz="1600" smtClean="0">
-                <a:latin typeface="Consolas" panose="020B0609020204030204" pitchFamily="49" charset="0"/>
-              </a:rPr>
-              <a:t>    </a:t>
-            </a:r>
-            <a:r>
-              <a:rPr lang="en-US" sz="1600">
-                <a:latin typeface="Consolas" panose="020B0609020204030204" pitchFamily="49" charset="0"/>
-              </a:rPr>
-              <a:t>vector&lt;T&gt; tmp </a:t>
-            </a:r>
-            <a:r>
-              <a:rPr lang="en-US" sz="1600" smtClean="0">
-                <a:latin typeface="Consolas" panose="020B0609020204030204" pitchFamily="49" charset="0"/>
-              </a:rPr>
-              <a:t>{};</a:t>
-            </a:r>
-            <a:r>
-              <a:rPr lang="ru-RU" sz="1600" smtClean="0">
-                <a:latin typeface="Consolas" panose="020B0609020204030204" pitchFamily="49" charset="0"/>
-              </a:rPr>
-              <a:t/>
-            </a:r>
-            <a:br>
-              <a:rPr lang="ru-RU" sz="1600" smtClean="0">
-                <a:latin typeface="Consolas" panose="020B0609020204030204" pitchFamily="49" charset="0"/>
-              </a:rPr>
-            </a:br>
-            <a:r>
-              <a:rPr lang="en-US" sz="1600" smtClean="0">
-                <a:latin typeface="Consolas" panose="020B0609020204030204" pitchFamily="49" charset="0"/>
-              </a:rPr>
-              <a:t>    </a:t>
-            </a:r>
-            <a:r>
-              <a:rPr lang="en-US" sz="1600">
-                <a:latin typeface="Consolas" panose="020B0609020204030204" pitchFamily="49" charset="0"/>
-              </a:rPr>
-              <a:t>orbit.insert(orbit.end(), next.begin(), next.end</a:t>
-            </a:r>
-            <a:r>
-              <a:rPr lang="en-US" sz="1600" smtClean="0">
-                <a:latin typeface="Consolas" panose="020B0609020204030204" pitchFamily="49" charset="0"/>
-              </a:rPr>
-              <a:t>());</a:t>
-            </a:r>
-            <a:r>
-              <a:rPr lang="ru-RU" sz="1600" smtClean="0">
-                <a:latin typeface="Consolas" panose="020B0609020204030204" pitchFamily="49" charset="0"/>
-              </a:rPr>
-              <a:t> </a:t>
-            </a:r>
-            <a:r>
-              <a:rPr lang="en-US" sz="1600" smtClean="0">
-                <a:latin typeface="Consolas" panose="020B0609020204030204" pitchFamily="49" charset="0"/>
-              </a:rPr>
-              <a:t/>
-            </a:r>
-            <a:br>
-              <a:rPr lang="en-US" sz="1600" smtClean="0">
-                <a:latin typeface="Consolas" panose="020B0609020204030204" pitchFamily="49" charset="0"/>
-              </a:rPr>
-            </a:br>
-            <a:r>
-              <a:rPr lang="en-US" sz="1600" smtClean="0">
-                <a:latin typeface="Consolas" panose="020B0609020204030204" pitchFamily="49" charset="0"/>
-              </a:rPr>
-              <a:t>    </a:t>
-            </a:r>
-            <a:r>
-              <a:rPr lang="en-US" sz="1600" smtClean="0">
-                <a:solidFill>
-                  <a:srgbClr val="FF0000"/>
-                </a:solidFill>
-                <a:latin typeface="Consolas" panose="020B0609020204030204" pitchFamily="49" charset="0"/>
-              </a:rPr>
-              <a:t>sort(orbit.begin(), orbit.end</a:t>
-            </a:r>
-            <a:r>
-              <a:rPr lang="en-US" sz="1600">
-                <a:solidFill>
-                  <a:srgbClr val="FF0000"/>
-                </a:solidFill>
-                <a:latin typeface="Consolas" panose="020B0609020204030204" pitchFamily="49" charset="0"/>
-              </a:rPr>
-              <a:t>()</a:t>
-            </a:r>
-            <a:r>
-              <a:rPr lang="en-US" sz="1600" smtClean="0">
-                <a:solidFill>
-                  <a:srgbClr val="FF0000"/>
-                </a:solidFill>
-                <a:latin typeface="Consolas" panose="020B0609020204030204" pitchFamily="49" charset="0"/>
-              </a:rPr>
-              <a:t>);</a:t>
-            </a:r>
-            <a:r>
-              <a:rPr lang="ru-RU" sz="1600" smtClean="0">
-                <a:solidFill>
-                  <a:srgbClr val="FF0000"/>
-                </a:solidFill>
-                <a:latin typeface="Consolas" panose="020B0609020204030204" pitchFamily="49" charset="0"/>
-              </a:rPr>
-              <a:t/>
-            </a:r>
-            <a:br>
-              <a:rPr lang="ru-RU" sz="1600" smtClean="0">
-                <a:solidFill>
-                  <a:srgbClr val="FF0000"/>
-                </a:solidFill>
-                <a:latin typeface="Consolas" panose="020B0609020204030204" pitchFamily="49" charset="0"/>
-              </a:rPr>
-            </a:br>
-            <a:r>
-              <a:rPr lang="en-US" sz="1600" smtClean="0">
-                <a:latin typeface="Consolas" panose="020B0609020204030204" pitchFamily="49" charset="0"/>
-              </a:rPr>
-              <a:t>    </a:t>
-            </a:r>
-            <a:r>
-              <a:rPr lang="en-US" sz="1600">
-                <a:latin typeface="Consolas" panose="020B0609020204030204" pitchFamily="49" charset="0"/>
-              </a:rPr>
-              <a:t>for (const auto &amp;elem : next</a:t>
-            </a:r>
-            <a:r>
-              <a:rPr lang="en-US" sz="1600" smtClean="0">
-                <a:latin typeface="Consolas" panose="020B0609020204030204" pitchFamily="49" charset="0"/>
-              </a:rPr>
-              <a:t>)</a:t>
-            </a:r>
-            <a:r>
-              <a:rPr lang="ru-RU" sz="1600" smtClean="0">
-                <a:latin typeface="Consolas" panose="020B0609020204030204" pitchFamily="49" charset="0"/>
-              </a:rPr>
-              <a:t/>
-            </a:r>
-            <a:br>
-              <a:rPr lang="ru-RU" sz="1600" smtClean="0">
-                <a:latin typeface="Consolas" panose="020B0609020204030204" pitchFamily="49" charset="0"/>
-              </a:rPr>
-            </a:br>
-            <a:r>
-              <a:rPr lang="en-US" sz="1600" smtClean="0">
-                <a:latin typeface="Consolas" panose="020B0609020204030204" pitchFamily="49" charset="0"/>
-              </a:rPr>
-              <a:t>      </a:t>
-            </a:r>
-            <a:r>
-              <a:rPr lang="en-US" sz="1600">
-                <a:latin typeface="Consolas" panose="020B0609020204030204" pitchFamily="49" charset="0"/>
-              </a:rPr>
-              <a:t>for (auto igen = gensbeg; igen != gensend; ++igen) </a:t>
-            </a:r>
-            <a:r>
-              <a:rPr lang="en-US" sz="1600" smtClean="0">
-                <a:latin typeface="Consolas" panose="020B0609020204030204" pitchFamily="49" charset="0"/>
-              </a:rPr>
-              <a:t>{</a:t>
-            </a:r>
-            <a:r>
-              <a:rPr lang="ru-RU" sz="1600" smtClean="0">
-                <a:latin typeface="Consolas" panose="020B0609020204030204" pitchFamily="49" charset="0"/>
-              </a:rPr>
-              <a:t/>
-            </a:r>
-            <a:br>
-              <a:rPr lang="ru-RU" sz="1600" smtClean="0">
-                <a:latin typeface="Consolas" panose="020B0609020204030204" pitchFamily="49" charset="0"/>
-              </a:rPr>
-            </a:br>
-            <a:r>
-              <a:rPr lang="en-US" sz="1600" smtClean="0">
-                <a:latin typeface="Consolas" panose="020B0609020204030204" pitchFamily="49" charset="0"/>
-              </a:rPr>
-              <a:t>        </a:t>
-            </a:r>
-            <a:r>
-              <a:rPr lang="en-US" sz="1600">
-                <a:latin typeface="Consolas" panose="020B0609020204030204" pitchFamily="49" charset="0"/>
-              </a:rPr>
-              <a:t>auto newelem = igen-&gt;apply(elem</a:t>
-            </a:r>
-            <a:r>
-              <a:rPr lang="en-US" sz="1600" smtClean="0">
-                <a:latin typeface="Consolas" panose="020B0609020204030204" pitchFamily="49" charset="0"/>
-              </a:rPr>
-              <a:t>);</a:t>
-            </a:r>
-            <a:r>
-              <a:rPr lang="ru-RU" sz="1600" smtClean="0">
-                <a:latin typeface="Consolas" panose="020B0609020204030204" pitchFamily="49" charset="0"/>
-              </a:rPr>
-              <a:t/>
-            </a:r>
-            <a:br>
-              <a:rPr lang="ru-RU" sz="1600" smtClean="0">
-                <a:latin typeface="Consolas" panose="020B0609020204030204" pitchFamily="49" charset="0"/>
-              </a:rPr>
-            </a:br>
-            <a:r>
-              <a:rPr lang="ru-RU" sz="1600" smtClean="0">
-                <a:latin typeface="Consolas" panose="020B0609020204030204" pitchFamily="49" charset="0"/>
-              </a:rPr>
-              <a:t>        </a:t>
-            </a:r>
-            <a:r>
-              <a:rPr lang="en-US" sz="1600" smtClean="0">
-                <a:latin typeface="Consolas" panose="020B0609020204030204" pitchFamily="49" charset="0"/>
-              </a:rPr>
-              <a:t>if </a:t>
-            </a:r>
-            <a:r>
-              <a:rPr lang="en-US" sz="1600">
-                <a:latin typeface="Consolas" panose="020B0609020204030204" pitchFamily="49" charset="0"/>
-              </a:rPr>
-              <a:t>(</a:t>
-            </a:r>
-            <a:r>
-              <a:rPr lang="en-US" sz="1600">
-                <a:solidFill>
-                  <a:srgbClr val="0000FF"/>
-                </a:solidFill>
-                <a:latin typeface="Consolas" panose="020B0609020204030204" pitchFamily="49" charset="0"/>
-              </a:rPr>
-              <a:t>!binary_search(orbit.begin(), orbit.end(), newelem)</a:t>
-            </a:r>
-            <a:r>
-              <a:rPr lang="en-US" sz="1600">
-                <a:latin typeface="Consolas" panose="020B0609020204030204" pitchFamily="49" charset="0"/>
-              </a:rPr>
-              <a:t>)</a:t>
-            </a:r>
-            <a:r>
-              <a:rPr lang="ru-RU" sz="1600" smtClean="0">
-                <a:latin typeface="Consolas" panose="020B0609020204030204" pitchFamily="49" charset="0"/>
-              </a:rPr>
-              <a:t/>
-            </a:r>
-            <a:br>
-              <a:rPr lang="ru-RU" sz="1600" smtClean="0">
-                <a:latin typeface="Consolas" panose="020B0609020204030204" pitchFamily="49" charset="0"/>
-              </a:rPr>
-            </a:br>
-            <a:r>
-              <a:rPr lang="en-US" sz="1600" smtClean="0">
-                <a:latin typeface="Consolas" panose="020B0609020204030204" pitchFamily="49" charset="0"/>
-              </a:rPr>
-              <a:t>          </a:t>
-            </a:r>
-            <a:r>
-              <a:rPr lang="en-US" sz="1600">
-                <a:latin typeface="Consolas" panose="020B0609020204030204" pitchFamily="49" charset="0"/>
-              </a:rPr>
-              <a:t>tmp.push_back(newelem</a:t>
-            </a:r>
-            <a:r>
-              <a:rPr lang="en-US" sz="1600" smtClean="0">
-                <a:latin typeface="Consolas" panose="020B0609020204030204" pitchFamily="49" charset="0"/>
-              </a:rPr>
-              <a:t>);</a:t>
-            </a:r>
-            <a:r>
-              <a:rPr lang="ru-RU" sz="1600" smtClean="0">
-                <a:latin typeface="Consolas" panose="020B0609020204030204" pitchFamily="49" charset="0"/>
-              </a:rPr>
-              <a:t/>
-            </a:r>
-            <a:br>
-              <a:rPr lang="ru-RU" sz="1600" smtClean="0">
-                <a:latin typeface="Consolas" panose="020B0609020204030204" pitchFamily="49" charset="0"/>
-              </a:rPr>
-            </a:br>
-            <a:r>
-              <a:rPr lang="en-US" sz="1600" smtClean="0">
-                <a:latin typeface="Consolas" panose="020B0609020204030204" pitchFamily="49" charset="0"/>
-              </a:rPr>
-              <a:t>      }</a:t>
-            </a:r>
-            <a:r>
-              <a:rPr lang="ru-RU" sz="1600" smtClean="0">
-                <a:latin typeface="Consolas" panose="020B0609020204030204" pitchFamily="49" charset="0"/>
-              </a:rPr>
-              <a:t/>
-            </a:r>
-            <a:br>
-              <a:rPr lang="ru-RU" sz="1600" smtClean="0">
-                <a:latin typeface="Consolas" panose="020B0609020204030204" pitchFamily="49" charset="0"/>
-              </a:rPr>
-            </a:br>
-            <a:r>
-              <a:rPr lang="en-US" sz="1600" smtClean="0">
-                <a:latin typeface="Consolas" panose="020B0609020204030204" pitchFamily="49" charset="0"/>
-              </a:rPr>
-              <a:t>    </a:t>
-            </a:r>
-            <a:r>
-              <a:rPr lang="en-US" sz="1600">
-                <a:latin typeface="Consolas" panose="020B0609020204030204" pitchFamily="49" charset="0"/>
-              </a:rPr>
-              <a:t>next.swap(tmp</a:t>
-            </a:r>
-            <a:r>
-              <a:rPr lang="en-US" sz="1600" smtClean="0">
-                <a:latin typeface="Consolas" panose="020B0609020204030204" pitchFamily="49" charset="0"/>
-              </a:rPr>
-              <a:t>);</a:t>
-            </a:r>
-            <a:r>
-              <a:rPr lang="ru-RU" sz="1600" smtClean="0">
-                <a:latin typeface="Consolas" panose="020B0609020204030204" pitchFamily="49" charset="0"/>
-              </a:rPr>
-              <a:t/>
-            </a:r>
-            <a:br>
-              <a:rPr lang="ru-RU" sz="1600" smtClean="0">
-                <a:latin typeface="Consolas" panose="020B0609020204030204" pitchFamily="49" charset="0"/>
-              </a:rPr>
-            </a:br>
-            <a:r>
-              <a:rPr lang="en-US" sz="1600" smtClean="0">
-                <a:solidFill>
-                  <a:srgbClr val="0000FF"/>
-                </a:solidFill>
-                <a:latin typeface="Consolas" panose="020B0609020204030204" pitchFamily="49" charset="0"/>
-              </a:rPr>
-              <a:t>  }</a:t>
-            </a:r>
-            <a:r>
-              <a:rPr lang="ru-RU" sz="1600" smtClean="0">
-                <a:solidFill>
-                  <a:srgbClr val="0000FF"/>
-                </a:solidFill>
-                <a:latin typeface="Consolas" panose="020B0609020204030204" pitchFamily="49" charset="0"/>
-              </a:rPr>
-              <a:t/>
-            </a:r>
-            <a:br>
-              <a:rPr lang="ru-RU" sz="1600" smtClean="0">
-                <a:solidFill>
-                  <a:srgbClr val="0000FF"/>
-                </a:solidFill>
-                <a:latin typeface="Consolas" panose="020B0609020204030204" pitchFamily="49" charset="0"/>
-              </a:rPr>
-            </a:br>
-            <a:r>
-              <a:rPr lang="en-US" sz="1600" smtClean="0">
-                <a:latin typeface="Consolas" panose="020B0609020204030204" pitchFamily="49" charset="0"/>
-              </a:rPr>
-              <a:t>  </a:t>
-            </a:r>
-            <a:r>
-              <a:rPr lang="en-US" sz="1600">
-                <a:latin typeface="Consolas" panose="020B0609020204030204" pitchFamily="49" charset="0"/>
-              </a:rPr>
-              <a:t>return orbit</a:t>
-            </a:r>
-            <a:r>
-              <a:rPr lang="en-US" sz="1600" smtClean="0">
-                <a:latin typeface="Consolas" panose="020B0609020204030204" pitchFamily="49" charset="0"/>
-              </a:rPr>
-              <a:t>;</a:t>
-            </a:r>
-            <a:r>
-              <a:rPr lang="ru-RU" sz="1600" smtClean="0">
-                <a:latin typeface="Consolas" panose="020B0609020204030204" pitchFamily="49" charset="0"/>
-              </a:rPr>
-              <a:t/>
-            </a:r>
-            <a:br>
-              <a:rPr lang="ru-RU" sz="1600" smtClean="0">
-                <a:latin typeface="Consolas" panose="020B0609020204030204" pitchFamily="49" charset="0"/>
-              </a:rPr>
-            </a:br>
-            <a:r>
-              <a:rPr lang="en-US" sz="1600" smtClean="0">
-                <a:latin typeface="Consolas" panose="020B0609020204030204" pitchFamily="49" charset="0"/>
-              </a:rPr>
-              <a:t>}</a:t>
-            </a:r>
-          </a:p>
-          <a:p>
-            <a:r>
-              <a:rPr lang="ru-RU" sz="1600" smtClean="0"/>
-              <a:t>Увы, теперь нужно на каждой итерации пересортировать орбиту. Это на два цикла выше, но всё же...</a:t>
-            </a:r>
-            <a:endParaRPr lang="en-US" sz="1600"/>
-          </a:p>
-        </p:txBody>
-      </p:sp>
-    </p:spTree>
-    <p:extLst>
-      <p:ext uri="{BB962C8B-B14F-4D97-AF65-F5344CB8AC3E}">
-        <p14:creationId xmlns:p14="http://schemas.microsoft.com/office/powerpoint/2010/main" val="1920003727"/>
       </p:ext>
     </p:extLst>
   </p:cSld>

--- a/slides/sep2017/17-assoccont.pptx
+++ b/slides/sep2017/17-assoccont.pptx
@@ -63,27 +63,29 @@
     <p:sldId id="302" r:id="rId57"/>
     <p:sldId id="319" r:id="rId58"/>
     <p:sldId id="332" r:id="rId59"/>
-    <p:sldId id="324" r:id="rId60"/>
-    <p:sldId id="325" r:id="rId61"/>
-    <p:sldId id="328" r:id="rId62"/>
-    <p:sldId id="329" r:id="rId63"/>
-    <p:sldId id="304" r:id="rId64"/>
-    <p:sldId id="311" r:id="rId65"/>
-    <p:sldId id="313" r:id="rId66"/>
-    <p:sldId id="320" r:id="rId67"/>
-    <p:sldId id="321" r:id="rId68"/>
-    <p:sldId id="323" r:id="rId69"/>
-    <p:sldId id="322" r:id="rId70"/>
-    <p:sldId id="305" r:id="rId71"/>
-    <p:sldId id="306" r:id="rId72"/>
-    <p:sldId id="307" r:id="rId73"/>
-    <p:sldId id="308" r:id="rId74"/>
-    <p:sldId id="309" r:id="rId75"/>
-    <p:sldId id="326" r:id="rId76"/>
-    <p:sldId id="327" r:id="rId77"/>
-    <p:sldId id="334" r:id="rId78"/>
-    <p:sldId id="335" r:id="rId79"/>
-    <p:sldId id="258" r:id="rId80"/>
+    <p:sldId id="338" r:id="rId60"/>
+    <p:sldId id="337" r:id="rId61"/>
+    <p:sldId id="324" r:id="rId62"/>
+    <p:sldId id="325" r:id="rId63"/>
+    <p:sldId id="328" r:id="rId64"/>
+    <p:sldId id="329" r:id="rId65"/>
+    <p:sldId id="304" r:id="rId66"/>
+    <p:sldId id="311" r:id="rId67"/>
+    <p:sldId id="313" r:id="rId68"/>
+    <p:sldId id="320" r:id="rId69"/>
+    <p:sldId id="321" r:id="rId70"/>
+    <p:sldId id="323" r:id="rId71"/>
+    <p:sldId id="322" r:id="rId72"/>
+    <p:sldId id="305" r:id="rId73"/>
+    <p:sldId id="306" r:id="rId74"/>
+    <p:sldId id="307" r:id="rId75"/>
+    <p:sldId id="308" r:id="rId76"/>
+    <p:sldId id="309" r:id="rId77"/>
+    <p:sldId id="326" r:id="rId78"/>
+    <p:sldId id="327" r:id="rId79"/>
+    <p:sldId id="334" r:id="rId80"/>
+    <p:sldId id="335" r:id="rId81"/>
+    <p:sldId id="258" r:id="rId82"/>
   </p:sldIdLst>
   <p:sldSz cx="12192000" cy="6858000"/>
   <p:notesSz cx="6858000" cy="9144000"/>
@@ -387,7 +389,7 @@
             <a:fld id="{96DFF08F-DC6B-4601-B491-B0F83F6DD2DA}" type="datetimeFigureOut">
               <a:rPr lang="en-US" dirty="0"/>
               <a:pPr/>
-              <a:t>5/9/2018</a:t>
+              <a:t>5/10/2018</a:t>
             </a:fld>
             <a:endParaRPr lang="en-US" dirty="0"/>
           </a:p>
@@ -604,7 +606,7 @@
           <a:p>
             <a:fld id="{96DFF08F-DC6B-4601-B491-B0F83F6DD2DA}" type="datetimeFigureOut">
               <a:rPr lang="en-US" dirty="0"/>
-              <a:t>5/9/2018</a:t>
+              <a:t>5/10/2018</a:t>
             </a:fld>
             <a:endParaRPr lang="en-US" dirty="0"/>
           </a:p>
@@ -779,7 +781,7 @@
           <a:p>
             <a:fld id="{96DFF08F-DC6B-4601-B491-B0F83F6DD2DA}" type="datetimeFigureOut">
               <a:rPr lang="en-US" dirty="0"/>
-              <a:t>5/9/2018</a:t>
+              <a:t>5/10/2018</a:t>
             </a:fld>
             <a:endParaRPr lang="en-US" dirty="0"/>
           </a:p>
@@ -944,7 +946,7 @@
           <a:p>
             <a:fld id="{96DFF08F-DC6B-4601-B491-B0F83F6DD2DA}" type="datetimeFigureOut">
               <a:rPr lang="en-US" dirty="0"/>
-              <a:t>5/9/2018</a:t>
+              <a:t>5/10/2018</a:t>
             </a:fld>
             <a:endParaRPr lang="en-US" dirty="0"/>
           </a:p>
@@ -1190,7 +1192,7 @@
           <a:p>
             <a:fld id="{96DFF08F-DC6B-4601-B491-B0F83F6DD2DA}" type="datetimeFigureOut">
               <a:rPr lang="en-US" dirty="0"/>
-              <a:t>5/9/2018</a:t>
+              <a:t>5/10/2018</a:t>
             </a:fld>
             <a:endParaRPr lang="en-US" dirty="0"/>
           </a:p>
@@ -1508,7 +1510,7 @@
           <a:p>
             <a:fld id="{96DFF08F-DC6B-4601-B491-B0F83F6DD2DA}" type="datetimeFigureOut">
               <a:rPr lang="en-US" dirty="0"/>
-              <a:t>5/9/2018</a:t>
+              <a:t>5/10/2018</a:t>
             </a:fld>
             <a:endParaRPr lang="en-US" dirty="0"/>
           </a:p>
@@ -1927,7 +1929,7 @@
           <a:p>
             <a:fld id="{96DFF08F-DC6B-4601-B491-B0F83F6DD2DA}" type="datetimeFigureOut">
               <a:rPr lang="en-US" dirty="0"/>
-              <a:t>5/9/2018</a:t>
+              <a:t>5/10/2018</a:t>
             </a:fld>
             <a:endParaRPr lang="en-US" dirty="0"/>
           </a:p>
@@ -2040,7 +2042,7 @@
           <a:p>
             <a:fld id="{96DFF08F-DC6B-4601-B491-B0F83F6DD2DA}" type="datetimeFigureOut">
               <a:rPr lang="en-US" dirty="0"/>
-              <a:t>5/9/2018</a:t>
+              <a:t>5/10/2018</a:t>
             </a:fld>
             <a:endParaRPr lang="en-US" dirty="0"/>
           </a:p>
@@ -2130,7 +2132,7 @@
           <a:p>
             <a:fld id="{96DFF08F-DC6B-4601-B491-B0F83F6DD2DA}" type="datetimeFigureOut">
               <a:rPr lang="en-US" dirty="0"/>
-              <a:t>5/9/2018</a:t>
+              <a:t>5/10/2018</a:t>
             </a:fld>
             <a:endParaRPr lang="en-US" dirty="0"/>
           </a:p>
@@ -2415,7 +2417,7 @@
           <a:p>
             <a:fld id="{96DFF08F-DC6B-4601-B491-B0F83F6DD2DA}" type="datetimeFigureOut">
               <a:rPr lang="en-US" dirty="0"/>
-              <a:t>5/9/2018</a:t>
+              <a:t>5/10/2018</a:t>
             </a:fld>
             <a:endParaRPr lang="en-US" dirty="0"/>
           </a:p>
@@ -2682,7 +2684,7 @@
           <a:p>
             <a:fld id="{96DFF08F-DC6B-4601-B491-B0F83F6DD2DA}" type="datetimeFigureOut">
               <a:rPr lang="en-US" dirty="0"/>
-              <a:t>5/9/2018</a:t>
+              <a:t>5/10/2018</a:t>
             </a:fld>
             <a:endParaRPr lang="en-US" dirty="0"/>
           </a:p>
@@ -2931,7 +2933,7 @@
             <a:fld id="{96DFF08F-DC6B-4601-B491-B0F83F6DD2DA}" type="datetimeFigureOut">
               <a:rPr lang="en-US" dirty="0"/>
               <a:pPr/>
-              <a:t>5/9/2018</a:t>
+              <a:t>5/10/2018</a:t>
             </a:fld>
             <a:endParaRPr lang="en-US" dirty="0"/>
           </a:p>
@@ -3776,6 +3778,13 @@
   <p:clrMapOvr>
     <a:masterClrMapping/>
   </p:clrMapOvr>
+  <p:timing>
+    <p:tnLst>
+      <p:par>
+        <p:cTn id="1" dur="indefinite" restart="never" nodeType="tmRoot"/>
+      </p:par>
+    </p:tnLst>
+  </p:timing>
 </p:sld>
 </file>
 
@@ -6061,7 +6070,6 @@
               <a:rPr lang="ru-RU" sz="4800" smtClean="0"/>
               <a:t>Экзотика</a:t>
             </a:r>
-            <a:endParaRPr lang="ru-RU" sz="4800" smtClean="0"/>
           </a:p>
         </p:txBody>
       </p:sp>
@@ -6075,6 +6083,13 @@
   <p:clrMapOvr>
     <a:masterClrMapping/>
   </p:clrMapOvr>
+  <p:timing>
+    <p:tnLst>
+      <p:par>
+        <p:cTn id="1" dur="indefinite" restart="never" nodeType="tmRoot"/>
+      </p:par>
+    </p:tnLst>
+  </p:timing>
 </p:sld>
 </file>
 
@@ -7506,7 +7521,6 @@
               <a:rPr lang="ru-RU" sz="4800" smtClean="0"/>
               <a:t>Экзотика</a:t>
             </a:r>
-            <a:endParaRPr lang="ru-RU" sz="4800" smtClean="0"/>
           </a:p>
         </p:txBody>
       </p:sp>
@@ -8656,13 +8670,7 @@
               <a:rPr lang="en-US" sz="1600" smtClean="0">
                 <a:latin typeface="Consolas" panose="020B0609020204030204" pitchFamily="49" charset="0"/>
               </a:rPr>
-              <a:t>auto </a:t>
-            </a:r>
-            <a:r>
-              <a:rPr lang="en-US" sz="1600" smtClean="0">
-                <a:latin typeface="Consolas" panose="020B0609020204030204" pitchFamily="49" charset="0"/>
-              </a:rPr>
-              <a:t>simple_orbit(T </a:t>
+              <a:t>auto simple_orbit(T </a:t>
             </a:r>
             <a:r>
               <a:rPr lang="en-US" sz="1600">
@@ -10866,6 +10874,13 @@
   <p:clrMapOvr>
     <a:masterClrMapping/>
   </p:clrMapOvr>
+  <p:timing>
+    <p:tnLst>
+      <p:par>
+        <p:cTn id="1" dur="indefinite" restart="never" nodeType="tmRoot"/>
+      </p:par>
+    </p:tnLst>
+  </p:timing>
 </p:sld>
 </file>
 
@@ -13849,63 +13864,71 @@
           <a:p>
             <a:r>
               <a:rPr lang="ru-RU" smtClean="0"/>
-              <a:t>Орбита элемента в группе это все значения в которые его переводят элементы группы.</a:t>
-            </a:r>
-            <a:endParaRPr lang="en-US" smtClean="0"/>
-          </a:p>
-          <a:p>
-            <a:endParaRPr lang="en-US"/>
-          </a:p>
-          <a:p>
-            <a:endParaRPr lang="en-US" smtClean="0"/>
-          </a:p>
-          <a:p>
-            <a:endParaRPr lang="en-US"/>
-          </a:p>
-          <a:p>
-            <a:endParaRPr lang="en-US" smtClean="0"/>
-          </a:p>
-          <a:p>
-            <a:endParaRPr lang="en-US"/>
-          </a:p>
-          <a:p>
-            <a:endParaRPr lang="en-US" smtClean="0"/>
-          </a:p>
-          <a:p>
-            <a:r>
-              <a:rPr lang="ru-RU" smtClean="0"/>
-              <a:t>Орбита элемента </a:t>
-            </a:r>
-            <a:r>
-              <a:rPr lang="ru-RU" smtClean="0">
-                <a:latin typeface="Consolas" panose="020B0609020204030204" pitchFamily="49" charset="0"/>
-              </a:rPr>
-              <a:t>1</a:t>
-            </a:r>
-            <a:r>
-              <a:rPr lang="ru-RU" smtClean="0"/>
-              <a:t> в </a:t>
-            </a:r>
-            <a:r>
-              <a:rPr lang="en-US" smtClean="0">
-                <a:latin typeface="Consolas" panose="020B0609020204030204" pitchFamily="49" charset="0"/>
-              </a:rPr>
-              <a:t>Sym(3)</a:t>
+              <a:t>Орбита элемента в группе это все значения в которые его переводят элементы группы</a:t>
+            </a:r>
+            <a:r>
+              <a:rPr lang="ru-RU" smtClean="0"/>
+              <a:t>.</a:t>
             </a:r>
             <a:r>
               <a:rPr lang="en-US" smtClean="0"/>
               <a:t> </a:t>
             </a:r>
             <a:r>
-              <a:rPr lang="ru-RU" smtClean="0"/>
+              <a:rPr lang="ru-RU"/>
+              <a:t>Орбита элемента </a:t>
+            </a:r>
+            <a:r>
+              <a:rPr lang="ru-RU">
+                <a:latin typeface="Consolas" panose="020B0609020204030204" pitchFamily="49" charset="0"/>
+              </a:rPr>
+              <a:t>1</a:t>
+            </a:r>
+            <a:r>
+              <a:rPr lang="ru-RU"/>
+              <a:t> в </a:t>
+            </a:r>
+            <a:r>
+              <a:rPr lang="en-US">
+                <a:latin typeface="Consolas" panose="020B0609020204030204" pitchFamily="49" charset="0"/>
+              </a:rPr>
+              <a:t>Sym(3)</a:t>
+            </a:r>
+            <a:r>
+              <a:rPr lang="en-US"/>
+              <a:t> </a:t>
+            </a:r>
+            <a:r>
+              <a:rPr lang="ru-RU"/>
               <a:t>это </a:t>
             </a:r>
             <a:r>
-              <a:rPr lang="en-US" smtClean="0">
+              <a:rPr lang="en-US">
                 <a:latin typeface="Consolas" panose="020B0609020204030204" pitchFamily="49" charset="0"/>
               </a:rPr>
               <a:t>{1,2,3}</a:t>
             </a:r>
+            <a:endParaRPr lang="en-US" smtClean="0"/>
+          </a:p>
+          <a:p>
+            <a:endParaRPr lang="en-US"/>
+          </a:p>
+          <a:p>
+            <a:endParaRPr lang="en-US" smtClean="0"/>
+          </a:p>
+          <a:p>
+            <a:endParaRPr lang="en-US"/>
+          </a:p>
+          <a:p>
+            <a:endParaRPr lang="en-US" smtClean="0"/>
+          </a:p>
+          <a:p>
+            <a:endParaRPr lang="en-US"/>
+          </a:p>
+          <a:p>
+            <a:endParaRPr lang="en-US" smtClean="0"/>
+          </a:p>
+          <a:p>
             <a:endParaRPr lang="en-US">
               <a:solidFill>
                 <a:srgbClr val="0000FF"/>
@@ -14631,6 +14654,192 @@
           </a:p>
         </p:txBody>
       </p:sp>
+      <p:sp>
+        <p:nvSpPr>
+          <p:cNvPr id="27" name="Rectangle 26"/>
+          <p:cNvSpPr/>
+          <p:nvPr/>
+        </p:nvSpPr>
+        <p:spPr>
+          <a:xfrm>
+            <a:off x="5733534" y="5523470"/>
+            <a:ext cx="1383957" cy="518984"/>
+          </a:xfrm>
+          <a:prstGeom prst="rect">
+            <a:avLst/>
+          </a:prstGeom>
+        </p:spPr>
+        <p:style>
+          <a:lnRef idx="2">
+            <a:schemeClr val="accent4"/>
+          </a:lnRef>
+          <a:fillRef idx="1">
+            <a:schemeClr val="lt1"/>
+          </a:fillRef>
+          <a:effectRef idx="0">
+            <a:schemeClr val="accent4"/>
+          </a:effectRef>
+          <a:fontRef idx="minor">
+            <a:schemeClr val="dk1"/>
+          </a:fontRef>
+        </p:style>
+        <p:txBody>
+          <a:bodyPr rtlCol="0" anchor="ctr"/>
+          <a:lstStyle/>
+          <a:p>
+            <a:pPr algn="ctr"/>
+            <a:r>
+              <a:rPr lang="en-US" smtClean="0">
+                <a:latin typeface="Consolas" panose="020B0609020204030204" pitchFamily="49" charset="0"/>
+              </a:rPr>
+              <a:t>1 </a:t>
+            </a:r>
+            <a:r>
+              <a:rPr lang="en-US" smtClean="0">
+                <a:latin typeface="Consolas" panose="020B0609020204030204" pitchFamily="49" charset="0"/>
+                <a:sym typeface="Symbol" panose="05050102010706020507" pitchFamily="18" charset="2"/>
+              </a:rPr>
+              <a:t> 2</a:t>
+            </a:r>
+            <a:endParaRPr lang="en-US">
+              <a:latin typeface="Consolas" panose="020B0609020204030204" pitchFamily="49" charset="0"/>
+            </a:endParaRPr>
+          </a:p>
+        </p:txBody>
+      </p:sp>
+      <p:sp>
+        <p:nvSpPr>
+          <p:cNvPr id="28" name="Rectangle 27"/>
+          <p:cNvSpPr/>
+          <p:nvPr/>
+        </p:nvSpPr>
+        <p:spPr>
+          <a:xfrm>
+            <a:off x="3635122" y="5549006"/>
+            <a:ext cx="1383957" cy="518984"/>
+          </a:xfrm>
+          <a:prstGeom prst="rect">
+            <a:avLst/>
+          </a:prstGeom>
+        </p:spPr>
+        <p:style>
+          <a:lnRef idx="2">
+            <a:schemeClr val="accent4"/>
+          </a:lnRef>
+          <a:fillRef idx="1">
+            <a:schemeClr val="lt1"/>
+          </a:fillRef>
+          <a:effectRef idx="0">
+            <a:schemeClr val="accent4"/>
+          </a:effectRef>
+          <a:fontRef idx="minor">
+            <a:schemeClr val="dk1"/>
+          </a:fontRef>
+        </p:style>
+        <p:txBody>
+          <a:bodyPr rtlCol="0" anchor="ctr"/>
+          <a:lstStyle/>
+          <a:p>
+            <a:pPr algn="ctr"/>
+            <a:r>
+              <a:rPr lang="en-US" smtClean="0">
+                <a:latin typeface="Consolas" panose="020B0609020204030204" pitchFamily="49" charset="0"/>
+              </a:rPr>
+              <a:t>1 </a:t>
+            </a:r>
+            <a:r>
+              <a:rPr lang="en-US" smtClean="0">
+                <a:latin typeface="Consolas" panose="020B0609020204030204" pitchFamily="49" charset="0"/>
+                <a:sym typeface="Symbol" panose="05050102010706020507" pitchFamily="18" charset="2"/>
+              </a:rPr>
+              <a:t> 1</a:t>
+            </a:r>
+            <a:endParaRPr lang="en-US">
+              <a:latin typeface="Consolas" panose="020B0609020204030204" pitchFamily="49" charset="0"/>
+            </a:endParaRPr>
+          </a:p>
+        </p:txBody>
+      </p:sp>
+      <p:sp>
+        <p:nvSpPr>
+          <p:cNvPr id="4" name="TextBox 3"/>
+          <p:cNvSpPr txBox="1"/>
+          <p:nvPr/>
+        </p:nvSpPr>
+        <p:spPr>
+          <a:xfrm>
+            <a:off x="2496065" y="3434489"/>
+            <a:ext cx="823784" cy="369332"/>
+          </a:xfrm>
+          <a:prstGeom prst="rect">
+            <a:avLst/>
+          </a:prstGeom>
+          <a:noFill/>
+        </p:spPr>
+        <p:txBody>
+          <a:bodyPr wrap="square" rtlCol="0">
+            <a:spAutoFit/>
+          </a:bodyPr>
+          <a:lstStyle/>
+          <a:p>
+            <a:r>
+              <a:rPr lang="en-US" smtClean="0">
+                <a:solidFill>
+                  <a:srgbClr val="FF0000"/>
+                </a:solidFill>
+                <a:latin typeface="Consolas" panose="020B0609020204030204" pitchFamily="49" charset="0"/>
+              </a:rPr>
+              <a:t>(1,2)</a:t>
+            </a:r>
+            <a:endParaRPr lang="en-US">
+              <a:solidFill>
+                <a:srgbClr val="FF0000"/>
+              </a:solidFill>
+              <a:latin typeface="Consolas" panose="020B0609020204030204" pitchFamily="49" charset="0"/>
+            </a:endParaRPr>
+          </a:p>
+        </p:txBody>
+      </p:sp>
+      <p:sp>
+        <p:nvSpPr>
+          <p:cNvPr id="30" name="TextBox 29"/>
+          <p:cNvSpPr txBox="1"/>
+          <p:nvPr/>
+        </p:nvSpPr>
+        <p:spPr>
+          <a:xfrm>
+            <a:off x="2726722" y="5005857"/>
+            <a:ext cx="823784" cy="369332"/>
+          </a:xfrm>
+          <a:prstGeom prst="rect">
+            <a:avLst/>
+          </a:prstGeom>
+          <a:noFill/>
+        </p:spPr>
+        <p:txBody>
+          <a:bodyPr wrap="square" rtlCol="0">
+            <a:spAutoFit/>
+          </a:bodyPr>
+          <a:lstStyle/>
+          <a:p>
+            <a:r>
+              <a:rPr lang="en-US" smtClean="0">
+                <a:solidFill>
+                  <a:srgbClr val="0000FF"/>
+                </a:solidFill>
+                <a:latin typeface="Consolas" panose="020B0609020204030204" pitchFamily="49" charset="0"/>
+              </a:rPr>
+              <a:t>(2,3)</a:t>
+            </a:r>
+            <a:endParaRPr lang="en-US">
+              <a:solidFill>
+                <a:srgbClr val="0000FF"/>
+              </a:solidFill>
+              <a:latin typeface="Consolas" panose="020B0609020204030204" pitchFamily="49" charset="0"/>
+            </a:endParaRPr>
+          </a:p>
+        </p:txBody>
+      </p:sp>
     </p:spTree>
     <p:extLst>
       <p:ext uri="{BB962C8B-B14F-4D97-AF65-F5344CB8AC3E}">
@@ -14641,6 +14850,13 @@
   <p:clrMapOvr>
     <a:masterClrMapping/>
   </p:clrMapOvr>
+  <p:timing>
+    <p:tnLst>
+      <p:par>
+        <p:cTn id="1" dur="indefinite" restart="never" nodeType="tmRoot"/>
+      </p:par>
+    </p:tnLst>
+  </p:timing>
 </p:sld>
 </file>
 
@@ -15806,7 +16022,6 @@
               <a:rPr lang="ru-RU" sz="4800" smtClean="0"/>
               <a:t>Экзотика</a:t>
             </a:r>
-            <a:endParaRPr lang="ru-RU" sz="4800" smtClean="0"/>
           </a:p>
         </p:txBody>
       </p:sp>
@@ -15820,6 +16035,13 @@
   <p:clrMapOvr>
     <a:masterClrMapping/>
   </p:clrMapOvr>
+  <p:timing>
+    <p:tnLst>
+      <p:par>
+        <p:cTn id="1" dur="indefinite" restart="never" nodeType="tmRoot"/>
+      </p:par>
+    </p:tnLst>
+  </p:timing>
 </p:sld>
 </file>
 
@@ -15909,13 +16131,7 @@
               <a:rPr lang="en-US" sz="1600" smtClean="0">
                 <a:latin typeface="Consolas" panose="020B0609020204030204" pitchFamily="49" charset="0"/>
               </a:rPr>
-              <a:t>auto </a:t>
-            </a:r>
-            <a:r>
-              <a:rPr lang="en-US" sz="1600" smtClean="0">
-                <a:latin typeface="Consolas" panose="020B0609020204030204" pitchFamily="49" charset="0"/>
-              </a:rPr>
-              <a:t>simple_orbit(T </a:t>
+              <a:t>auto simple_orbit(T </a:t>
             </a:r>
             <a:r>
               <a:rPr lang="en-US" sz="1600">
@@ -16299,6 +16515,13 @@
   <p:clrMapOvr>
     <a:masterClrMapping/>
   </p:clrMapOvr>
+  <p:timing>
+    <p:tnLst>
+      <p:par>
+        <p:cTn id="1" dur="indefinite" restart="never" nodeType="tmRoot"/>
+      </p:par>
+    </p:tnLst>
+  </p:timing>
 </p:sld>
 </file>
 
@@ -16388,13 +16611,7 @@
               <a:rPr lang="en-US" sz="1600" smtClean="0">
                 <a:latin typeface="Consolas" panose="020B0609020204030204" pitchFamily="49" charset="0"/>
               </a:rPr>
-              <a:t>auto </a:t>
-            </a:r>
-            <a:r>
-              <a:rPr lang="en-US" sz="1600" smtClean="0">
-                <a:latin typeface="Consolas" panose="020B0609020204030204" pitchFamily="49" charset="0"/>
-              </a:rPr>
-              <a:t>simple_orbit(T </a:t>
+              <a:t>auto simple_orbit(T </a:t>
             </a:r>
             <a:r>
               <a:rPr lang="en-US" sz="1600">
@@ -16794,6 +17011,13 @@
   <p:clrMapOvr>
     <a:masterClrMapping/>
   </p:clrMapOvr>
+  <p:timing>
+    <p:tnLst>
+      <p:par>
+        <p:cTn id="1" dur="indefinite" restart="never" nodeType="tmRoot"/>
+      </p:par>
+    </p:tnLst>
+  </p:timing>
 </p:sld>
 </file>
 
@@ -17272,11 +17496,7 @@
           <a:p>
             <a:r>
               <a:rPr lang="ru-RU" sz="1600" smtClean="0"/>
-              <a:t>Теперь </a:t>
-            </a:r>
-            <a:r>
-              <a:rPr lang="ru-RU" sz="1600" smtClean="0"/>
-              <a:t>сложность</a:t>
+              <a:t>Теперь сложность</a:t>
             </a:r>
             <a:r>
               <a:rPr lang="en-US" sz="1600" smtClean="0"/>
@@ -17284,15 +17504,7 @@
             </a:r>
             <a:r>
               <a:rPr lang="ru-RU" sz="1600" smtClean="0"/>
-              <a:t>вероятно, </a:t>
-            </a:r>
-            <a:r>
-              <a:rPr lang="ru-RU" sz="1600" smtClean="0"/>
-              <a:t>лучше</a:t>
-            </a:r>
-            <a:r>
-              <a:rPr lang="ru-RU" sz="1600" smtClean="0"/>
-              <a:t>, так как мы заменили дерево на хеш</a:t>
+              <a:t>вероятно, лучше, так как мы заменили дерево на хеш</a:t>
             </a:r>
             <a:endParaRPr lang="en-US" sz="1600" smtClean="0"/>
           </a:p>
@@ -17331,6 +17543,13 @@
   <p:clrMapOvr>
     <a:masterClrMapping/>
   </p:clrMapOvr>
+  <p:timing>
+    <p:tnLst>
+      <p:par>
+        <p:cTn id="1" dur="indefinite" restart="never" nodeType="tmRoot"/>
+      </p:par>
+    </p:tnLst>
+  </p:timing>
 </p:sld>
 </file>
 
@@ -17398,15 +17617,7 @@
           <a:p>
             <a:r>
               <a:rPr lang="ru-RU" smtClean="0"/>
-              <a:t>И факт </a:t>
-            </a:r>
-            <a:r>
-              <a:rPr lang="ru-RU" smtClean="0"/>
-              <a:t>его упорядоченности никак не </a:t>
-            </a:r>
-            <a:r>
-              <a:rPr lang="ru-RU" smtClean="0"/>
-              <a:t>используется</a:t>
+              <a:t>И факт его упорядоченности никак не используется</a:t>
             </a:r>
           </a:p>
           <a:p>
@@ -17416,11 +17627,7 @@
             </a:r>
             <a:r>
               <a:rPr lang="ru-RU" smtClean="0"/>
-              <a:t>о </a:t>
-            </a:r>
-            <a:r>
-              <a:rPr lang="ru-RU" smtClean="0"/>
-              <a:t>механическая замена </a:t>
+              <a:t>о механическая замена </a:t>
             </a:r>
             <a:r>
               <a:rPr lang="en-US" smtClean="0"/>
@@ -17468,6 +17675,13 @@
   <p:clrMapOvr>
     <a:masterClrMapping/>
   </p:clrMapOvr>
+  <p:timing>
+    <p:tnLst>
+      <p:par>
+        <p:cTn id="1" dur="indefinite" restart="never" nodeType="tmRoot"/>
+      </p:par>
+    </p:tnLst>
+  </p:timing>
 </p:sld>
 </file>
 
@@ -17557,19 +17771,7 @@
               <a:rPr lang="en-US" sz="1600" smtClean="0">
                 <a:latin typeface="Consolas" panose="020B0609020204030204" pitchFamily="49" charset="0"/>
               </a:rPr>
-              <a:t>auto</a:t>
-            </a:r>
-            <a:r>
-              <a:rPr lang="en-US" sz="1600" smtClean="0">
-                <a:latin typeface="Consolas" panose="020B0609020204030204" pitchFamily="49" charset="0"/>
-              </a:rPr>
-              <a:t> </a:t>
-            </a:r>
-            <a:r>
-              <a:rPr lang="en-US" sz="1600" smtClean="0">
-                <a:latin typeface="Consolas" panose="020B0609020204030204" pitchFamily="49" charset="0"/>
-              </a:rPr>
-              <a:t>simple_orbit(T </a:t>
+              <a:t>auto simple_orbit(T </a:t>
             </a:r>
             <a:r>
               <a:rPr lang="en-US" sz="1600">
@@ -17953,12 +18155,6 @@
               </a:rPr>
               <a:t>IDom&lt;unsigned, 1, 7&gt;</a:t>
             </a:r>
-            <a:endParaRPr lang="en-US" sz="1600" smtClean="0">
-              <a:solidFill>
-                <a:srgbClr val="0000FF"/>
-              </a:solidFill>
-              <a:latin typeface="Consolas" panose="020B0609020204030204" pitchFamily="49" charset="0"/>
-            </a:endParaRPr>
           </a:p>
         </p:txBody>
       </p:sp>
@@ -17972,6 +18168,13 @@
   <p:clrMapOvr>
     <a:masterClrMapping/>
   </p:clrMapOvr>
+  <p:timing>
+    <p:tnLst>
+      <p:par>
+        <p:cTn id="1" dur="indefinite" restart="never" nodeType="tmRoot"/>
+      </p:par>
+    </p:tnLst>
+  </p:timing>
 </p:sld>
 </file>
 
@@ -18067,13 +18270,7 @@
               <a:rPr lang="en-US" sz="1600" smtClean="0">
                 <a:latin typeface="Consolas" panose="020B0609020204030204" pitchFamily="49" charset="0"/>
               </a:rPr>
-              <a:t>auto </a:t>
-            </a:r>
-            <a:r>
-              <a:rPr lang="en-US" sz="1600" smtClean="0">
-                <a:latin typeface="Consolas" panose="020B0609020204030204" pitchFamily="49" charset="0"/>
-              </a:rPr>
-              <a:t>simple_orbit(T </a:t>
+              <a:t>auto simple_orbit(T </a:t>
             </a:r>
             <a:r>
               <a:rPr lang="en-US" sz="1600">
@@ -19101,6 +19298,246 @@
           </a:fontRef>
         </p:style>
       </p:cxnSp>
+      <p:sp>
+        <p:nvSpPr>
+          <p:cNvPr id="17" name="TextBox 16"/>
+          <p:cNvSpPr txBox="1"/>
+          <p:nvPr/>
+        </p:nvSpPr>
+        <p:spPr>
+          <a:xfrm>
+            <a:off x="9457037" y="2661027"/>
+            <a:ext cx="823784" cy="369332"/>
+          </a:xfrm>
+          <a:prstGeom prst="rect">
+            <a:avLst/>
+          </a:prstGeom>
+          <a:noFill/>
+        </p:spPr>
+        <p:txBody>
+          <a:bodyPr wrap="square" rtlCol="0">
+            <a:spAutoFit/>
+          </a:bodyPr>
+          <a:lstStyle/>
+          <a:p>
+            <a:r>
+              <a:rPr lang="en-US" smtClean="0">
+                <a:solidFill>
+                  <a:srgbClr val="FF0000"/>
+                </a:solidFill>
+                <a:latin typeface="Consolas" panose="020B0609020204030204" pitchFamily="49" charset="0"/>
+              </a:rPr>
+              <a:t>(1,2)</a:t>
+            </a:r>
+            <a:endParaRPr lang="en-US">
+              <a:solidFill>
+                <a:srgbClr val="FF0000"/>
+              </a:solidFill>
+              <a:latin typeface="Consolas" panose="020B0609020204030204" pitchFamily="49" charset="0"/>
+            </a:endParaRPr>
+          </a:p>
+        </p:txBody>
+      </p:sp>
+      <p:sp>
+        <p:nvSpPr>
+          <p:cNvPr id="18" name="TextBox 17"/>
+          <p:cNvSpPr txBox="1"/>
+          <p:nvPr/>
+        </p:nvSpPr>
+        <p:spPr>
+          <a:xfrm>
+            <a:off x="10867590" y="2651519"/>
+            <a:ext cx="823784" cy="369332"/>
+          </a:xfrm>
+          <a:prstGeom prst="rect">
+            <a:avLst/>
+          </a:prstGeom>
+          <a:noFill/>
+        </p:spPr>
+        <p:txBody>
+          <a:bodyPr wrap="square" rtlCol="0">
+            <a:spAutoFit/>
+          </a:bodyPr>
+          <a:lstStyle/>
+          <a:p>
+            <a:r>
+              <a:rPr lang="en-US" smtClean="0">
+                <a:solidFill>
+                  <a:srgbClr val="0000FF"/>
+                </a:solidFill>
+                <a:latin typeface="Consolas" panose="020B0609020204030204" pitchFamily="49" charset="0"/>
+              </a:rPr>
+              <a:t>(2,3)</a:t>
+            </a:r>
+            <a:endParaRPr lang="en-US">
+              <a:solidFill>
+                <a:srgbClr val="0000FF"/>
+              </a:solidFill>
+              <a:latin typeface="Consolas" panose="020B0609020204030204" pitchFamily="49" charset="0"/>
+            </a:endParaRPr>
+          </a:p>
+        </p:txBody>
+      </p:sp>
+      <p:sp>
+        <p:nvSpPr>
+          <p:cNvPr id="19" name="TextBox 18"/>
+          <p:cNvSpPr txBox="1"/>
+          <p:nvPr/>
+        </p:nvSpPr>
+        <p:spPr>
+          <a:xfrm>
+            <a:off x="8901445" y="3726196"/>
+            <a:ext cx="823784" cy="369332"/>
+          </a:xfrm>
+          <a:prstGeom prst="rect">
+            <a:avLst/>
+          </a:prstGeom>
+          <a:noFill/>
+        </p:spPr>
+        <p:txBody>
+          <a:bodyPr wrap="square" rtlCol="0">
+            <a:spAutoFit/>
+          </a:bodyPr>
+          <a:lstStyle/>
+          <a:p>
+            <a:r>
+              <a:rPr lang="en-US" smtClean="0">
+                <a:solidFill>
+                  <a:srgbClr val="FF0000"/>
+                </a:solidFill>
+                <a:latin typeface="Consolas" panose="020B0609020204030204" pitchFamily="49" charset="0"/>
+              </a:rPr>
+              <a:t>(1,2)</a:t>
+            </a:r>
+            <a:endParaRPr lang="en-US">
+              <a:solidFill>
+                <a:srgbClr val="FF0000"/>
+              </a:solidFill>
+              <a:latin typeface="Consolas" panose="020B0609020204030204" pitchFamily="49" charset="0"/>
+            </a:endParaRPr>
+          </a:p>
+        </p:txBody>
+      </p:sp>
+      <p:sp>
+        <p:nvSpPr>
+          <p:cNvPr id="20" name="TextBox 19"/>
+          <p:cNvSpPr txBox="1"/>
+          <p:nvPr/>
+        </p:nvSpPr>
+        <p:spPr>
+          <a:xfrm>
+            <a:off x="10155489" y="3691067"/>
+            <a:ext cx="823784" cy="369332"/>
+          </a:xfrm>
+          <a:prstGeom prst="rect">
+            <a:avLst/>
+          </a:prstGeom>
+          <a:noFill/>
+        </p:spPr>
+        <p:txBody>
+          <a:bodyPr wrap="square" rtlCol="0">
+            <a:spAutoFit/>
+          </a:bodyPr>
+          <a:lstStyle/>
+          <a:p>
+            <a:r>
+              <a:rPr lang="en-US" smtClean="0">
+                <a:solidFill>
+                  <a:srgbClr val="0000FF"/>
+                </a:solidFill>
+                <a:latin typeface="Consolas" panose="020B0609020204030204" pitchFamily="49" charset="0"/>
+              </a:rPr>
+              <a:t>(2,3)</a:t>
+            </a:r>
+            <a:endParaRPr lang="en-US">
+              <a:solidFill>
+                <a:srgbClr val="0000FF"/>
+              </a:solidFill>
+              <a:latin typeface="Consolas" panose="020B0609020204030204" pitchFamily="49" charset="0"/>
+            </a:endParaRPr>
+          </a:p>
+        </p:txBody>
+      </p:sp>
+      <p:sp>
+        <p:nvSpPr>
+          <p:cNvPr id="21" name="TextBox 20"/>
+          <p:cNvSpPr txBox="1"/>
+          <p:nvPr/>
+        </p:nvSpPr>
+        <p:spPr>
+          <a:xfrm>
+            <a:off x="9326821" y="4737236"/>
+            <a:ext cx="823784" cy="369332"/>
+          </a:xfrm>
+          <a:prstGeom prst="rect">
+            <a:avLst/>
+          </a:prstGeom>
+          <a:noFill/>
+        </p:spPr>
+        <p:txBody>
+          <a:bodyPr wrap="square" rtlCol="0">
+            <a:spAutoFit/>
+          </a:bodyPr>
+          <a:lstStyle/>
+          <a:p>
+            <a:r>
+              <a:rPr lang="en-US" smtClean="0">
+                <a:solidFill>
+                  <a:srgbClr val="FF0000"/>
+                </a:solidFill>
+                <a:latin typeface="Consolas" panose="020B0609020204030204" pitchFamily="49" charset="0"/>
+              </a:rPr>
+              <a:t>(1,2)</a:t>
+            </a:r>
+            <a:endParaRPr lang="en-US">
+              <a:solidFill>
+                <a:srgbClr val="FF0000"/>
+              </a:solidFill>
+              <a:latin typeface="Consolas" panose="020B0609020204030204" pitchFamily="49" charset="0"/>
+            </a:endParaRPr>
+          </a:p>
+        </p:txBody>
+      </p:sp>
+      <p:sp>
+        <p:nvSpPr>
+          <p:cNvPr id="22" name="TextBox 21"/>
+          <p:cNvSpPr txBox="1"/>
+          <p:nvPr/>
+        </p:nvSpPr>
+        <p:spPr>
+          <a:xfrm>
+            <a:off x="10725956" y="4656405"/>
+            <a:ext cx="823784" cy="369332"/>
+          </a:xfrm>
+          <a:prstGeom prst="rect">
+            <a:avLst/>
+          </a:prstGeom>
+          <a:noFill/>
+        </p:spPr>
+        <p:txBody>
+          <a:bodyPr wrap="square" rtlCol="0">
+            <a:spAutoFit/>
+          </a:bodyPr>
+          <a:lstStyle/>
+          <a:p>
+            <a:r>
+              <a:rPr lang="en-US" smtClean="0">
+                <a:solidFill>
+                  <a:srgbClr val="0000FF"/>
+                </a:solidFill>
+                <a:latin typeface="Consolas" panose="020B0609020204030204" pitchFamily="49" charset="0"/>
+              </a:rPr>
+              <a:t>(2,3)</a:t>
+            </a:r>
+            <a:endParaRPr lang="en-US">
+              <a:solidFill>
+                <a:srgbClr val="0000FF"/>
+              </a:solidFill>
+              <a:latin typeface="Consolas" panose="020B0609020204030204" pitchFamily="49" charset="0"/>
+            </a:endParaRPr>
+          </a:p>
+        </p:txBody>
+      </p:sp>
     </p:spTree>
     <p:extLst>
       <p:ext uri="{BB962C8B-B14F-4D97-AF65-F5344CB8AC3E}">
@@ -19111,6 +19548,13 @@
   <p:clrMapOvr>
     <a:masterClrMapping/>
   </p:clrMapOvr>
+  <p:timing>
+    <p:tnLst>
+      <p:par>
+        <p:cTn id="1" dur="indefinite" restart="never" nodeType="tmRoot"/>
+      </p:par>
+    </p:tnLst>
+  </p:timing>
 </p:sld>
 </file>
 
@@ -19390,6 +19834,13 @@
   <p:clrMapOvr>
     <a:masterClrMapping/>
   </p:clrMapOvr>
+  <p:timing>
+    <p:tnLst>
+      <p:par>
+        <p:cTn id="1" dur="indefinite" restart="never" nodeType="tmRoot"/>
+      </p:par>
+    </p:tnLst>
+  </p:timing>
 </p:sld>
 </file>
 
@@ -19427,11 +19878,7 @@
           <a:p>
             <a:r>
               <a:rPr lang="ru-RU" smtClean="0"/>
-              <a:t>Представление в </a:t>
-            </a:r>
-            <a:r>
-              <a:rPr lang="ru-RU" smtClean="0"/>
-              <a:t>памяти</a:t>
+              <a:t>Представление в памяти</a:t>
             </a:r>
             <a:r>
               <a:rPr lang="en-US" smtClean="0"/>
@@ -19462,11 +19909,7 @@
             </a:r>
             <a:r>
               <a:rPr lang="ru-RU" smtClean="0"/>
-              <a:t> хеш-таблицах можно думать как о массиве </a:t>
-            </a:r>
-            <a:r>
-              <a:rPr lang="ru-RU" smtClean="0"/>
-              <a:t>корзин (</a:t>
+              <a:t> хеш-таблицах можно думать как о массиве корзин (</a:t>
             </a:r>
             <a:r>
               <a:rPr lang="en-US" smtClean="0"/>
@@ -19482,15 +19925,7 @@
             </a:r>
             <a:r>
               <a:rPr lang="ru-RU" smtClean="0"/>
-              <a:t>каждая </a:t>
-            </a:r>
-            <a:r>
-              <a:rPr lang="ru-RU" smtClean="0"/>
-              <a:t>из которых содержит </a:t>
-            </a:r>
-            <a:r>
-              <a:rPr lang="ru-RU" smtClean="0"/>
-              <a:t>элементы с одинаковым хешом</a:t>
+              <a:t>каждая из которых содержит элементы с одинаковым хешом</a:t>
             </a:r>
             <a:endParaRPr lang="en-US"/>
           </a:p>
@@ -20210,6 +20645,13 @@
   <p:clrMapOvr>
     <a:masterClrMapping/>
   </p:clrMapOvr>
+  <p:timing>
+    <p:tnLst>
+      <p:par>
+        <p:cTn id="1" dur="indefinite" restart="never" nodeType="tmRoot"/>
+      </p:par>
+    </p:tnLst>
+  </p:timing>
 </p:sld>
 </file>
 
@@ -20285,11 +20727,7 @@
           <a:p>
             <a:r>
               <a:rPr lang="ru-RU" smtClean="0"/>
-              <a:t>Представление в </a:t>
-            </a:r>
-            <a:r>
-              <a:rPr lang="ru-RU" smtClean="0"/>
-              <a:t>памяти</a:t>
+              <a:t>Представление в памяти</a:t>
             </a:r>
             <a:endParaRPr lang="en-US"/>
           </a:p>
@@ -20613,13 +21051,7 @@
               <a:rPr lang="en-US" smtClean="0">
                 <a:latin typeface="Consolas" panose="020B0609020204030204" pitchFamily="49" charset="0"/>
               </a:rPr>
-              <a:t>#h1, </a:t>
-            </a:r>
-            <a:r>
-              <a:rPr lang="en-US" smtClean="0">
-                <a:latin typeface="Consolas" panose="020B0609020204030204" pitchFamily="49" charset="0"/>
-              </a:rPr>
-              <a:t>elt1</a:t>
+              <a:t>#h1, elt1</a:t>
             </a:r>
             <a:endParaRPr lang="en-US">
               <a:latin typeface="Consolas" panose="020B0609020204030204" pitchFamily="49" charset="0"/>
@@ -21009,6 +21441,13 @@
   <p:clrMapOvr>
     <a:masterClrMapping/>
   </p:clrMapOvr>
+  <p:timing>
+    <p:tnLst>
+      <p:par>
+        <p:cTn id="1" dur="indefinite" restart="never" nodeType="tmRoot"/>
+      </p:par>
+    </p:tnLst>
+  </p:timing>
 </p:sld>
 </file>
 
@@ -21098,19 +21537,7 @@
               <a:rPr lang="en-US" sz="1600" smtClean="0">
                 <a:latin typeface="Consolas" panose="020B0609020204030204" pitchFamily="49" charset="0"/>
               </a:rPr>
-              <a:t>auto</a:t>
-            </a:r>
-            <a:r>
-              <a:rPr lang="en-US" sz="1600" smtClean="0">
-                <a:latin typeface="Consolas" panose="020B0609020204030204" pitchFamily="49" charset="0"/>
-              </a:rPr>
-              <a:t> </a:t>
-            </a:r>
-            <a:r>
-              <a:rPr lang="en-US" sz="1600" smtClean="0">
-                <a:latin typeface="Consolas" panose="020B0609020204030204" pitchFamily="49" charset="0"/>
-              </a:rPr>
-              <a:t>simple_orbit(T </a:t>
+              <a:t>auto simple_orbit(T </a:t>
             </a:r>
             <a:r>
               <a:rPr lang="en-US" sz="1600">
@@ -21494,12 +21921,6 @@
               </a:rPr>
               <a:t>IDom&lt;unsigned, 1, 7&gt;</a:t>
             </a:r>
-            <a:endParaRPr lang="en-US" sz="1600" smtClean="0">
-              <a:solidFill>
-                <a:srgbClr val="0000FF"/>
-              </a:solidFill>
-              <a:latin typeface="Consolas" panose="020B0609020204030204" pitchFamily="49" charset="0"/>
-            </a:endParaRPr>
           </a:p>
         </p:txBody>
       </p:sp>
@@ -21513,6 +21934,13 @@
   <p:clrMapOvr>
     <a:masterClrMapping/>
   </p:clrMapOvr>
+  <p:timing>
+    <p:tnLst>
+      <p:par>
+        <p:cTn id="1" dur="indefinite" restart="never" nodeType="tmRoot"/>
+      </p:par>
+    </p:tnLst>
+  </p:timing>
 </p:sld>
 </file>
 
@@ -21602,19 +22030,7 @@
               <a:rPr lang="en-US" sz="1600" smtClean="0">
                 <a:latin typeface="Consolas" panose="020B0609020204030204" pitchFamily="49" charset="0"/>
               </a:rPr>
-              <a:t>auto</a:t>
-            </a:r>
-            <a:r>
-              <a:rPr lang="en-US" sz="1600" smtClean="0">
-                <a:latin typeface="Consolas" panose="020B0609020204030204" pitchFamily="49" charset="0"/>
-              </a:rPr>
-              <a:t> </a:t>
-            </a:r>
-            <a:r>
-              <a:rPr lang="en-US" sz="1600" smtClean="0">
-                <a:latin typeface="Consolas" panose="020B0609020204030204" pitchFamily="49" charset="0"/>
-              </a:rPr>
-              <a:t>simple_orbit(T </a:t>
+              <a:t>auto simple_orbit(T </a:t>
             </a:r>
             <a:r>
               <a:rPr lang="en-US" sz="1600">
@@ -21685,16 +22101,7 @@
                 </a:solidFill>
                 <a:latin typeface="Consolas" panose="020B0609020204030204" pitchFamily="49" charset="0"/>
               </a:rPr>
-              <a:t>// </a:t>
-            </a:r>
-            <a:r>
-              <a:rPr lang="en-US" sz="1600" smtClean="0">
-                <a:solidFill>
-                  <a:srgbClr val="0000FF"/>
-                </a:solidFill>
-                <a:latin typeface="Consolas" panose="020B0609020204030204" pitchFamily="49" charset="0"/>
-              </a:rPr>
-              <a:t>ok</a:t>
+              <a:t>// ok</a:t>
             </a:r>
             <a:r>
               <a:rPr lang="en-US" sz="1600" smtClean="0">
@@ -22009,6 +22416,13 @@
   <p:clrMapOvr>
     <a:masterClrMapping/>
   </p:clrMapOvr>
+  <p:timing>
+    <p:tnLst>
+      <p:par>
+        <p:cTn id="1" dur="indefinite" restart="never" nodeType="tmRoot"/>
+      </p:par>
+    </p:tnLst>
+  </p:timing>
 </p:sld>
 </file>
 
@@ -22477,6 +22891,13 @@
   <p:clrMapOvr>
     <a:masterClrMapping/>
   </p:clrMapOvr>
+  <p:timing>
+    <p:tnLst>
+      <p:par>
+        <p:cTn id="1" dur="indefinite" restart="never" nodeType="tmRoot"/>
+      </p:par>
+    </p:tnLst>
+  </p:timing>
 </p:sld>
 </file>
 
@@ -22603,7 +23024,59 @@
                 </a:solidFill>
                 <a:latin typeface="Consolas" panose="020B0609020204030204" pitchFamily="49" charset="0"/>
               </a:rPr>
-              <a:t>unordered_map&lt;typename T::type, </a:t>
+              <a:t>unordered_map&lt;typename T::type, Permutation&lt;T&gt;&gt;</a:t>
+            </a:r>
+            <a:r>
+              <a:rPr lang="en-US" sz="1600">
+                <a:solidFill>
+                  <a:srgbClr val="0000FF"/>
+                </a:solidFill>
+                <a:latin typeface="Consolas" panose="020B0609020204030204" pitchFamily="49" charset="0"/>
+              </a:rPr>
+              <a:t> </a:t>
+            </a:r>
+            <a:r>
+              <a:rPr lang="en-US" sz="1600">
+                <a:latin typeface="Consolas" panose="020B0609020204030204" pitchFamily="49" charset="0"/>
+              </a:rPr>
+              <a:t>orbit, next {</a:t>
+            </a:r>
+            <a:r>
+              <a:rPr lang="en-US" sz="1600">
+                <a:solidFill>
+                  <a:srgbClr val="0000FF"/>
+                </a:solidFill>
+                <a:latin typeface="Consolas" panose="020B0609020204030204" pitchFamily="49" charset="0"/>
+              </a:rPr>
+              <a:t>{ num, {} }</a:t>
+            </a:r>
+            <a:r>
+              <a:rPr lang="en-US" sz="1600">
+                <a:latin typeface="Consolas" panose="020B0609020204030204" pitchFamily="49" charset="0"/>
+              </a:rPr>
+              <a:t>};</a:t>
+            </a:r>
+            <a:br>
+              <a:rPr lang="en-US" sz="1600">
+                <a:latin typeface="Consolas" panose="020B0609020204030204" pitchFamily="49" charset="0"/>
+              </a:rPr>
+            </a:br>
+            <a:r>
+              <a:rPr lang="en-US" sz="1600">
+                <a:latin typeface="Consolas" panose="020B0609020204030204" pitchFamily="49" charset="0"/>
+              </a:rPr>
+              <a:t>  while (!next.empty()) {</a:t>
+            </a:r>
+            <a:br>
+              <a:rPr lang="en-US" sz="1600">
+                <a:latin typeface="Consolas" panose="020B0609020204030204" pitchFamily="49" charset="0"/>
+              </a:rPr>
+            </a:br>
+            <a:r>
+              <a:rPr lang="en-US" sz="1600">
+                <a:latin typeface="Consolas" panose="020B0609020204030204" pitchFamily="49" charset="0"/>
+              </a:rPr>
+              <a:t>    </a:t>
             </a:r>
             <a:r>
               <a:rPr lang="fr-FR" sz="1600">
@@ -22612,22 +23085,90 @@
                 </a:solidFill>
                 <a:latin typeface="Consolas" panose="020B0609020204030204" pitchFamily="49" charset="0"/>
               </a:rPr>
-              <a:t>Permutation&lt;T&gt;&gt;</a:t>
-            </a:r>
-            <a:r>
-              <a:rPr lang="en-US" sz="1600">
+              <a:t>unordered_map&lt;typename T::type, Permutation&lt;T&gt;&gt;</a:t>
+            </a:r>
+            <a:r>
+              <a:rPr lang="en-US" sz="1600">
+                <a:latin typeface="Consolas" panose="020B0609020204030204" pitchFamily="49" charset="0"/>
+              </a:rPr>
+              <a:t> tmp {};</a:t>
+            </a:r>
+            <a:br>
+              <a:rPr lang="en-US" sz="1600">
+                <a:latin typeface="Consolas" panose="020B0609020204030204" pitchFamily="49" charset="0"/>
+              </a:rPr>
+            </a:br>
+            <a:r>
+              <a:rPr lang="en-US" sz="1600">
+                <a:latin typeface="Consolas" panose="020B0609020204030204" pitchFamily="49" charset="0"/>
+              </a:rPr>
+              <a:t>    orbit.insert(next.begin(), next.end());</a:t>
+            </a:r>
+            <a:br>
+              <a:rPr lang="en-US" sz="1600">
+                <a:latin typeface="Consolas" panose="020B0609020204030204" pitchFamily="49" charset="0"/>
+              </a:rPr>
+            </a:br>
+            <a:r>
+              <a:rPr lang="en-US" sz="1600">
+                <a:latin typeface="Consolas" panose="020B0609020204030204" pitchFamily="49" charset="0"/>
+              </a:rPr>
+              <a:t>    for (auto&amp;&amp; [elem, curgen] : next)</a:t>
+            </a:r>
+            <a:br>
+              <a:rPr lang="en-US" sz="1600">
+                <a:latin typeface="Consolas" panose="020B0609020204030204" pitchFamily="49" charset="0"/>
+              </a:rPr>
+            </a:br>
+            <a:r>
+              <a:rPr lang="en-US" sz="1600">
+                <a:latin typeface="Consolas" panose="020B0609020204030204" pitchFamily="49" charset="0"/>
+              </a:rPr>
+              <a:t>      for (auto igen = gensbeg; igen != gensend; ++igen</a:t>
+            </a:r>
+            <a:r>
+              <a:rPr lang="en-US" sz="1600" smtClean="0">
+                <a:latin typeface="Consolas" panose="020B0609020204030204" pitchFamily="49" charset="0"/>
+              </a:rPr>
+              <a:t>)        </a:t>
+            </a:r>
+            <a:r>
+              <a:rPr lang="en-US" sz="1600">
+                <a:latin typeface="Consolas" panose="020B0609020204030204" pitchFamily="49" charset="0"/>
+              </a:rPr>
+              <a:t/>
+            </a:r>
+            <a:br>
+              <a:rPr lang="en-US" sz="1600">
+                <a:latin typeface="Consolas" panose="020B0609020204030204" pitchFamily="49" charset="0"/>
+              </a:rPr>
+            </a:br>
+            <a:r>
+              <a:rPr lang="en-US" sz="1600">
+                <a:latin typeface="Consolas" panose="020B0609020204030204" pitchFamily="49" charset="0"/>
+              </a:rPr>
+              <a:t>        if </a:t>
+            </a:r>
+            <a:r>
+              <a:rPr lang="en-US" sz="1600" smtClean="0">
+                <a:latin typeface="Consolas" panose="020B0609020204030204" pitchFamily="49" charset="0"/>
+              </a:rPr>
+              <a:t>(</a:t>
+            </a:r>
+            <a:r>
+              <a:rPr lang="en-US" sz="1600">
+                <a:latin typeface="Consolas" panose="020B0609020204030204" pitchFamily="49" charset="0"/>
+              </a:rPr>
+              <a:t>auto newelem = igen-&gt;apply(elem); </a:t>
+            </a:r>
+            <a:r>
+              <a:rPr lang="en-US" sz="1600" smtClean="0">
                 <a:solidFill>
                   <a:srgbClr val="0000FF"/>
                 </a:solidFill>
                 <a:latin typeface="Consolas" panose="020B0609020204030204" pitchFamily="49" charset="0"/>
               </a:rPr>
-              <a:t> </a:t>
-            </a:r>
-            <a:r>
-              <a:rPr lang="en-US" sz="1600">
-                <a:latin typeface="Consolas" panose="020B0609020204030204" pitchFamily="49" charset="0"/>
-              </a:rPr>
-              <a:t>orbit, next {</a:t>
+              <a:t>orbit.find(newelem</a:t>
             </a:r>
             <a:r>
               <a:rPr lang="en-US" sz="1600">
@@ -22636,127 +23177,48 @@
                 </a:solidFill>
                 <a:latin typeface="Consolas" panose="020B0609020204030204" pitchFamily="49" charset="0"/>
               </a:rPr>
-              <a:t>{ num, {} }</a:t>
-            </a:r>
-            <a:r>
-              <a:rPr lang="en-US" sz="1600">
-                <a:latin typeface="Consolas" panose="020B0609020204030204" pitchFamily="49" charset="0"/>
-              </a:rPr>
-              <a:t>};</a:t>
-            </a:r>
-            <a:br>
-              <a:rPr lang="en-US" sz="1600">
-                <a:latin typeface="Consolas" panose="020B0609020204030204" pitchFamily="49" charset="0"/>
-              </a:rPr>
-            </a:br>
-            <a:r>
-              <a:rPr lang="en-US" sz="1600">
-                <a:latin typeface="Consolas" panose="020B0609020204030204" pitchFamily="49" charset="0"/>
-              </a:rPr>
-              <a:t>  while (!next.empty()) {</a:t>
-            </a:r>
-            <a:br>
-              <a:rPr lang="en-US" sz="1600">
-                <a:latin typeface="Consolas" panose="020B0609020204030204" pitchFamily="49" charset="0"/>
-              </a:rPr>
-            </a:br>
-            <a:r>
-              <a:rPr lang="en-US" sz="1600">
-                <a:latin typeface="Consolas" panose="020B0609020204030204" pitchFamily="49" charset="0"/>
-              </a:rPr>
-              <a:t>    </a:t>
-            </a:r>
-            <a:r>
-              <a:rPr lang="fr-FR" sz="1600">
+              <a:t>)</a:t>
+            </a:r>
+            <a:r>
+              <a:rPr lang="en-US" sz="1600">
+                <a:latin typeface="Consolas" panose="020B0609020204030204" pitchFamily="49" charset="0"/>
+              </a:rPr>
+              <a:t> == orbit.end())</a:t>
+            </a:r>
+            <a:br>
+              <a:rPr lang="en-US" sz="1600">
+                <a:latin typeface="Consolas" panose="020B0609020204030204" pitchFamily="49" charset="0"/>
+              </a:rPr>
+            </a:br>
+            <a:r>
+              <a:rPr lang="en-US" sz="1600">
+                <a:latin typeface="Consolas" panose="020B0609020204030204" pitchFamily="49" charset="0"/>
+              </a:rPr>
+              <a:t>          </a:t>
+            </a:r>
+            <a:r>
+              <a:rPr lang="en-US" sz="1600" smtClean="0">
+                <a:latin typeface="Consolas" panose="020B0609020204030204" pitchFamily="49" charset="0"/>
+              </a:rPr>
+              <a:t>tmp.emplace(</a:t>
+            </a:r>
+            <a:r>
+              <a:rPr lang="en-US" sz="1600" smtClean="0">
                 <a:solidFill>
                   <a:srgbClr val="0000FF"/>
                 </a:solidFill>
                 <a:latin typeface="Consolas" panose="020B0609020204030204" pitchFamily="49" charset="0"/>
               </a:rPr>
-              <a:t>unordered_map&lt;typename T::type, </a:t>
-            </a:r>
-            <a:r>
-              <a:rPr lang="fr-FR" sz="1600">
+              <a:t>newelem</a:t>
+            </a:r>
+            <a:r>
+              <a:rPr lang="en-US" sz="1600">
                 <a:solidFill>
                   <a:srgbClr val="0000FF"/>
                 </a:solidFill>
                 <a:latin typeface="Consolas" panose="020B0609020204030204" pitchFamily="49" charset="0"/>
               </a:rPr>
-              <a:t>Permutation&lt;T&gt;&gt;</a:t>
-            </a:r>
-            <a:r>
-              <a:rPr lang="en-US" sz="1600">
-                <a:latin typeface="Consolas" panose="020B0609020204030204" pitchFamily="49" charset="0"/>
-              </a:rPr>
-              <a:t> tmp {};</a:t>
-            </a:r>
-            <a:br>
-              <a:rPr lang="en-US" sz="1600">
-                <a:latin typeface="Consolas" panose="020B0609020204030204" pitchFamily="49" charset="0"/>
-              </a:rPr>
-            </a:br>
-            <a:r>
-              <a:rPr lang="en-US" sz="1600">
-                <a:latin typeface="Consolas" panose="020B0609020204030204" pitchFamily="49" charset="0"/>
-              </a:rPr>
-              <a:t>    orbit.insert(next.begin(), next.end());</a:t>
-            </a:r>
-            <a:br>
-              <a:rPr lang="en-US" sz="1600">
-                <a:latin typeface="Consolas" panose="020B0609020204030204" pitchFamily="49" charset="0"/>
-              </a:rPr>
-            </a:br>
-            <a:r>
-              <a:rPr lang="en-US" sz="1600">
-                <a:latin typeface="Consolas" panose="020B0609020204030204" pitchFamily="49" charset="0"/>
-              </a:rPr>
-              <a:t>    for (auto&amp;&amp; [elem, curgen] : next)</a:t>
-            </a:r>
-            <a:br>
-              <a:rPr lang="en-US" sz="1600">
-                <a:latin typeface="Consolas" panose="020B0609020204030204" pitchFamily="49" charset="0"/>
-              </a:rPr>
-            </a:br>
-            <a:r>
-              <a:rPr lang="en-US" sz="1600">
-                <a:latin typeface="Consolas" panose="020B0609020204030204" pitchFamily="49" charset="0"/>
-              </a:rPr>
-              <a:t>      for (auto igen = gensbeg; igen != gensend; ++igen</a:t>
-            </a:r>
-            <a:r>
-              <a:rPr lang="en-US" sz="1600" smtClean="0">
-                <a:latin typeface="Consolas" panose="020B0609020204030204" pitchFamily="49" charset="0"/>
-              </a:rPr>
-              <a:t>)        </a:t>
-            </a:r>
-            <a:r>
-              <a:rPr lang="en-US" sz="1600">
-                <a:latin typeface="Consolas" panose="020B0609020204030204" pitchFamily="49" charset="0"/>
-              </a:rPr>
-              <a:t/>
-            </a:r>
-            <a:br>
-              <a:rPr lang="en-US" sz="1600">
-                <a:latin typeface="Consolas" panose="020B0609020204030204" pitchFamily="49" charset="0"/>
-              </a:rPr>
-            </a:br>
-            <a:r>
-              <a:rPr lang="en-US" sz="1600">
-                <a:latin typeface="Consolas" panose="020B0609020204030204" pitchFamily="49" charset="0"/>
-              </a:rPr>
-              <a:t>        if </a:t>
-            </a:r>
-            <a:r>
-              <a:rPr lang="en-US" sz="1600" smtClean="0">
-                <a:latin typeface="Consolas" panose="020B0609020204030204" pitchFamily="49" charset="0"/>
-              </a:rPr>
-              <a:t>(</a:t>
-            </a:r>
-            <a:r>
-              <a:rPr lang="en-US" sz="1600">
-                <a:latin typeface="Consolas" panose="020B0609020204030204" pitchFamily="49" charset="0"/>
-              </a:rPr>
-              <a:t>auto newelem = igen-&gt;apply(elem); </a:t>
+              <a:t>, product(curgen, *igen</a:t>
             </a:r>
             <a:r>
               <a:rPr lang="en-US" sz="1600" smtClean="0">
@@ -22765,68 +23227,9 @@
                 </a:solidFill>
                 <a:latin typeface="Consolas" panose="020B0609020204030204" pitchFamily="49" charset="0"/>
               </a:rPr>
-              <a:t>orbit.find(newelem</a:t>
-            </a:r>
-            <a:r>
-              <a:rPr lang="en-US" sz="1600">
-                <a:solidFill>
-                  <a:srgbClr val="0000FF"/>
-                </a:solidFill>
-                <a:latin typeface="Consolas" panose="020B0609020204030204" pitchFamily="49" charset="0"/>
-              </a:rPr>
               <a:t>)</a:t>
             </a:r>
             <a:r>
-              <a:rPr lang="en-US" sz="1600">
-                <a:latin typeface="Consolas" panose="020B0609020204030204" pitchFamily="49" charset="0"/>
-              </a:rPr>
-              <a:t> == orbit.end())</a:t>
-            </a:r>
-            <a:br>
-              <a:rPr lang="en-US" sz="1600">
-                <a:latin typeface="Consolas" panose="020B0609020204030204" pitchFamily="49" charset="0"/>
-              </a:rPr>
-            </a:br>
-            <a:r>
-              <a:rPr lang="en-US" sz="1600">
-                <a:latin typeface="Consolas" panose="020B0609020204030204" pitchFamily="49" charset="0"/>
-              </a:rPr>
-              <a:t>          </a:t>
-            </a:r>
-            <a:r>
-              <a:rPr lang="en-US" sz="1600" smtClean="0">
-                <a:latin typeface="Consolas" panose="020B0609020204030204" pitchFamily="49" charset="0"/>
-              </a:rPr>
-              <a:t>tmp.emplace(</a:t>
-            </a:r>
-            <a:r>
-              <a:rPr lang="en-US" sz="1600" smtClean="0">
-                <a:solidFill>
-                  <a:srgbClr val="0000FF"/>
-                </a:solidFill>
-                <a:latin typeface="Consolas" panose="020B0609020204030204" pitchFamily="49" charset="0"/>
-              </a:rPr>
-              <a:t>newelem</a:t>
-            </a:r>
-            <a:r>
-              <a:rPr lang="en-US" sz="1600">
-                <a:solidFill>
-                  <a:srgbClr val="0000FF"/>
-                </a:solidFill>
-                <a:latin typeface="Consolas" panose="020B0609020204030204" pitchFamily="49" charset="0"/>
-              </a:rPr>
-              <a:t>, product(curgen, *igen</a:t>
-            </a:r>
-            <a:r>
-              <a:rPr lang="en-US" sz="1600" smtClean="0">
-                <a:solidFill>
-                  <a:srgbClr val="0000FF"/>
-                </a:solidFill>
-                <a:latin typeface="Consolas" panose="020B0609020204030204" pitchFamily="49" charset="0"/>
-              </a:rPr>
-              <a:t>)</a:t>
-            </a:r>
-            <a:r>
               <a:rPr lang="en-US" sz="1600" smtClean="0">
                 <a:latin typeface="Consolas" panose="020B0609020204030204" pitchFamily="49" charset="0"/>
               </a:rPr>
@@ -22886,27 +23289,7 @@
           <a:p>
             <a:r>
               <a:rPr lang="ru-RU" sz="2000" smtClean="0"/>
-              <a:t>Как правило, если ничего не упало, значит </a:t>
-            </a:r>
-            <a:r>
-              <a:rPr lang="ru-RU" sz="2000" smtClean="0"/>
-              <a:t>вы, возможно, </a:t>
-            </a:r>
-            <a:r>
-              <a:rPr lang="ru-RU" sz="2000" smtClean="0"/>
-              <a:t>выиграли </a:t>
-            </a:r>
-            <a:r>
-              <a:rPr lang="ru-RU" sz="2000" smtClean="0"/>
-              <a:t>немного </a:t>
-            </a:r>
-            <a:r>
-              <a:rPr lang="ru-RU" sz="2000" smtClean="0"/>
-              <a:t>производительности. А если упало, то увидели, где используете </a:t>
-            </a:r>
-            <a:r>
-              <a:rPr lang="ru-RU" sz="2000" smtClean="0"/>
-              <a:t>упорядоченность.</a:t>
+              <a:t>Как правило, если ничего не упало, значит вы, возможно, выиграли немного производительности. А если упало, то увидели, где используете упорядоченность.</a:t>
             </a:r>
             <a:endParaRPr lang="en-US" sz="1600"/>
           </a:p>
@@ -22922,6 +23305,13 @@
   <p:clrMapOvr>
     <a:masterClrMapping/>
   </p:clrMapOvr>
+  <p:timing>
+    <p:tnLst>
+      <p:par>
+        <p:cTn id="1" dur="indefinite" restart="never" nodeType="tmRoot"/>
+      </p:par>
+    </p:tnLst>
+  </p:timing>
 </p:sld>
 </file>
 
@@ -23021,6 +23411,13 @@
   <p:clrMapOvr>
     <a:masterClrMapping/>
   </p:clrMapOvr>
+  <p:timing>
+    <p:tnLst>
+      <p:par>
+        <p:cTn id="1" dur="indefinite" restart="never" nodeType="tmRoot"/>
+      </p:par>
+    </p:tnLst>
+  </p:timing>
 </p:sld>
 </file>
 
@@ -23166,6 +23563,13 @@
   <p:clrMapOvr>
     <a:masterClrMapping/>
   </p:clrMapOvr>
+  <p:timing>
+    <p:tnLst>
+      <p:par>
+        <p:cTn id="1" dur="indefinite" restart="never" nodeType="tmRoot"/>
+      </p:par>
+    </p:tnLst>
+  </p:timing>
 </p:sld>
 </file>
 
@@ -23205,7 +23609,19 @@
               <a:rPr lang="ru-RU" smtClean="0"/>
               <a:t>Тест производительности</a:t>
             </a:r>
-            <a:endParaRPr lang="en-US"/>
+            <a:r>
+              <a:rPr lang="en-US" smtClean="0"/>
+              <a:t> #</a:t>
+            </a:r>
+            <a:r>
+              <a:rPr lang="en-US" smtClean="0">
+                <a:latin typeface="Consolas" panose="020B0609020204030204" pitchFamily="49" charset="0"/>
+              </a:rPr>
+              <a:t>1</a:t>
+            </a:r>
+            <a:endParaRPr lang="en-US">
+              <a:latin typeface="Consolas" panose="020B0609020204030204" pitchFamily="49" charset="0"/>
+            </a:endParaRPr>
           </a:p>
         </p:txBody>
       </p:sp>
@@ -23225,31 +23641,25 @@
           <a:lstStyle/>
           <a:p>
             <a:r>
-              <a:rPr lang="ru-RU" smtClean="0"/>
+              <a:rPr lang="ru-RU"/>
               <a:t>Структуры данных</a:t>
             </a:r>
           </a:p>
           <a:p>
             <a:pPr lvl="1"/>
             <a:r>
+              <a:rPr lang="en-US"/>
+              <a:t>map&lt;string</a:t>
+            </a:r>
+            <a:r>
+              <a:rPr lang="en-US"/>
+              <a:t>, </a:t>
+            </a:r>
+            <a:r>
               <a:rPr lang="en-US" smtClean="0"/>
-              <a:t>map&lt;string, vector&lt;string&gt;&gt;</a:t>
-            </a:r>
-          </a:p>
-          <a:p>
-            <a:pPr lvl="1"/>
-            <a:r>
-              <a:rPr lang="en-US" smtClean="0"/>
-              <a:t>multimap</a:t>
-            </a:r>
-            <a:r>
-              <a:rPr lang="en-US"/>
-              <a:t>&lt;string</a:t>
-            </a:r>
-            <a:r>
-              <a:rPr lang="en-US" smtClean="0"/>
-              <a:t>, string&gt;</a:t>
-            </a:r>
+              <a:t>string&gt; </a:t>
+            </a:r>
+            <a:endParaRPr lang="en-US"/>
           </a:p>
           <a:p>
             <a:pPr lvl="1"/>
@@ -23259,83 +23669,78 @@
             </a:r>
             <a:r>
               <a:rPr lang="en-US"/>
-              <a:t>, vector&lt;string&gt;&gt;</a:t>
-            </a:r>
+              <a:t>, </a:t>
+            </a:r>
+            <a:r>
+              <a:rPr lang="en-US" smtClean="0"/>
+              <a:t>string&gt;</a:t>
+            </a:r>
+            <a:endParaRPr lang="en-US"/>
+          </a:p>
+          <a:p>
+            <a:r>
+              <a:rPr lang="ru-RU" smtClean="0"/>
+              <a:t>Сценарий работы</a:t>
+            </a:r>
+            <a:endParaRPr lang="ru-RU"/>
           </a:p>
           <a:p>
             <a:pPr lvl="1"/>
             <a:r>
-              <a:rPr lang="en-US"/>
-              <a:t>unordered_</a:t>
-            </a:r>
-            <a:r>
-              <a:rPr lang="en-US" smtClean="0"/>
-              <a:t>multimap&lt;string</a:t>
-            </a:r>
-            <a:r>
-              <a:rPr lang="en-US"/>
-              <a:t>, string</a:t>
-            </a:r>
-            <a:r>
-              <a:rPr lang="en-US" smtClean="0"/>
-              <a:t>&gt;</a:t>
-            </a:r>
-          </a:p>
-          <a:p>
-            <a:r>
-              <a:rPr lang="ru-RU" smtClean="0"/>
-              <a:t>Сценарий работы: </a:t>
-            </a:r>
+              <a:rPr lang="ru-RU"/>
+              <a:t>Генерируются разные </a:t>
+            </a:r>
+            <a:r>
+              <a:rPr lang="ru-RU"/>
+              <a:t>случайные </a:t>
+            </a:r>
+            <a:r>
+              <a:rPr lang="ru-RU" smtClean="0"/>
+              <a:t>ключи. </a:t>
+            </a:r>
+            <a:r>
+              <a:rPr lang="ru-RU"/>
+              <a:t>Отображения заполняются</a:t>
+            </a:r>
+            <a:r>
+              <a:rPr lang="ru-RU"/>
+              <a:t>. </a:t>
+            </a:r>
+            <a:endParaRPr lang="ru-RU" smtClean="0"/>
           </a:p>
           <a:p>
             <a:pPr lvl="1"/>
             <a:r>
-              <a:rPr lang="ru-RU"/>
-              <a:t>Г</a:t>
-            </a:r>
-            <a:r>
-              <a:rPr lang="ru-RU" smtClean="0"/>
-              <a:t>енерируются разные случайные ключи (но общим количество существенно меньше чем размер отображения). Отображения заполняются. </a:t>
-            </a:r>
-          </a:p>
-          <a:p>
-            <a:pPr lvl="1"/>
-            <a:r>
-              <a:rPr lang="ru-RU" smtClean="0"/>
-              <a:t>Далее генерируются ключи для поиска. Они ищутся в отображениях и все значения с таким ключом делаются равными</a:t>
-            </a:r>
-            <a:r>
-              <a:rPr lang="ru-RU" smtClean="0"/>
-              <a:t>.</a:t>
-            </a:r>
-          </a:p>
-          <a:p>
-            <a:r>
-              <a:rPr lang="en-US" smtClean="0"/>
-              <a:t>Demo: </a:t>
-            </a:r>
-            <a:r>
-              <a:rPr lang="en-US" smtClean="0">
-                <a:latin typeface="Consolas" panose="020B0609020204030204" pitchFamily="49" charset="0"/>
-              </a:rPr>
-              <a:t>10-string-maps.cc</a:t>
-            </a:r>
-            <a:endParaRPr lang="en-US">
-              <a:latin typeface="Consolas" panose="020B0609020204030204" pitchFamily="49" charset="0"/>
-            </a:endParaRPr>
+              <a:rPr lang="ru-RU" smtClean="0"/>
+              <a:t>Далее генерируются случайные ключи, ищутся в отображении и значения на месте изменяются на случайные</a:t>
+            </a:r>
+          </a:p>
+          <a:p>
+            <a:r>
+              <a:rPr lang="ru-RU" smtClean="0"/>
+              <a:t>Результаты вполне ожидаемые</a:t>
+            </a:r>
+            <a:endParaRPr lang="ru-RU"/>
           </a:p>
         </p:txBody>
       </p:sp>
     </p:spTree>
     <p:extLst>
       <p:ext uri="{BB962C8B-B14F-4D97-AF65-F5344CB8AC3E}">
-        <p14:creationId xmlns:p14="http://schemas.microsoft.com/office/powerpoint/2010/main" val="3128593365"/>
+        <p14:creationId xmlns:p14="http://schemas.microsoft.com/office/powerpoint/2010/main" val="2751530286"/>
       </p:ext>
     </p:extLst>
   </p:cSld>
   <p:clrMapOvr>
     <a:masterClrMapping/>
   </p:clrMapOvr>
+  <p:timing>
+    <p:tnLst>
+      <p:par>
+        <p:cTn id="1" dur="indefinite" restart="never" nodeType="tmRoot"/>
+      </p:par>
+    </p:tnLst>
+  </p:timing>
 </p:sld>
 </file>
 
@@ -23431,13 +23836,7 @@
               <a:rPr lang="en-US" sz="1600" smtClean="0">
                 <a:latin typeface="Consolas" panose="020B0609020204030204" pitchFamily="49" charset="0"/>
               </a:rPr>
-              <a:t>auto </a:t>
-            </a:r>
-            <a:r>
-              <a:rPr lang="en-US" sz="1600" smtClean="0">
-                <a:latin typeface="Consolas" panose="020B0609020204030204" pitchFamily="49" charset="0"/>
-              </a:rPr>
-              <a:t>simple_orbit(T </a:t>
+              <a:t>auto simple_orbit(T </a:t>
             </a:r>
             <a:r>
               <a:rPr lang="en-US" sz="1600">
@@ -23906,6 +24305,13 @@
   <p:clrMapOvr>
     <a:masterClrMapping/>
   </p:clrMapOvr>
+  <p:timing>
+    <p:tnLst>
+      <p:par>
+        <p:cTn id="1" dur="indefinite" restart="never" nodeType="tmRoot"/>
+      </p:par>
+    </p:tnLst>
+  </p:timing>
 </p:sld>
 </file>
 
@@ -23945,6 +24351,20 @@
               <a:rPr lang="ru-RU" smtClean="0"/>
               <a:t>Тест производительности</a:t>
             </a:r>
+            <a:r>
+              <a:rPr lang="en-US" smtClean="0"/>
+              <a:t> </a:t>
+            </a:r>
+            <a:r>
+              <a:rPr lang="en-US"/>
+              <a:t>#</a:t>
+            </a:r>
+            <a:r>
+              <a:rPr lang="en-US">
+                <a:latin typeface="Consolas" panose="020B0609020204030204" pitchFamily="49" charset="0"/>
+              </a:rPr>
+              <a:t>1</a:t>
+            </a:r>
             <a:endParaRPr lang="en-US"/>
           </a:p>
         </p:txBody>
@@ -23965,26 +24385,63 @@
           <a:lstStyle/>
           <a:p>
             <a:r>
-              <a:rPr lang="ru-RU" smtClean="0"/>
-              <a:t>Результаты</a:t>
+              <a:rPr lang="ru-RU"/>
+              <a:t>Структуры данных</a:t>
             </a:r>
           </a:p>
           <a:p>
             <a:pPr lvl="1"/>
             <a:r>
               <a:rPr lang="en-US"/>
-              <a:t>unordered_map&lt;string, vector&lt;string</a:t>
+              <a:t>map&lt;string</a:t>
+            </a:r>
+            <a:r>
+              <a:rPr lang="en-US"/>
+              <a:t>, </a:t>
             </a:r>
             <a:r>
               <a:rPr lang="en-US" smtClean="0"/>
-              <a:t>&gt;&gt;</a:t>
-            </a:r>
-            <a:r>
-              <a:rPr lang="ru-RU" smtClean="0"/>
-              <a:t> </a:t>
-            </a:r>
-            <a:r>
-              <a:rPr lang="en-US" smtClean="0">
+              <a:t>string&gt; </a:t>
+            </a:r>
+            <a:r>
+              <a:rPr lang="en-US" smtClean="0">
+                <a:latin typeface="Consolas" panose="020B0609020204030204" pitchFamily="49" charset="0"/>
+              </a:rPr>
+              <a:t>(</a:t>
+            </a:r>
+            <a:r>
+              <a:rPr lang="en-US" smtClean="0">
+                <a:solidFill>
+                  <a:srgbClr val="FF0000"/>
+                </a:solidFill>
+                <a:latin typeface="Consolas" panose="020B0609020204030204" pitchFamily="49" charset="0"/>
+              </a:rPr>
+              <a:t>4.993</a:t>
+            </a:r>
+            <a:r>
+              <a:rPr lang="en-US" smtClean="0">
+                <a:latin typeface="Consolas" panose="020B0609020204030204" pitchFamily="49" charset="0"/>
+              </a:rPr>
+              <a:t>)</a:t>
+            </a:r>
+            <a:endParaRPr lang="en-US"/>
+          </a:p>
+          <a:p>
+            <a:pPr lvl="1"/>
+            <a:r>
+              <a:rPr lang="en-US" smtClean="0"/>
+              <a:t>unordered_map&lt;string</a:t>
+            </a:r>
+            <a:r>
+              <a:rPr lang="en-US"/>
+              <a:t>, </a:t>
+            </a:r>
+            <a:r>
+              <a:rPr lang="en-US" smtClean="0"/>
+              <a:t>string&gt; </a:t>
+            </a:r>
+            <a:r>
+              <a:rPr lang="en-US">
                 <a:latin typeface="Consolas" panose="020B0609020204030204" pitchFamily="49" charset="0"/>
               </a:rPr>
               <a:t>(</a:t>
@@ -23996,7 +24453,7 @@
                 </a:solidFill>
                 <a:latin typeface="Consolas" panose="020B0609020204030204" pitchFamily="49" charset="0"/>
               </a:rPr>
-              <a:t>0.775</a:t>
+              <a:t>4.197</a:t>
             </a:r>
             <a:r>
               <a:rPr lang="en-US" smtClean="0">
@@ -24004,143 +24461,103 @@
               </a:rPr>
               <a:t>)</a:t>
             </a:r>
-            <a:endParaRPr lang="en-US">
-              <a:latin typeface="Consolas" panose="020B0609020204030204" pitchFamily="49" charset="0"/>
-            </a:endParaRPr>
+            <a:endParaRPr lang="en-US"/>
+          </a:p>
+          <a:p>
+            <a:r>
+              <a:rPr lang="ru-RU" smtClean="0"/>
+              <a:t>Сценарий работы</a:t>
+            </a:r>
+            <a:endParaRPr lang="ru-RU"/>
           </a:p>
           <a:p>
             <a:pPr lvl="1"/>
             <a:r>
+              <a:rPr lang="ru-RU"/>
+              <a:t>Генерируются разные </a:t>
+            </a:r>
+            <a:r>
+              <a:rPr lang="ru-RU"/>
+              <a:t>случайные </a:t>
+            </a:r>
+            <a:r>
+              <a:rPr lang="ru-RU" smtClean="0"/>
+              <a:t>ключи. </a:t>
+            </a:r>
+            <a:r>
+              <a:rPr lang="ru-RU"/>
+              <a:t>Отображения заполняются</a:t>
+            </a:r>
+            <a:r>
+              <a:rPr lang="ru-RU"/>
+              <a:t>. </a:t>
+            </a:r>
+            <a:endParaRPr lang="ru-RU" smtClean="0"/>
+          </a:p>
+          <a:p>
+            <a:pPr lvl="1"/>
+            <a:r>
+              <a:rPr lang="ru-RU" smtClean="0"/>
+              <a:t>Далее генерируются случайные ключи, ищутся в отображении и значения на месте изменяются на случайные</a:t>
+            </a:r>
+          </a:p>
+          <a:p>
+            <a:r>
+              <a:rPr lang="ru-RU" smtClean="0"/>
+              <a:t>Результаты вполне ожидаемые</a:t>
+            </a:r>
+            <a:endParaRPr lang="en-US" smtClean="0"/>
+          </a:p>
+          <a:p>
+            <a:pPr lvl="1"/>
+            <a:r>
               <a:rPr lang="en-US" smtClean="0"/>
-              <a:t>map&lt;string, vector&lt;string&gt;&gt; </a:t>
-            </a:r>
-            <a:r>
-              <a:rPr lang="en-US">
-                <a:latin typeface="Consolas" panose="020B0609020204030204" pitchFamily="49" charset="0"/>
-              </a:rPr>
-              <a:t>(</a:t>
-            </a:r>
-            <a:r>
-              <a:rPr lang="en-US" smtClean="0">
-                <a:latin typeface="Consolas" panose="020B0609020204030204" pitchFamily="49" charset="0"/>
-              </a:rPr>
-              <a:t>0.926)</a:t>
-            </a:r>
-            <a:endParaRPr lang="ru-RU" smtClean="0"/>
+              <a:t>unordered_map </a:t>
+            </a:r>
+            <a:r>
+              <a:rPr lang="ru-RU" smtClean="0"/>
+              <a:t>несколько лучше чем </a:t>
+            </a:r>
+            <a:r>
+              <a:rPr lang="en-US" smtClean="0"/>
+              <a:t>map, </a:t>
+            </a:r>
+            <a:r>
+              <a:rPr lang="ru-RU" smtClean="0"/>
+              <a:t>ну он так для этого и сделан</a:t>
+            </a:r>
           </a:p>
           <a:p>
             <a:pPr lvl="1"/>
             <a:r>
-              <a:rPr lang="en-US"/>
-              <a:t>unordered_multimap&lt;string, string</a:t>
+              <a:rPr lang="ru-RU" smtClean="0"/>
+              <a:t>Вопрос как честно добавить к тестированию </a:t>
             </a:r>
             <a:r>
               <a:rPr lang="en-US" smtClean="0"/>
-              <a:t>&gt; </a:t>
-            </a:r>
-            <a:r>
-              <a:rPr lang="en-US" smtClean="0">
-                <a:latin typeface="Consolas" panose="020B0609020204030204" pitchFamily="49" charset="0"/>
-              </a:rPr>
-              <a:t>(3.769)</a:t>
-            </a:r>
-            <a:endParaRPr lang="en-US"/>
-          </a:p>
-          <a:p>
-            <a:pPr lvl="1"/>
-            <a:r>
-              <a:rPr lang="en-US" smtClean="0"/>
-              <a:t>multimap&lt;string, string&gt; </a:t>
-            </a:r>
-            <a:r>
-              <a:rPr lang="en-US" smtClean="0">
-                <a:latin typeface="Consolas" panose="020B0609020204030204" pitchFamily="49" charset="0"/>
-              </a:rPr>
-              <a:t>(</a:t>
-            </a:r>
-            <a:r>
-              <a:rPr lang="en-US" smtClean="0">
-                <a:solidFill>
-                  <a:srgbClr val="FF0000"/>
-                </a:solidFill>
-                <a:latin typeface="Consolas" panose="020B0609020204030204" pitchFamily="49" charset="0"/>
-              </a:rPr>
-              <a:t>4.274</a:t>
-            </a:r>
-            <a:r>
-              <a:rPr lang="en-US" smtClean="0">
-                <a:latin typeface="Consolas" panose="020B0609020204030204" pitchFamily="49" charset="0"/>
-              </a:rPr>
-              <a:t>)</a:t>
-            </a:r>
-            <a:endParaRPr lang="en-US" smtClean="0"/>
-          </a:p>
-          <a:p>
-            <a:r>
-              <a:rPr lang="ru-RU" smtClean="0"/>
-              <a:t>Сценарий работы: </a:t>
-            </a:r>
-          </a:p>
-          <a:p>
-            <a:pPr lvl="1"/>
-            <a:r>
-              <a:rPr lang="ru-RU"/>
-              <a:t>Г</a:t>
-            </a:r>
-            <a:r>
-              <a:rPr lang="ru-RU" smtClean="0"/>
-              <a:t>енерируются разные случайные ключи (но общим количество существенно меньше чем размер отображения). Отображения заполняются. </a:t>
-            </a:r>
-          </a:p>
-          <a:p>
-            <a:pPr lvl="1"/>
-            <a:r>
-              <a:rPr lang="ru-RU" smtClean="0"/>
-              <a:t>Далее генерируются ключи для поиска. Они ищутся в отображениях и все значения с таким ключом делаются равными.</a:t>
-            </a:r>
-          </a:p>
-          <a:p>
-            <a:r>
-              <a:rPr lang="ru-RU" smtClean="0"/>
-              <a:t>Разница в зависимости от контейнера </a:t>
-            </a:r>
-            <a:r>
-              <a:rPr lang="ru-RU" smtClean="0">
-                <a:latin typeface="Corbel" panose="020B0503020204020204" pitchFamily="34" charset="0"/>
-              </a:rPr>
-              <a:t>–</a:t>
-            </a:r>
-            <a:r>
-              <a:rPr lang="ru-RU" smtClean="0"/>
-              <a:t> в </a:t>
-            </a:r>
-            <a:r>
-              <a:rPr lang="ru-RU" smtClean="0">
-                <a:solidFill>
-                  <a:srgbClr val="FF0000"/>
-                </a:solidFill>
-                <a:latin typeface="Consolas" panose="020B0609020204030204" pitchFamily="49" charset="0"/>
-              </a:rPr>
-              <a:t>5.5</a:t>
-            </a:r>
-            <a:r>
-              <a:rPr lang="ru-RU" smtClean="0"/>
-              <a:t> раз!</a:t>
-            </a:r>
-            <a:endParaRPr lang="en-US"/>
+              <a:t>multimaps?</a:t>
+            </a:r>
+            <a:endParaRPr lang="ru-RU"/>
           </a:p>
         </p:txBody>
       </p:sp>
     </p:spTree>
     <p:extLst>
       <p:ext uri="{BB962C8B-B14F-4D97-AF65-F5344CB8AC3E}">
-        <p14:creationId xmlns:p14="http://schemas.microsoft.com/office/powerpoint/2010/main" val="1539870661"/>
+        <p14:creationId xmlns:p14="http://schemas.microsoft.com/office/powerpoint/2010/main" val="2523727427"/>
       </p:ext>
     </p:extLst>
   </p:cSld>
   <p:clrMapOvr>
     <a:masterClrMapping/>
   </p:clrMapOvr>
+  <p:timing>
+    <p:tnLst>
+      <p:par>
+        <p:cTn id="1" dur="indefinite" restart="never" nodeType="tmRoot"/>
+      </p:par>
+    </p:tnLst>
+  </p:timing>
 </p:sld>
 </file>
 
@@ -24178,9 +24595,25 @@
           <a:p>
             <a:r>
               <a:rPr lang="ru-RU" smtClean="0"/>
-              <a:t>Обсуждение</a:t>
-            </a:r>
-            <a:endParaRPr lang="en-US"/>
+              <a:t>Тест </a:t>
+            </a:r>
+            <a:r>
+              <a:rPr lang="ru-RU" smtClean="0"/>
+              <a:t>производительности</a:t>
+            </a:r>
+            <a:r>
+              <a:rPr lang="en-US" smtClean="0"/>
+              <a:t> #</a:t>
+            </a:r>
+            <a:r>
+              <a:rPr lang="en-US" smtClean="0">
+                <a:latin typeface="Consolas" panose="020B0609020204030204" pitchFamily="49" charset="0"/>
+              </a:rPr>
+              <a:t>2</a:t>
+            </a:r>
+            <a:endParaRPr lang="en-US">
+              <a:latin typeface="Consolas" panose="020B0609020204030204" pitchFamily="49" charset="0"/>
+            </a:endParaRPr>
           </a:p>
         </p:txBody>
       </p:sp>
@@ -24201,34 +24634,163 @@
           <a:p>
             <a:r>
               <a:rPr lang="ru-RU" smtClean="0"/>
-              <a:t>Даст ли что-нибудь переход на </a:t>
-            </a:r>
+              <a:t>Структуры данных</a:t>
+            </a:r>
+          </a:p>
+          <a:p>
+            <a:pPr lvl="1"/>
             <a:r>
               <a:rPr lang="en-US" smtClean="0"/>
-              <a:t>unordered_map </a:t>
-            </a:r>
-            <a:r>
-              <a:rPr lang="ru-RU" smtClean="0"/>
-              <a:t>в орбитах</a:t>
+              <a:t>map&lt;string, </a:t>
+            </a:r>
+            <a:r>
+              <a:rPr lang="en-US" smtClean="0">
+                <a:solidFill>
+                  <a:srgbClr val="0000FF"/>
+                </a:solidFill>
+              </a:rPr>
+              <a:t>vector&lt;string&gt;</a:t>
             </a:r>
             <a:r>
               <a:rPr lang="en-US" smtClean="0"/>
-              <a:t>?</a:t>
-            </a:r>
-            <a:endParaRPr lang="en-US"/>
+              <a:t>&gt;</a:t>
+            </a:r>
+          </a:p>
+          <a:p>
+            <a:pPr lvl="1"/>
+            <a:r>
+              <a:rPr lang="en-US" smtClean="0"/>
+              <a:t>multimap</a:t>
+            </a:r>
+            <a:r>
+              <a:rPr lang="en-US"/>
+              <a:t>&lt;string</a:t>
+            </a:r>
+            <a:r>
+              <a:rPr lang="en-US" smtClean="0"/>
+              <a:t>, </a:t>
+            </a:r>
+            <a:r>
+              <a:rPr lang="en-US" smtClean="0">
+                <a:solidFill>
+                  <a:srgbClr val="0000FF"/>
+                </a:solidFill>
+              </a:rPr>
+              <a:t>string</a:t>
+            </a:r>
+            <a:r>
+              <a:rPr lang="en-US" smtClean="0"/>
+              <a:t>&gt;</a:t>
+            </a:r>
+          </a:p>
+          <a:p>
+            <a:pPr lvl="1"/>
+            <a:r>
+              <a:rPr lang="en-US" smtClean="0"/>
+              <a:t>unordered_map&lt;string</a:t>
+            </a:r>
+            <a:r>
+              <a:rPr lang="en-US"/>
+              <a:t>, </a:t>
+            </a:r>
+            <a:r>
+              <a:rPr lang="en-US">
+                <a:solidFill>
+                  <a:srgbClr val="0000FF"/>
+                </a:solidFill>
+              </a:rPr>
+              <a:t>vector&lt;string&gt;</a:t>
+            </a:r>
+            <a:r>
+              <a:rPr lang="en-US"/>
+              <a:t>&gt;</a:t>
+            </a:r>
+          </a:p>
+          <a:p>
+            <a:pPr lvl="1"/>
+            <a:r>
+              <a:rPr lang="en-US"/>
+              <a:t>unordered_</a:t>
+            </a:r>
+            <a:r>
+              <a:rPr lang="en-US" smtClean="0"/>
+              <a:t>multimap&lt;string</a:t>
+            </a:r>
+            <a:r>
+              <a:rPr lang="en-US"/>
+              <a:t>, </a:t>
+            </a:r>
+            <a:r>
+              <a:rPr lang="en-US">
+                <a:solidFill>
+                  <a:srgbClr val="0000FF"/>
+                </a:solidFill>
+              </a:rPr>
+              <a:t>string</a:t>
+            </a:r>
+            <a:r>
+              <a:rPr lang="en-US" smtClean="0"/>
+              <a:t>&gt;</a:t>
+            </a:r>
+          </a:p>
+          <a:p>
+            <a:r>
+              <a:rPr lang="ru-RU" smtClean="0"/>
+              <a:t>Сценарий работы: </a:t>
+            </a:r>
+          </a:p>
+          <a:p>
+            <a:pPr lvl="1"/>
+            <a:r>
+              <a:rPr lang="ru-RU"/>
+              <a:t>Г</a:t>
+            </a:r>
+            <a:r>
+              <a:rPr lang="ru-RU" smtClean="0"/>
+              <a:t>енерируются разные случайные ключи (но общим количество существенно меньше чем размер отображения). Отображения заполняются. </a:t>
+            </a:r>
+          </a:p>
+          <a:p>
+            <a:pPr lvl="1"/>
+            <a:r>
+              <a:rPr lang="ru-RU" smtClean="0"/>
+              <a:t>Далее генерируются ключи для поиска. Они ищутся в отображениях и все значения с таким ключом делаются равными.</a:t>
+            </a:r>
+          </a:p>
+          <a:p>
+            <a:r>
+              <a:rPr lang="en-US" smtClean="0"/>
+              <a:t>Demo: </a:t>
+            </a:r>
+            <a:r>
+              <a:rPr lang="en-US" smtClean="0">
+                <a:latin typeface="Consolas" panose="020B0609020204030204" pitchFamily="49" charset="0"/>
+              </a:rPr>
+              <a:t>10-string-maps.cc</a:t>
+            </a:r>
+            <a:endParaRPr lang="en-US">
+              <a:latin typeface="Consolas" panose="020B0609020204030204" pitchFamily="49" charset="0"/>
+            </a:endParaRPr>
           </a:p>
         </p:txBody>
       </p:sp>
     </p:spTree>
     <p:extLst>
       <p:ext uri="{BB962C8B-B14F-4D97-AF65-F5344CB8AC3E}">
-        <p14:creationId xmlns:p14="http://schemas.microsoft.com/office/powerpoint/2010/main" val="208734875"/>
+        <p14:creationId xmlns:p14="http://schemas.microsoft.com/office/powerpoint/2010/main" val="3128593365"/>
       </p:ext>
     </p:extLst>
   </p:cSld>
   <p:clrMapOvr>
     <a:masterClrMapping/>
   </p:clrMapOvr>
+  <p:timing>
+    <p:tnLst>
+      <p:par>
+        <p:cTn id="1" dur="indefinite" restart="never" nodeType="tmRoot"/>
+      </p:par>
+    </p:tnLst>
+  </p:timing>
 </p:sld>
 </file>
 
@@ -24266,7 +24828,25 @@
           <a:p>
             <a:r>
               <a:rPr lang="ru-RU" smtClean="0"/>
-              <a:t>Обсуждение</a:t>
+              <a:t>Тест </a:t>
+            </a:r>
+            <a:r>
+              <a:rPr lang="ru-RU" smtClean="0"/>
+              <a:t>производительности</a:t>
+            </a:r>
+            <a:r>
+              <a:rPr lang="en-US"/>
+              <a:t> </a:t>
+            </a:r>
+            <a:r>
+              <a:rPr lang="en-US"/>
+              <a:t>#</a:t>
+            </a:r>
+            <a:r>
+              <a:rPr lang="en-US" smtClean="0">
+                <a:latin typeface="Consolas" panose="020B0609020204030204" pitchFamily="49" charset="0"/>
+              </a:rPr>
+              <a:t>2</a:t>
             </a:r>
             <a:endParaRPr lang="en-US"/>
           </a:p>
@@ -24289,77 +24869,166 @@
           <a:p>
             <a:r>
               <a:rPr lang="ru-RU" smtClean="0"/>
-              <a:t>Даст ли что-нибудь переход на </a:t>
+              <a:t>Результаты</a:t>
+            </a:r>
+          </a:p>
+          <a:p>
+            <a:pPr lvl="1"/>
+            <a:r>
+              <a:rPr lang="en-US"/>
+              <a:t>unordered_map&lt;string, vector&lt;string</a:t>
             </a:r>
             <a:r>
               <a:rPr lang="en-US" smtClean="0"/>
-              <a:t>unordered_map </a:t>
-            </a:r>
-            <a:r>
-              <a:rPr lang="ru-RU" smtClean="0"/>
-              <a:t>в орбитах</a:t>
-            </a:r>
+              <a:t>&gt;&gt;</a:t>
+            </a:r>
+            <a:r>
+              <a:rPr lang="ru-RU" smtClean="0"/>
+              <a:t> </a:t>
+            </a:r>
+            <a:r>
+              <a:rPr lang="en-US" smtClean="0">
+                <a:latin typeface="Consolas" panose="020B0609020204030204" pitchFamily="49" charset="0"/>
+              </a:rPr>
+              <a:t>(</a:t>
+            </a:r>
+            <a:r>
+              <a:rPr lang="en-US" smtClean="0">
+                <a:solidFill>
+                  <a:srgbClr val="0000FF"/>
+                </a:solidFill>
+                <a:latin typeface="Consolas" panose="020B0609020204030204" pitchFamily="49" charset="0"/>
+              </a:rPr>
+              <a:t>0.775</a:t>
+            </a:r>
+            <a:r>
+              <a:rPr lang="en-US" smtClean="0">
+                <a:latin typeface="Consolas" panose="020B0609020204030204" pitchFamily="49" charset="0"/>
+              </a:rPr>
+              <a:t>)</a:t>
+            </a:r>
+            <a:endParaRPr lang="en-US">
+              <a:latin typeface="Consolas" panose="020B0609020204030204" pitchFamily="49" charset="0"/>
+            </a:endParaRPr>
+          </a:p>
+          <a:p>
+            <a:pPr lvl="1"/>
             <a:r>
               <a:rPr lang="en-US" smtClean="0"/>
-              <a:t>?</a:t>
-            </a:r>
-          </a:p>
-          <a:p>
-            <a:r>
-              <a:rPr lang="ru-RU" smtClean="0"/>
-              <a:t>Правильный ответ: надо померить.</a:t>
-            </a:r>
-          </a:p>
-          <a:p>
-            <a:r>
-              <a:rPr lang="ru-RU" smtClean="0"/>
-              <a:t>В данном случае замеры говорят, что</a:t>
-            </a:r>
-            <a:r>
-              <a:rPr lang="ru-RU" smtClean="0"/>
-              <a:t> нет</a:t>
+              <a:t>map&lt;string, vector&lt;string&gt;&gt; </a:t>
+            </a:r>
+            <a:r>
+              <a:rPr lang="en-US">
+                <a:latin typeface="Consolas" panose="020B0609020204030204" pitchFamily="49" charset="0"/>
+              </a:rPr>
+              <a:t>(</a:t>
+            </a:r>
+            <a:r>
+              <a:rPr lang="en-US" smtClean="0">
+                <a:latin typeface="Consolas" panose="020B0609020204030204" pitchFamily="49" charset="0"/>
+              </a:rPr>
+              <a:t>0.926)</a:t>
+            </a:r>
+            <a:endParaRPr lang="ru-RU" smtClean="0"/>
+          </a:p>
+          <a:p>
+            <a:pPr lvl="1"/>
+            <a:r>
+              <a:rPr lang="en-US"/>
+              <a:t>unordered_multimap&lt;string, string</a:t>
             </a:r>
             <a:r>
               <a:rPr lang="en-US" smtClean="0"/>
-              <a:t>.</a:t>
-            </a:r>
-            <a:r>
-              <a:rPr lang="ru-RU" smtClean="0"/>
-              <a:t> </a:t>
-            </a:r>
-          </a:p>
-          <a:p>
-            <a:r>
-              <a:rPr lang="ru-RU" smtClean="0"/>
-              <a:t>Можно спекулировать почему это так ("</a:t>
-            </a:r>
-            <a:r>
-              <a:rPr lang="ru-RU" smtClean="0"/>
-              <a:t>так </a:t>
-            </a:r>
-            <a:r>
-              <a:rPr lang="ru-RU" smtClean="0"/>
-              <a:t>как ключи </a:t>
-            </a:r>
+              <a:t>&gt; </a:t>
+            </a:r>
+            <a:r>
+              <a:rPr lang="en-US" smtClean="0">
+                <a:latin typeface="Consolas" panose="020B0609020204030204" pitchFamily="49" charset="0"/>
+              </a:rPr>
+              <a:t>(3.769)</a:t>
+            </a:r>
+            <a:endParaRPr lang="en-US"/>
+          </a:p>
+          <a:p>
+            <a:pPr lvl="1"/>
             <a:r>
               <a:rPr lang="en-US" smtClean="0"/>
-              <a:t>int </a:t>
-            </a:r>
-            <a:r>
-              <a:rPr lang="ru-RU" smtClean="0"/>
-              <a:t>и коллизий </a:t>
-            </a:r>
-            <a:r>
-              <a:rPr lang="ru-RU" smtClean="0"/>
-              <a:t>мало", </a:t>
-            </a:r>
-            <a:r>
-              <a:rPr lang="en-US" smtClean="0"/>
-              <a:t>etc) </a:t>
-            </a:r>
-            <a:r>
-              <a:rPr lang="ru-RU" smtClean="0"/>
-              <a:t>но в реальности работают только замеры.</a:t>
+              <a:t>multimap&lt;string, string&gt; </a:t>
+            </a:r>
+            <a:r>
+              <a:rPr lang="en-US" smtClean="0">
+                <a:latin typeface="Consolas" panose="020B0609020204030204" pitchFamily="49" charset="0"/>
+              </a:rPr>
+              <a:t>(</a:t>
+            </a:r>
+            <a:r>
+              <a:rPr lang="en-US" smtClean="0">
+                <a:solidFill>
+                  <a:srgbClr val="FF0000"/>
+                </a:solidFill>
+                <a:latin typeface="Consolas" panose="020B0609020204030204" pitchFamily="49" charset="0"/>
+              </a:rPr>
+              <a:t>4.274</a:t>
+            </a:r>
+            <a:r>
+              <a:rPr lang="en-US" smtClean="0">
+                <a:latin typeface="Consolas" panose="020B0609020204030204" pitchFamily="49" charset="0"/>
+              </a:rPr>
+              <a:t>)</a:t>
+            </a:r>
+            <a:endParaRPr lang="en-US" smtClean="0"/>
+          </a:p>
+          <a:p>
+            <a:r>
+              <a:rPr lang="ru-RU" smtClean="0"/>
+              <a:t>Сценарий работы: </a:t>
+            </a:r>
+          </a:p>
+          <a:p>
+            <a:pPr lvl="1"/>
+            <a:r>
+              <a:rPr lang="ru-RU"/>
+              <a:t>Г</a:t>
+            </a:r>
+            <a:r>
+              <a:rPr lang="ru-RU" smtClean="0"/>
+              <a:t>енерируются разные случайные ключи (но общим количество существенно меньше чем размер отображения). Отображения заполняются. </a:t>
+            </a:r>
+          </a:p>
+          <a:p>
+            <a:pPr lvl="1"/>
+            <a:r>
+              <a:rPr lang="ru-RU" smtClean="0"/>
+              <a:t>Далее генерируются ключи для поиска. Они ищутся в отображениях и все значения с таким ключом делаются равными.</a:t>
+            </a:r>
+          </a:p>
+          <a:p>
+            <a:r>
+              <a:rPr lang="ru-RU" smtClean="0"/>
+              <a:t>Разница в зависимости от контейнера </a:t>
+            </a:r>
+            <a:r>
+              <a:rPr lang="ru-RU" smtClean="0">
+                <a:latin typeface="Corbel" panose="020B0503020204020204" pitchFamily="34" charset="0"/>
+              </a:rPr>
+              <a:t>–</a:t>
+            </a:r>
+            <a:r>
+              <a:rPr lang="ru-RU" smtClean="0"/>
+              <a:t> в </a:t>
+            </a:r>
+            <a:r>
+              <a:rPr lang="ru-RU" smtClean="0">
+                <a:solidFill>
+                  <a:srgbClr val="FF0000"/>
+                </a:solidFill>
+                <a:latin typeface="Consolas" panose="020B0609020204030204" pitchFamily="49" charset="0"/>
+              </a:rPr>
+              <a:t>5.5</a:t>
+            </a:r>
+            <a:r>
+              <a:rPr lang="ru-RU" smtClean="0"/>
+              <a:t> раз!</a:t>
             </a:r>
             <a:endParaRPr lang="en-US"/>
           </a:p>
@@ -24368,13 +25037,20 @@
     </p:spTree>
     <p:extLst>
       <p:ext uri="{BB962C8B-B14F-4D97-AF65-F5344CB8AC3E}">
-        <p14:creationId xmlns:p14="http://schemas.microsoft.com/office/powerpoint/2010/main" val="171278468"/>
+        <p14:creationId xmlns:p14="http://schemas.microsoft.com/office/powerpoint/2010/main" val="1539870661"/>
       </p:ext>
     </p:extLst>
   </p:cSld>
   <p:clrMapOvr>
     <a:masterClrMapping/>
   </p:clrMapOvr>
+  <p:timing>
+    <p:tnLst>
+      <p:par>
+        <p:cTn id="1" dur="indefinite" restart="never" nodeType="tmRoot"/>
+      </p:par>
+    </p:tnLst>
+  </p:timing>
 </p:sld>
 </file>
 
@@ -24412,11 +25088,7 @@
           <a:p>
             <a:r>
               <a:rPr lang="ru-RU" smtClean="0"/>
-              <a:t>Особенности перехода на </a:t>
-            </a:r>
-            <a:r>
-              <a:rPr lang="en-US" smtClean="0"/>
-              <a:t>unordered</a:t>
+              <a:t>Обсуждение</a:t>
             </a:r>
             <a:endParaRPr lang="en-US"/>
           </a:p>
@@ -24439,215 +25111,41 @@
           <a:p>
             <a:r>
               <a:rPr lang="ru-RU" smtClean="0"/>
-              <a:t>Итак у нас есть </a:t>
-            </a:r>
-            <a:r>
-              <a:rPr lang="ru-RU" smtClean="0"/>
-              <a:t>пользовательская структура, чуть сложнее, чем </a:t>
-            </a:r>
-            <a:r>
-              <a:rPr lang="en-US" smtClean="0">
-                <a:latin typeface="Consolas" panose="020B0609020204030204" pitchFamily="49" charset="0"/>
-              </a:rPr>
-              <a:t>IDom</a:t>
-            </a:r>
-            <a:endParaRPr lang="ru-RU" smtClean="0">
-              <a:latin typeface="Consolas" panose="020B0609020204030204" pitchFamily="49" charset="0"/>
-            </a:endParaRPr>
-          </a:p>
-          <a:p>
-            <a:pPr marL="45720" indent="0">
-              <a:buNone/>
-            </a:pPr>
-            <a:r>
-              <a:rPr lang="en-US">
-                <a:latin typeface="Consolas" panose="020B0609020204030204" pitchFamily="49" charset="0"/>
-              </a:rPr>
-              <a:t>struct S </a:t>
-            </a:r>
-            <a:r>
-              <a:rPr lang="en-US" smtClean="0">
-                <a:latin typeface="Consolas" panose="020B0609020204030204" pitchFamily="49" charset="0"/>
-              </a:rPr>
-              <a:t>{</a:t>
-            </a:r>
-            <a:r>
-              <a:rPr lang="ru-RU" smtClean="0">
-                <a:latin typeface="Consolas" panose="020B0609020204030204" pitchFamily="49" charset="0"/>
-              </a:rPr>
-              <a:t/>
-            </a:r>
-            <a:br>
-              <a:rPr lang="ru-RU" smtClean="0">
-                <a:latin typeface="Consolas" panose="020B0609020204030204" pitchFamily="49" charset="0"/>
-              </a:rPr>
-            </a:br>
-            <a:r>
-              <a:rPr lang="en-US" smtClean="0">
-                <a:latin typeface="Consolas" panose="020B0609020204030204" pitchFamily="49" charset="0"/>
-              </a:rPr>
-              <a:t>  string first_name, </a:t>
-            </a:r>
-            <a:r>
-              <a:rPr lang="en-US">
-                <a:latin typeface="Consolas" panose="020B0609020204030204" pitchFamily="49" charset="0"/>
-              </a:rPr>
-              <a:t>last_name;</a:t>
-            </a:r>
-            <a:br>
-              <a:rPr lang="en-US">
-                <a:latin typeface="Consolas" panose="020B0609020204030204" pitchFamily="49" charset="0"/>
-              </a:rPr>
-            </a:br>
-            <a:r>
-              <a:rPr lang="en-US">
-                <a:latin typeface="Consolas" panose="020B0609020204030204" pitchFamily="49" charset="0"/>
-              </a:rPr>
-              <a:t>  bool </a:t>
-            </a:r>
-            <a:r>
-              <a:rPr lang="en-US" smtClean="0">
-                <a:latin typeface="Consolas" panose="020B0609020204030204" pitchFamily="49" charset="0"/>
-              </a:rPr>
-              <a:t>less(const </a:t>
-            </a:r>
-            <a:r>
-              <a:rPr lang="en-US">
-                <a:latin typeface="Consolas" panose="020B0609020204030204" pitchFamily="49" charset="0"/>
-              </a:rPr>
-              <a:t>S&amp; rhs</a:t>
-            </a:r>
-            <a:r>
-              <a:rPr lang="en-US" smtClean="0">
-                <a:latin typeface="Consolas" panose="020B0609020204030204" pitchFamily="49" charset="0"/>
-              </a:rPr>
-              <a:t>) const</a:t>
-            </a:r>
-            <a:r>
-              <a:rPr lang="en-US" smtClean="0">
-                <a:latin typeface="Consolas" panose="020B0609020204030204" pitchFamily="49" charset="0"/>
-              </a:rPr>
-              <a:t>; // </a:t>
-            </a:r>
-            <a:r>
-              <a:rPr lang="ru-RU" smtClean="0">
-                <a:latin typeface="Consolas" panose="020B0609020204030204" pitchFamily="49" charset="0"/>
-              </a:rPr>
-              <a:t>для (</a:t>
-            </a:r>
-            <a:r>
-              <a:rPr lang="en-US" smtClean="0">
-                <a:latin typeface="Consolas" panose="020B0609020204030204" pitchFamily="49" charset="0"/>
-              </a:rPr>
-              <a:t>&lt;)</a:t>
-            </a:r>
-            <a:r>
-              <a:rPr lang="ru-RU" smtClean="0">
-                <a:latin typeface="Consolas" panose="020B0609020204030204" pitchFamily="49" charset="0"/>
-              </a:rPr>
-              <a:t/>
-            </a:r>
-            <a:br>
-              <a:rPr lang="ru-RU" smtClean="0">
-                <a:latin typeface="Consolas" panose="020B0609020204030204" pitchFamily="49" charset="0"/>
-              </a:rPr>
-            </a:br>
-            <a:r>
-              <a:rPr lang="en-US" smtClean="0">
-                <a:latin typeface="Consolas" panose="020B0609020204030204" pitchFamily="49" charset="0"/>
-              </a:rPr>
-              <a:t>};</a:t>
-            </a:r>
-          </a:p>
-          <a:p>
-            <a:pPr marL="45720" indent="0">
-              <a:buNone/>
-            </a:pPr>
-            <a:r>
-              <a:rPr lang="en-US">
-                <a:latin typeface="Consolas" panose="020B0609020204030204" pitchFamily="49" charset="0"/>
-              </a:rPr>
-              <a:t>bool operator==(const S&amp; lhs, const S&amp; rhs) {</a:t>
-            </a:r>
-            <a:r>
-              <a:rPr lang="ru-RU">
-                <a:latin typeface="Consolas" panose="020B0609020204030204" pitchFamily="49" charset="0"/>
-              </a:rPr>
-              <a:t/>
-            </a:r>
-            <a:br>
-              <a:rPr lang="ru-RU">
-                <a:latin typeface="Consolas" panose="020B0609020204030204" pitchFamily="49" charset="0"/>
-              </a:rPr>
-            </a:br>
-            <a:r>
-              <a:rPr lang="ru-RU">
-                <a:latin typeface="Consolas" panose="020B0609020204030204" pitchFamily="49" charset="0"/>
-              </a:rPr>
-              <a:t>  </a:t>
-            </a:r>
-            <a:r>
-              <a:rPr lang="en-US">
-                <a:latin typeface="Consolas" panose="020B0609020204030204" pitchFamily="49" charset="0"/>
-              </a:rPr>
-              <a:t>return </a:t>
-            </a:r>
-            <a:r>
-              <a:rPr lang="en-US" smtClean="0">
-                <a:latin typeface="Consolas" panose="020B0609020204030204" pitchFamily="49" charset="0"/>
-              </a:rPr>
-              <a:t>!lhs.less(rhs) &amp;&amp; !rhs.less(lhs);</a:t>
-            </a:r>
-            <a:r>
-              <a:rPr lang="ru-RU">
-                <a:latin typeface="Consolas" panose="020B0609020204030204" pitchFamily="49" charset="0"/>
-              </a:rPr>
-              <a:t/>
-            </a:r>
-            <a:br>
-              <a:rPr lang="ru-RU">
-                <a:latin typeface="Consolas" panose="020B0609020204030204" pitchFamily="49" charset="0"/>
-              </a:rPr>
-            </a:br>
-            <a:r>
-              <a:rPr lang="en-US" smtClean="0">
-                <a:latin typeface="Consolas" panose="020B0609020204030204" pitchFamily="49" charset="0"/>
-              </a:rPr>
-              <a:t>}</a:t>
-            </a:r>
-            <a:endParaRPr lang="ru-RU" smtClean="0">
-              <a:latin typeface="Consolas" panose="020B0609020204030204" pitchFamily="49" charset="0"/>
-            </a:endParaRPr>
-          </a:p>
-          <a:p>
-            <a:r>
-              <a:rPr lang="ru-RU" smtClean="0"/>
-              <a:t>Обычно та или иная стратегия для равенства не составляет проблемы. Равенство должно быть транзитивно, симметрично и рефлексивно.</a:t>
-            </a:r>
-          </a:p>
-          <a:p>
-            <a:r>
-              <a:rPr lang="ru-RU" smtClean="0"/>
-              <a:t>Но как определить собственный </a:t>
+              <a:t>Даст ли что-нибудь переход на </a:t>
             </a:r>
             <a:r>
               <a:rPr lang="en-US" smtClean="0"/>
-              <a:t>hash?</a:t>
-            </a:r>
-            <a:endParaRPr lang="ru-RU" smtClean="0"/>
+              <a:t>unordered_map </a:t>
+            </a:r>
+            <a:r>
+              <a:rPr lang="ru-RU" smtClean="0"/>
+              <a:t>в орбитах</a:t>
+            </a:r>
+            <a:r>
+              <a:rPr lang="en-US" smtClean="0"/>
+              <a:t>?</a:t>
+            </a:r>
+            <a:endParaRPr lang="en-US"/>
           </a:p>
         </p:txBody>
       </p:sp>
     </p:spTree>
     <p:extLst>
       <p:ext uri="{BB962C8B-B14F-4D97-AF65-F5344CB8AC3E}">
-        <p14:creationId xmlns:p14="http://schemas.microsoft.com/office/powerpoint/2010/main" val="207336578"/>
+        <p14:creationId xmlns:p14="http://schemas.microsoft.com/office/powerpoint/2010/main" val="208734875"/>
       </p:ext>
     </p:extLst>
   </p:cSld>
   <p:clrMapOvr>
     <a:masterClrMapping/>
   </p:clrMapOvr>
+  <p:timing>
+    <p:tnLst>
+      <p:par>
+        <p:cTn id="1" dur="indefinite" restart="never" nodeType="tmRoot"/>
+      </p:par>
+    </p:tnLst>
+  </p:timing>
 </p:sld>
 </file>
 
@@ -24685,11 +25183,7 @@
           <a:p>
             <a:r>
               <a:rPr lang="ru-RU" smtClean="0"/>
-              <a:t>Собственный </a:t>
-            </a:r>
-            <a:r>
-              <a:rPr lang="en-US" smtClean="0"/>
-              <a:t>hash</a:t>
+              <a:t>Обсуждение</a:t>
             </a:r>
             <a:endParaRPr lang="en-US"/>
           </a:p>
@@ -24705,265 +25199,90 @@
             <p:ph idx="1"/>
           </p:nvPr>
         </p:nvSpPr>
-        <p:spPr>
-          <a:xfrm>
-            <a:off x="1143000" y="2057400"/>
-            <a:ext cx="10406449" cy="4038600"/>
-          </a:xfrm>
-        </p:spPr>
+        <p:spPr/>
         <p:txBody>
           <a:bodyPr/>
           <a:lstStyle/>
           <a:p>
             <a:r>
               <a:rPr lang="ru-RU" smtClean="0"/>
-              <a:t>Простейший способ это сделать что-нибудь исходя из фантазии</a:t>
-            </a:r>
-          </a:p>
-          <a:p>
-            <a:pPr marL="45720" indent="0">
-              <a:buNone/>
-            </a:pPr>
-            <a:r>
-              <a:rPr lang="en-US" smtClean="0">
-                <a:latin typeface="Consolas" panose="020B0609020204030204" pitchFamily="49" charset="0"/>
-              </a:rPr>
-              <a:t>result_type </a:t>
-            </a:r>
-            <a:r>
-              <a:rPr lang="en-US">
-                <a:latin typeface="Consolas" panose="020B0609020204030204" pitchFamily="49" charset="0"/>
-              </a:rPr>
-              <a:t>operator()(argument_type const&amp; s) const </a:t>
-            </a:r>
-            <a:r>
-              <a:rPr lang="en-US" smtClean="0">
-                <a:latin typeface="Consolas" panose="020B0609020204030204" pitchFamily="49" charset="0"/>
-              </a:rPr>
-              <a:t>noexcept</a:t>
-            </a:r>
-            <a:r>
-              <a:rPr lang="ru-RU" smtClean="0">
-                <a:latin typeface="Consolas" panose="020B0609020204030204" pitchFamily="49" charset="0"/>
-              </a:rPr>
+              <a:t>Даст ли что-нибудь переход на </a:t>
+            </a:r>
+            <a:r>
+              <a:rPr lang="en-US" smtClean="0"/>
+              <a:t>unordered_map </a:t>
+            </a:r>
+            <a:r>
+              <a:rPr lang="ru-RU" smtClean="0"/>
+              <a:t>в орбитах</a:t>
+            </a:r>
+            <a:r>
+              <a:rPr lang="en-US" smtClean="0"/>
+              <a:t>?</a:t>
+            </a:r>
+          </a:p>
+          <a:p>
+            <a:r>
+              <a:rPr lang="ru-RU" smtClean="0"/>
+              <a:t>Правильный ответ: надо померить.</a:t>
+            </a:r>
+          </a:p>
+          <a:p>
+            <a:r>
+              <a:rPr lang="ru-RU" smtClean="0"/>
+              <a:t>В данном случае замеры говорят, что нет</a:t>
+            </a:r>
+            <a:r>
+              <a:rPr lang="en-US" smtClean="0"/>
+              <a:t>.</a:t>
+            </a:r>
+            <a:r>
+              <a:rPr lang="ru-RU" smtClean="0"/>
               <a:t> </a:t>
             </a:r>
-            <a:r>
-              <a:rPr lang="en-US" smtClean="0">
-                <a:latin typeface="Consolas" panose="020B0609020204030204" pitchFamily="49" charset="0"/>
-              </a:rPr>
-              <a:t>{</a:t>
-            </a:r>
-            <a:r>
-              <a:rPr lang="ru-RU" smtClean="0">
-                <a:latin typeface="Consolas" panose="020B0609020204030204" pitchFamily="49" charset="0"/>
-              </a:rPr>
-              <a:t/>
-            </a:r>
-            <a:br>
-              <a:rPr lang="ru-RU" smtClean="0">
-                <a:latin typeface="Consolas" panose="020B0609020204030204" pitchFamily="49" charset="0"/>
-              </a:rPr>
-            </a:br>
-            <a:r>
-              <a:rPr lang="ru-RU" smtClean="0">
-                <a:latin typeface="Consolas" panose="020B0609020204030204" pitchFamily="49" charset="0"/>
-              </a:rPr>
-              <a:t>  </a:t>
-            </a:r>
-            <a:r>
-              <a:rPr lang="en-US" smtClean="0">
-                <a:latin typeface="Consolas" panose="020B0609020204030204" pitchFamily="49" charset="0"/>
-              </a:rPr>
-              <a:t>result_type </a:t>
-            </a:r>
-            <a:r>
-              <a:rPr lang="en-US">
-                <a:latin typeface="Consolas" panose="020B0609020204030204" pitchFamily="49" charset="0"/>
-              </a:rPr>
-              <a:t>const </a:t>
-            </a:r>
-            <a:r>
-              <a:rPr lang="en-US" smtClean="0">
-                <a:latin typeface="Consolas" panose="020B0609020204030204" pitchFamily="49" charset="0"/>
-              </a:rPr>
-              <a:t>h1</a:t>
-            </a:r>
-            <a:r>
-              <a:rPr lang="ru-RU" smtClean="0">
-                <a:latin typeface="Consolas" panose="020B0609020204030204" pitchFamily="49" charset="0"/>
-              </a:rPr>
-              <a:t> = </a:t>
-            </a:r>
-            <a:r>
-              <a:rPr lang="en-US" smtClean="0">
-                <a:latin typeface="Consolas" panose="020B0609020204030204" pitchFamily="49" charset="0"/>
-              </a:rPr>
-              <a:t>hash&lt;string</a:t>
-            </a:r>
-            <a:r>
-              <a:rPr lang="en-US">
-                <a:latin typeface="Consolas" panose="020B0609020204030204" pitchFamily="49" charset="0"/>
-              </a:rPr>
-              <a:t>&gt;{}(s.first_name</a:t>
-            </a:r>
-            <a:r>
-              <a:rPr lang="en-US" smtClean="0">
-                <a:latin typeface="Consolas" panose="020B0609020204030204" pitchFamily="49" charset="0"/>
-              </a:rPr>
-              <a:t>);</a:t>
-            </a:r>
-            <a:r>
-              <a:rPr lang="ru-RU" smtClean="0">
-                <a:latin typeface="Consolas" panose="020B0609020204030204" pitchFamily="49" charset="0"/>
-              </a:rPr>
-              <a:t/>
-            </a:r>
-            <a:br>
-              <a:rPr lang="ru-RU" smtClean="0">
-                <a:latin typeface="Consolas" panose="020B0609020204030204" pitchFamily="49" charset="0"/>
-              </a:rPr>
-            </a:br>
-            <a:r>
-              <a:rPr lang="en-US" smtClean="0">
-                <a:latin typeface="Consolas" panose="020B0609020204030204" pitchFamily="49" charset="0"/>
-              </a:rPr>
-              <a:t>  </a:t>
-            </a:r>
-            <a:r>
-              <a:rPr lang="en-US">
-                <a:latin typeface="Consolas" panose="020B0609020204030204" pitchFamily="49" charset="0"/>
-              </a:rPr>
-              <a:t>result_type const </a:t>
-            </a:r>
-            <a:r>
-              <a:rPr lang="en-US" smtClean="0">
-                <a:latin typeface="Consolas" panose="020B0609020204030204" pitchFamily="49" charset="0"/>
-              </a:rPr>
-              <a:t>h2</a:t>
-            </a:r>
-            <a:r>
-              <a:rPr lang="ru-RU" smtClean="0">
-                <a:latin typeface="Consolas" panose="020B0609020204030204" pitchFamily="49" charset="0"/>
-              </a:rPr>
-              <a:t> = </a:t>
-            </a:r>
-            <a:r>
-              <a:rPr lang="en-US" smtClean="0">
-                <a:latin typeface="Consolas" panose="020B0609020204030204" pitchFamily="49" charset="0"/>
-              </a:rPr>
-              <a:t>hash&lt;string</a:t>
-            </a:r>
-            <a:r>
-              <a:rPr lang="en-US">
-                <a:latin typeface="Consolas" panose="020B0609020204030204" pitchFamily="49" charset="0"/>
-              </a:rPr>
-              <a:t>&gt;{}(</a:t>
-            </a:r>
-            <a:r>
-              <a:rPr lang="en-US" smtClean="0">
-                <a:latin typeface="Consolas" panose="020B0609020204030204" pitchFamily="49" charset="0"/>
-              </a:rPr>
-              <a:t>s.last_name</a:t>
-            </a:r>
-            <a:r>
-              <a:rPr lang="ru-RU" smtClean="0">
-                <a:latin typeface="Consolas" panose="020B0609020204030204" pitchFamily="49" charset="0"/>
-              </a:rPr>
-              <a:t>)</a:t>
-            </a:r>
-            <a:r>
-              <a:rPr lang="en-US" smtClean="0">
-                <a:latin typeface="Consolas" panose="020B0609020204030204" pitchFamily="49" charset="0"/>
-              </a:rPr>
-              <a:t>;</a:t>
-            </a:r>
-            <a:r>
-              <a:rPr lang="ru-RU" smtClean="0">
-                <a:latin typeface="Consolas" panose="020B0609020204030204" pitchFamily="49" charset="0"/>
-              </a:rPr>
-              <a:t/>
-            </a:r>
-            <a:br>
-              <a:rPr lang="ru-RU" smtClean="0">
-                <a:latin typeface="Consolas" panose="020B0609020204030204" pitchFamily="49" charset="0"/>
-              </a:rPr>
-            </a:br>
-            <a:r>
-              <a:rPr lang="ru-RU" smtClean="0">
-                <a:latin typeface="Consolas" panose="020B0609020204030204" pitchFamily="49" charset="0"/>
-              </a:rPr>
-              <a:t> </a:t>
-            </a:r>
-            <a:r>
-              <a:rPr lang="en-US" smtClean="0">
-                <a:latin typeface="Consolas" panose="020B0609020204030204" pitchFamily="49" charset="0"/>
-              </a:rPr>
-              <a:t> </a:t>
-            </a:r>
-            <a:r>
-              <a:rPr lang="en-US">
-                <a:latin typeface="Consolas" panose="020B0609020204030204" pitchFamily="49" charset="0"/>
-              </a:rPr>
-              <a:t>return </a:t>
-            </a:r>
-            <a:r>
-              <a:rPr lang="en-US">
-                <a:solidFill>
-                  <a:srgbClr val="0000FF"/>
-                </a:solidFill>
-                <a:latin typeface="Consolas" panose="020B0609020204030204" pitchFamily="49" charset="0"/>
-              </a:rPr>
-              <a:t>h1 ^ (h2 &lt;&lt; 1</a:t>
-            </a:r>
-            <a:r>
-              <a:rPr lang="en-US" smtClean="0">
-                <a:solidFill>
-                  <a:srgbClr val="0000FF"/>
-                </a:solidFill>
-                <a:latin typeface="Consolas" panose="020B0609020204030204" pitchFamily="49" charset="0"/>
-              </a:rPr>
-              <a:t>);</a:t>
-            </a:r>
-            <a:r>
-              <a:rPr lang="ru-RU" smtClean="0">
-                <a:latin typeface="Consolas" panose="020B0609020204030204" pitchFamily="49" charset="0"/>
-              </a:rPr>
-              <a:t/>
-            </a:r>
-            <a:br>
-              <a:rPr lang="ru-RU" smtClean="0">
-                <a:latin typeface="Consolas" panose="020B0609020204030204" pitchFamily="49" charset="0"/>
-              </a:rPr>
-            </a:br>
-            <a:r>
-              <a:rPr lang="en-US" smtClean="0">
-                <a:latin typeface="Consolas" panose="020B0609020204030204" pitchFamily="49" charset="0"/>
-              </a:rPr>
-              <a:t>}</a:t>
-            </a:r>
-            <a:endParaRPr lang="ru-RU" smtClean="0">
-              <a:latin typeface="Consolas" panose="020B0609020204030204" pitchFamily="49" charset="0"/>
-            </a:endParaRPr>
-          </a:p>
-          <a:p>
-            <a:r>
-              <a:rPr lang="ru-RU" smtClean="0"/>
-              <a:t>Этот способ неплох и часто (например в этом случае) он даже работает, но в общем это всегда угадайка.</a:t>
-            </a:r>
+          </a:p>
+          <a:p>
+            <a:r>
+              <a:rPr lang="ru-RU" smtClean="0"/>
+              <a:t>Можно спекулировать почему это так ("так как ключи </a:t>
+            </a:r>
+            <a:r>
+              <a:rPr lang="en-US" smtClean="0"/>
+              <a:t>int </a:t>
+            </a:r>
+            <a:r>
+              <a:rPr lang="ru-RU" smtClean="0"/>
+              <a:t>и коллизий мало", </a:t>
+            </a:r>
+            <a:r>
+              <a:rPr lang="en-US" smtClean="0"/>
+              <a:t>etc) </a:t>
+            </a:r>
+            <a:r>
+              <a:rPr lang="ru-RU" smtClean="0"/>
+              <a:t>но в реальности работают только замеры.</a:t>
+            </a:r>
+            <a:endParaRPr lang="en-US"/>
           </a:p>
         </p:txBody>
       </p:sp>
     </p:spTree>
     <p:extLst>
       <p:ext uri="{BB962C8B-B14F-4D97-AF65-F5344CB8AC3E}">
-        <p14:creationId xmlns:p14="http://schemas.microsoft.com/office/powerpoint/2010/main" val="4187503139"/>
+        <p14:creationId xmlns:p14="http://schemas.microsoft.com/office/powerpoint/2010/main" val="171278468"/>
       </p:ext>
     </p:extLst>
   </p:cSld>
   <p:clrMapOvr>
     <a:masterClrMapping/>
   </p:clrMapOvr>
+  <p:timing>
+    <p:tnLst>
+      <p:par>
+        <p:cTn id="1" dur="indefinite" restart="never" nodeType="tmRoot"/>
+      </p:par>
+    </p:tnLst>
+  </p:timing>
 </p:sld>
 </file>
 
@@ -25001,11 +25320,11 @@
           <a:p>
             <a:r>
               <a:rPr lang="ru-RU" smtClean="0"/>
-              <a:t>Собственный </a:t>
+              <a:t>Особенности перехода на </a:t>
             </a:r>
             <a:r>
               <a:rPr lang="en-US" smtClean="0"/>
-              <a:t>hash</a:t>
+              <a:t>unordered</a:t>
             </a:r>
             <a:endParaRPr lang="en-US"/>
           </a:p>
@@ -25021,64 +25340,109 @@
             <p:ph idx="1"/>
           </p:nvPr>
         </p:nvSpPr>
-        <p:spPr>
-          <a:xfrm>
-            <a:off x="1143000" y="2057400"/>
-            <a:ext cx="10406449" cy="4038600"/>
-          </a:xfrm>
-        </p:spPr>
+        <p:spPr/>
         <p:txBody>
           <a:bodyPr/>
           <a:lstStyle/>
           <a:p>
             <a:r>
               <a:rPr lang="ru-RU" smtClean="0"/>
-              <a:t>Если угадайка не привлекает, есть </a:t>
-            </a:r>
-            <a:r>
-              <a:rPr lang="en-US" smtClean="0"/>
-              <a:t>boost</a:t>
-            </a:r>
-            <a:endParaRPr lang="ru-RU" smtClean="0"/>
+              <a:t>Итак у нас есть пользовательская структура, чуть сложнее, чем </a:t>
+            </a:r>
+            <a:r>
+              <a:rPr lang="en-US" smtClean="0">
+                <a:latin typeface="Consolas" panose="020B0609020204030204" pitchFamily="49" charset="0"/>
+              </a:rPr>
+              <a:t>IDom</a:t>
+            </a:r>
+            <a:endParaRPr lang="ru-RU" smtClean="0">
+              <a:latin typeface="Consolas" panose="020B0609020204030204" pitchFamily="49" charset="0"/>
+            </a:endParaRPr>
           </a:p>
           <a:p>
             <a:pPr marL="45720" indent="0">
               <a:buNone/>
             </a:pPr>
             <a:r>
-              <a:rPr lang="en-US" smtClean="0">
-                <a:latin typeface="Consolas" panose="020B0609020204030204" pitchFamily="49" charset="0"/>
-              </a:rPr>
-              <a:t>result_type </a:t>
-            </a:r>
-            <a:r>
               <a:rPr lang="en-US">
                 <a:latin typeface="Consolas" panose="020B0609020204030204" pitchFamily="49" charset="0"/>
               </a:rPr>
-              <a:t>operator()(argument_type const&amp; s) const </a:t>
-            </a:r>
-            <a:r>
-              <a:rPr lang="en-US" smtClean="0">
-                <a:latin typeface="Consolas" panose="020B0609020204030204" pitchFamily="49" charset="0"/>
-              </a:rPr>
-              <a:t>noexcept</a:t>
+              <a:t>struct S </a:t>
+            </a:r>
+            <a:r>
+              <a:rPr lang="en-US" smtClean="0">
+                <a:latin typeface="Consolas" panose="020B0609020204030204" pitchFamily="49" charset="0"/>
+              </a:rPr>
+              <a:t>{</a:t>
             </a:r>
             <a:r>
               <a:rPr lang="ru-RU" smtClean="0">
                 <a:latin typeface="Consolas" panose="020B0609020204030204" pitchFamily="49" charset="0"/>
               </a:rPr>
-              <a:t> </a:t>
-            </a:r>
-            <a:r>
-              <a:rPr lang="en-US" smtClean="0">
-                <a:latin typeface="Consolas" panose="020B0609020204030204" pitchFamily="49" charset="0"/>
-              </a:rPr>
-              <a:t>{</a:t>
-            </a:r>
-            <a:r>
+              <a:t/>
+            </a:r>
+            <a:br>
               <a:rPr lang="ru-RU" smtClean="0">
                 <a:latin typeface="Consolas" panose="020B0609020204030204" pitchFamily="49" charset="0"/>
               </a:rPr>
+            </a:br>
+            <a:r>
+              <a:rPr lang="en-US" smtClean="0">
+                <a:latin typeface="Consolas" panose="020B0609020204030204" pitchFamily="49" charset="0"/>
+              </a:rPr>
+              <a:t>  string first_name, </a:t>
+            </a:r>
+            <a:r>
+              <a:rPr lang="en-US">
+                <a:latin typeface="Consolas" panose="020B0609020204030204" pitchFamily="49" charset="0"/>
+              </a:rPr>
+              <a:t>last_name;</a:t>
+            </a:r>
+            <a:br>
+              <a:rPr lang="en-US">
+                <a:latin typeface="Consolas" panose="020B0609020204030204" pitchFamily="49" charset="0"/>
+              </a:rPr>
+            </a:br>
+            <a:r>
+              <a:rPr lang="en-US">
+                <a:latin typeface="Consolas" panose="020B0609020204030204" pitchFamily="49" charset="0"/>
+              </a:rPr>
+              <a:t>  bool </a:t>
+            </a:r>
+            <a:r>
+              <a:rPr lang="en-US" smtClean="0">
+                <a:latin typeface="Consolas" panose="020B0609020204030204" pitchFamily="49" charset="0"/>
+              </a:rPr>
+              <a:t>less(const </a:t>
+            </a:r>
+            <a:r>
+              <a:rPr lang="en-US">
+                <a:latin typeface="Consolas" panose="020B0609020204030204" pitchFamily="49" charset="0"/>
+              </a:rPr>
+              <a:t>S&amp; rhs</a:t>
+            </a:r>
+            <a:r>
+              <a:rPr lang="en-US" smtClean="0">
+                <a:latin typeface="Consolas" panose="020B0609020204030204" pitchFamily="49" charset="0"/>
+              </a:rPr>
+              <a:t>) const; // </a:t>
+            </a:r>
+            <a:r>
+              <a:rPr lang="ru-RU" smtClean="0">
+                <a:latin typeface="Consolas" panose="020B0609020204030204" pitchFamily="49" charset="0"/>
+              </a:rPr>
+              <a:t>для (</a:t>
+            </a:r>
+            <a:r>
+              <a:rPr lang="en-US" smtClean="0">
+                <a:latin typeface="Consolas" panose="020B0609020204030204" pitchFamily="49" charset="0"/>
+              </a:rPr>
+              <a:t>&lt;)</a:t>
+            </a:r>
+            <a:r>
+              <a:rPr lang="ru-RU" smtClean="0">
+                <a:latin typeface="Consolas" panose="020B0609020204030204" pitchFamily="49" charset="0"/>
+              </a:rPr>
               <a:t/>
             </a:r>
             <a:br>
@@ -25087,245 +25451,59 @@
               </a:rPr>
             </a:br>
             <a:r>
-              <a:rPr lang="ru-RU" smtClean="0">
+              <a:rPr lang="en-US" smtClean="0">
+                <a:latin typeface="Consolas" panose="020B0609020204030204" pitchFamily="49" charset="0"/>
+              </a:rPr>
+              <a:t>};</a:t>
+            </a:r>
+          </a:p>
+          <a:p>
+            <a:pPr marL="45720" indent="0">
+              <a:buNone/>
+            </a:pPr>
+            <a:r>
+              <a:rPr lang="en-US">
+                <a:latin typeface="Consolas" panose="020B0609020204030204" pitchFamily="49" charset="0"/>
+              </a:rPr>
+              <a:t>bool operator==(const S&amp; lhs, const S&amp; rhs) {</a:t>
+            </a:r>
+            <a:r>
+              <a:rPr lang="ru-RU">
+                <a:latin typeface="Consolas" panose="020B0609020204030204" pitchFamily="49" charset="0"/>
+              </a:rPr>
+              <a:t/>
+            </a:r>
+            <a:br>
+              <a:rPr lang="ru-RU">
+                <a:latin typeface="Consolas" panose="020B0609020204030204" pitchFamily="49" charset="0"/>
+              </a:rPr>
+            </a:br>
+            <a:r>
+              <a:rPr lang="ru-RU">
                 <a:latin typeface="Consolas" panose="020B0609020204030204" pitchFamily="49" charset="0"/>
               </a:rPr>
               <a:t>  </a:t>
             </a:r>
             <a:r>
-              <a:rPr lang="en-US" smtClean="0">
-                <a:latin typeface="Consolas" panose="020B0609020204030204" pitchFamily="49" charset="0"/>
-              </a:rPr>
-              <a:t>result_type </a:t>
-            </a:r>
-            <a:r>
               <a:rPr lang="en-US">
                 <a:latin typeface="Consolas" panose="020B0609020204030204" pitchFamily="49" charset="0"/>
               </a:rPr>
-              <a:t>const </a:t>
-            </a:r>
-            <a:r>
-              <a:rPr lang="en-US" smtClean="0">
-                <a:latin typeface="Consolas" panose="020B0609020204030204" pitchFamily="49" charset="0"/>
-              </a:rPr>
-              <a:t>h1</a:t>
-            </a:r>
-            <a:r>
-              <a:rPr lang="ru-RU" smtClean="0">
-                <a:latin typeface="Consolas" panose="020B0609020204030204" pitchFamily="49" charset="0"/>
-              </a:rPr>
-              <a:t> = </a:t>
-            </a:r>
-            <a:r>
-              <a:rPr lang="en-US" smtClean="0">
-                <a:latin typeface="Consolas" panose="020B0609020204030204" pitchFamily="49" charset="0"/>
-              </a:rPr>
-              <a:t>hash&lt;string</a:t>
-            </a:r>
-            <a:r>
-              <a:rPr lang="en-US">
-                <a:latin typeface="Consolas" panose="020B0609020204030204" pitchFamily="49" charset="0"/>
-              </a:rPr>
-              <a:t>&gt;{}(s.first_name</a:t>
-            </a:r>
-            <a:r>
-              <a:rPr lang="en-US" smtClean="0">
-                <a:latin typeface="Consolas" panose="020B0609020204030204" pitchFamily="49" charset="0"/>
-              </a:rPr>
-              <a:t>);</a:t>
-            </a:r>
-            <a:r>
-              <a:rPr lang="ru-RU" smtClean="0">
+              <a:t>return </a:t>
+            </a:r>
+            <a:r>
+              <a:rPr lang="en-US" smtClean="0">
+                <a:latin typeface="Consolas" panose="020B0609020204030204" pitchFamily="49" charset="0"/>
+              </a:rPr>
+              <a:t>!lhs.less(rhs) &amp;&amp; !rhs.less(lhs);</a:t>
+            </a:r>
+            <a:r>
+              <a:rPr lang="ru-RU">
                 <a:latin typeface="Consolas" panose="020B0609020204030204" pitchFamily="49" charset="0"/>
               </a:rPr>
               <a:t/>
             </a:r>
             <a:br>
-              <a:rPr lang="ru-RU" smtClean="0">
-                <a:latin typeface="Consolas" panose="020B0609020204030204" pitchFamily="49" charset="0"/>
-              </a:rPr>
-            </a:br>
-            <a:r>
-              <a:rPr lang="en-US" smtClean="0">
-                <a:latin typeface="Consolas" panose="020B0609020204030204" pitchFamily="49" charset="0"/>
-              </a:rPr>
-              <a:t>  </a:t>
-            </a:r>
-            <a:r>
-              <a:rPr lang="en-US">
-                <a:latin typeface="Consolas" panose="020B0609020204030204" pitchFamily="49" charset="0"/>
-              </a:rPr>
-              <a:t>result_type const </a:t>
-            </a:r>
-            <a:r>
-              <a:rPr lang="en-US" smtClean="0">
-                <a:latin typeface="Consolas" panose="020B0609020204030204" pitchFamily="49" charset="0"/>
-              </a:rPr>
-              <a:t>h2</a:t>
-            </a:r>
-            <a:r>
-              <a:rPr lang="ru-RU" smtClean="0">
-                <a:latin typeface="Consolas" panose="020B0609020204030204" pitchFamily="49" charset="0"/>
-              </a:rPr>
-              <a:t> = </a:t>
-            </a:r>
-            <a:r>
-              <a:rPr lang="en-US" smtClean="0">
-                <a:latin typeface="Consolas" panose="020B0609020204030204" pitchFamily="49" charset="0"/>
-              </a:rPr>
-              <a:t>hash&lt;string</a:t>
-            </a:r>
-            <a:r>
-              <a:rPr lang="en-US">
-                <a:latin typeface="Consolas" panose="020B0609020204030204" pitchFamily="49" charset="0"/>
-              </a:rPr>
-              <a:t>&gt;{}(</a:t>
-            </a:r>
-            <a:r>
-              <a:rPr lang="en-US" smtClean="0">
-                <a:latin typeface="Consolas" panose="020B0609020204030204" pitchFamily="49" charset="0"/>
-              </a:rPr>
-              <a:t>s.last_name</a:t>
-            </a:r>
-            <a:r>
-              <a:rPr lang="ru-RU" smtClean="0">
-                <a:latin typeface="Consolas" panose="020B0609020204030204" pitchFamily="49" charset="0"/>
-              </a:rPr>
-              <a:t>)</a:t>
-            </a:r>
-            <a:r>
-              <a:rPr lang="en-US">
-                <a:latin typeface="Consolas" panose="020B0609020204030204" pitchFamily="49" charset="0"/>
-              </a:rPr>
-              <a:t>;</a:t>
-            </a:r>
-            <a:br>
-              <a:rPr lang="en-US">
-                <a:latin typeface="Consolas" panose="020B0609020204030204" pitchFamily="49" charset="0"/>
-              </a:rPr>
-            </a:br>
-            <a:r>
-              <a:rPr lang="en-US">
-                <a:latin typeface="Consolas" panose="020B0609020204030204" pitchFamily="49" charset="0"/>
-              </a:rPr>
-              <a:t>  size_t seed = 0;</a:t>
-            </a:r>
-            <a:br>
-              <a:rPr lang="en-US">
-                <a:latin typeface="Consolas" panose="020B0609020204030204" pitchFamily="49" charset="0"/>
-              </a:rPr>
-            </a:br>
-            <a:r>
-              <a:rPr lang="en-US">
-                <a:latin typeface="Consolas" panose="020B0609020204030204" pitchFamily="49" charset="0"/>
-              </a:rPr>
-              <a:t> </a:t>
-            </a:r>
-            <a:r>
-              <a:rPr lang="en-US" smtClean="0">
-                <a:latin typeface="Consolas" panose="020B0609020204030204" pitchFamily="49" charset="0"/>
-              </a:rPr>
-              <a:t> </a:t>
-            </a:r>
-            <a:r>
-              <a:rPr lang="en-US" smtClean="0">
-                <a:solidFill>
-                  <a:srgbClr val="0000FF"/>
-                </a:solidFill>
-                <a:latin typeface="Consolas" panose="020B0609020204030204" pitchFamily="49" charset="0"/>
-              </a:rPr>
-              <a:t>boost</a:t>
-            </a:r>
-            <a:r>
-              <a:rPr lang="en-US">
-                <a:solidFill>
-                  <a:srgbClr val="0000FF"/>
-                </a:solidFill>
-                <a:latin typeface="Consolas" panose="020B0609020204030204" pitchFamily="49" charset="0"/>
-              </a:rPr>
-              <a:t>::hash_combine</a:t>
-            </a:r>
-            <a:r>
-              <a:rPr lang="en-US">
-                <a:latin typeface="Consolas" panose="020B0609020204030204" pitchFamily="49" charset="0"/>
-              </a:rPr>
-              <a:t>(seed, </a:t>
-            </a:r>
-            <a:r>
-              <a:rPr lang="en-US" smtClean="0">
-                <a:latin typeface="Consolas" panose="020B0609020204030204" pitchFamily="49" charset="0"/>
-              </a:rPr>
-              <a:t>h1);</a:t>
-            </a:r>
-            <a:br>
-              <a:rPr lang="en-US" smtClean="0">
-                <a:latin typeface="Consolas" panose="020B0609020204030204" pitchFamily="49" charset="0"/>
-              </a:rPr>
-            </a:br>
-            <a:r>
-              <a:rPr lang="en-US" smtClean="0">
-                <a:latin typeface="Consolas" panose="020B0609020204030204" pitchFamily="49" charset="0"/>
-              </a:rPr>
-              <a:t>  boost</a:t>
-            </a:r>
-            <a:r>
-              <a:rPr lang="en-US">
-                <a:latin typeface="Consolas" panose="020B0609020204030204" pitchFamily="49" charset="0"/>
-              </a:rPr>
-              <a:t>::hash_combine(seed, </a:t>
-            </a:r>
-            <a:r>
-              <a:rPr lang="en-US" smtClean="0">
-                <a:latin typeface="Consolas" panose="020B0609020204030204" pitchFamily="49" charset="0"/>
-              </a:rPr>
-              <a:t>h2);</a:t>
-            </a:r>
-            <a:r>
-              <a:rPr lang="ru-RU" smtClean="0">
-                <a:latin typeface="Consolas" panose="020B0609020204030204" pitchFamily="49" charset="0"/>
-              </a:rPr>
-              <a:t/>
-            </a:r>
-            <a:br>
-              <a:rPr lang="ru-RU" smtClean="0">
-                <a:latin typeface="Consolas" panose="020B0609020204030204" pitchFamily="49" charset="0"/>
-              </a:rPr>
-            </a:br>
-            <a:r>
-              <a:rPr lang="ru-RU" smtClean="0">
-                <a:latin typeface="Consolas" panose="020B0609020204030204" pitchFamily="49" charset="0"/>
-              </a:rPr>
-              <a:t> </a:t>
-            </a:r>
-            <a:r>
-              <a:rPr lang="en-US" smtClean="0">
-                <a:latin typeface="Consolas" panose="020B0609020204030204" pitchFamily="49" charset="0"/>
-              </a:rPr>
-              <a:t> </a:t>
-            </a:r>
-            <a:r>
-              <a:rPr lang="en-US">
-                <a:latin typeface="Consolas" panose="020B0609020204030204" pitchFamily="49" charset="0"/>
-              </a:rPr>
-              <a:t>return </a:t>
-            </a:r>
-            <a:r>
-              <a:rPr lang="en-US" smtClean="0">
-                <a:solidFill>
-                  <a:srgbClr val="0000FF"/>
-                </a:solidFill>
-                <a:latin typeface="Consolas" panose="020B0609020204030204" pitchFamily="49" charset="0"/>
-              </a:rPr>
-              <a:t>seed;</a:t>
-            </a:r>
-            <a:r>
-              <a:rPr lang="ru-RU" smtClean="0">
-                <a:latin typeface="Consolas" panose="020B0609020204030204" pitchFamily="49" charset="0"/>
-              </a:rPr>
-              <a:t/>
-            </a:r>
-            <a:br>
-              <a:rPr lang="ru-RU" smtClean="0">
+              <a:rPr lang="ru-RU">
                 <a:latin typeface="Consolas" panose="020B0609020204030204" pitchFamily="49" charset="0"/>
               </a:rPr>
             </a:br>
@@ -25342,19 +25520,17 @@
           <a:p>
             <a:r>
               <a:rPr lang="ru-RU" smtClean="0"/>
-              <a:t>Это работает всегда. Но это </a:t>
+              <a:t>Обычно та или иная стратегия для равенства не составляет проблемы. Равенство должно быть транзитивно, симметрично и рефлексивно.</a:t>
+            </a:r>
+          </a:p>
+          <a:p>
+            <a:r>
+              <a:rPr lang="ru-RU" smtClean="0"/>
+              <a:t>Но как определить собственный </a:t>
             </a:r>
             <a:r>
               <a:rPr lang="en-US" smtClean="0"/>
-              <a:t>boost</a:t>
-            </a:r>
-            <a:r>
-              <a:rPr lang="ru-RU" smtClean="0"/>
-              <a:t>, его надо затаскивать в проект</a:t>
-            </a:r>
-            <a:r>
-              <a:rPr lang="en-US" smtClean="0"/>
-              <a:t>.</a:t>
+              <a:t>hash?</a:t>
             </a:r>
             <a:endParaRPr lang="ru-RU" smtClean="0"/>
           </a:p>
@@ -25363,13 +25539,20 @@
     </p:spTree>
     <p:extLst>
       <p:ext uri="{BB962C8B-B14F-4D97-AF65-F5344CB8AC3E}">
-        <p14:creationId xmlns:p14="http://schemas.microsoft.com/office/powerpoint/2010/main" val="3039205336"/>
+        <p14:creationId xmlns:p14="http://schemas.microsoft.com/office/powerpoint/2010/main" val="207336578"/>
       </p:ext>
     </p:extLst>
   </p:cSld>
   <p:clrMapOvr>
     <a:masterClrMapping/>
   </p:clrMapOvr>
+  <p:timing>
+    <p:tnLst>
+      <p:par>
+        <p:cTn id="1" dur="indefinite" restart="never" nodeType="tmRoot"/>
+      </p:par>
+    </p:tnLst>
+  </p:timing>
 </p:sld>
 </file>
 
@@ -25407,7 +25590,11 @@
           <a:p>
             <a:r>
               <a:rPr lang="ru-RU" smtClean="0"/>
-              <a:t>Обсуждение</a:t>
+              <a:t>Собственный </a:t>
+            </a:r>
+            <a:r>
+              <a:rPr lang="en-US" smtClean="0"/>
+              <a:t>hash</a:t>
             </a:r>
             <a:endParaRPr lang="en-US"/>
           </a:p>
@@ -25423,48 +25610,305 @@
             <p:ph idx="1"/>
           </p:nvPr>
         </p:nvSpPr>
-        <p:spPr/>
+        <p:spPr>
+          <a:xfrm>
+            <a:off x="1143000" y="2057400"/>
+            <a:ext cx="10406449" cy="4038600"/>
+          </a:xfrm>
+        </p:spPr>
         <p:txBody>
           <a:bodyPr/>
           <a:lstStyle/>
           <a:p>
             <a:r>
               <a:rPr lang="ru-RU" smtClean="0"/>
-              <a:t>По сути неупорядоченный контейнер это что-то </a:t>
-            </a:r>
-            <a:r>
-              <a:rPr lang="ru-RU" smtClean="0"/>
-              <a:t>вроде гибрида непрерывного и узлового </a:t>
-            </a:r>
-            <a:r>
-              <a:rPr lang="ru-RU" smtClean="0"/>
-              <a:t>последовательного контейнера (его основная масса это вектор </a:t>
-            </a:r>
-            <a:r>
-              <a:rPr lang="ru-RU" smtClean="0"/>
-              <a:t>бакетов)</a:t>
+              <a:t>Простейший способ это сделать что-нибудь исходя из фантазии</a:t>
+            </a:r>
+          </a:p>
+          <a:p>
+            <a:pPr marL="45720" indent="0">
+              <a:buNone/>
+            </a:pPr>
+            <a:r>
+              <a:rPr lang="en-US" smtClean="0">
+                <a:latin typeface="Consolas" panose="020B0609020204030204" pitchFamily="49" charset="0"/>
+              </a:rPr>
+              <a:t>result_type </a:t>
+            </a:r>
+            <a:r>
+              <a:rPr lang="en-US">
+                <a:latin typeface="Consolas" panose="020B0609020204030204" pitchFamily="49" charset="0"/>
+              </a:rPr>
+              <a:t>operator()(argument_type const&amp; s) const </a:t>
+            </a:r>
+            <a:r>
+              <a:rPr lang="en-US" smtClean="0">
+                <a:latin typeface="Consolas" panose="020B0609020204030204" pitchFamily="49" charset="0"/>
+              </a:rPr>
+              <a:t>noexcept</a:t>
+            </a:r>
+            <a:r>
+              <a:rPr lang="ru-RU" smtClean="0">
+                <a:latin typeface="Consolas" panose="020B0609020204030204" pitchFamily="49" charset="0"/>
+              </a:rPr>
+              <a:t> </a:t>
+            </a:r>
+            <a:r>
+              <a:rPr lang="en-US" smtClean="0">
+                <a:latin typeface="Consolas" panose="020B0609020204030204" pitchFamily="49" charset="0"/>
+              </a:rPr>
+              <a:t>{</a:t>
+            </a:r>
+            <a:r>
+              <a:rPr lang="ru-RU" smtClean="0">
+                <a:latin typeface="Consolas" panose="020B0609020204030204" pitchFamily="49" charset="0"/>
+              </a:rPr>
+              <a:t/>
+            </a:r>
+            <a:br>
+              <a:rPr lang="ru-RU" smtClean="0">
+                <a:latin typeface="Consolas" panose="020B0609020204030204" pitchFamily="49" charset="0"/>
+              </a:rPr>
+            </a:br>
+            <a:r>
+              <a:rPr lang="ru-RU" smtClean="0">
+                <a:latin typeface="Consolas" panose="020B0609020204030204" pitchFamily="49" charset="0"/>
+              </a:rPr>
+              <a:t>  </a:t>
+            </a:r>
+            <a:r>
+              <a:rPr lang="en-US" smtClean="0">
+                <a:latin typeface="Consolas" panose="020B0609020204030204" pitchFamily="49" charset="0"/>
+              </a:rPr>
+              <a:t>result_type </a:t>
+            </a:r>
+            <a:r>
+              <a:rPr lang="en-US">
+                <a:latin typeface="Consolas" panose="020B0609020204030204" pitchFamily="49" charset="0"/>
+              </a:rPr>
+              <a:t>const </a:t>
+            </a:r>
+            <a:r>
+              <a:rPr lang="en-US" smtClean="0">
+                <a:latin typeface="Consolas" panose="020B0609020204030204" pitchFamily="49" charset="0"/>
+              </a:rPr>
+              <a:t>h1</a:t>
+            </a:r>
+            <a:r>
+              <a:rPr lang="ru-RU" smtClean="0">
+                <a:latin typeface="Consolas" panose="020B0609020204030204" pitchFamily="49" charset="0"/>
+              </a:rPr>
+              <a:t> = </a:t>
+            </a:r>
+            <a:r>
+              <a:rPr lang="en-US" smtClean="0">
+                <a:latin typeface="Consolas" panose="020B0609020204030204" pitchFamily="49" charset="0"/>
+              </a:rPr>
+              <a:t>hash&lt;string</a:t>
+            </a:r>
+            <a:r>
+              <a:rPr lang="en-US">
+                <a:latin typeface="Consolas" panose="020B0609020204030204" pitchFamily="49" charset="0"/>
+              </a:rPr>
+              <a:t>&gt;{}(s.first_name</a:t>
+            </a:r>
+            <a:r>
+              <a:rPr lang="en-US" smtClean="0">
+                <a:latin typeface="Consolas" panose="020B0609020204030204" pitchFamily="49" charset="0"/>
+              </a:rPr>
+              <a:t>);</a:t>
+            </a:r>
+            <a:r>
+              <a:rPr lang="ru-RU" smtClean="0">
+                <a:latin typeface="Consolas" panose="020B0609020204030204" pitchFamily="49" charset="0"/>
+              </a:rPr>
+              <a:t/>
+            </a:r>
+            <a:br>
+              <a:rPr lang="ru-RU" smtClean="0">
+                <a:latin typeface="Consolas" panose="020B0609020204030204" pitchFamily="49" charset="0"/>
+              </a:rPr>
+            </a:br>
+            <a:r>
+              <a:rPr lang="en-US" smtClean="0">
+                <a:latin typeface="Consolas" panose="020B0609020204030204" pitchFamily="49" charset="0"/>
+              </a:rPr>
+              <a:t>  </a:t>
+            </a:r>
+            <a:r>
+              <a:rPr lang="en-US">
+                <a:latin typeface="Consolas" panose="020B0609020204030204" pitchFamily="49" charset="0"/>
+              </a:rPr>
+              <a:t>result_type const </a:t>
+            </a:r>
+            <a:r>
+              <a:rPr lang="en-US" smtClean="0">
+                <a:latin typeface="Consolas" panose="020B0609020204030204" pitchFamily="49" charset="0"/>
+              </a:rPr>
+              <a:t>h2</a:t>
+            </a:r>
+            <a:r>
+              <a:rPr lang="ru-RU" smtClean="0">
+                <a:latin typeface="Consolas" panose="020B0609020204030204" pitchFamily="49" charset="0"/>
+              </a:rPr>
+              <a:t> = </a:t>
+            </a:r>
+            <a:r>
+              <a:rPr lang="en-US" smtClean="0">
+                <a:latin typeface="Consolas" panose="020B0609020204030204" pitchFamily="49" charset="0"/>
+              </a:rPr>
+              <a:t>hash&lt;string</a:t>
+            </a:r>
+            <a:r>
+              <a:rPr lang="en-US">
+                <a:latin typeface="Consolas" panose="020B0609020204030204" pitchFamily="49" charset="0"/>
+              </a:rPr>
+              <a:t>&gt;{}(</a:t>
+            </a:r>
+            <a:r>
+              <a:rPr lang="en-US" smtClean="0">
+                <a:latin typeface="Consolas" panose="020B0609020204030204" pitchFamily="49" charset="0"/>
+              </a:rPr>
+              <a:t>s.last_name</a:t>
+            </a:r>
+            <a:r>
+              <a:rPr lang="ru-RU" smtClean="0">
+                <a:latin typeface="Consolas" panose="020B0609020204030204" pitchFamily="49" charset="0"/>
+              </a:rPr>
+              <a:t>)</a:t>
+            </a:r>
+            <a:r>
+              <a:rPr lang="en-US" smtClean="0">
+                <a:latin typeface="Consolas" panose="020B0609020204030204" pitchFamily="49" charset="0"/>
+              </a:rPr>
+              <a:t>;</a:t>
+            </a:r>
+            <a:r>
+              <a:rPr lang="ru-RU" smtClean="0">
+                <a:latin typeface="Consolas" panose="020B0609020204030204" pitchFamily="49" charset="0"/>
+              </a:rPr>
+              <a:t/>
+            </a:r>
+            <a:br>
+              <a:rPr lang="ru-RU" smtClean="0">
+                <a:latin typeface="Consolas" panose="020B0609020204030204" pitchFamily="49" charset="0"/>
+              </a:rPr>
+            </a:br>
+            <a:r>
+              <a:rPr lang="ru-RU" smtClean="0">
+                <a:latin typeface="Consolas" panose="020B0609020204030204" pitchFamily="49" charset="0"/>
+              </a:rPr>
+              <a:t> </a:t>
+            </a:r>
+            <a:r>
+              <a:rPr lang="en-US" smtClean="0">
+                <a:latin typeface="Consolas" panose="020B0609020204030204" pitchFamily="49" charset="0"/>
+              </a:rPr>
+              <a:t> </a:t>
+            </a:r>
+            <a:r>
+              <a:rPr lang="en-US">
+                <a:latin typeface="Consolas" panose="020B0609020204030204" pitchFamily="49" charset="0"/>
+              </a:rPr>
+              <a:t>return </a:t>
+            </a:r>
+            <a:r>
+              <a:rPr lang="en-US">
+                <a:solidFill>
+                  <a:srgbClr val="0000FF"/>
+                </a:solidFill>
+                <a:latin typeface="Consolas" panose="020B0609020204030204" pitchFamily="49" charset="0"/>
+              </a:rPr>
+              <a:t>h1 ^ (h2 &lt;&lt; 1</a:t>
+            </a:r>
+            <a:r>
+              <a:rPr lang="en-US" smtClean="0">
+                <a:solidFill>
+                  <a:srgbClr val="0000FF"/>
+                </a:solidFill>
+                <a:latin typeface="Consolas" panose="020B0609020204030204" pitchFamily="49" charset="0"/>
+              </a:rPr>
+              <a:t>);</a:t>
+            </a:r>
+            <a:r>
+              <a:rPr lang="ru-RU" smtClean="0">
+                <a:latin typeface="Consolas" panose="020B0609020204030204" pitchFamily="49" charset="0"/>
+              </a:rPr>
+              <a:t/>
+            </a:r>
+            <a:br>
+              <a:rPr lang="ru-RU" smtClean="0">
+                <a:latin typeface="Consolas" panose="020B0609020204030204" pitchFamily="49" charset="0"/>
+              </a:rPr>
+            </a:br>
+            <a:r>
+              <a:rPr lang="en-US" smtClean="0">
+                <a:latin typeface="Consolas" panose="020B0609020204030204" pitchFamily="49" charset="0"/>
+              </a:rPr>
+              <a:t>}</a:t>
+            </a:r>
+            <a:endParaRPr lang="ru-RU" smtClean="0">
+              <a:latin typeface="Consolas" panose="020B0609020204030204" pitchFamily="49" charset="0"/>
+            </a:endParaRPr>
+          </a:p>
+          <a:p>
+            <a:r>
+              <a:rPr lang="ru-RU" smtClean="0"/>
+              <a:t>Этот способ </a:t>
+            </a:r>
+            <a:r>
+              <a:rPr lang="ru-RU" smtClean="0"/>
+              <a:t>привлекателен, так как мы же программисты</a:t>
+            </a:r>
+          </a:p>
+          <a:p>
+            <a:r>
+              <a:rPr lang="ru-RU" smtClean="0"/>
+              <a:t>Часто </a:t>
+            </a:r>
+            <a:r>
+              <a:rPr lang="ru-RU" smtClean="0"/>
+              <a:t>(например в этом случае) он даже </a:t>
+            </a:r>
+            <a:r>
+              <a:rPr lang="ru-RU" smtClean="0"/>
+              <a:t>работает</a:t>
+            </a:r>
+          </a:p>
+          <a:p>
+            <a:r>
+              <a:rPr lang="ru-RU" smtClean="0"/>
+              <a:t>Но </a:t>
+            </a:r>
+            <a:r>
+              <a:rPr lang="ru-RU" smtClean="0"/>
+              <a:t>в общем это всегда </a:t>
+            </a:r>
+            <a:r>
+              <a:rPr lang="ru-RU" smtClean="0"/>
+              <a:t>угадайка</a:t>
             </a:r>
             <a:endParaRPr lang="ru-RU" smtClean="0"/>
-          </a:p>
-          <a:p>
-            <a:r>
-              <a:rPr lang="ru-RU" smtClean="0"/>
-              <a:t>Что это означает в практическом смысле?</a:t>
-            </a:r>
-            <a:endParaRPr lang="en-US"/>
           </a:p>
         </p:txBody>
       </p:sp>
     </p:spTree>
     <p:extLst>
       <p:ext uri="{BB962C8B-B14F-4D97-AF65-F5344CB8AC3E}">
-        <p14:creationId xmlns:p14="http://schemas.microsoft.com/office/powerpoint/2010/main" val="2054498946"/>
+        <p14:creationId xmlns:p14="http://schemas.microsoft.com/office/powerpoint/2010/main" val="4187503139"/>
       </p:ext>
     </p:extLst>
   </p:cSld>
   <p:clrMapOvr>
     <a:masterClrMapping/>
   </p:clrMapOvr>
+  <p:timing>
+    <p:tnLst>
+      <p:par>
+        <p:cTn id="1" dur="indefinite" restart="never" nodeType="tmRoot"/>
+      </p:par>
+    </p:tnLst>
+  </p:timing>
 </p:sld>
 </file>
 
@@ -25502,7 +25946,11 @@
           <a:p>
             <a:r>
               <a:rPr lang="ru-RU" smtClean="0"/>
-              <a:t>Резервирование памяти</a:t>
+              <a:t>Собственный </a:t>
+            </a:r>
+            <a:r>
+              <a:rPr lang="en-US" smtClean="0"/>
+              <a:t>hash</a:t>
             </a:r>
             <a:endParaRPr lang="en-US"/>
           </a:p>
@@ -25518,249 +25966,362 @@
             <p:ph idx="1"/>
           </p:nvPr>
         </p:nvSpPr>
-        <p:spPr/>
+        <p:spPr>
+          <a:xfrm>
+            <a:off x="1143000" y="2057400"/>
+            <a:ext cx="10406449" cy="4038600"/>
+          </a:xfrm>
+        </p:spPr>
         <p:txBody>
           <a:bodyPr/>
           <a:lstStyle/>
           <a:p>
             <a:r>
               <a:rPr lang="ru-RU" smtClean="0"/>
-              <a:t>Следующий эксперимент показывает эффект резервирования</a:t>
-            </a:r>
+              <a:t>Если угадайка не привлекает, есть </a:t>
+            </a:r>
+            <a:r>
+              <a:rPr lang="en-US" smtClean="0"/>
+              <a:t>boost</a:t>
+            </a:r>
+            <a:endParaRPr lang="ru-RU" smtClean="0"/>
           </a:p>
           <a:p>
             <a:pPr marL="45720" indent="0">
               <a:buNone/>
             </a:pPr>
             <a:r>
-              <a:rPr lang="en-US" sz="2000" smtClean="0">
-                <a:latin typeface="Consolas" panose="020B0609020204030204" pitchFamily="49" charset="0"/>
-              </a:rPr>
-              <a:t>unordered_map&lt;int, </a:t>
-            </a:r>
-            <a:r>
-              <a:rPr lang="en-US" sz="2000">
-                <a:latin typeface="Consolas" panose="020B0609020204030204" pitchFamily="49" charset="0"/>
-              </a:rPr>
-              <a:t>Foo&gt; mapNoReserve</a:t>
-            </a:r>
-            <a:r>
-              <a:rPr lang="en-US" sz="2000" smtClean="0">
+              <a:rPr lang="en-US" smtClean="0">
+                <a:latin typeface="Consolas" panose="020B0609020204030204" pitchFamily="49" charset="0"/>
+              </a:rPr>
+              <a:t>result_type </a:t>
+            </a:r>
+            <a:r>
+              <a:rPr lang="en-US">
+                <a:latin typeface="Consolas" panose="020B0609020204030204" pitchFamily="49" charset="0"/>
+              </a:rPr>
+              <a:t>operator()(argument_type const&amp; s) const </a:t>
+            </a:r>
+            <a:r>
+              <a:rPr lang="en-US" smtClean="0">
+                <a:latin typeface="Consolas" panose="020B0609020204030204" pitchFamily="49" charset="0"/>
+              </a:rPr>
+              <a:t>noexcept</a:t>
+            </a:r>
+            <a:r>
+              <a:rPr lang="ru-RU" smtClean="0">
+                <a:latin typeface="Consolas" panose="020B0609020204030204" pitchFamily="49" charset="0"/>
+              </a:rPr>
+              <a:t> </a:t>
+            </a:r>
+            <a:r>
+              <a:rPr lang="en-US" smtClean="0">
+                <a:latin typeface="Consolas" panose="020B0609020204030204" pitchFamily="49" charset="0"/>
+              </a:rPr>
+              <a:t>{</a:t>
+            </a:r>
+            <a:r>
+              <a:rPr lang="ru-RU" smtClean="0">
+                <a:latin typeface="Consolas" panose="020B0609020204030204" pitchFamily="49" charset="0"/>
+              </a:rPr>
+              <a:t/>
+            </a:r>
+            <a:br>
+              <a:rPr lang="ru-RU" smtClean="0">
+                <a:latin typeface="Consolas" panose="020B0609020204030204" pitchFamily="49" charset="0"/>
+              </a:rPr>
+            </a:br>
+            <a:r>
+              <a:rPr lang="ru-RU" smtClean="0">
+                <a:latin typeface="Consolas" panose="020B0609020204030204" pitchFamily="49" charset="0"/>
+              </a:rPr>
+              <a:t>  </a:t>
+            </a:r>
+            <a:r>
+              <a:rPr lang="en-US" smtClean="0">
+                <a:latin typeface="Consolas" panose="020B0609020204030204" pitchFamily="49" charset="0"/>
+              </a:rPr>
+              <a:t>result_type </a:t>
+            </a:r>
+            <a:r>
+              <a:rPr lang="en-US">
+                <a:latin typeface="Consolas" panose="020B0609020204030204" pitchFamily="49" charset="0"/>
+              </a:rPr>
+              <a:t>const </a:t>
+            </a:r>
+            <a:r>
+              <a:rPr lang="en-US" smtClean="0">
+                <a:latin typeface="Consolas" panose="020B0609020204030204" pitchFamily="49" charset="0"/>
+              </a:rPr>
+              <a:t>h1</a:t>
+            </a:r>
+            <a:r>
+              <a:rPr lang="ru-RU" smtClean="0">
+                <a:latin typeface="Consolas" panose="020B0609020204030204" pitchFamily="49" charset="0"/>
+              </a:rPr>
+              <a:t> = </a:t>
+            </a:r>
+            <a:r>
+              <a:rPr lang="en-US" smtClean="0">
+                <a:latin typeface="Consolas" panose="020B0609020204030204" pitchFamily="49" charset="0"/>
+              </a:rPr>
+              <a:t>hash&lt;string</a:t>
+            </a:r>
+            <a:r>
+              <a:rPr lang="en-US">
+                <a:latin typeface="Consolas" panose="020B0609020204030204" pitchFamily="49" charset="0"/>
+              </a:rPr>
+              <a:t>&gt;{}(s.first_name</a:t>
+            </a:r>
+            <a:r>
+              <a:rPr lang="en-US" smtClean="0">
+                <a:latin typeface="Consolas" panose="020B0609020204030204" pitchFamily="49" charset="0"/>
+              </a:rPr>
+              <a:t>);</a:t>
+            </a:r>
+            <a:r>
+              <a:rPr lang="ru-RU" smtClean="0">
+                <a:latin typeface="Consolas" panose="020B0609020204030204" pitchFamily="49" charset="0"/>
+              </a:rPr>
+              <a:t/>
+            </a:r>
+            <a:br>
+              <a:rPr lang="ru-RU" smtClean="0">
+                <a:latin typeface="Consolas" panose="020B0609020204030204" pitchFamily="49" charset="0"/>
+              </a:rPr>
+            </a:br>
+            <a:r>
+              <a:rPr lang="en-US" smtClean="0">
+                <a:latin typeface="Consolas" panose="020B0609020204030204" pitchFamily="49" charset="0"/>
+              </a:rPr>
+              <a:t>  </a:t>
+            </a:r>
+            <a:r>
+              <a:rPr lang="en-US">
+                <a:latin typeface="Consolas" panose="020B0609020204030204" pitchFamily="49" charset="0"/>
+              </a:rPr>
+              <a:t>result_type const </a:t>
+            </a:r>
+            <a:r>
+              <a:rPr lang="en-US" smtClean="0">
+                <a:latin typeface="Consolas" panose="020B0609020204030204" pitchFamily="49" charset="0"/>
+              </a:rPr>
+              <a:t>h2</a:t>
+            </a:r>
+            <a:r>
+              <a:rPr lang="ru-RU" smtClean="0">
+                <a:latin typeface="Consolas" panose="020B0609020204030204" pitchFamily="49" charset="0"/>
+              </a:rPr>
+              <a:t> = </a:t>
+            </a:r>
+            <a:r>
+              <a:rPr lang="en-US" smtClean="0">
+                <a:latin typeface="Consolas" panose="020B0609020204030204" pitchFamily="49" charset="0"/>
+              </a:rPr>
+              <a:t>hash&lt;string</a:t>
+            </a:r>
+            <a:r>
+              <a:rPr lang="en-US">
+                <a:latin typeface="Consolas" panose="020B0609020204030204" pitchFamily="49" charset="0"/>
+              </a:rPr>
+              <a:t>&gt;{}(</a:t>
+            </a:r>
+            <a:r>
+              <a:rPr lang="en-US" smtClean="0">
+                <a:latin typeface="Consolas" panose="020B0609020204030204" pitchFamily="49" charset="0"/>
+              </a:rPr>
+              <a:t>s.last_name</a:t>
+            </a:r>
+            <a:r>
+              <a:rPr lang="ru-RU" smtClean="0">
+                <a:latin typeface="Consolas" panose="020B0609020204030204" pitchFamily="49" charset="0"/>
+              </a:rPr>
+              <a:t>)</a:t>
+            </a:r>
+            <a:r>
+              <a:rPr lang="en-US">
                 <a:latin typeface="Consolas" panose="020B0609020204030204" pitchFamily="49" charset="0"/>
               </a:rPr>
               <a:t>;</a:t>
             </a:r>
-            <a:r>
-              <a:rPr lang="ru-RU" sz="2000" smtClean="0">
+            <a:br>
+              <a:rPr lang="en-US">
+                <a:latin typeface="Consolas" panose="020B0609020204030204" pitchFamily="49" charset="0"/>
+              </a:rPr>
+            </a:br>
+            <a:r>
+              <a:rPr lang="en-US">
+                <a:latin typeface="Consolas" panose="020B0609020204030204" pitchFamily="49" charset="0"/>
+              </a:rPr>
+              <a:t>  size_t seed = 0;</a:t>
+            </a:r>
+            <a:br>
+              <a:rPr lang="en-US">
+                <a:latin typeface="Consolas" panose="020B0609020204030204" pitchFamily="49" charset="0"/>
+              </a:rPr>
+            </a:br>
+            <a:r>
+              <a:rPr lang="en-US">
+                <a:latin typeface="Consolas" panose="020B0609020204030204" pitchFamily="49" charset="0"/>
+              </a:rPr>
+              <a:t> </a:t>
+            </a:r>
+            <a:r>
+              <a:rPr lang="en-US" smtClean="0">
+                <a:latin typeface="Consolas" panose="020B0609020204030204" pitchFamily="49" charset="0"/>
+              </a:rPr>
+              <a:t> </a:t>
+            </a:r>
+            <a:r>
+              <a:rPr lang="en-US" smtClean="0">
+                <a:solidFill>
+                  <a:srgbClr val="0000FF"/>
+                </a:solidFill>
+                <a:latin typeface="Consolas" panose="020B0609020204030204" pitchFamily="49" charset="0"/>
+              </a:rPr>
+              <a:t>boost</a:t>
+            </a:r>
+            <a:r>
+              <a:rPr lang="en-US">
+                <a:solidFill>
+                  <a:srgbClr val="0000FF"/>
+                </a:solidFill>
+                <a:latin typeface="Consolas" panose="020B0609020204030204" pitchFamily="49" charset="0"/>
+              </a:rPr>
+              <a:t>::hash_combine</a:t>
+            </a:r>
+            <a:r>
+              <a:rPr lang="en-US">
+                <a:latin typeface="Consolas" panose="020B0609020204030204" pitchFamily="49" charset="0"/>
+              </a:rPr>
+              <a:t>(seed, </a:t>
+            </a:r>
+            <a:r>
+              <a:rPr lang="en-US" smtClean="0">
+                <a:latin typeface="Consolas" panose="020B0609020204030204" pitchFamily="49" charset="0"/>
+              </a:rPr>
+              <a:t>h1);</a:t>
+            </a:r>
+            <a:br>
+              <a:rPr lang="en-US" smtClean="0">
+                <a:latin typeface="Consolas" panose="020B0609020204030204" pitchFamily="49" charset="0"/>
+              </a:rPr>
+            </a:br>
+            <a:r>
+              <a:rPr lang="en-US" smtClean="0">
+                <a:latin typeface="Consolas" panose="020B0609020204030204" pitchFamily="49" charset="0"/>
+              </a:rPr>
+              <a:t>  boost</a:t>
+            </a:r>
+            <a:r>
+              <a:rPr lang="en-US">
+                <a:latin typeface="Consolas" panose="020B0609020204030204" pitchFamily="49" charset="0"/>
+              </a:rPr>
+              <a:t>::hash_combine(seed, </a:t>
+            </a:r>
+            <a:r>
+              <a:rPr lang="en-US" smtClean="0">
+                <a:latin typeface="Consolas" panose="020B0609020204030204" pitchFamily="49" charset="0"/>
+              </a:rPr>
+              <a:t>h2);</a:t>
+            </a:r>
+            <a:r>
+              <a:rPr lang="ru-RU" smtClean="0">
                 <a:latin typeface="Consolas" panose="020B0609020204030204" pitchFamily="49" charset="0"/>
               </a:rPr>
               <a:t/>
             </a:r>
             <a:br>
-              <a:rPr lang="ru-RU" sz="2000" smtClean="0">
-                <a:latin typeface="Consolas" panose="020B0609020204030204" pitchFamily="49" charset="0"/>
-              </a:rPr>
-            </a:br>
-            <a:r>
-              <a:rPr lang="en-US" sz="2000" smtClean="0">
-                <a:latin typeface="Consolas" panose="020B0609020204030204" pitchFamily="49" charset="0"/>
-              </a:rPr>
-              <a:t>unordered_map&lt;int, </a:t>
-            </a:r>
-            <a:r>
-              <a:rPr lang="en-US" sz="2000">
-                <a:latin typeface="Consolas" panose="020B0609020204030204" pitchFamily="49" charset="0"/>
-              </a:rPr>
-              <a:t>Foo&gt; mapReserve</a:t>
-            </a:r>
-            <a:r>
-              <a:rPr lang="en-US" sz="2000" smtClean="0">
-                <a:latin typeface="Consolas" panose="020B0609020204030204" pitchFamily="49" charset="0"/>
-              </a:rPr>
-              <a:t>;</a:t>
-            </a:r>
-            <a:endParaRPr lang="en-US" sz="2000">
+              <a:rPr lang="ru-RU" smtClean="0">
+                <a:latin typeface="Consolas" panose="020B0609020204030204" pitchFamily="49" charset="0"/>
+              </a:rPr>
+            </a:br>
+            <a:r>
+              <a:rPr lang="ru-RU" smtClean="0">
+                <a:latin typeface="Consolas" panose="020B0609020204030204" pitchFamily="49" charset="0"/>
+              </a:rPr>
+              <a:t> </a:t>
+            </a:r>
+            <a:r>
+              <a:rPr lang="en-US" smtClean="0">
+                <a:latin typeface="Consolas" panose="020B0609020204030204" pitchFamily="49" charset="0"/>
+              </a:rPr>
+              <a:t> </a:t>
+            </a:r>
+            <a:r>
+              <a:rPr lang="en-US">
+                <a:latin typeface="Consolas" panose="020B0609020204030204" pitchFamily="49" charset="0"/>
+              </a:rPr>
+              <a:t>return </a:t>
+            </a:r>
+            <a:r>
+              <a:rPr lang="en-US" smtClean="0">
+                <a:solidFill>
+                  <a:srgbClr val="0000FF"/>
+                </a:solidFill>
+                <a:latin typeface="Consolas" panose="020B0609020204030204" pitchFamily="49" charset="0"/>
+              </a:rPr>
+              <a:t>seed;</a:t>
+            </a:r>
+            <a:r>
+              <a:rPr lang="ru-RU" smtClean="0">
+                <a:latin typeface="Consolas" panose="020B0609020204030204" pitchFamily="49" charset="0"/>
+              </a:rPr>
+              <a:t/>
+            </a:r>
+            <a:br>
+              <a:rPr lang="ru-RU" smtClean="0">
+                <a:latin typeface="Consolas" panose="020B0609020204030204" pitchFamily="49" charset="0"/>
+              </a:rPr>
+            </a:br>
+            <a:r>
+              <a:rPr lang="en-US" smtClean="0">
+                <a:latin typeface="Consolas" panose="020B0609020204030204" pitchFamily="49" charset="0"/>
+              </a:rPr>
+              <a:t>}</a:t>
+            </a:r>
+            <a:endParaRPr lang="ru-RU" smtClean="0">
               <a:latin typeface="Consolas" panose="020B0609020204030204" pitchFamily="49" charset="0"/>
             </a:endParaRPr>
           </a:p>
           <a:p>
-            <a:pPr marL="45720" indent="0">
-              <a:buNone/>
-            </a:pPr>
-            <a:r>
-              <a:rPr lang="en-US" sz="2000" smtClean="0">
-                <a:latin typeface="Consolas" panose="020B0609020204030204" pitchFamily="49" charset="0"/>
-              </a:rPr>
-              <a:t>// </a:t>
-            </a:r>
-            <a:r>
-              <a:rPr lang="ru-RU" sz="2000" smtClean="0">
-                <a:latin typeface="Consolas" panose="020B0609020204030204" pitchFamily="49" charset="0"/>
-              </a:rPr>
-              <a:t>контрольная точка 1</a:t>
-            </a:r>
-            <a:endParaRPr lang="en-US" sz="2000">
-              <a:latin typeface="Consolas" panose="020B0609020204030204" pitchFamily="49" charset="0"/>
-            </a:endParaRPr>
-          </a:p>
-          <a:p>
-            <a:pPr marL="45720" indent="0">
-              <a:buNone/>
-            </a:pPr>
-            <a:r>
-              <a:rPr lang="en-US" sz="2000" smtClean="0">
-                <a:latin typeface="Consolas" panose="020B0609020204030204" pitchFamily="49" charset="0"/>
-              </a:rPr>
-              <a:t>mapReserve.reserve(1000);</a:t>
-            </a:r>
-            <a:endParaRPr lang="en-US" sz="2000">
-              <a:latin typeface="Consolas" panose="020B0609020204030204" pitchFamily="49" charset="0"/>
-            </a:endParaRPr>
-          </a:p>
-          <a:p>
-            <a:pPr marL="45720" indent="0">
-              <a:buNone/>
-            </a:pPr>
-            <a:r>
-              <a:rPr lang="en-US" sz="2000" smtClean="0">
-                <a:latin typeface="Consolas" panose="020B0609020204030204" pitchFamily="49" charset="0"/>
-              </a:rPr>
-              <a:t>// </a:t>
-            </a:r>
-            <a:r>
-              <a:rPr lang="ru-RU" sz="2000" smtClean="0">
-                <a:latin typeface="Consolas" panose="020B0609020204030204" pitchFamily="49" charset="0"/>
-              </a:rPr>
-              <a:t>контрольная точка 2</a:t>
-            </a:r>
-            <a:endParaRPr lang="en-US" sz="2000">
-              <a:latin typeface="Consolas" panose="020B0609020204030204" pitchFamily="49" charset="0"/>
-            </a:endParaRPr>
-          </a:p>
-          <a:p>
-            <a:pPr marL="45720" indent="0">
-              <a:buNone/>
-            </a:pPr>
-            <a:r>
-              <a:rPr lang="en-US" sz="2000" smtClean="0">
-                <a:latin typeface="Consolas" panose="020B0609020204030204" pitchFamily="49" charset="0"/>
-              </a:rPr>
-              <a:t>for(int </a:t>
-            </a:r>
-            <a:r>
-              <a:rPr lang="en-US" sz="2000">
-                <a:latin typeface="Consolas" panose="020B0609020204030204" pitchFamily="49" charset="0"/>
-              </a:rPr>
-              <a:t>i = 0; i &lt; 1000; ++i</a:t>
-            </a:r>
-            <a:r>
-              <a:rPr lang="en-US" sz="2000" smtClean="0">
-                <a:latin typeface="Consolas" panose="020B0609020204030204" pitchFamily="49" charset="0"/>
-              </a:rPr>
-              <a:t>) {</a:t>
-            </a:r>
-            <a:br>
-              <a:rPr lang="en-US" sz="2000" smtClean="0">
-                <a:latin typeface="Consolas" panose="020B0609020204030204" pitchFamily="49" charset="0"/>
-              </a:rPr>
-            </a:br>
-            <a:r>
-              <a:rPr lang="en-US" sz="2000" smtClean="0">
-                <a:latin typeface="Consolas" panose="020B0609020204030204" pitchFamily="49" charset="0"/>
-              </a:rPr>
-              <a:t>  mapNoReserve.insert({i</a:t>
-            </a:r>
-            <a:r>
-              <a:rPr lang="en-US" sz="2000">
-                <a:latin typeface="Consolas" panose="020B0609020204030204" pitchFamily="49" charset="0"/>
-              </a:rPr>
-              <a:t>, Foo</a:t>
-            </a:r>
-            <a:r>
-              <a:rPr lang="en-US" sz="2000" smtClean="0">
-                <a:latin typeface="Consolas" panose="020B0609020204030204" pitchFamily="49" charset="0"/>
-              </a:rPr>
-              <a:t>()});</a:t>
-            </a:r>
-            <a:br>
-              <a:rPr lang="en-US" sz="2000" smtClean="0">
-                <a:latin typeface="Consolas" panose="020B0609020204030204" pitchFamily="49" charset="0"/>
-              </a:rPr>
-            </a:br>
-            <a:r>
-              <a:rPr lang="en-US" sz="2000" smtClean="0">
-                <a:latin typeface="Consolas" panose="020B0609020204030204" pitchFamily="49" charset="0"/>
-              </a:rPr>
-              <a:t>  </a:t>
-            </a:r>
-            <a:r>
-              <a:rPr lang="en-US" sz="2000">
-                <a:latin typeface="Consolas" panose="020B0609020204030204" pitchFamily="49" charset="0"/>
-              </a:rPr>
-              <a:t>mapReserve.insert</a:t>
-            </a:r>
-            <a:r>
-              <a:rPr lang="en-US" sz="2000" smtClean="0">
-                <a:latin typeface="Consolas" panose="020B0609020204030204" pitchFamily="49" charset="0"/>
-              </a:rPr>
-              <a:t>({i</a:t>
-            </a:r>
-            <a:r>
-              <a:rPr lang="en-US" sz="2000">
-                <a:latin typeface="Consolas" panose="020B0609020204030204" pitchFamily="49" charset="0"/>
-              </a:rPr>
-              <a:t>, Foo</a:t>
-            </a:r>
-            <a:r>
-              <a:rPr lang="en-US" sz="2000" smtClean="0">
-                <a:latin typeface="Consolas" panose="020B0609020204030204" pitchFamily="49" charset="0"/>
-              </a:rPr>
-              <a:t>()});</a:t>
-            </a:r>
-            <a:br>
-              <a:rPr lang="en-US" sz="2000" smtClean="0">
-                <a:latin typeface="Consolas" panose="020B0609020204030204" pitchFamily="49" charset="0"/>
-              </a:rPr>
-            </a:br>
-            <a:r>
-              <a:rPr lang="en-US" sz="2000" smtClean="0">
-                <a:latin typeface="Consolas" panose="020B0609020204030204" pitchFamily="49" charset="0"/>
-              </a:rPr>
-              <a:t>}</a:t>
-            </a:r>
-          </a:p>
-          <a:p>
-            <a:pPr marL="45720" indent="0">
-              <a:buNone/>
-            </a:pPr>
-            <a:r>
-              <a:rPr lang="en-US" sz="2000" smtClean="0">
-                <a:latin typeface="Consolas" panose="020B0609020204030204" pitchFamily="49" charset="0"/>
-              </a:rPr>
-              <a:t>// </a:t>
-            </a:r>
-            <a:r>
-              <a:rPr lang="ru-RU" sz="2000" smtClean="0">
-                <a:latin typeface="Consolas" panose="020B0609020204030204" pitchFamily="49" charset="0"/>
-              </a:rPr>
-              <a:t>контрольная точка 3</a:t>
-            </a:r>
-            <a:endParaRPr lang="en-US" sz="2000">
-              <a:latin typeface="Consolas" panose="020B0609020204030204" pitchFamily="49" charset="0"/>
-            </a:endParaRPr>
+            <a:r>
+              <a:rPr lang="ru-RU" smtClean="0"/>
+              <a:t>Это работает всегда. Но это </a:t>
+            </a:r>
+            <a:r>
+              <a:rPr lang="en-US" smtClean="0"/>
+              <a:t>boost</a:t>
+            </a:r>
+            <a:r>
+              <a:rPr lang="ru-RU" smtClean="0"/>
+              <a:t>, его надо затаскивать в проект</a:t>
+            </a:r>
+            <a:r>
+              <a:rPr lang="en-US" smtClean="0"/>
+              <a:t>.</a:t>
+            </a:r>
+            <a:endParaRPr lang="ru-RU" smtClean="0"/>
           </a:p>
         </p:txBody>
       </p:sp>
     </p:spTree>
     <p:extLst>
       <p:ext uri="{BB962C8B-B14F-4D97-AF65-F5344CB8AC3E}">
-        <p14:creationId xmlns:p14="http://schemas.microsoft.com/office/powerpoint/2010/main" val="2851774702"/>
+        <p14:creationId xmlns:p14="http://schemas.microsoft.com/office/powerpoint/2010/main" val="3039205336"/>
       </p:ext>
     </p:extLst>
   </p:cSld>
   <p:clrMapOvr>
     <a:masterClrMapping/>
   </p:clrMapOvr>
+  <p:timing>
+    <p:tnLst>
+      <p:par>
+        <p:cTn id="1" dur="indefinite" restart="never" nodeType="tmRoot"/>
+      </p:par>
+    </p:tnLst>
+  </p:timing>
 </p:sld>
 </file>
 
@@ -25798,7 +26359,7 @@
           <a:p>
             <a:r>
               <a:rPr lang="ru-RU" smtClean="0"/>
-              <a:t>Низкоуровневая информация</a:t>
+              <a:t>Обсуждение</a:t>
             </a:r>
             <a:endParaRPr lang="en-US"/>
           </a:p>
@@ -25821,173 +26382,14 @@
           <a:p>
             <a:r>
               <a:rPr lang="ru-RU" smtClean="0"/>
-              <a:t>Дополнительно каждый неупорядоченный контейнер даёт возможность смотреть его статистику </a:t>
-            </a:r>
-            <a:endParaRPr lang="en-US" smtClean="0"/>
-          </a:p>
-          <a:p>
-            <a:r>
-              <a:rPr lang="en-US" smtClean="0"/>
-              <a:t>bucket_count</a:t>
-            </a:r>
-            <a:r>
-              <a:rPr lang="ru-RU" smtClean="0"/>
-              <a:t>()</a:t>
-            </a:r>
-            <a:r>
-              <a:rPr lang="en-US" smtClean="0"/>
-              <a:t> </a:t>
-            </a:r>
-            <a:r>
-              <a:rPr lang="en-US" smtClean="0">
-                <a:latin typeface="Cambria Math" panose="02040503050406030204" pitchFamily="18" charset="0"/>
-                <a:ea typeface="Cambria Math" panose="02040503050406030204" pitchFamily="18" charset="0"/>
-              </a:rPr>
-              <a:t>― </a:t>
-            </a:r>
-            <a:r>
-              <a:rPr lang="ru-RU" smtClean="0">
-                <a:ea typeface="Cambria Math" panose="02040503050406030204" pitchFamily="18" charset="0"/>
-              </a:rPr>
-              <a:t>количество бакетов</a:t>
-            </a:r>
-            <a:endParaRPr lang="ru-RU" smtClean="0"/>
-          </a:p>
-          <a:p>
-            <a:r>
-              <a:rPr lang="en-US" smtClean="0"/>
-              <a:t>max_bucket_count</a:t>
-            </a:r>
-            <a:r>
-              <a:rPr lang="ru-RU" smtClean="0"/>
-              <a:t>()</a:t>
-            </a:r>
-            <a:r>
-              <a:rPr lang="en-US"/>
-              <a:t> </a:t>
-            </a:r>
-            <a:r>
-              <a:rPr lang="en-US">
-                <a:latin typeface="Cambria Math" panose="02040503050406030204" pitchFamily="18" charset="0"/>
-                <a:ea typeface="Cambria Math" panose="02040503050406030204" pitchFamily="18" charset="0"/>
-              </a:rPr>
-              <a:t>― </a:t>
-            </a:r>
-            <a:r>
-              <a:rPr lang="ru-RU" smtClean="0">
-                <a:ea typeface="Cambria Math" panose="02040503050406030204" pitchFamily="18" charset="0"/>
-              </a:rPr>
-              <a:t>максимальное количество бакетов без реаллокаций</a:t>
-            </a:r>
-            <a:endParaRPr lang="en-US"/>
-          </a:p>
-          <a:p>
-            <a:r>
-              <a:rPr lang="en-US" smtClean="0"/>
-              <a:t>bucket_size(n)</a:t>
-            </a:r>
-            <a:r>
-              <a:rPr lang="ru-RU" smtClean="0"/>
-              <a:t> </a:t>
-            </a:r>
-            <a:r>
-              <a:rPr lang="en-US">
-                <a:latin typeface="Cambria Math" panose="02040503050406030204" pitchFamily="18" charset="0"/>
-                <a:ea typeface="Cambria Math" panose="02040503050406030204" pitchFamily="18" charset="0"/>
-              </a:rPr>
-              <a:t>― </a:t>
-            </a:r>
-            <a:r>
-              <a:rPr lang="ru-RU" smtClean="0">
-                <a:ea typeface="Cambria Math" panose="02040503050406030204" pitchFamily="18" charset="0"/>
-              </a:rPr>
-              <a:t>размер бакета с номером </a:t>
-            </a:r>
-            <a:r>
-              <a:rPr lang="en-US" smtClean="0">
-                <a:ea typeface="Cambria Math" panose="02040503050406030204" pitchFamily="18" charset="0"/>
-              </a:rPr>
-              <a:t>n</a:t>
-            </a:r>
-            <a:endParaRPr lang="en-US" smtClean="0"/>
-          </a:p>
-          <a:p>
-            <a:r>
-              <a:rPr lang="en-US" smtClean="0"/>
-              <a:t>bucket(Key) </a:t>
-            </a:r>
-            <a:r>
-              <a:rPr lang="en-US" smtClean="0">
-                <a:latin typeface="Cambria Math" panose="02040503050406030204" pitchFamily="18" charset="0"/>
-                <a:ea typeface="Cambria Math" panose="02040503050406030204" pitchFamily="18" charset="0"/>
-              </a:rPr>
-              <a:t>― </a:t>
-            </a:r>
-            <a:r>
-              <a:rPr lang="ru-RU" smtClean="0">
-                <a:ea typeface="Cambria Math" panose="02040503050406030204" pitchFamily="18" charset="0"/>
-              </a:rPr>
-              <a:t>номер бакета для ключа </a:t>
-            </a:r>
-            <a:r>
-              <a:rPr lang="en-US" smtClean="0">
-                <a:ea typeface="Cambria Math" panose="02040503050406030204" pitchFamily="18" charset="0"/>
-              </a:rPr>
-              <a:t>Key</a:t>
-            </a:r>
-            <a:endParaRPr lang="en-US" smtClean="0"/>
-          </a:p>
-          <a:p>
-            <a:r>
-              <a:rPr lang="en-US" smtClean="0"/>
-              <a:t>load_factor() </a:t>
-            </a:r>
-            <a:r>
-              <a:rPr lang="en-US" smtClean="0">
-                <a:latin typeface="Cambria Math" panose="02040503050406030204" pitchFamily="18" charset="0"/>
-                <a:ea typeface="Cambria Math" panose="02040503050406030204" pitchFamily="18" charset="0"/>
-              </a:rPr>
-              <a:t>― </a:t>
-            </a:r>
-            <a:r>
-              <a:rPr lang="ru-RU" smtClean="0">
-                <a:ea typeface="Cambria Math" panose="02040503050406030204" pitchFamily="18" charset="0"/>
-              </a:rPr>
-              <a:t>среднее количество ключей в бакете</a:t>
-            </a:r>
-            <a:endParaRPr lang="en-US" smtClean="0"/>
-          </a:p>
-          <a:p>
-            <a:r>
-              <a:rPr lang="en-US" smtClean="0"/>
-              <a:t>max_load_factor()</a:t>
-            </a:r>
-            <a:r>
-              <a:rPr lang="en-US"/>
-              <a:t> </a:t>
-            </a:r>
-            <a:r>
-              <a:rPr lang="en-US">
-                <a:latin typeface="Cambria Math" panose="02040503050406030204" pitchFamily="18" charset="0"/>
-                <a:ea typeface="Cambria Math" panose="02040503050406030204" pitchFamily="18" charset="0"/>
-              </a:rPr>
-              <a:t>― </a:t>
-            </a:r>
-            <a:r>
-              <a:rPr lang="ru-RU" smtClean="0">
-                <a:ea typeface="Cambria Math" panose="02040503050406030204" pitchFamily="18" charset="0"/>
-              </a:rPr>
-              <a:t>максимальное </a:t>
-            </a:r>
-            <a:r>
-              <a:rPr lang="ru-RU">
-                <a:ea typeface="Cambria Math" panose="02040503050406030204" pitchFamily="18" charset="0"/>
-              </a:rPr>
-              <a:t>количество ключей в бакете</a:t>
-            </a:r>
-            <a:endParaRPr lang="en-US"/>
-          </a:p>
-          <a:p>
+              <a:t>По сути неупорядоченный контейнер это что-то вроде гибрида непрерывного и узлового последовательного контейнера (его основная масса это вектор бакетов)</a:t>
+            </a:r>
+          </a:p>
+          <a:p>
+            <a:r>
+              <a:rPr lang="ru-RU" smtClean="0"/>
+              <a:t>Что это означает в практическом смысле?</a:t>
+            </a:r>
             <a:endParaRPr lang="en-US"/>
           </a:p>
         </p:txBody>
@@ -25995,13 +26397,20 @@
     </p:spTree>
     <p:extLst>
       <p:ext uri="{BB962C8B-B14F-4D97-AF65-F5344CB8AC3E}">
-        <p14:creationId xmlns:p14="http://schemas.microsoft.com/office/powerpoint/2010/main" val="26686239"/>
+        <p14:creationId xmlns:p14="http://schemas.microsoft.com/office/powerpoint/2010/main" val="2054498946"/>
       </p:ext>
     </p:extLst>
   </p:cSld>
   <p:clrMapOvr>
     <a:masterClrMapping/>
   </p:clrMapOvr>
+  <p:timing>
+    <p:tnLst>
+      <p:par>
+        <p:cTn id="1" dur="indefinite" restart="never" nodeType="tmRoot"/>
+      </p:par>
+    </p:tnLst>
+  </p:timing>
 </p:sld>
 </file>
 
@@ -26039,7 +26448,7 @@
           <a:p>
             <a:r>
               <a:rPr lang="ru-RU" smtClean="0"/>
-              <a:t>Рехэш</a:t>
+              <a:t>Резервирование памяти</a:t>
             </a:r>
             <a:endParaRPr lang="en-US"/>
           </a:p>
@@ -26062,142 +26471,249 @@
           <a:p>
             <a:r>
               <a:rPr lang="ru-RU" smtClean="0"/>
-              <a:t>Особая функция </a:t>
-            </a:r>
-            <a:r>
-              <a:rPr lang="en-US" smtClean="0"/>
-              <a:t>rehash</a:t>
-            </a:r>
-            <a:r>
-              <a:rPr lang="ru-RU" smtClean="0"/>
-              <a:t>(</a:t>
-            </a:r>
-            <a:r>
-              <a:rPr lang="en-US" smtClean="0"/>
-              <a:t>count</a:t>
-            </a:r>
-            <a:r>
-              <a:rPr lang="ru-RU" smtClean="0"/>
-              <a:t>)</a:t>
-            </a:r>
-            <a:r>
-              <a:rPr lang="en-US" smtClean="0"/>
-              <a:t> </a:t>
-            </a:r>
-            <a:r>
-              <a:rPr lang="ru-RU" smtClean="0"/>
-              <a:t>служит для того, чтобы изменить количество  бакетов (установить в </a:t>
-            </a:r>
-            <a:r>
-              <a:rPr lang="en-US" smtClean="0"/>
-              <a:t>count) </a:t>
-            </a:r>
-            <a:r>
-              <a:rPr lang="ru-RU" smtClean="0"/>
-              <a:t>и перераспределить по ним элементы</a:t>
-            </a:r>
-            <a:endParaRPr lang="en-US" smtClean="0"/>
-          </a:p>
-          <a:p>
-            <a:r>
-              <a:rPr lang="en-US" smtClean="0">
-                <a:latin typeface="Consolas" panose="020B0609020204030204" pitchFamily="49" charset="0"/>
-              </a:rPr>
-              <a:t>reserve(count</a:t>
-            </a:r>
-            <a:r>
-              <a:rPr lang="en-US" smtClean="0">
-                <a:latin typeface="Consolas" panose="020B0609020204030204" pitchFamily="49" charset="0"/>
-              </a:rPr>
-              <a:t>)</a:t>
-            </a:r>
-            <a:r>
-              <a:rPr lang="en-US" smtClean="0"/>
-              <a:t> </a:t>
-            </a:r>
-            <a:r>
-              <a:rPr lang="ru-RU" smtClean="0"/>
-              <a:t>делает то же самое, что </a:t>
-            </a:r>
-            <a:br>
-              <a:rPr lang="ru-RU" smtClean="0"/>
-            </a:br>
-            <a:r>
-              <a:rPr lang="en-US" smtClean="0">
-                <a:latin typeface="Consolas" panose="020B0609020204030204" pitchFamily="49" charset="0"/>
-              </a:rPr>
-              <a:t>rehash(ceil(count </a:t>
-            </a:r>
-            <a:r>
-              <a:rPr lang="en-US">
-                <a:latin typeface="Consolas" panose="020B0609020204030204" pitchFamily="49" charset="0"/>
-              </a:rPr>
-              <a:t>/ max_load_factor</a:t>
-            </a:r>
-            <a:r>
-              <a:rPr lang="en-US" smtClean="0">
-                <a:latin typeface="Consolas" panose="020B0609020204030204" pitchFamily="49" charset="0"/>
-              </a:rPr>
-              <a:t>()))</a:t>
-            </a:r>
-          </a:p>
-          <a:p>
-            <a:r>
-              <a:rPr lang="ru-RU" smtClean="0"/>
-              <a:t>Особый случай </a:t>
-            </a:r>
-            <a:r>
-              <a:rPr lang="en-US" smtClean="0">
-                <a:latin typeface="Consolas" panose="020B0609020204030204" pitchFamily="49" charset="0"/>
-              </a:rPr>
-              <a:t>rehash(0</a:t>
-            </a:r>
-            <a:r>
-              <a:rPr lang="en-US" smtClean="0">
-                <a:latin typeface="Consolas" panose="020B0609020204030204" pitchFamily="49" charset="0"/>
-              </a:rPr>
-              <a:t>)</a:t>
-            </a:r>
-            <a:r>
-              <a:rPr lang="ru-RU"/>
-              <a:t> </a:t>
-            </a:r>
-            <a:r>
-              <a:rPr lang="ru-RU" smtClean="0"/>
-              <a:t>позволяет безусловно (в автоматическом режиме) перехешировать контейнер</a:t>
-            </a:r>
-            <a:endParaRPr lang="en-US" smtClean="0"/>
-          </a:p>
-          <a:p>
-            <a:r>
-              <a:rPr lang="ru-RU" smtClean="0"/>
-              <a:t>Тут пример с резервированием памяти и сделать там </a:t>
-            </a:r>
-            <a:r>
-              <a:rPr lang="en-US" smtClean="0"/>
-              <a:t>rehash </a:t>
-            </a:r>
-            <a:r>
-              <a:rPr lang="ru-RU" smtClean="0"/>
-              <a:t>для того контейнера, для которого не резервировали</a:t>
-            </a:r>
-            <a:endParaRPr lang="ru-RU" smtClean="0"/>
-          </a:p>
-          <a:p>
-            <a:endParaRPr lang="en-US"/>
+              <a:t>Следующий эксперимент показывает эффект резервирования</a:t>
+            </a:r>
+          </a:p>
+          <a:p>
+            <a:pPr marL="45720" indent="0">
+              <a:buNone/>
+            </a:pPr>
+            <a:r>
+              <a:rPr lang="en-US" sz="2000" smtClean="0">
+                <a:latin typeface="Consolas" panose="020B0609020204030204" pitchFamily="49" charset="0"/>
+              </a:rPr>
+              <a:t>unordered_map&lt;int, </a:t>
+            </a:r>
+            <a:r>
+              <a:rPr lang="en-US" sz="2000">
+                <a:latin typeface="Consolas" panose="020B0609020204030204" pitchFamily="49" charset="0"/>
+              </a:rPr>
+              <a:t>Foo&gt; mapNoReserve</a:t>
+            </a:r>
+            <a:r>
+              <a:rPr lang="en-US" sz="2000" smtClean="0">
+                <a:latin typeface="Consolas" panose="020B0609020204030204" pitchFamily="49" charset="0"/>
+              </a:rPr>
+              <a:t>;</a:t>
+            </a:r>
+            <a:r>
+              <a:rPr lang="ru-RU" sz="2000" smtClean="0">
+                <a:latin typeface="Consolas" panose="020B0609020204030204" pitchFamily="49" charset="0"/>
+              </a:rPr>
+              <a:t/>
+            </a:r>
+            <a:br>
+              <a:rPr lang="ru-RU" sz="2000" smtClean="0">
+                <a:latin typeface="Consolas" panose="020B0609020204030204" pitchFamily="49" charset="0"/>
+              </a:rPr>
+            </a:br>
+            <a:r>
+              <a:rPr lang="en-US" sz="2000" smtClean="0">
+                <a:latin typeface="Consolas" panose="020B0609020204030204" pitchFamily="49" charset="0"/>
+              </a:rPr>
+              <a:t>unordered_map&lt;int, </a:t>
+            </a:r>
+            <a:r>
+              <a:rPr lang="en-US" sz="2000">
+                <a:latin typeface="Consolas" panose="020B0609020204030204" pitchFamily="49" charset="0"/>
+              </a:rPr>
+              <a:t>Foo&gt; mapReserve</a:t>
+            </a:r>
+            <a:r>
+              <a:rPr lang="en-US" sz="2000" smtClean="0">
+                <a:latin typeface="Consolas" panose="020B0609020204030204" pitchFamily="49" charset="0"/>
+              </a:rPr>
+              <a:t>;</a:t>
+            </a:r>
+            <a:endParaRPr lang="en-US" sz="2000">
+              <a:latin typeface="Consolas" panose="020B0609020204030204" pitchFamily="49" charset="0"/>
+            </a:endParaRPr>
+          </a:p>
+          <a:p>
+            <a:pPr marL="45720" indent="0">
+              <a:buNone/>
+            </a:pPr>
+            <a:r>
+              <a:rPr lang="en-US" sz="2000" smtClean="0">
+                <a:latin typeface="Consolas" panose="020B0609020204030204" pitchFamily="49" charset="0"/>
+              </a:rPr>
+              <a:t>// </a:t>
+            </a:r>
+            <a:r>
+              <a:rPr lang="ru-RU" sz="2000" smtClean="0">
+                <a:latin typeface="Consolas" panose="020B0609020204030204" pitchFamily="49" charset="0"/>
+              </a:rPr>
+              <a:t>контрольная точка 1</a:t>
+            </a:r>
+            <a:endParaRPr lang="en-US" sz="2000">
+              <a:latin typeface="Consolas" panose="020B0609020204030204" pitchFamily="49" charset="0"/>
+            </a:endParaRPr>
+          </a:p>
+          <a:p>
+            <a:pPr marL="45720" indent="0">
+              <a:buNone/>
+            </a:pPr>
+            <a:r>
+              <a:rPr lang="en-US" sz="2000" smtClean="0">
+                <a:latin typeface="Consolas" panose="020B0609020204030204" pitchFamily="49" charset="0"/>
+              </a:rPr>
+              <a:t>mapReserve.reserve(1000);</a:t>
+            </a:r>
+            <a:endParaRPr lang="en-US" sz="2000">
+              <a:latin typeface="Consolas" panose="020B0609020204030204" pitchFamily="49" charset="0"/>
+            </a:endParaRPr>
+          </a:p>
+          <a:p>
+            <a:pPr marL="45720" indent="0">
+              <a:buNone/>
+            </a:pPr>
+            <a:r>
+              <a:rPr lang="en-US" sz="2000" smtClean="0">
+                <a:latin typeface="Consolas" panose="020B0609020204030204" pitchFamily="49" charset="0"/>
+              </a:rPr>
+              <a:t>// </a:t>
+            </a:r>
+            <a:r>
+              <a:rPr lang="ru-RU" sz="2000" smtClean="0">
+                <a:latin typeface="Consolas" panose="020B0609020204030204" pitchFamily="49" charset="0"/>
+              </a:rPr>
+              <a:t>контрольная точка 2</a:t>
+            </a:r>
+            <a:endParaRPr lang="en-US" sz="2000">
+              <a:latin typeface="Consolas" panose="020B0609020204030204" pitchFamily="49" charset="0"/>
+            </a:endParaRPr>
+          </a:p>
+          <a:p>
+            <a:pPr marL="45720" indent="0">
+              <a:buNone/>
+            </a:pPr>
+            <a:r>
+              <a:rPr lang="en-US" sz="2000" smtClean="0">
+                <a:latin typeface="Consolas" panose="020B0609020204030204" pitchFamily="49" charset="0"/>
+              </a:rPr>
+              <a:t>for(int </a:t>
+            </a:r>
+            <a:r>
+              <a:rPr lang="en-US" sz="2000">
+                <a:latin typeface="Consolas" panose="020B0609020204030204" pitchFamily="49" charset="0"/>
+              </a:rPr>
+              <a:t>i = 0; i &lt; 1000; ++i</a:t>
+            </a:r>
+            <a:r>
+              <a:rPr lang="en-US" sz="2000" smtClean="0">
+                <a:latin typeface="Consolas" panose="020B0609020204030204" pitchFamily="49" charset="0"/>
+              </a:rPr>
+              <a:t>) {</a:t>
+            </a:r>
+            <a:br>
+              <a:rPr lang="en-US" sz="2000" smtClean="0">
+                <a:latin typeface="Consolas" panose="020B0609020204030204" pitchFamily="49" charset="0"/>
+              </a:rPr>
+            </a:br>
+            <a:r>
+              <a:rPr lang="en-US" sz="2000" smtClean="0">
+                <a:latin typeface="Consolas" panose="020B0609020204030204" pitchFamily="49" charset="0"/>
+              </a:rPr>
+              <a:t>  mapNoReserve.insert({i</a:t>
+            </a:r>
+            <a:r>
+              <a:rPr lang="en-US" sz="2000">
+                <a:latin typeface="Consolas" panose="020B0609020204030204" pitchFamily="49" charset="0"/>
+              </a:rPr>
+              <a:t>, Foo</a:t>
+            </a:r>
+            <a:r>
+              <a:rPr lang="en-US" sz="2000" smtClean="0">
+                <a:latin typeface="Consolas" panose="020B0609020204030204" pitchFamily="49" charset="0"/>
+              </a:rPr>
+              <a:t>()});</a:t>
+            </a:r>
+            <a:br>
+              <a:rPr lang="en-US" sz="2000" smtClean="0">
+                <a:latin typeface="Consolas" panose="020B0609020204030204" pitchFamily="49" charset="0"/>
+              </a:rPr>
+            </a:br>
+            <a:r>
+              <a:rPr lang="en-US" sz="2000" smtClean="0">
+                <a:latin typeface="Consolas" panose="020B0609020204030204" pitchFamily="49" charset="0"/>
+              </a:rPr>
+              <a:t>  </a:t>
+            </a:r>
+            <a:r>
+              <a:rPr lang="en-US" sz="2000">
+                <a:latin typeface="Consolas" panose="020B0609020204030204" pitchFamily="49" charset="0"/>
+              </a:rPr>
+              <a:t>mapReserve.insert</a:t>
+            </a:r>
+            <a:r>
+              <a:rPr lang="en-US" sz="2000" smtClean="0">
+                <a:latin typeface="Consolas" panose="020B0609020204030204" pitchFamily="49" charset="0"/>
+              </a:rPr>
+              <a:t>({i</a:t>
+            </a:r>
+            <a:r>
+              <a:rPr lang="en-US" sz="2000">
+                <a:latin typeface="Consolas" panose="020B0609020204030204" pitchFamily="49" charset="0"/>
+              </a:rPr>
+              <a:t>, Foo</a:t>
+            </a:r>
+            <a:r>
+              <a:rPr lang="en-US" sz="2000" smtClean="0">
+                <a:latin typeface="Consolas" panose="020B0609020204030204" pitchFamily="49" charset="0"/>
+              </a:rPr>
+              <a:t>()});</a:t>
+            </a:r>
+            <a:br>
+              <a:rPr lang="en-US" sz="2000" smtClean="0">
+                <a:latin typeface="Consolas" panose="020B0609020204030204" pitchFamily="49" charset="0"/>
+              </a:rPr>
+            </a:br>
+            <a:r>
+              <a:rPr lang="en-US" sz="2000" smtClean="0">
+                <a:latin typeface="Consolas" panose="020B0609020204030204" pitchFamily="49" charset="0"/>
+              </a:rPr>
+              <a:t>}</a:t>
+            </a:r>
+          </a:p>
+          <a:p>
+            <a:pPr marL="45720" indent="0">
+              <a:buNone/>
+            </a:pPr>
+            <a:r>
+              <a:rPr lang="en-US" sz="2000" smtClean="0">
+                <a:latin typeface="Consolas" panose="020B0609020204030204" pitchFamily="49" charset="0"/>
+              </a:rPr>
+              <a:t>// </a:t>
+            </a:r>
+            <a:r>
+              <a:rPr lang="ru-RU" sz="2000" smtClean="0">
+                <a:latin typeface="Consolas" panose="020B0609020204030204" pitchFamily="49" charset="0"/>
+              </a:rPr>
+              <a:t>контрольная точка 3</a:t>
+            </a:r>
+            <a:endParaRPr lang="en-US" sz="2000">
+              <a:latin typeface="Consolas" panose="020B0609020204030204" pitchFamily="49" charset="0"/>
+            </a:endParaRPr>
           </a:p>
         </p:txBody>
       </p:sp>
     </p:spTree>
     <p:extLst>
       <p:ext uri="{BB962C8B-B14F-4D97-AF65-F5344CB8AC3E}">
-        <p14:creationId xmlns:p14="http://schemas.microsoft.com/office/powerpoint/2010/main" val="372524136"/>
+        <p14:creationId xmlns:p14="http://schemas.microsoft.com/office/powerpoint/2010/main" val="2851774702"/>
       </p:ext>
     </p:extLst>
   </p:cSld>
   <p:clrMapOvr>
     <a:masterClrMapping/>
   </p:clrMapOvr>
+  <p:timing>
+    <p:tnLst>
+      <p:par>
+        <p:cTn id="1" dur="indefinite" restart="never" nodeType="tmRoot"/>
+      </p:par>
+    </p:tnLst>
+  </p:timing>
 </p:sld>
 </file>
 
@@ -26293,13 +26809,7 @@
               <a:rPr lang="en-US" sz="1600" smtClean="0">
                 <a:latin typeface="Consolas" panose="020B0609020204030204" pitchFamily="49" charset="0"/>
               </a:rPr>
-              <a:t>auto </a:t>
-            </a:r>
-            <a:r>
-              <a:rPr lang="en-US" sz="1600" smtClean="0">
-                <a:latin typeface="Consolas" panose="020B0609020204030204" pitchFamily="49" charset="0"/>
-              </a:rPr>
-              <a:t>simple_orbit(T </a:t>
+              <a:t>auto simple_orbit(T </a:t>
             </a:r>
             <a:r>
               <a:rPr lang="en-US" sz="1600">
@@ -26827,10 +27337,455 @@
   <p:clrMapOvr>
     <a:masterClrMapping/>
   </p:clrMapOvr>
+  <p:timing>
+    <p:tnLst>
+      <p:par>
+        <p:cTn id="1" dur="indefinite" restart="never" nodeType="tmRoot"/>
+      </p:par>
+    </p:tnLst>
+  </p:timing>
 </p:sld>
 </file>
 
 <file path=ppt/slides/slide70.xml><?xml version="1.0" encoding="utf-8"?>
+<p:sld xmlns:a="http://schemas.openxmlformats.org/drawingml/2006/main" xmlns:r="http://schemas.openxmlformats.org/officeDocument/2006/relationships" xmlns:p="http://schemas.openxmlformats.org/presentationml/2006/main">
+  <p:cSld>
+    <p:spTree>
+      <p:nvGrpSpPr>
+        <p:cNvPr id="1" name=""/>
+        <p:cNvGrpSpPr/>
+        <p:nvPr/>
+      </p:nvGrpSpPr>
+      <p:grpSpPr>
+        <a:xfrm>
+          <a:off x="0" y="0"/>
+          <a:ext cx="0" cy="0"/>
+          <a:chOff x="0" y="0"/>
+          <a:chExt cx="0" cy="0"/>
+        </a:xfrm>
+      </p:grpSpPr>
+      <p:sp>
+        <p:nvSpPr>
+          <p:cNvPr id="2" name="Title 1"/>
+          <p:cNvSpPr>
+            <a:spLocks noGrp="1"/>
+          </p:cNvSpPr>
+          <p:nvPr>
+            <p:ph type="title"/>
+          </p:nvPr>
+        </p:nvSpPr>
+        <p:spPr/>
+        <p:txBody>
+          <a:bodyPr/>
+          <a:lstStyle/>
+          <a:p>
+            <a:r>
+              <a:rPr lang="ru-RU" smtClean="0"/>
+              <a:t>Низкоуровневая информация</a:t>
+            </a:r>
+            <a:endParaRPr lang="en-US"/>
+          </a:p>
+        </p:txBody>
+      </p:sp>
+      <p:sp>
+        <p:nvSpPr>
+          <p:cNvPr id="3" name="Content Placeholder 2"/>
+          <p:cNvSpPr>
+            <a:spLocks noGrp="1"/>
+          </p:cNvSpPr>
+          <p:nvPr>
+            <p:ph idx="1"/>
+          </p:nvPr>
+        </p:nvSpPr>
+        <p:spPr/>
+        <p:txBody>
+          <a:bodyPr/>
+          <a:lstStyle/>
+          <a:p>
+            <a:r>
+              <a:rPr lang="ru-RU" smtClean="0"/>
+              <a:t>Дополнительно каждый неупорядоченный контейнер даёт возможность смотреть его статистику </a:t>
+            </a:r>
+            <a:endParaRPr lang="en-US" smtClean="0"/>
+          </a:p>
+          <a:p>
+            <a:r>
+              <a:rPr lang="en-US" smtClean="0"/>
+              <a:t>bucket_count</a:t>
+            </a:r>
+            <a:r>
+              <a:rPr lang="ru-RU" smtClean="0"/>
+              <a:t>()</a:t>
+            </a:r>
+            <a:r>
+              <a:rPr lang="en-US" smtClean="0"/>
+              <a:t> </a:t>
+            </a:r>
+            <a:r>
+              <a:rPr lang="en-US" smtClean="0">
+                <a:latin typeface="Cambria Math" panose="02040503050406030204" pitchFamily="18" charset="0"/>
+                <a:ea typeface="Cambria Math" panose="02040503050406030204" pitchFamily="18" charset="0"/>
+              </a:rPr>
+              <a:t>― </a:t>
+            </a:r>
+            <a:r>
+              <a:rPr lang="ru-RU" smtClean="0">
+                <a:ea typeface="Cambria Math" panose="02040503050406030204" pitchFamily="18" charset="0"/>
+              </a:rPr>
+              <a:t>количество бакетов</a:t>
+            </a:r>
+            <a:endParaRPr lang="ru-RU" smtClean="0"/>
+          </a:p>
+          <a:p>
+            <a:r>
+              <a:rPr lang="en-US" smtClean="0"/>
+              <a:t>max_bucket_count</a:t>
+            </a:r>
+            <a:r>
+              <a:rPr lang="ru-RU" smtClean="0"/>
+              <a:t>()</a:t>
+            </a:r>
+            <a:r>
+              <a:rPr lang="en-US"/>
+              <a:t> </a:t>
+            </a:r>
+            <a:r>
+              <a:rPr lang="en-US">
+                <a:latin typeface="Cambria Math" panose="02040503050406030204" pitchFamily="18" charset="0"/>
+                <a:ea typeface="Cambria Math" panose="02040503050406030204" pitchFamily="18" charset="0"/>
+              </a:rPr>
+              <a:t>― </a:t>
+            </a:r>
+            <a:r>
+              <a:rPr lang="ru-RU" smtClean="0">
+                <a:ea typeface="Cambria Math" panose="02040503050406030204" pitchFamily="18" charset="0"/>
+              </a:rPr>
+              <a:t>максимальное количество бакетов без реаллокаций</a:t>
+            </a:r>
+            <a:endParaRPr lang="en-US"/>
+          </a:p>
+          <a:p>
+            <a:r>
+              <a:rPr lang="en-US" smtClean="0"/>
+              <a:t>bucket_size(n)</a:t>
+            </a:r>
+            <a:r>
+              <a:rPr lang="ru-RU" smtClean="0"/>
+              <a:t> </a:t>
+            </a:r>
+            <a:r>
+              <a:rPr lang="en-US">
+                <a:latin typeface="Cambria Math" panose="02040503050406030204" pitchFamily="18" charset="0"/>
+                <a:ea typeface="Cambria Math" panose="02040503050406030204" pitchFamily="18" charset="0"/>
+              </a:rPr>
+              <a:t>― </a:t>
+            </a:r>
+            <a:r>
+              <a:rPr lang="ru-RU" smtClean="0">
+                <a:ea typeface="Cambria Math" panose="02040503050406030204" pitchFamily="18" charset="0"/>
+              </a:rPr>
+              <a:t>размер бакета с номером </a:t>
+            </a:r>
+            <a:r>
+              <a:rPr lang="en-US" smtClean="0">
+                <a:ea typeface="Cambria Math" panose="02040503050406030204" pitchFamily="18" charset="0"/>
+              </a:rPr>
+              <a:t>n</a:t>
+            </a:r>
+            <a:endParaRPr lang="en-US" smtClean="0"/>
+          </a:p>
+          <a:p>
+            <a:r>
+              <a:rPr lang="en-US" smtClean="0"/>
+              <a:t>bucket(Key) </a:t>
+            </a:r>
+            <a:r>
+              <a:rPr lang="en-US" smtClean="0">
+                <a:latin typeface="Cambria Math" panose="02040503050406030204" pitchFamily="18" charset="0"/>
+                <a:ea typeface="Cambria Math" panose="02040503050406030204" pitchFamily="18" charset="0"/>
+              </a:rPr>
+              <a:t>― </a:t>
+            </a:r>
+            <a:r>
+              <a:rPr lang="ru-RU" smtClean="0">
+                <a:ea typeface="Cambria Math" panose="02040503050406030204" pitchFamily="18" charset="0"/>
+              </a:rPr>
+              <a:t>номер бакета для ключа </a:t>
+            </a:r>
+            <a:r>
+              <a:rPr lang="en-US" smtClean="0">
+                <a:ea typeface="Cambria Math" panose="02040503050406030204" pitchFamily="18" charset="0"/>
+              </a:rPr>
+              <a:t>Key</a:t>
+            </a:r>
+            <a:endParaRPr lang="en-US" smtClean="0"/>
+          </a:p>
+          <a:p>
+            <a:r>
+              <a:rPr lang="en-US" smtClean="0"/>
+              <a:t>load_factor() </a:t>
+            </a:r>
+            <a:r>
+              <a:rPr lang="en-US" smtClean="0">
+                <a:latin typeface="Cambria Math" panose="02040503050406030204" pitchFamily="18" charset="0"/>
+                <a:ea typeface="Cambria Math" panose="02040503050406030204" pitchFamily="18" charset="0"/>
+              </a:rPr>
+              <a:t>― </a:t>
+            </a:r>
+            <a:r>
+              <a:rPr lang="ru-RU" smtClean="0">
+                <a:ea typeface="Cambria Math" panose="02040503050406030204" pitchFamily="18" charset="0"/>
+              </a:rPr>
+              <a:t>среднее количество ключей в бакете</a:t>
+            </a:r>
+            <a:endParaRPr lang="en-US" smtClean="0"/>
+          </a:p>
+          <a:p>
+            <a:r>
+              <a:rPr lang="en-US" smtClean="0"/>
+              <a:t>max_load_factor()</a:t>
+            </a:r>
+            <a:r>
+              <a:rPr lang="en-US"/>
+              <a:t> </a:t>
+            </a:r>
+            <a:r>
+              <a:rPr lang="en-US">
+                <a:latin typeface="Cambria Math" panose="02040503050406030204" pitchFamily="18" charset="0"/>
+                <a:ea typeface="Cambria Math" panose="02040503050406030204" pitchFamily="18" charset="0"/>
+              </a:rPr>
+              <a:t>― </a:t>
+            </a:r>
+            <a:r>
+              <a:rPr lang="ru-RU" smtClean="0">
+                <a:ea typeface="Cambria Math" panose="02040503050406030204" pitchFamily="18" charset="0"/>
+              </a:rPr>
+              <a:t>максимальное </a:t>
+            </a:r>
+            <a:r>
+              <a:rPr lang="ru-RU">
+                <a:ea typeface="Cambria Math" panose="02040503050406030204" pitchFamily="18" charset="0"/>
+              </a:rPr>
+              <a:t>количество ключей в бакете</a:t>
+            </a:r>
+            <a:endParaRPr lang="en-US"/>
+          </a:p>
+          <a:p>
+            <a:endParaRPr lang="en-US"/>
+          </a:p>
+        </p:txBody>
+      </p:sp>
+    </p:spTree>
+    <p:extLst>
+      <p:ext uri="{BB962C8B-B14F-4D97-AF65-F5344CB8AC3E}">
+        <p14:creationId xmlns:p14="http://schemas.microsoft.com/office/powerpoint/2010/main" val="26686239"/>
+      </p:ext>
+    </p:extLst>
+  </p:cSld>
+  <p:clrMapOvr>
+    <a:masterClrMapping/>
+  </p:clrMapOvr>
+  <p:timing>
+    <p:tnLst>
+      <p:par>
+        <p:cTn id="1" dur="indefinite" restart="never" nodeType="tmRoot"/>
+      </p:par>
+    </p:tnLst>
+  </p:timing>
+</p:sld>
+</file>
+
+<file path=ppt/slides/slide71.xml><?xml version="1.0" encoding="utf-8"?>
+<p:sld xmlns:a="http://schemas.openxmlformats.org/drawingml/2006/main" xmlns:r="http://schemas.openxmlformats.org/officeDocument/2006/relationships" xmlns:p="http://schemas.openxmlformats.org/presentationml/2006/main">
+  <p:cSld>
+    <p:spTree>
+      <p:nvGrpSpPr>
+        <p:cNvPr id="1" name=""/>
+        <p:cNvGrpSpPr/>
+        <p:nvPr/>
+      </p:nvGrpSpPr>
+      <p:grpSpPr>
+        <a:xfrm>
+          <a:off x="0" y="0"/>
+          <a:ext cx="0" cy="0"/>
+          <a:chOff x="0" y="0"/>
+          <a:chExt cx="0" cy="0"/>
+        </a:xfrm>
+      </p:grpSpPr>
+      <p:sp>
+        <p:nvSpPr>
+          <p:cNvPr id="2" name="Title 1"/>
+          <p:cNvSpPr>
+            <a:spLocks noGrp="1"/>
+          </p:cNvSpPr>
+          <p:nvPr>
+            <p:ph type="title"/>
+          </p:nvPr>
+        </p:nvSpPr>
+        <p:spPr/>
+        <p:txBody>
+          <a:bodyPr/>
+          <a:lstStyle/>
+          <a:p>
+            <a:r>
+              <a:rPr lang="ru-RU" smtClean="0"/>
+              <a:t>Рехэш</a:t>
+            </a:r>
+            <a:endParaRPr lang="en-US"/>
+          </a:p>
+        </p:txBody>
+      </p:sp>
+      <p:sp>
+        <p:nvSpPr>
+          <p:cNvPr id="3" name="Content Placeholder 2"/>
+          <p:cNvSpPr>
+            <a:spLocks noGrp="1"/>
+          </p:cNvSpPr>
+          <p:nvPr>
+            <p:ph idx="1"/>
+          </p:nvPr>
+        </p:nvSpPr>
+        <p:spPr/>
+        <p:txBody>
+          <a:bodyPr/>
+          <a:lstStyle/>
+          <a:p>
+            <a:r>
+              <a:rPr lang="ru-RU" smtClean="0"/>
+              <a:t>Особая функция </a:t>
+            </a:r>
+            <a:r>
+              <a:rPr lang="en-US" smtClean="0"/>
+              <a:t>rehash</a:t>
+            </a:r>
+            <a:r>
+              <a:rPr lang="ru-RU" smtClean="0"/>
+              <a:t>(</a:t>
+            </a:r>
+            <a:r>
+              <a:rPr lang="en-US" smtClean="0"/>
+              <a:t>count</a:t>
+            </a:r>
+            <a:r>
+              <a:rPr lang="ru-RU" smtClean="0"/>
+              <a:t>)</a:t>
+            </a:r>
+            <a:r>
+              <a:rPr lang="en-US" smtClean="0"/>
+              <a:t> </a:t>
+            </a:r>
+            <a:r>
+              <a:rPr lang="ru-RU" smtClean="0"/>
+              <a:t>служит для того, чтобы изменить количество  бакетов (установить в </a:t>
+            </a:r>
+            <a:r>
+              <a:rPr lang="en-US" smtClean="0"/>
+              <a:t>count) </a:t>
+            </a:r>
+            <a:r>
+              <a:rPr lang="ru-RU" smtClean="0"/>
+              <a:t>и перераспределить по ним элементы</a:t>
+            </a:r>
+            <a:endParaRPr lang="en-US" smtClean="0"/>
+          </a:p>
+          <a:p>
+            <a:r>
+              <a:rPr lang="en-US" smtClean="0">
+                <a:latin typeface="Consolas" panose="020B0609020204030204" pitchFamily="49" charset="0"/>
+              </a:rPr>
+              <a:t>reserve(count)</a:t>
+            </a:r>
+            <a:r>
+              <a:rPr lang="en-US" smtClean="0"/>
+              <a:t> </a:t>
+            </a:r>
+            <a:r>
+              <a:rPr lang="ru-RU" smtClean="0"/>
+              <a:t>делает то же самое, что </a:t>
+            </a:r>
+            <a:br>
+              <a:rPr lang="ru-RU" smtClean="0"/>
+            </a:br>
+            <a:r>
+              <a:rPr lang="en-US" smtClean="0">
+                <a:latin typeface="Consolas" panose="020B0609020204030204" pitchFamily="49" charset="0"/>
+              </a:rPr>
+              <a:t>rehash(ceil(count </a:t>
+            </a:r>
+            <a:r>
+              <a:rPr lang="en-US">
+                <a:latin typeface="Consolas" panose="020B0609020204030204" pitchFamily="49" charset="0"/>
+              </a:rPr>
+              <a:t>/ max_load_factor</a:t>
+            </a:r>
+            <a:r>
+              <a:rPr lang="en-US" smtClean="0">
+                <a:latin typeface="Consolas" panose="020B0609020204030204" pitchFamily="49" charset="0"/>
+              </a:rPr>
+              <a:t>()))</a:t>
+            </a:r>
+          </a:p>
+          <a:p>
+            <a:r>
+              <a:rPr lang="ru-RU" smtClean="0"/>
+              <a:t>Особый случай </a:t>
+            </a:r>
+            <a:r>
+              <a:rPr lang="en-US" smtClean="0">
+                <a:latin typeface="Consolas" panose="020B0609020204030204" pitchFamily="49" charset="0"/>
+              </a:rPr>
+              <a:t>rehash(0)</a:t>
+            </a:r>
+            <a:r>
+              <a:rPr lang="ru-RU"/>
+              <a:t> </a:t>
+            </a:r>
+            <a:r>
+              <a:rPr lang="ru-RU" smtClean="0"/>
+              <a:t>позволяет безусловно (в автоматическом режиме) перехешировать контейнер</a:t>
+            </a:r>
+            <a:endParaRPr lang="en-US" smtClean="0"/>
+          </a:p>
+          <a:p>
+            <a:r>
+              <a:rPr lang="ru-RU" smtClean="0"/>
+              <a:t>Тут пример с резервированием памяти и сделать там </a:t>
+            </a:r>
+            <a:r>
+              <a:rPr lang="en-US" smtClean="0"/>
+              <a:t>rehash </a:t>
+            </a:r>
+            <a:r>
+              <a:rPr lang="ru-RU" smtClean="0"/>
+              <a:t>для того контейнера, для которого не резервировали</a:t>
+            </a:r>
+          </a:p>
+          <a:p>
+            <a:endParaRPr lang="en-US"/>
+          </a:p>
+        </p:txBody>
+      </p:sp>
+    </p:spTree>
+    <p:extLst>
+      <p:ext uri="{BB962C8B-B14F-4D97-AF65-F5344CB8AC3E}">
+        <p14:creationId xmlns:p14="http://schemas.microsoft.com/office/powerpoint/2010/main" val="372524136"/>
+      </p:ext>
+    </p:extLst>
+  </p:cSld>
+  <p:clrMapOvr>
+    <a:masterClrMapping/>
+  </p:clrMapOvr>
+  <p:timing>
+    <p:tnLst>
+      <p:par>
+        <p:cTn id="1" dur="indefinite" restart="never" nodeType="tmRoot"/>
+      </p:par>
+    </p:tnLst>
+  </p:timing>
+</p:sld>
+</file>
+
+<file path=ppt/slides/slide72.xml><?xml version="1.0" encoding="utf-8"?>
 <p:sld xmlns:a="http://schemas.openxmlformats.org/drawingml/2006/main" xmlns:r="http://schemas.openxmlformats.org/officeDocument/2006/relationships" xmlns:p="http://schemas.openxmlformats.org/presentationml/2006/main">
   <p:cSld>
     <p:spTree>
@@ -26924,7 +27879,6 @@
               <a:rPr lang="ru-RU" sz="4800" smtClean="0"/>
               <a:t>Экзотика</a:t>
             </a:r>
-            <a:endParaRPr lang="ru-RU" sz="4800" smtClean="0"/>
           </a:p>
         </p:txBody>
       </p:sp>
@@ -26938,288 +27892,13 @@
   <p:clrMapOvr>
     <a:masterClrMapping/>
   </p:clrMapOvr>
-</p:sld>
-</file>
-
-<file path=ppt/slides/slide71.xml><?xml version="1.0" encoding="utf-8"?>
-<p:sld xmlns:a="http://schemas.openxmlformats.org/drawingml/2006/main" xmlns:r="http://schemas.openxmlformats.org/officeDocument/2006/relationships" xmlns:p="http://schemas.openxmlformats.org/presentationml/2006/main">
-  <p:cSld>
-    <p:spTree>
-      <p:nvGrpSpPr>
-        <p:cNvPr id="1" name=""/>
-        <p:cNvGrpSpPr/>
-        <p:nvPr/>
-      </p:nvGrpSpPr>
-      <p:grpSpPr>
-        <a:xfrm>
-          <a:off x="0" y="0"/>
-          <a:ext cx="0" cy="0"/>
-          <a:chOff x="0" y="0"/>
-          <a:chExt cx="0" cy="0"/>
-        </a:xfrm>
-      </p:grpSpPr>
-      <p:sp>
-        <p:nvSpPr>
-          <p:cNvPr id="2" name="Title 1"/>
-          <p:cNvSpPr>
-            <a:spLocks noGrp="1"/>
-          </p:cNvSpPr>
-          <p:nvPr>
-            <p:ph type="title"/>
-          </p:nvPr>
-        </p:nvSpPr>
-        <p:spPr/>
-        <p:txBody>
-          <a:bodyPr/>
-          <a:lstStyle/>
-          <a:p>
-            <a:r>
-              <a:rPr lang="ru-RU" smtClean="0"/>
-              <a:t>Паттерн </a:t>
-            </a:r>
-            <a:r>
-              <a:rPr lang="en-US" smtClean="0"/>
-              <a:t>"</a:t>
-            </a:r>
-            <a:r>
-              <a:rPr lang="ru-RU" smtClean="0"/>
-              <a:t>создание и использование</a:t>
-            </a:r>
-            <a:r>
-              <a:rPr lang="en-US" smtClean="0"/>
-              <a:t>"</a:t>
-            </a:r>
-            <a:endParaRPr lang="en-US"/>
-          </a:p>
-        </p:txBody>
-      </p:sp>
-      <p:sp>
-        <p:nvSpPr>
-          <p:cNvPr id="3" name="Content Placeholder 2"/>
-          <p:cNvSpPr>
-            <a:spLocks noGrp="1"/>
-          </p:cNvSpPr>
-          <p:nvPr>
-            <p:ph idx="1"/>
-          </p:nvPr>
-        </p:nvSpPr>
-        <p:spPr/>
-        <p:txBody>
-          <a:bodyPr/>
-          <a:lstStyle/>
-          <a:p>
-            <a:r>
-              <a:rPr lang="ru-RU" smtClean="0"/>
-              <a:t>Распространённый паттерн в коде</a:t>
-            </a:r>
-          </a:p>
-          <a:p>
-            <a:pPr marL="45720" indent="0">
-              <a:buNone/>
-            </a:pPr>
-            <a:r>
-              <a:rPr lang="en-US">
-                <a:latin typeface="Consolas" panose="020B0609020204030204" pitchFamily="49" charset="0"/>
-              </a:rPr>
-              <a:t>set&lt;int&gt; </a:t>
-            </a:r>
-            <a:r>
-              <a:rPr lang="en-US" smtClean="0">
-                <a:latin typeface="Consolas" panose="020B0609020204030204" pitchFamily="49" charset="0"/>
-              </a:rPr>
-              <a:t>s;</a:t>
-            </a:r>
-          </a:p>
-          <a:p>
-            <a:r>
-              <a:rPr lang="ru-RU" smtClean="0"/>
-              <a:t>Тут какое-то заполнение множества</a:t>
-            </a:r>
-          </a:p>
-          <a:p>
-            <a:pPr marL="45720" indent="0">
-              <a:buNone/>
-            </a:pPr>
-            <a:r>
-              <a:rPr lang="en-US" smtClean="0">
-                <a:latin typeface="Consolas" panose="020B0609020204030204" pitchFamily="49" charset="0"/>
-              </a:rPr>
-              <a:t>auto </a:t>
-            </a:r>
-            <a:r>
-              <a:rPr lang="en-US">
-                <a:latin typeface="Consolas" panose="020B0609020204030204" pitchFamily="49" charset="0"/>
-              </a:rPr>
-              <a:t>itb = s.lower_bound(30);</a:t>
-            </a:r>
-            <a:br>
-              <a:rPr lang="en-US">
-                <a:latin typeface="Consolas" panose="020B0609020204030204" pitchFamily="49" charset="0"/>
-              </a:rPr>
-            </a:br>
-            <a:r>
-              <a:rPr lang="en-US">
-                <a:latin typeface="Consolas" panose="020B0609020204030204" pitchFamily="49" charset="0"/>
-              </a:rPr>
-              <a:t>auto ite = s.upper_bound(100</a:t>
-            </a:r>
-            <a:r>
-              <a:rPr lang="en-US" smtClean="0">
-                <a:latin typeface="Consolas" panose="020B0609020204030204" pitchFamily="49" charset="0"/>
-              </a:rPr>
-              <a:t>);</a:t>
-            </a:r>
-            <a:endParaRPr lang="ru-RU" smtClean="0">
-              <a:latin typeface="Consolas" panose="020B0609020204030204" pitchFamily="49" charset="0"/>
-            </a:endParaRPr>
-          </a:p>
-          <a:p>
-            <a:r>
-              <a:rPr lang="ru-RU"/>
-              <a:t>И</a:t>
-            </a:r>
-            <a:r>
-              <a:rPr lang="ru-RU" smtClean="0"/>
-              <a:t> ниже этой черты только использование множества</a:t>
-            </a:r>
-            <a:endParaRPr lang="en-US" smtClean="0"/>
-          </a:p>
-          <a:p>
-            <a:r>
-              <a:rPr lang="ru-RU" smtClean="0"/>
-              <a:t>Что смущает в этом коде?</a:t>
-            </a:r>
-            <a:endParaRPr lang="en-US"/>
-          </a:p>
-          <a:p>
-            <a:pPr marL="45720" indent="0">
-              <a:buNone/>
-            </a:pPr>
-            <a:endParaRPr lang="en-US"/>
-          </a:p>
-        </p:txBody>
-      </p:sp>
-    </p:spTree>
-    <p:extLst>
-      <p:ext uri="{BB962C8B-B14F-4D97-AF65-F5344CB8AC3E}">
-        <p14:creationId xmlns:p14="http://schemas.microsoft.com/office/powerpoint/2010/main" val="2508303719"/>
-      </p:ext>
-    </p:extLst>
-  </p:cSld>
-  <p:clrMapOvr>
-    <a:masterClrMapping/>
-  </p:clrMapOvr>
-</p:sld>
-</file>
-
-<file path=ppt/slides/slide72.xml><?xml version="1.0" encoding="utf-8"?>
-<p:sld xmlns:a="http://schemas.openxmlformats.org/drawingml/2006/main" xmlns:r="http://schemas.openxmlformats.org/officeDocument/2006/relationships" xmlns:p="http://schemas.openxmlformats.org/presentationml/2006/main">
-  <p:cSld>
-    <p:spTree>
-      <p:nvGrpSpPr>
-        <p:cNvPr id="1" name=""/>
-        <p:cNvGrpSpPr/>
-        <p:nvPr/>
-      </p:nvGrpSpPr>
-      <p:grpSpPr>
-        <a:xfrm>
-          <a:off x="0" y="0"/>
-          <a:ext cx="0" cy="0"/>
-          <a:chOff x="0" y="0"/>
-          <a:chExt cx="0" cy="0"/>
-        </a:xfrm>
-      </p:grpSpPr>
-      <p:sp>
-        <p:nvSpPr>
-          <p:cNvPr id="2" name="Title 1"/>
-          <p:cNvSpPr>
-            <a:spLocks noGrp="1"/>
-          </p:cNvSpPr>
-          <p:nvPr>
-            <p:ph type="title"/>
-          </p:nvPr>
-        </p:nvSpPr>
-        <p:spPr/>
-        <p:txBody>
-          <a:bodyPr/>
-          <a:lstStyle/>
-          <a:p>
-            <a:r>
-              <a:rPr lang="ru-RU" smtClean="0"/>
-              <a:t>Обсуждение: критика множеств</a:t>
-            </a:r>
-            <a:endParaRPr lang="en-US"/>
-          </a:p>
-        </p:txBody>
-      </p:sp>
-      <p:sp>
-        <p:nvSpPr>
-          <p:cNvPr id="3" name="Content Placeholder 2"/>
-          <p:cNvSpPr>
-            <a:spLocks noGrp="1"/>
-          </p:cNvSpPr>
-          <p:nvPr>
-            <p:ph idx="1"/>
-          </p:nvPr>
-        </p:nvSpPr>
-        <p:spPr/>
-        <p:txBody>
-          <a:bodyPr/>
-          <a:lstStyle/>
-          <a:p>
-            <a:r>
-              <a:rPr lang="ru-RU" smtClean="0"/>
-              <a:t>При использовании множеств и отображений, мы всегда платим цену</a:t>
-            </a:r>
-          </a:p>
-          <a:p>
-            <a:pPr lvl="1"/>
-            <a:r>
-              <a:rPr lang="ru-RU" smtClean="0"/>
-              <a:t>Нелокальность обращений в память</a:t>
-            </a:r>
-          </a:p>
-          <a:p>
-            <a:pPr lvl="1"/>
-            <a:r>
-              <a:rPr lang="ru-RU" smtClean="0"/>
-              <a:t>Логарифмические штрафы на поиск для упорядоченных словарей</a:t>
-            </a:r>
-          </a:p>
-          <a:p>
-            <a:pPr lvl="1"/>
-            <a:r>
-              <a:rPr lang="ru-RU" smtClean="0"/>
-              <a:t>Отсутствие </a:t>
-            </a:r>
-            <a:r>
-              <a:rPr lang="en-US" smtClean="0"/>
-              <a:t>lower/upper </a:t>
-            </a:r>
-            <a:r>
-              <a:rPr lang="ru-RU" smtClean="0"/>
-              <a:t>интервалов для неупорядоченных словарей</a:t>
-            </a:r>
-          </a:p>
-          <a:p>
-            <a:r>
-              <a:rPr lang="ru-RU" smtClean="0"/>
-              <a:t>Назовите мне контейнер, который лишён всех этих проблем?</a:t>
-            </a:r>
-            <a:endParaRPr lang="en-US"/>
-          </a:p>
-        </p:txBody>
-      </p:sp>
-    </p:spTree>
-    <p:extLst>
-      <p:ext uri="{BB962C8B-B14F-4D97-AF65-F5344CB8AC3E}">
-        <p14:creationId xmlns:p14="http://schemas.microsoft.com/office/powerpoint/2010/main" val="510146877"/>
-      </p:ext>
-    </p:extLst>
-  </p:cSld>
-  <p:clrMapOvr>
-    <a:masterClrMapping/>
-  </p:clrMapOvr>
+  <p:timing>
+    <p:tnLst>
+      <p:par>
+        <p:cTn id="1" dur="indefinite" restart="never" nodeType="tmRoot"/>
+      </p:par>
+    </p:tnLst>
+  </p:timing>
 </p:sld>
 </file>
 
@@ -27257,7 +27936,19 @@
           <a:p>
             <a:r>
               <a:rPr lang="ru-RU" smtClean="0"/>
-              <a:t>Обсуждение: критика множеств</a:t>
+              <a:t>Паттерн </a:t>
+            </a:r>
+            <a:r>
+              <a:rPr lang="en-US" smtClean="0"/>
+              <a:t>"</a:t>
+            </a:r>
+            <a:r>
+              <a:rPr lang="ru-RU" smtClean="0"/>
+              <a:t>создание и использование</a:t>
+            </a:r>
+            <a:r>
+              <a:rPr lang="en-US" smtClean="0"/>
+              <a:t>"</a:t>
             </a:r>
             <a:endParaRPr lang="en-US"/>
           </a:p>
@@ -27280,63 +27971,91 @@
           <a:p>
             <a:r>
               <a:rPr lang="ru-RU" smtClean="0"/>
-              <a:t>При использовании множеств и отображений, мы всегда платим цену</a:t>
-            </a:r>
-          </a:p>
-          <a:p>
-            <a:pPr lvl="1"/>
-            <a:r>
-              <a:rPr lang="ru-RU" smtClean="0"/>
-              <a:t>Нелокальность обращений в память</a:t>
-            </a:r>
-          </a:p>
-          <a:p>
-            <a:pPr lvl="1"/>
-            <a:r>
-              <a:rPr lang="ru-RU" smtClean="0"/>
-              <a:t>Логарифмические штрафы на поиск для упорядоченных словарей</a:t>
-            </a:r>
-          </a:p>
-          <a:p>
-            <a:pPr lvl="1"/>
-            <a:r>
-              <a:rPr lang="ru-RU" smtClean="0"/>
-              <a:t>Отсутствие </a:t>
-            </a:r>
-            <a:r>
-              <a:rPr lang="en-US" smtClean="0"/>
-              <a:t>lower/upper </a:t>
-            </a:r>
-            <a:r>
-              <a:rPr lang="ru-RU" smtClean="0"/>
-              <a:t>интервалов для неупорядоченных словарей</a:t>
-            </a:r>
-          </a:p>
-          <a:p>
-            <a:r>
-              <a:rPr lang="ru-RU" smtClean="0"/>
-              <a:t>Назовите мне контейнер, который лишён всех этих проблем?</a:t>
-            </a:r>
-          </a:p>
-          <a:p>
-            <a:r>
-              <a:rPr lang="ru-RU" smtClean="0"/>
-              <a:t>Правильный ответ: </a:t>
-            </a:r>
-            <a:r>
-              <a:rPr lang="ru-RU" b="1" smtClean="0"/>
-              <a:t>сортированный вектор</a:t>
-            </a:r>
-            <a:r>
-              <a:rPr lang="ru-RU" smtClean="0"/>
-              <a:t>. Парадоксально, ведь именно замена таких векторов на множества и была тем, с чего лекция началась.</a:t>
-            </a:r>
-          </a:p>
-          <a:p>
-            <a:r>
-              <a:rPr lang="ru-RU" smtClean="0"/>
-              <a:t>Но да, иногда обратная замена не менее выгодна</a:t>
-            </a:r>
+              <a:t>Распространённый паттерн в коде</a:t>
+            </a:r>
+          </a:p>
+          <a:p>
+            <a:pPr marL="45720" indent="0">
+              <a:buNone/>
+            </a:pPr>
+            <a:r>
+              <a:rPr lang="en-US">
+                <a:latin typeface="Consolas" panose="020B0609020204030204" pitchFamily="49" charset="0"/>
+              </a:rPr>
+              <a:t>set&lt;int&gt; </a:t>
+            </a:r>
+            <a:r>
+              <a:rPr lang="en-US" smtClean="0">
+                <a:latin typeface="Consolas" panose="020B0609020204030204" pitchFamily="49" charset="0"/>
+              </a:rPr>
+              <a:t>s;</a:t>
+            </a:r>
+          </a:p>
+          <a:p>
+            <a:r>
+              <a:rPr lang="ru-RU" smtClean="0"/>
+              <a:t>Тут какое-то заполнение множества</a:t>
+            </a:r>
+          </a:p>
+          <a:p>
+            <a:pPr marL="45720" indent="0">
+              <a:buNone/>
+            </a:pPr>
+            <a:r>
+              <a:rPr lang="en-US" smtClean="0">
+                <a:latin typeface="Consolas" panose="020B0609020204030204" pitchFamily="49" charset="0"/>
+              </a:rPr>
+              <a:t>auto </a:t>
+            </a:r>
+            <a:r>
+              <a:rPr lang="en-US">
+                <a:latin typeface="Consolas" panose="020B0609020204030204" pitchFamily="49" charset="0"/>
+              </a:rPr>
+              <a:t>itb = s.lower_bound(30);</a:t>
+            </a:r>
+            <a:br>
+              <a:rPr lang="en-US">
+                <a:latin typeface="Consolas" panose="020B0609020204030204" pitchFamily="49" charset="0"/>
+              </a:rPr>
+            </a:br>
+            <a:r>
+              <a:rPr lang="en-US">
+                <a:latin typeface="Consolas" panose="020B0609020204030204" pitchFamily="49" charset="0"/>
+              </a:rPr>
+              <a:t>auto ite = s.upper_bound(100</a:t>
+            </a:r>
+            <a:r>
+              <a:rPr lang="en-US" smtClean="0">
+                <a:latin typeface="Consolas" panose="020B0609020204030204" pitchFamily="49" charset="0"/>
+              </a:rPr>
+              <a:t>);</a:t>
+            </a:r>
+            <a:endParaRPr lang="ru-RU" smtClean="0">
+              <a:latin typeface="Consolas" panose="020B0609020204030204" pitchFamily="49" charset="0"/>
+            </a:endParaRPr>
+          </a:p>
+          <a:p>
+            <a:r>
+              <a:rPr lang="ru-RU"/>
+              <a:t>И</a:t>
+            </a:r>
+            <a:r>
+              <a:rPr lang="ru-RU" smtClean="0"/>
+              <a:t> ниже этой черты только использование множества</a:t>
+            </a:r>
+            <a:endParaRPr lang="en-US" smtClean="0"/>
+          </a:p>
+          <a:p>
+            <a:r>
+              <a:rPr lang="ru-RU" smtClean="0"/>
+              <a:t>Что смущает в этом коде?</a:t>
+            </a:r>
+            <a:endParaRPr lang="en-US"/>
+          </a:p>
+          <a:p>
+            <a:pPr marL="45720" indent="0">
+              <a:buNone/>
+            </a:pPr>
             <a:endParaRPr lang="en-US"/>
           </a:p>
         </p:txBody>
@@ -27344,13 +28063,20 @@
     </p:spTree>
     <p:extLst>
       <p:ext uri="{BB962C8B-B14F-4D97-AF65-F5344CB8AC3E}">
-        <p14:creationId xmlns:p14="http://schemas.microsoft.com/office/powerpoint/2010/main" val="2017228014"/>
+        <p14:creationId xmlns:p14="http://schemas.microsoft.com/office/powerpoint/2010/main" val="2508303719"/>
       </p:ext>
     </p:extLst>
   </p:cSld>
   <p:clrMapOvr>
     <a:masterClrMapping/>
   </p:clrMapOvr>
+  <p:timing>
+    <p:tnLst>
+      <p:par>
+        <p:cTn id="1" dur="indefinite" restart="never" nodeType="tmRoot"/>
+      </p:par>
+    </p:tnLst>
+  </p:timing>
 </p:sld>
 </file>
 
@@ -27388,19 +28114,7 @@
           <a:p>
             <a:r>
               <a:rPr lang="ru-RU" smtClean="0"/>
-              <a:t>Паттерн </a:t>
-            </a:r>
-            <a:r>
-              <a:rPr lang="en-US" smtClean="0"/>
-              <a:t>"</a:t>
-            </a:r>
-            <a:r>
-              <a:rPr lang="ru-RU" smtClean="0"/>
-              <a:t>создание и использование</a:t>
-            </a:r>
-            <a:r>
-              <a:rPr lang="en-US" smtClean="0"/>
-              <a:t>"</a:t>
+              <a:t>Обсуждение: критика множеств</a:t>
             </a:r>
             <a:endParaRPr lang="en-US"/>
           </a:p>
@@ -27423,103 +28137,43 @@
           <a:p>
             <a:r>
               <a:rPr lang="ru-RU" smtClean="0"/>
-              <a:t>Распространённый паттерн в коде</a:t>
-            </a:r>
-          </a:p>
-          <a:p>
-            <a:pPr marL="45720" indent="0">
-              <a:buNone/>
-            </a:pPr>
-            <a:r>
-              <a:rPr lang="en-US">
-                <a:latin typeface="Consolas" panose="020B0609020204030204" pitchFamily="49" charset="0"/>
-              </a:rPr>
-              <a:t>set&lt;int&gt; </a:t>
-            </a:r>
-            <a:r>
-              <a:rPr lang="en-US" smtClean="0">
-                <a:latin typeface="Consolas" panose="020B0609020204030204" pitchFamily="49" charset="0"/>
-              </a:rPr>
-              <a:t>s;</a:t>
-            </a:r>
-          </a:p>
-          <a:p>
-            <a:r>
-              <a:rPr lang="ru-RU" smtClean="0"/>
-              <a:t>Тут какое-то заполнение множества</a:t>
-            </a:r>
-          </a:p>
-          <a:p>
-            <a:pPr marL="45720" indent="0">
-              <a:buNone/>
-            </a:pPr>
-            <a:r>
-              <a:rPr lang="en-US" smtClean="0">
-                <a:latin typeface="Consolas" panose="020B0609020204030204" pitchFamily="49" charset="0"/>
-              </a:rPr>
-              <a:t>auto </a:t>
-            </a:r>
-            <a:r>
-              <a:rPr lang="en-US">
-                <a:latin typeface="Consolas" panose="020B0609020204030204" pitchFamily="49" charset="0"/>
-              </a:rPr>
-              <a:t>itb = s.lower_bound(30);</a:t>
-            </a:r>
-            <a:br>
-              <a:rPr lang="en-US">
-                <a:latin typeface="Consolas" panose="020B0609020204030204" pitchFamily="49" charset="0"/>
-              </a:rPr>
-            </a:br>
-            <a:r>
-              <a:rPr lang="en-US">
-                <a:latin typeface="Consolas" panose="020B0609020204030204" pitchFamily="49" charset="0"/>
-              </a:rPr>
-              <a:t>auto ite = s.upper_bound(100</a:t>
-            </a:r>
-            <a:r>
-              <a:rPr lang="en-US" smtClean="0">
-                <a:latin typeface="Consolas" panose="020B0609020204030204" pitchFamily="49" charset="0"/>
-              </a:rPr>
-              <a:t>);</a:t>
-            </a:r>
-            <a:endParaRPr lang="ru-RU" smtClean="0">
-              <a:latin typeface="Consolas" panose="020B0609020204030204" pitchFamily="49" charset="0"/>
-            </a:endParaRPr>
-          </a:p>
-          <a:p>
-            <a:r>
-              <a:rPr lang="ru-RU"/>
-              <a:t>И</a:t>
-            </a:r>
-            <a:r>
-              <a:rPr lang="ru-RU" smtClean="0"/>
-              <a:t> ниже этой черты только использование множества</a:t>
-            </a:r>
-            <a:endParaRPr lang="en-US" smtClean="0"/>
-          </a:p>
-          <a:p>
-            <a:r>
-              <a:rPr lang="ru-RU" smtClean="0"/>
-              <a:t>Можно ли это заменить на работу с </a:t>
-            </a:r>
-            <a:r>
-              <a:rPr lang="ru-RU" smtClean="0"/>
-              <a:t>вектором</a:t>
+              <a:t>При использовании множеств и отображений, мы всегда платим цену</a:t>
+            </a:r>
+          </a:p>
+          <a:p>
+            <a:pPr lvl="1"/>
+            <a:r>
+              <a:rPr lang="ru-RU" smtClean="0"/>
+              <a:t>Нелокальность обращений в память</a:t>
+            </a:r>
+          </a:p>
+          <a:p>
+            <a:pPr lvl="1"/>
+            <a:r>
+              <a:rPr lang="ru-RU" smtClean="0"/>
+              <a:t>Логарифмические штрафы на поиск для упорядоченных словарей</a:t>
+            </a:r>
+          </a:p>
+          <a:p>
+            <a:pPr lvl="1"/>
+            <a:r>
+              <a:rPr lang="ru-RU" smtClean="0"/>
+              <a:t>Отсутствие </a:t>
             </a:r>
             <a:r>
               <a:rPr lang="en-US" smtClean="0"/>
-              <a:t> </a:t>
-            </a:r>
-            <a:r>
-              <a:rPr lang="ru-RU" smtClean="0"/>
-              <a:t>или с чем-то очень похожим?</a:t>
-            </a:r>
-            <a:endParaRPr lang="en-US"/>
-          </a:p>
-          <a:p>
-            <a:pPr marL="45720" indent="0">
-              <a:buNone/>
-            </a:pPr>
+              <a:t>lower/upper </a:t>
+            </a:r>
+            <a:r>
+              <a:rPr lang="ru-RU" smtClean="0"/>
+              <a:t>интервалов для неупорядоченных словарей</a:t>
+            </a:r>
+          </a:p>
+          <a:p>
+            <a:r>
+              <a:rPr lang="ru-RU" smtClean="0"/>
+              <a:t>Назовите мне контейнер, который лишён всех этих проблем?</a:t>
+            </a:r>
             <a:endParaRPr lang="en-US"/>
           </a:p>
         </p:txBody>
@@ -27527,13 +28181,20 @@
     </p:spTree>
     <p:extLst>
       <p:ext uri="{BB962C8B-B14F-4D97-AF65-F5344CB8AC3E}">
-        <p14:creationId xmlns:p14="http://schemas.microsoft.com/office/powerpoint/2010/main" val="961096159"/>
+        <p14:creationId xmlns:p14="http://schemas.microsoft.com/office/powerpoint/2010/main" val="510146877"/>
       </p:ext>
     </p:extLst>
   </p:cSld>
   <p:clrMapOvr>
     <a:masterClrMapping/>
   </p:clrMapOvr>
+  <p:timing>
+    <p:tnLst>
+      <p:par>
+        <p:cTn id="1" dur="indefinite" restart="never" nodeType="tmRoot"/>
+      </p:par>
+    </p:tnLst>
+  </p:timing>
 </p:sld>
 </file>
 
@@ -27571,19 +28232,7 @@
           <a:p>
             <a:r>
               <a:rPr lang="ru-RU" smtClean="0"/>
-              <a:t>Паттерн </a:t>
-            </a:r>
-            <a:r>
-              <a:rPr lang="en-US" smtClean="0"/>
-              <a:t>"</a:t>
-            </a:r>
-            <a:r>
-              <a:rPr lang="ru-RU" smtClean="0"/>
-              <a:t>создание и использование</a:t>
-            </a:r>
-            <a:r>
-              <a:rPr lang="en-US" smtClean="0"/>
-              <a:t>"</a:t>
+              <a:t>Обсуждение: критика множеств</a:t>
             </a:r>
             <a:endParaRPr lang="en-US"/>
           </a:p>
@@ -27606,6 +28255,156 @@
           <a:p>
             <a:r>
               <a:rPr lang="ru-RU" smtClean="0"/>
+              <a:t>При использовании множеств и отображений, мы всегда платим цену</a:t>
+            </a:r>
+          </a:p>
+          <a:p>
+            <a:pPr lvl="1"/>
+            <a:r>
+              <a:rPr lang="ru-RU" smtClean="0"/>
+              <a:t>Нелокальность обращений в память</a:t>
+            </a:r>
+          </a:p>
+          <a:p>
+            <a:pPr lvl="1"/>
+            <a:r>
+              <a:rPr lang="ru-RU" smtClean="0"/>
+              <a:t>Логарифмические штрафы на поиск для упорядоченных словарей</a:t>
+            </a:r>
+          </a:p>
+          <a:p>
+            <a:pPr lvl="1"/>
+            <a:r>
+              <a:rPr lang="ru-RU" smtClean="0"/>
+              <a:t>Отсутствие </a:t>
+            </a:r>
+            <a:r>
+              <a:rPr lang="en-US" smtClean="0"/>
+              <a:t>lower/upper </a:t>
+            </a:r>
+            <a:r>
+              <a:rPr lang="ru-RU" smtClean="0"/>
+              <a:t>интервалов для неупорядоченных словарей</a:t>
+            </a:r>
+          </a:p>
+          <a:p>
+            <a:r>
+              <a:rPr lang="ru-RU" smtClean="0"/>
+              <a:t>Назовите мне контейнер, который лишён всех этих проблем?</a:t>
+            </a:r>
+          </a:p>
+          <a:p>
+            <a:r>
+              <a:rPr lang="ru-RU" smtClean="0"/>
+              <a:t>Правильный ответ: </a:t>
+            </a:r>
+            <a:r>
+              <a:rPr lang="ru-RU" b="1" smtClean="0"/>
+              <a:t>сортированный вектор</a:t>
+            </a:r>
+            <a:r>
+              <a:rPr lang="ru-RU" smtClean="0"/>
+              <a:t>. Парадоксально, ведь именно замена таких векторов на множества и была тем, с чего лекция началась.</a:t>
+            </a:r>
+          </a:p>
+          <a:p>
+            <a:r>
+              <a:rPr lang="ru-RU" smtClean="0"/>
+              <a:t>Но да, иногда обратная замена не менее выгодна</a:t>
+            </a:r>
+            <a:endParaRPr lang="en-US"/>
+          </a:p>
+        </p:txBody>
+      </p:sp>
+    </p:spTree>
+    <p:extLst>
+      <p:ext uri="{BB962C8B-B14F-4D97-AF65-F5344CB8AC3E}">
+        <p14:creationId xmlns:p14="http://schemas.microsoft.com/office/powerpoint/2010/main" val="2017228014"/>
+      </p:ext>
+    </p:extLst>
+  </p:cSld>
+  <p:clrMapOvr>
+    <a:masterClrMapping/>
+  </p:clrMapOvr>
+  <p:timing>
+    <p:tnLst>
+      <p:par>
+        <p:cTn id="1" dur="indefinite" restart="never" nodeType="tmRoot"/>
+      </p:par>
+    </p:tnLst>
+  </p:timing>
+</p:sld>
+</file>
+
+<file path=ppt/slides/slide76.xml><?xml version="1.0" encoding="utf-8"?>
+<p:sld xmlns:a="http://schemas.openxmlformats.org/drawingml/2006/main" xmlns:r="http://schemas.openxmlformats.org/officeDocument/2006/relationships" xmlns:p="http://schemas.openxmlformats.org/presentationml/2006/main">
+  <p:cSld>
+    <p:spTree>
+      <p:nvGrpSpPr>
+        <p:cNvPr id="1" name=""/>
+        <p:cNvGrpSpPr/>
+        <p:nvPr/>
+      </p:nvGrpSpPr>
+      <p:grpSpPr>
+        <a:xfrm>
+          <a:off x="0" y="0"/>
+          <a:ext cx="0" cy="0"/>
+          <a:chOff x="0" y="0"/>
+          <a:chExt cx="0" cy="0"/>
+        </a:xfrm>
+      </p:grpSpPr>
+      <p:sp>
+        <p:nvSpPr>
+          <p:cNvPr id="2" name="Title 1"/>
+          <p:cNvSpPr>
+            <a:spLocks noGrp="1"/>
+          </p:cNvSpPr>
+          <p:nvPr>
+            <p:ph type="title"/>
+          </p:nvPr>
+        </p:nvSpPr>
+        <p:spPr/>
+        <p:txBody>
+          <a:bodyPr/>
+          <a:lstStyle/>
+          <a:p>
+            <a:r>
+              <a:rPr lang="ru-RU" smtClean="0"/>
+              <a:t>Паттерн </a:t>
+            </a:r>
+            <a:r>
+              <a:rPr lang="en-US" smtClean="0"/>
+              <a:t>"</a:t>
+            </a:r>
+            <a:r>
+              <a:rPr lang="ru-RU" smtClean="0"/>
+              <a:t>создание и использование</a:t>
+            </a:r>
+            <a:r>
+              <a:rPr lang="en-US" smtClean="0"/>
+              <a:t>"</a:t>
+            </a:r>
+            <a:endParaRPr lang="en-US"/>
+          </a:p>
+        </p:txBody>
+      </p:sp>
+      <p:sp>
+        <p:nvSpPr>
+          <p:cNvPr id="3" name="Content Placeholder 2"/>
+          <p:cNvSpPr>
+            <a:spLocks noGrp="1"/>
+          </p:cNvSpPr>
+          <p:nvPr>
+            <p:ph idx="1"/>
+          </p:nvPr>
+        </p:nvSpPr>
+        <p:spPr/>
+        <p:txBody>
+          <a:bodyPr/>
+          <a:lstStyle/>
+          <a:p>
+            <a:r>
+              <a:rPr lang="ru-RU" smtClean="0"/>
               <a:t>Распространённый паттерн в коде</a:t>
             </a:r>
           </a:p>
@@ -27614,16 +28413,10 @@
               <a:buNone/>
             </a:pPr>
             <a:r>
-              <a:rPr lang="en-US" smtClean="0">
-                <a:latin typeface="Consolas" panose="020B0609020204030204" pitchFamily="49" charset="0"/>
-              </a:rPr>
-              <a:t>boost::container::flat_set&lt;int</a:t>
-            </a:r>
-            <a:r>
               <a:rPr lang="en-US">
                 <a:latin typeface="Consolas" panose="020B0609020204030204" pitchFamily="49" charset="0"/>
               </a:rPr>
-              <a:t>&gt; </a:t>
+              <a:t>set&lt;int&gt; </a:t>
             </a:r>
             <a:r>
               <a:rPr lang="en-US" smtClean="0">
@@ -27689,6 +28482,198 @@
           <a:p>
             <a:r>
               <a:rPr lang="ru-RU" smtClean="0"/>
+              <a:t>Можно ли это заменить на работу с вектором</a:t>
+            </a:r>
+            <a:r>
+              <a:rPr lang="en-US" smtClean="0"/>
+              <a:t> </a:t>
+            </a:r>
+            <a:r>
+              <a:rPr lang="ru-RU" smtClean="0"/>
+              <a:t>или с чем-то очень похожим?</a:t>
+            </a:r>
+            <a:endParaRPr lang="en-US"/>
+          </a:p>
+          <a:p>
+            <a:pPr marL="45720" indent="0">
+              <a:buNone/>
+            </a:pPr>
+            <a:endParaRPr lang="en-US"/>
+          </a:p>
+        </p:txBody>
+      </p:sp>
+    </p:spTree>
+    <p:extLst>
+      <p:ext uri="{BB962C8B-B14F-4D97-AF65-F5344CB8AC3E}">
+        <p14:creationId xmlns:p14="http://schemas.microsoft.com/office/powerpoint/2010/main" val="961096159"/>
+      </p:ext>
+    </p:extLst>
+  </p:cSld>
+  <p:clrMapOvr>
+    <a:masterClrMapping/>
+  </p:clrMapOvr>
+  <p:timing>
+    <p:tnLst>
+      <p:par>
+        <p:cTn id="1" dur="indefinite" restart="never" nodeType="tmRoot"/>
+      </p:par>
+    </p:tnLst>
+  </p:timing>
+</p:sld>
+</file>
+
+<file path=ppt/slides/slide77.xml><?xml version="1.0" encoding="utf-8"?>
+<p:sld xmlns:a="http://schemas.openxmlformats.org/drawingml/2006/main" xmlns:r="http://schemas.openxmlformats.org/officeDocument/2006/relationships" xmlns:p="http://schemas.openxmlformats.org/presentationml/2006/main">
+  <p:cSld>
+    <p:spTree>
+      <p:nvGrpSpPr>
+        <p:cNvPr id="1" name=""/>
+        <p:cNvGrpSpPr/>
+        <p:nvPr/>
+      </p:nvGrpSpPr>
+      <p:grpSpPr>
+        <a:xfrm>
+          <a:off x="0" y="0"/>
+          <a:ext cx="0" cy="0"/>
+          <a:chOff x="0" y="0"/>
+          <a:chExt cx="0" cy="0"/>
+        </a:xfrm>
+      </p:grpSpPr>
+      <p:sp>
+        <p:nvSpPr>
+          <p:cNvPr id="2" name="Title 1"/>
+          <p:cNvSpPr>
+            <a:spLocks noGrp="1"/>
+          </p:cNvSpPr>
+          <p:nvPr>
+            <p:ph type="title"/>
+          </p:nvPr>
+        </p:nvSpPr>
+        <p:spPr/>
+        <p:txBody>
+          <a:bodyPr/>
+          <a:lstStyle/>
+          <a:p>
+            <a:r>
+              <a:rPr lang="ru-RU" smtClean="0"/>
+              <a:t>Паттерн </a:t>
+            </a:r>
+            <a:r>
+              <a:rPr lang="en-US" smtClean="0"/>
+              <a:t>"</a:t>
+            </a:r>
+            <a:r>
+              <a:rPr lang="ru-RU" smtClean="0"/>
+              <a:t>создание и использование</a:t>
+            </a:r>
+            <a:r>
+              <a:rPr lang="en-US" smtClean="0"/>
+              <a:t>"</a:t>
+            </a:r>
+            <a:endParaRPr lang="en-US"/>
+          </a:p>
+        </p:txBody>
+      </p:sp>
+      <p:sp>
+        <p:nvSpPr>
+          <p:cNvPr id="3" name="Content Placeholder 2"/>
+          <p:cNvSpPr>
+            <a:spLocks noGrp="1"/>
+          </p:cNvSpPr>
+          <p:nvPr>
+            <p:ph idx="1"/>
+          </p:nvPr>
+        </p:nvSpPr>
+        <p:spPr/>
+        <p:txBody>
+          <a:bodyPr/>
+          <a:lstStyle/>
+          <a:p>
+            <a:r>
+              <a:rPr lang="ru-RU" smtClean="0"/>
+              <a:t>Распространённый паттерн в коде</a:t>
+            </a:r>
+          </a:p>
+          <a:p>
+            <a:pPr marL="45720" indent="0">
+              <a:buNone/>
+            </a:pPr>
+            <a:r>
+              <a:rPr lang="en-US" smtClean="0">
+                <a:latin typeface="Consolas" panose="020B0609020204030204" pitchFamily="49" charset="0"/>
+              </a:rPr>
+              <a:t>boost::container::flat_set&lt;int</a:t>
+            </a:r>
+            <a:r>
+              <a:rPr lang="en-US">
+                <a:latin typeface="Consolas" panose="020B0609020204030204" pitchFamily="49" charset="0"/>
+              </a:rPr>
+              <a:t>&gt; </a:t>
+            </a:r>
+            <a:r>
+              <a:rPr lang="en-US" smtClean="0">
+                <a:latin typeface="Consolas" panose="020B0609020204030204" pitchFamily="49" charset="0"/>
+              </a:rPr>
+              <a:t>s;</a:t>
+            </a:r>
+          </a:p>
+          <a:p>
+            <a:r>
+              <a:rPr lang="ru-RU" smtClean="0"/>
+              <a:t>Тут какое-то заполнение множества</a:t>
+            </a:r>
+          </a:p>
+          <a:p>
+            <a:pPr marL="45720" indent="0">
+              <a:buNone/>
+            </a:pPr>
+            <a:r>
+              <a:rPr lang="en-US" smtClean="0">
+                <a:latin typeface="Consolas" panose="020B0609020204030204" pitchFamily="49" charset="0"/>
+              </a:rPr>
+              <a:t>auto </a:t>
+            </a:r>
+            <a:r>
+              <a:rPr lang="en-US">
+                <a:latin typeface="Consolas" panose="020B0609020204030204" pitchFamily="49" charset="0"/>
+              </a:rPr>
+              <a:t>itb = s.lower_bound(30);</a:t>
+            </a:r>
+            <a:br>
+              <a:rPr lang="en-US">
+                <a:latin typeface="Consolas" panose="020B0609020204030204" pitchFamily="49" charset="0"/>
+              </a:rPr>
+            </a:br>
+            <a:r>
+              <a:rPr lang="en-US">
+                <a:latin typeface="Consolas" panose="020B0609020204030204" pitchFamily="49" charset="0"/>
+              </a:rPr>
+              <a:t>auto ite = s.upper_bound(100</a:t>
+            </a:r>
+            <a:r>
+              <a:rPr lang="en-US" smtClean="0">
+                <a:latin typeface="Consolas" panose="020B0609020204030204" pitchFamily="49" charset="0"/>
+              </a:rPr>
+              <a:t>);</a:t>
+            </a:r>
+            <a:endParaRPr lang="ru-RU" smtClean="0">
+              <a:latin typeface="Consolas" panose="020B0609020204030204" pitchFamily="49" charset="0"/>
+            </a:endParaRPr>
+          </a:p>
+          <a:p>
+            <a:r>
+              <a:rPr lang="ru-RU"/>
+              <a:t>И</a:t>
+            </a:r>
+            <a:r>
+              <a:rPr lang="ru-RU" smtClean="0"/>
+              <a:t> ниже этой черты только использование множества</a:t>
+            </a:r>
+            <a:endParaRPr lang="en-US" smtClean="0"/>
+          </a:p>
+          <a:p>
+            <a:r>
+              <a:rPr lang="ru-RU" smtClean="0"/>
               <a:t>Здесь </a:t>
             </a:r>
             <a:r>
@@ -27697,13 +28682,8 @@
             </a:r>
             <a:r>
               <a:rPr lang="ru-RU" smtClean="0"/>
-              <a:t>это </a:t>
-            </a:r>
-            <a:r>
-              <a:rPr lang="ru-RU" smtClean="0"/>
-              <a:t>дерево в непрерывном векторе</a:t>
-            </a:r>
-            <a:endParaRPr lang="ru-RU" smtClean="0"/>
+              <a:t>это дерево в непрерывном векторе</a:t>
+            </a:r>
           </a:p>
           <a:p>
             <a:r>
@@ -27730,10 +28710,17 @@
   <p:clrMapOvr>
     <a:masterClrMapping/>
   </p:clrMapOvr>
+  <p:timing>
+    <p:tnLst>
+      <p:par>
+        <p:cTn id="1" dur="indefinite" restart="never" nodeType="tmRoot"/>
+      </p:par>
+    </p:tnLst>
+  </p:timing>
 </p:sld>
 </file>
 
-<file path=ppt/slides/slide76.xml><?xml version="1.0" encoding="utf-8"?>
+<file path=ppt/slides/slide78.xml><?xml version="1.0" encoding="utf-8"?>
 <p:sld xmlns:a="http://schemas.openxmlformats.org/drawingml/2006/main" xmlns:r="http://schemas.openxmlformats.org/officeDocument/2006/relationships" xmlns:p="http://schemas.openxmlformats.org/presentationml/2006/main">
   <p:cSld>
     <p:spTree>
@@ -27813,378 +28800,13 @@
   <p:clrMapOvr>
     <a:masterClrMapping/>
   </p:clrMapOvr>
-</p:sld>
-</file>
-
-<file path=ppt/slides/slide77.xml><?xml version="1.0" encoding="utf-8"?>
-<p:sld xmlns:a="http://schemas.openxmlformats.org/drawingml/2006/main" xmlns:r="http://schemas.openxmlformats.org/officeDocument/2006/relationships" xmlns:p="http://schemas.openxmlformats.org/presentationml/2006/main">
-  <p:cSld>
-    <p:spTree>
-      <p:nvGrpSpPr>
-        <p:cNvPr id="1" name=""/>
-        <p:cNvGrpSpPr/>
-        <p:nvPr/>
-      </p:nvGrpSpPr>
-      <p:grpSpPr>
-        <a:xfrm>
-          <a:off x="0" y="0"/>
-          <a:ext cx="0" cy="0"/>
-          <a:chOff x="0" y="0"/>
-          <a:chExt cx="0" cy="0"/>
-        </a:xfrm>
-      </p:grpSpPr>
-      <p:sp>
-        <p:nvSpPr>
-          <p:cNvPr id="2" name="Title 1"/>
-          <p:cNvSpPr>
-            <a:spLocks noGrp="1"/>
-          </p:cNvSpPr>
-          <p:nvPr>
-            <p:ph type="title"/>
-          </p:nvPr>
-        </p:nvSpPr>
-        <p:spPr/>
-        <p:txBody>
-          <a:bodyPr/>
-          <a:lstStyle/>
-          <a:p>
-            <a:r>
-              <a:rPr lang="ru-RU" smtClean="0"/>
-              <a:t>Левое и правое отображения</a:t>
-            </a:r>
-            <a:endParaRPr lang="en-US"/>
-          </a:p>
-        </p:txBody>
-      </p:sp>
-      <p:sp>
-        <p:nvSpPr>
-          <p:cNvPr id="3" name="Content Placeholder 2"/>
-          <p:cNvSpPr>
-            <a:spLocks noGrp="1"/>
-          </p:cNvSpPr>
-          <p:nvPr>
-            <p:ph idx="1"/>
-          </p:nvPr>
-        </p:nvSpPr>
-        <p:spPr/>
-        <p:txBody>
-          <a:bodyPr/>
-          <a:lstStyle/>
-          <a:p>
-            <a:r>
-              <a:rPr lang="ru-RU" smtClean="0"/>
-              <a:t>В случае с </a:t>
-            </a:r>
-            <a:r>
-              <a:rPr lang="en-US" smtClean="0"/>
-              <a:t>bimap, </a:t>
-            </a:r>
-            <a:r>
-              <a:rPr lang="ru-RU" smtClean="0"/>
-              <a:t>вы можете работать с левым и правым отображением</a:t>
-            </a:r>
-          </a:p>
-          <a:p>
-            <a:pPr marL="45720" indent="0">
-              <a:buNone/>
-            </a:pPr>
-            <a:r>
-              <a:rPr lang="en-US">
-                <a:latin typeface="Consolas" panose="020B0609020204030204" pitchFamily="49" charset="0"/>
-              </a:rPr>
-              <a:t>bimap&lt; int</a:t>
-            </a:r>
-            <a:r>
-              <a:rPr lang="en-US">
-                <a:latin typeface="Consolas" panose="020B0609020204030204" pitchFamily="49" charset="0"/>
-              </a:rPr>
-              <a:t>, </a:t>
-            </a:r>
-            <a:r>
-              <a:rPr lang="en-US" smtClean="0">
-                <a:latin typeface="Consolas" panose="020B0609020204030204" pitchFamily="49" charset="0"/>
-              </a:rPr>
-              <a:t>string </a:t>
-            </a:r>
-            <a:r>
-              <a:rPr lang="en-US">
-                <a:latin typeface="Consolas" panose="020B0609020204030204" pitchFamily="49" charset="0"/>
-              </a:rPr>
-              <a:t>&gt; </a:t>
-            </a:r>
-            <a:r>
-              <a:rPr lang="en-US" smtClean="0">
-                <a:latin typeface="Consolas" panose="020B0609020204030204" pitchFamily="49" charset="0"/>
-              </a:rPr>
-              <a:t>bm</a:t>
-            </a:r>
-            <a:r>
-              <a:rPr lang="ru-RU" smtClean="0">
-                <a:latin typeface="Consolas" panose="020B0609020204030204" pitchFamily="49" charset="0"/>
-              </a:rPr>
-              <a:t> </a:t>
-            </a:r>
-            <a:r>
-              <a:rPr lang="en-US" smtClean="0">
-                <a:latin typeface="Consolas" panose="020B0609020204030204" pitchFamily="49" charset="0"/>
-              </a:rPr>
-              <a:t>{{1, "one"}, {2, "two"}, {3, "three"}};</a:t>
-            </a:r>
-          </a:p>
-          <a:p>
-            <a:pPr marL="45720" indent="0">
-              <a:buNone/>
-            </a:pPr>
-            <a:r>
-              <a:rPr lang="en-US" smtClean="0">
-                <a:latin typeface="Consolas" panose="020B0609020204030204" pitchFamily="49" charset="0"/>
-              </a:rPr>
-              <a:t>for (auto elt: m.left)</a:t>
-            </a:r>
-            <a:r>
-              <a:rPr lang="en-US">
-                <a:latin typeface="Consolas" panose="020B0609020204030204" pitchFamily="49" charset="0"/>
-              </a:rPr>
-              <a:t/>
-            </a:r>
-            <a:br>
-              <a:rPr lang="en-US">
-                <a:latin typeface="Consolas" panose="020B0609020204030204" pitchFamily="49" charset="0"/>
-              </a:rPr>
-            </a:br>
-            <a:r>
-              <a:rPr lang="en-US">
-                <a:latin typeface="Consolas" panose="020B0609020204030204" pitchFamily="49" charset="0"/>
-              </a:rPr>
-              <a:t> </a:t>
-            </a:r>
-            <a:r>
-              <a:rPr lang="en-US" smtClean="0">
-                <a:latin typeface="Consolas" panose="020B0609020204030204" pitchFamily="49" charset="0"/>
-              </a:rPr>
-              <a:t> cout </a:t>
-            </a:r>
-            <a:r>
-              <a:rPr lang="en-US">
-                <a:latin typeface="Consolas" panose="020B0609020204030204" pitchFamily="49" charset="0"/>
-              </a:rPr>
-              <a:t>&lt;&lt; </a:t>
-            </a:r>
-            <a:r>
-              <a:rPr lang="en-US" smtClean="0">
-                <a:latin typeface="Consolas" panose="020B0609020204030204" pitchFamily="49" charset="0"/>
-              </a:rPr>
-              <a:t>elt-</a:t>
-            </a:r>
-            <a:r>
-              <a:rPr lang="en-US">
-                <a:latin typeface="Consolas" panose="020B0609020204030204" pitchFamily="49" charset="0"/>
-              </a:rPr>
-              <a:t>&gt;first &lt;&lt; "--&gt;" </a:t>
-            </a:r>
-            <a:r>
-              <a:rPr lang="en-US">
-                <a:latin typeface="Consolas" panose="020B0609020204030204" pitchFamily="49" charset="0"/>
-              </a:rPr>
-              <a:t>&lt;&lt; </a:t>
-            </a:r>
-            <a:r>
-              <a:rPr lang="en-US" smtClean="0">
-                <a:latin typeface="Consolas" panose="020B0609020204030204" pitchFamily="49" charset="0"/>
-              </a:rPr>
-              <a:t>elt-</a:t>
-            </a:r>
-            <a:r>
-              <a:rPr lang="en-US">
-                <a:latin typeface="Consolas" panose="020B0609020204030204" pitchFamily="49" charset="0"/>
-              </a:rPr>
-              <a:t>&gt;second </a:t>
-            </a:r>
-            <a:r>
-              <a:rPr lang="en-US">
-                <a:latin typeface="Consolas" panose="020B0609020204030204" pitchFamily="49" charset="0"/>
-              </a:rPr>
-              <a:t>&lt;&lt; </a:t>
-            </a:r>
-            <a:r>
-              <a:rPr lang="en-US" smtClean="0">
-                <a:latin typeface="Consolas" panose="020B0609020204030204" pitchFamily="49" charset="0"/>
-              </a:rPr>
-              <a:t>endl;</a:t>
-            </a:r>
-          </a:p>
-          <a:p>
-            <a:pPr marL="45720" indent="0">
-              <a:buNone/>
-            </a:pPr>
-            <a:r>
-              <a:rPr lang="en-US">
-                <a:latin typeface="Consolas" panose="020B0609020204030204" pitchFamily="49" charset="0"/>
-              </a:rPr>
-              <a:t>for (auto elt: m.left)</a:t>
-            </a:r>
-            <a:br>
-              <a:rPr lang="en-US">
-                <a:latin typeface="Consolas" panose="020B0609020204030204" pitchFamily="49" charset="0"/>
-              </a:rPr>
-            </a:br>
-            <a:r>
-              <a:rPr lang="en-US">
-                <a:latin typeface="Consolas" panose="020B0609020204030204" pitchFamily="49" charset="0"/>
-              </a:rPr>
-              <a:t>  cout &lt;&lt; elt-&gt;first &lt;&lt; "--&gt;" &lt;&lt; elt-&gt;second &lt;&lt; </a:t>
-            </a:r>
-            <a:r>
-              <a:rPr lang="en-US">
-                <a:latin typeface="Consolas" panose="020B0609020204030204" pitchFamily="49" charset="0"/>
-              </a:rPr>
-              <a:t>endl</a:t>
-            </a:r>
-            <a:r>
-              <a:rPr lang="en-US" smtClean="0">
-                <a:latin typeface="Consolas" panose="020B0609020204030204" pitchFamily="49" charset="0"/>
-              </a:rPr>
-              <a:t>;</a:t>
-            </a:r>
-          </a:p>
-          <a:p>
-            <a:r>
-              <a:rPr lang="ru-RU" smtClean="0"/>
-              <a:t>Аналогично можно искать</a:t>
-            </a:r>
-          </a:p>
-          <a:p>
-            <a:pPr marL="45720" indent="0">
-              <a:buNone/>
-            </a:pPr>
-            <a:r>
-              <a:rPr lang="en-US">
-                <a:latin typeface="Consolas" panose="020B0609020204030204" pitchFamily="49" charset="0"/>
-              </a:rPr>
-              <a:t>bm.left.find(1</a:t>
-            </a:r>
-            <a:r>
-              <a:rPr lang="en-US" smtClean="0">
-                <a:latin typeface="Consolas" panose="020B0609020204030204" pitchFamily="49" charset="0"/>
-              </a:rPr>
-              <a:t>) == bm.right.find("one")</a:t>
-            </a:r>
-          </a:p>
-          <a:p>
-            <a:r>
-              <a:rPr lang="ru-RU" smtClean="0"/>
-              <a:t>При вставке в </a:t>
-            </a:r>
-            <a:r>
-              <a:rPr lang="en-US" smtClean="0"/>
-              <a:t>bimap </a:t>
-            </a:r>
-            <a:r>
-              <a:rPr lang="ru-RU" smtClean="0"/>
-              <a:t>должны быть уникальны оба ключа</a:t>
-            </a:r>
-            <a:endParaRPr lang="en-US"/>
-          </a:p>
-        </p:txBody>
-      </p:sp>
-    </p:spTree>
-    <p:extLst>
-      <p:ext uri="{BB962C8B-B14F-4D97-AF65-F5344CB8AC3E}">
-        <p14:creationId xmlns:p14="http://schemas.microsoft.com/office/powerpoint/2010/main" val="10700792"/>
-      </p:ext>
-    </p:extLst>
-  </p:cSld>
-  <p:clrMapOvr>
-    <a:masterClrMapping/>
-  </p:clrMapOvr>
-</p:sld>
-</file>
-
-<file path=ppt/slides/slide78.xml><?xml version="1.0" encoding="utf-8"?>
-<p:sld xmlns:a="http://schemas.openxmlformats.org/drawingml/2006/main" xmlns:r="http://schemas.openxmlformats.org/officeDocument/2006/relationships" xmlns:p="http://schemas.openxmlformats.org/presentationml/2006/main">
-  <p:cSld>
-    <p:spTree>
-      <p:nvGrpSpPr>
-        <p:cNvPr id="1" name=""/>
-        <p:cNvGrpSpPr/>
-        <p:nvPr/>
-      </p:nvGrpSpPr>
-      <p:grpSpPr>
-        <a:xfrm>
-          <a:off x="0" y="0"/>
-          <a:ext cx="0" cy="0"/>
-          <a:chOff x="0" y="0"/>
-          <a:chExt cx="0" cy="0"/>
-        </a:xfrm>
-      </p:grpSpPr>
-      <p:sp>
-        <p:nvSpPr>
-          <p:cNvPr id="2" name="Title 1"/>
-          <p:cNvSpPr>
-            <a:spLocks noGrp="1"/>
-          </p:cNvSpPr>
-          <p:nvPr>
-            <p:ph type="title"/>
-          </p:nvPr>
-        </p:nvSpPr>
-        <p:spPr/>
-        <p:txBody>
-          <a:bodyPr/>
-          <a:lstStyle/>
-          <a:p>
-            <a:r>
-              <a:rPr lang="ru-RU" smtClean="0"/>
-              <a:t>Обсуждение</a:t>
-            </a:r>
-            <a:endParaRPr lang="en-US"/>
-          </a:p>
-        </p:txBody>
-      </p:sp>
-      <p:sp>
-        <p:nvSpPr>
-          <p:cNvPr id="3" name="Content Placeholder 2"/>
-          <p:cNvSpPr>
-            <a:spLocks noGrp="1"/>
-          </p:cNvSpPr>
-          <p:nvPr>
-            <p:ph idx="1"/>
-          </p:nvPr>
-        </p:nvSpPr>
-        <p:spPr/>
-        <p:txBody>
-          <a:bodyPr/>
-          <a:lstStyle/>
-          <a:p>
-            <a:r>
-              <a:rPr lang="ru-RU" smtClean="0"/>
-              <a:t>Что вы думаете о стандартизации </a:t>
-            </a:r>
-            <a:r>
-              <a:rPr lang="en-US" smtClean="0"/>
-              <a:t>flat_map </a:t>
-            </a:r>
-            <a:r>
-              <a:rPr lang="ru-RU" smtClean="0"/>
-              <a:t>и </a:t>
-            </a:r>
-            <a:r>
-              <a:rPr lang="en-US" smtClean="0"/>
-              <a:t>bimap?</a:t>
-            </a:r>
-            <a:endParaRPr lang="en-US"/>
-          </a:p>
-        </p:txBody>
-      </p:sp>
-    </p:spTree>
-    <p:extLst>
-      <p:ext uri="{BB962C8B-B14F-4D97-AF65-F5344CB8AC3E}">
-        <p14:creationId xmlns:p14="http://schemas.microsoft.com/office/powerpoint/2010/main" val="2944858851"/>
-      </p:ext>
-    </p:extLst>
-  </p:cSld>
-  <p:clrMapOvr>
-    <a:masterClrMapping/>
-  </p:clrMapOvr>
+  <p:timing>
+    <p:tnLst>
+      <p:par>
+        <p:cTn id="1" dur="indefinite" restart="never" nodeType="tmRoot"/>
+      </p:par>
+    </p:tnLst>
+  </p:timing>
 </p:sld>
 </file>
 
@@ -28221,6 +28843,874 @@
           <a:lstStyle/>
           <a:p>
             <a:r>
+              <a:rPr lang="ru-RU" smtClean="0"/>
+              <a:t>Левое и правое отображения</a:t>
+            </a:r>
+            <a:endParaRPr lang="en-US"/>
+          </a:p>
+        </p:txBody>
+      </p:sp>
+      <p:sp>
+        <p:nvSpPr>
+          <p:cNvPr id="3" name="Content Placeholder 2"/>
+          <p:cNvSpPr>
+            <a:spLocks noGrp="1"/>
+          </p:cNvSpPr>
+          <p:nvPr>
+            <p:ph idx="1"/>
+          </p:nvPr>
+        </p:nvSpPr>
+        <p:spPr>
+          <a:xfrm>
+            <a:off x="1143000" y="2057400"/>
+            <a:ext cx="10225216" cy="4038600"/>
+          </a:xfrm>
+        </p:spPr>
+        <p:txBody>
+          <a:bodyPr/>
+          <a:lstStyle/>
+          <a:p>
+            <a:r>
+              <a:rPr lang="ru-RU" smtClean="0"/>
+              <a:t>В случае с </a:t>
+            </a:r>
+            <a:r>
+              <a:rPr lang="en-US" smtClean="0"/>
+              <a:t>bimap, </a:t>
+            </a:r>
+            <a:r>
+              <a:rPr lang="ru-RU" smtClean="0"/>
+              <a:t>вы можете работать с левым и правым отображением</a:t>
+            </a:r>
+          </a:p>
+          <a:p>
+            <a:pPr marL="45720" indent="0">
+              <a:buNone/>
+            </a:pPr>
+            <a:r>
+              <a:rPr lang="en-US">
+                <a:latin typeface="Consolas" panose="020B0609020204030204" pitchFamily="49" charset="0"/>
+              </a:rPr>
+              <a:t>bimap&lt; int, </a:t>
+            </a:r>
+            <a:r>
+              <a:rPr lang="en-US" smtClean="0">
+                <a:latin typeface="Consolas" panose="020B0609020204030204" pitchFamily="49" charset="0"/>
+              </a:rPr>
+              <a:t>string </a:t>
+            </a:r>
+            <a:r>
+              <a:rPr lang="en-US">
+                <a:latin typeface="Consolas" panose="020B0609020204030204" pitchFamily="49" charset="0"/>
+              </a:rPr>
+              <a:t>&gt; </a:t>
+            </a:r>
+            <a:r>
+              <a:rPr lang="en-US" smtClean="0">
+                <a:latin typeface="Consolas" panose="020B0609020204030204" pitchFamily="49" charset="0"/>
+              </a:rPr>
+              <a:t>bm</a:t>
+            </a:r>
+            <a:r>
+              <a:rPr lang="ru-RU" smtClean="0">
+                <a:latin typeface="Consolas" panose="020B0609020204030204" pitchFamily="49" charset="0"/>
+              </a:rPr>
+              <a:t> </a:t>
+            </a:r>
+            <a:r>
+              <a:rPr lang="en-US" smtClean="0">
+                <a:latin typeface="Consolas" panose="020B0609020204030204" pitchFamily="49" charset="0"/>
+              </a:rPr>
+              <a:t>{{1, "one"}, {2, "two"}, {3, "three"}};</a:t>
+            </a:r>
+          </a:p>
+          <a:p>
+            <a:pPr marL="45720" indent="0">
+              <a:buNone/>
+            </a:pPr>
+            <a:r>
+              <a:rPr lang="en-US" smtClean="0">
+                <a:latin typeface="Consolas" panose="020B0609020204030204" pitchFamily="49" charset="0"/>
+              </a:rPr>
+              <a:t>for (auto elt: m.left)</a:t>
+            </a:r>
+            <a:r>
+              <a:rPr lang="en-US">
+                <a:latin typeface="Consolas" panose="020B0609020204030204" pitchFamily="49" charset="0"/>
+              </a:rPr>
+              <a:t/>
+            </a:r>
+            <a:br>
+              <a:rPr lang="en-US">
+                <a:latin typeface="Consolas" panose="020B0609020204030204" pitchFamily="49" charset="0"/>
+              </a:rPr>
+            </a:br>
+            <a:r>
+              <a:rPr lang="en-US">
+                <a:latin typeface="Consolas" panose="020B0609020204030204" pitchFamily="49" charset="0"/>
+              </a:rPr>
+              <a:t> </a:t>
+            </a:r>
+            <a:r>
+              <a:rPr lang="en-US" smtClean="0">
+                <a:latin typeface="Consolas" panose="020B0609020204030204" pitchFamily="49" charset="0"/>
+              </a:rPr>
+              <a:t> cout </a:t>
+            </a:r>
+            <a:r>
+              <a:rPr lang="en-US">
+                <a:latin typeface="Consolas" panose="020B0609020204030204" pitchFamily="49" charset="0"/>
+              </a:rPr>
+              <a:t>&lt;&lt; </a:t>
+            </a:r>
+            <a:r>
+              <a:rPr lang="en-US" smtClean="0">
+                <a:latin typeface="Consolas" panose="020B0609020204030204" pitchFamily="49" charset="0"/>
+              </a:rPr>
+              <a:t>elt-</a:t>
+            </a:r>
+            <a:r>
+              <a:rPr lang="en-US">
+                <a:latin typeface="Consolas" panose="020B0609020204030204" pitchFamily="49" charset="0"/>
+              </a:rPr>
+              <a:t>&gt;first &lt;&lt; "--&gt;" &lt;&lt; </a:t>
+            </a:r>
+            <a:r>
+              <a:rPr lang="en-US" smtClean="0">
+                <a:latin typeface="Consolas" panose="020B0609020204030204" pitchFamily="49" charset="0"/>
+              </a:rPr>
+              <a:t>elt-</a:t>
+            </a:r>
+            <a:r>
+              <a:rPr lang="en-US">
+                <a:latin typeface="Consolas" panose="020B0609020204030204" pitchFamily="49" charset="0"/>
+              </a:rPr>
+              <a:t>&gt;second &lt;&lt; </a:t>
+            </a:r>
+            <a:r>
+              <a:rPr lang="en-US" smtClean="0">
+                <a:latin typeface="Consolas" panose="020B0609020204030204" pitchFamily="49" charset="0"/>
+              </a:rPr>
+              <a:t>endl;</a:t>
+            </a:r>
+          </a:p>
+          <a:p>
+            <a:pPr marL="45720" indent="0">
+              <a:buNone/>
+            </a:pPr>
+            <a:r>
+              <a:rPr lang="en-US">
+                <a:latin typeface="Consolas" panose="020B0609020204030204" pitchFamily="49" charset="0"/>
+              </a:rPr>
+              <a:t>for (auto elt: </a:t>
+            </a:r>
+            <a:r>
+              <a:rPr lang="en-US" smtClean="0">
+                <a:latin typeface="Consolas" panose="020B0609020204030204" pitchFamily="49" charset="0"/>
+              </a:rPr>
+              <a:t>m.right)</a:t>
+            </a:r>
+            <a:r>
+              <a:rPr lang="en-US">
+                <a:latin typeface="Consolas" panose="020B0609020204030204" pitchFamily="49" charset="0"/>
+              </a:rPr>
+              <a:t/>
+            </a:r>
+            <a:br>
+              <a:rPr lang="en-US">
+                <a:latin typeface="Consolas" panose="020B0609020204030204" pitchFamily="49" charset="0"/>
+              </a:rPr>
+            </a:br>
+            <a:r>
+              <a:rPr lang="en-US">
+                <a:latin typeface="Consolas" panose="020B0609020204030204" pitchFamily="49" charset="0"/>
+              </a:rPr>
+              <a:t>  cout &lt;&lt; elt-&gt;first &lt;&lt; "--&gt;" &lt;&lt; elt-&gt;second &lt;&lt; endl</a:t>
+            </a:r>
+            <a:r>
+              <a:rPr lang="en-US" smtClean="0">
+                <a:latin typeface="Consolas" panose="020B0609020204030204" pitchFamily="49" charset="0"/>
+              </a:rPr>
+              <a:t>;</a:t>
+            </a:r>
+          </a:p>
+          <a:p>
+            <a:r>
+              <a:rPr lang="ru-RU" smtClean="0"/>
+              <a:t>Аналогично можно искать</a:t>
+            </a:r>
+          </a:p>
+          <a:p>
+            <a:pPr marL="45720" indent="0">
+              <a:buNone/>
+            </a:pPr>
+            <a:r>
+              <a:rPr lang="en-US">
+                <a:latin typeface="Consolas" panose="020B0609020204030204" pitchFamily="49" charset="0"/>
+              </a:rPr>
+              <a:t>bm.left.find(1</a:t>
+            </a:r>
+            <a:r>
+              <a:rPr lang="en-US" smtClean="0">
+                <a:latin typeface="Consolas" panose="020B0609020204030204" pitchFamily="49" charset="0"/>
+              </a:rPr>
+              <a:t>) == bm.right.find("one")</a:t>
+            </a:r>
+          </a:p>
+          <a:p>
+            <a:r>
+              <a:rPr lang="ru-RU" smtClean="0"/>
+              <a:t>При вставке в </a:t>
+            </a:r>
+            <a:r>
+              <a:rPr lang="en-US" smtClean="0"/>
+              <a:t>bimap </a:t>
+            </a:r>
+            <a:r>
+              <a:rPr lang="ru-RU" smtClean="0"/>
+              <a:t>должны быть уникальны оба ключа</a:t>
+            </a:r>
+            <a:endParaRPr lang="en-US"/>
+          </a:p>
+        </p:txBody>
+      </p:sp>
+    </p:spTree>
+    <p:extLst>
+      <p:ext uri="{BB962C8B-B14F-4D97-AF65-F5344CB8AC3E}">
+        <p14:creationId xmlns:p14="http://schemas.microsoft.com/office/powerpoint/2010/main" val="10700792"/>
+      </p:ext>
+    </p:extLst>
+  </p:cSld>
+  <p:clrMapOvr>
+    <a:masterClrMapping/>
+  </p:clrMapOvr>
+  <p:timing>
+    <p:tnLst>
+      <p:par>
+        <p:cTn id="1" dur="indefinite" restart="never" nodeType="tmRoot"/>
+      </p:par>
+    </p:tnLst>
+  </p:timing>
+</p:sld>
+</file>
+
+<file path=ppt/slides/slide8.xml><?xml version="1.0" encoding="utf-8"?>
+<p:sld xmlns:a="http://schemas.openxmlformats.org/drawingml/2006/main" xmlns:r="http://schemas.openxmlformats.org/officeDocument/2006/relationships" xmlns:p="http://schemas.openxmlformats.org/presentationml/2006/main">
+  <p:cSld>
+    <p:spTree>
+      <p:nvGrpSpPr>
+        <p:cNvPr id="1" name=""/>
+        <p:cNvGrpSpPr/>
+        <p:nvPr/>
+      </p:nvGrpSpPr>
+      <p:grpSpPr>
+        <a:xfrm>
+          <a:off x="0" y="0"/>
+          <a:ext cx="0" cy="0"/>
+          <a:chOff x="0" y="0"/>
+          <a:chExt cx="0" cy="0"/>
+        </a:xfrm>
+      </p:grpSpPr>
+      <p:sp>
+        <p:nvSpPr>
+          <p:cNvPr id="2" name="Title 1"/>
+          <p:cNvSpPr>
+            <a:spLocks noGrp="1"/>
+          </p:cNvSpPr>
+          <p:nvPr>
+            <p:ph type="title"/>
+          </p:nvPr>
+        </p:nvSpPr>
+        <p:spPr/>
+        <p:txBody>
+          <a:bodyPr/>
+          <a:lstStyle/>
+          <a:p>
+            <a:r>
+              <a:rPr lang="ru-RU" smtClean="0"/>
+              <a:t>Множество как сортированный массив</a:t>
+            </a:r>
+            <a:endParaRPr lang="en-US"/>
+          </a:p>
+        </p:txBody>
+      </p:sp>
+      <p:sp>
+        <p:nvSpPr>
+          <p:cNvPr id="3" name="Content Placeholder 2"/>
+          <p:cNvSpPr>
+            <a:spLocks noGrp="1"/>
+          </p:cNvSpPr>
+          <p:nvPr>
+            <p:ph idx="1"/>
+          </p:nvPr>
+        </p:nvSpPr>
+        <p:spPr>
+          <a:xfrm>
+            <a:off x="1143000" y="2057400"/>
+            <a:ext cx="9872871" cy="4252784"/>
+          </a:xfrm>
+        </p:spPr>
+        <p:txBody>
+          <a:bodyPr>
+            <a:noAutofit/>
+          </a:bodyPr>
+          <a:lstStyle/>
+          <a:p>
+            <a:pPr marL="45720" indent="0">
+              <a:buNone/>
+            </a:pPr>
+            <a:r>
+              <a:rPr lang="en-US" sz="1600">
+                <a:latin typeface="Consolas" panose="020B0609020204030204" pitchFamily="49" charset="0"/>
+              </a:rPr>
+              <a:t>template&lt;typename T, typename </a:t>
+            </a:r>
+            <a:r>
+              <a:rPr lang="en-US" sz="1600" smtClean="0">
+                <a:latin typeface="Consolas" panose="020B0609020204030204" pitchFamily="49" charset="0"/>
+              </a:rPr>
+              <a:t>RandIt&gt;</a:t>
+            </a:r>
+            <a:br>
+              <a:rPr lang="en-US" sz="1600" smtClean="0">
+                <a:latin typeface="Consolas" panose="020B0609020204030204" pitchFamily="49" charset="0"/>
+              </a:rPr>
+            </a:br>
+            <a:r>
+              <a:rPr lang="en-US" sz="1600" smtClean="0">
+                <a:latin typeface="Consolas" panose="020B0609020204030204" pitchFamily="49" charset="0"/>
+              </a:rPr>
+              <a:t>auto simple_orbit(T </a:t>
+            </a:r>
+            <a:r>
+              <a:rPr lang="en-US" sz="1600">
+                <a:latin typeface="Consolas" panose="020B0609020204030204" pitchFamily="49" charset="0"/>
+              </a:rPr>
+              <a:t>num, RandIt gensbeg, RandIt gensend) </a:t>
+            </a:r>
+            <a:r>
+              <a:rPr lang="en-US" sz="1600" smtClean="0">
+                <a:latin typeface="Consolas" panose="020B0609020204030204" pitchFamily="49" charset="0"/>
+              </a:rPr>
+              <a:t>{</a:t>
+            </a:r>
+            <a:br>
+              <a:rPr lang="en-US" sz="1600" smtClean="0">
+                <a:latin typeface="Consolas" panose="020B0609020204030204" pitchFamily="49" charset="0"/>
+              </a:rPr>
+            </a:br>
+            <a:r>
+              <a:rPr lang="en-US" sz="1600" smtClean="0">
+                <a:latin typeface="Consolas" panose="020B0609020204030204" pitchFamily="49" charset="0"/>
+              </a:rPr>
+              <a:t>  </a:t>
+            </a:r>
+            <a:r>
+              <a:rPr lang="en-US" sz="1600">
+                <a:solidFill>
+                  <a:srgbClr val="0000FF"/>
+                </a:solidFill>
+                <a:latin typeface="Consolas" panose="020B0609020204030204" pitchFamily="49" charset="0"/>
+              </a:rPr>
+              <a:t>set&lt;T&gt;</a:t>
+            </a:r>
+            <a:r>
+              <a:rPr lang="en-US" sz="1600">
+                <a:latin typeface="Consolas" panose="020B0609020204030204" pitchFamily="49" charset="0"/>
+              </a:rPr>
+              <a:t> orbit</a:t>
+            </a:r>
+            <a:r>
+              <a:rPr lang="en-US" sz="1600" smtClean="0">
+                <a:latin typeface="Consolas" panose="020B0609020204030204" pitchFamily="49" charset="0"/>
+              </a:rPr>
+              <a:t>;</a:t>
+            </a:r>
+            <a:br>
+              <a:rPr lang="en-US" sz="1600" smtClean="0">
+                <a:latin typeface="Consolas" panose="020B0609020204030204" pitchFamily="49" charset="0"/>
+              </a:rPr>
+            </a:br>
+            <a:r>
+              <a:rPr lang="en-US" sz="1600" smtClean="0">
+                <a:latin typeface="Consolas" panose="020B0609020204030204" pitchFamily="49" charset="0"/>
+              </a:rPr>
+              <a:t>  </a:t>
+            </a:r>
+            <a:r>
+              <a:rPr lang="en-US" sz="1600">
+                <a:latin typeface="Consolas" panose="020B0609020204030204" pitchFamily="49" charset="0"/>
+              </a:rPr>
+              <a:t>vector&lt;T&gt; next = {num</a:t>
+            </a:r>
+            <a:r>
+              <a:rPr lang="en-US" sz="1600" smtClean="0">
+                <a:latin typeface="Consolas" panose="020B0609020204030204" pitchFamily="49" charset="0"/>
+              </a:rPr>
+              <a:t>};</a:t>
+            </a:r>
+            <a:br>
+              <a:rPr lang="en-US" sz="1600" smtClean="0">
+                <a:latin typeface="Consolas" panose="020B0609020204030204" pitchFamily="49" charset="0"/>
+              </a:rPr>
+            </a:br>
+            <a:r>
+              <a:rPr lang="en-US" sz="1600" smtClean="0">
+                <a:solidFill>
+                  <a:srgbClr val="0000FF"/>
+                </a:solidFill>
+                <a:latin typeface="Consolas" panose="020B0609020204030204" pitchFamily="49" charset="0"/>
+              </a:rPr>
+              <a:t>  </a:t>
+            </a:r>
+            <a:r>
+              <a:rPr lang="en-US" sz="1600">
+                <a:solidFill>
+                  <a:srgbClr val="0000FF"/>
+                </a:solidFill>
+                <a:latin typeface="Consolas" panose="020B0609020204030204" pitchFamily="49" charset="0"/>
+              </a:rPr>
+              <a:t>while (!next.empty()) </a:t>
+            </a:r>
+            <a:r>
+              <a:rPr lang="en-US" sz="1600" smtClean="0">
+                <a:solidFill>
+                  <a:srgbClr val="0000FF"/>
+                </a:solidFill>
+                <a:latin typeface="Consolas" panose="020B0609020204030204" pitchFamily="49" charset="0"/>
+              </a:rPr>
+              <a:t>{</a:t>
+            </a:r>
+            <a:br>
+              <a:rPr lang="en-US" sz="1600" smtClean="0">
+                <a:solidFill>
+                  <a:srgbClr val="0000FF"/>
+                </a:solidFill>
+                <a:latin typeface="Consolas" panose="020B0609020204030204" pitchFamily="49" charset="0"/>
+              </a:rPr>
+            </a:br>
+            <a:r>
+              <a:rPr lang="en-US" sz="1600" smtClean="0">
+                <a:latin typeface="Consolas" panose="020B0609020204030204" pitchFamily="49" charset="0"/>
+              </a:rPr>
+              <a:t>    </a:t>
+            </a:r>
+            <a:r>
+              <a:rPr lang="en-US" sz="1600">
+                <a:latin typeface="Consolas" panose="020B0609020204030204" pitchFamily="49" charset="0"/>
+              </a:rPr>
+              <a:t>vector&lt;T&gt; tmp </a:t>
+            </a:r>
+            <a:r>
+              <a:rPr lang="en-US" sz="1600" smtClean="0">
+                <a:latin typeface="Consolas" panose="020B0609020204030204" pitchFamily="49" charset="0"/>
+              </a:rPr>
+              <a:t>{};</a:t>
+            </a:r>
+            <a:br>
+              <a:rPr lang="en-US" sz="1600" smtClean="0">
+                <a:latin typeface="Consolas" panose="020B0609020204030204" pitchFamily="49" charset="0"/>
+              </a:rPr>
+            </a:br>
+            <a:r>
+              <a:rPr lang="en-US" sz="1600" smtClean="0">
+                <a:solidFill>
+                  <a:srgbClr val="0000FF"/>
+                </a:solidFill>
+                <a:latin typeface="Consolas" panose="020B0609020204030204" pitchFamily="49" charset="0"/>
+              </a:rPr>
+              <a:t>    </a:t>
+            </a:r>
+            <a:r>
+              <a:rPr lang="en-US" sz="1600">
+                <a:solidFill>
+                  <a:srgbClr val="0000FF"/>
+                </a:solidFill>
+                <a:latin typeface="Consolas" panose="020B0609020204030204" pitchFamily="49" charset="0"/>
+              </a:rPr>
+              <a:t>orbit.insert(next.begin(), next.end</a:t>
+            </a:r>
+            <a:r>
+              <a:rPr lang="en-US" sz="1600" smtClean="0">
+                <a:solidFill>
+                  <a:srgbClr val="0000FF"/>
+                </a:solidFill>
+                <a:latin typeface="Consolas" panose="020B0609020204030204" pitchFamily="49" charset="0"/>
+              </a:rPr>
+              <a:t>());</a:t>
+            </a:r>
+            <a:br>
+              <a:rPr lang="en-US" sz="1600" smtClean="0">
+                <a:solidFill>
+                  <a:srgbClr val="0000FF"/>
+                </a:solidFill>
+                <a:latin typeface="Consolas" panose="020B0609020204030204" pitchFamily="49" charset="0"/>
+              </a:rPr>
+            </a:br>
+            <a:r>
+              <a:rPr lang="en-US" sz="1600" smtClean="0">
+                <a:latin typeface="Consolas" panose="020B0609020204030204" pitchFamily="49" charset="0"/>
+              </a:rPr>
+              <a:t>    </a:t>
+            </a:r>
+            <a:r>
+              <a:rPr lang="en-US" sz="1600">
+                <a:latin typeface="Consolas" panose="020B0609020204030204" pitchFamily="49" charset="0"/>
+              </a:rPr>
+              <a:t>for (const auto &amp;elem : next</a:t>
+            </a:r>
+            <a:r>
+              <a:rPr lang="en-US" sz="1600" smtClean="0">
+                <a:latin typeface="Consolas" panose="020B0609020204030204" pitchFamily="49" charset="0"/>
+              </a:rPr>
+              <a:t>)</a:t>
+            </a:r>
+            <a:br>
+              <a:rPr lang="en-US" sz="1600" smtClean="0">
+                <a:latin typeface="Consolas" panose="020B0609020204030204" pitchFamily="49" charset="0"/>
+              </a:rPr>
+            </a:br>
+            <a:r>
+              <a:rPr lang="en-US" sz="1600" smtClean="0">
+                <a:latin typeface="Consolas" panose="020B0609020204030204" pitchFamily="49" charset="0"/>
+              </a:rPr>
+              <a:t>      </a:t>
+            </a:r>
+            <a:r>
+              <a:rPr lang="en-US" sz="1600">
+                <a:latin typeface="Consolas" panose="020B0609020204030204" pitchFamily="49" charset="0"/>
+              </a:rPr>
+              <a:t>for (auto igen = gensbeg; igen != gensend; ++igen) </a:t>
+            </a:r>
+            <a:r>
+              <a:rPr lang="en-US" sz="1600" smtClean="0">
+                <a:latin typeface="Consolas" panose="020B0609020204030204" pitchFamily="49" charset="0"/>
+              </a:rPr>
+              <a:t>{</a:t>
+            </a:r>
+            <a:br>
+              <a:rPr lang="en-US" sz="1600" smtClean="0">
+                <a:latin typeface="Consolas" panose="020B0609020204030204" pitchFamily="49" charset="0"/>
+              </a:rPr>
+            </a:br>
+            <a:r>
+              <a:rPr lang="en-US" sz="1600" smtClean="0">
+                <a:latin typeface="Consolas" panose="020B0609020204030204" pitchFamily="49" charset="0"/>
+              </a:rPr>
+              <a:t>        </a:t>
+            </a:r>
+            <a:r>
+              <a:rPr lang="en-US" sz="1600">
+                <a:latin typeface="Consolas" panose="020B0609020204030204" pitchFamily="49" charset="0"/>
+              </a:rPr>
+              <a:t>auto newelem = igen-&gt;apply(elem); </a:t>
+            </a:r>
+            <a:r>
+              <a:rPr lang="en-US" sz="1600" smtClean="0">
+                <a:latin typeface="Consolas" panose="020B0609020204030204" pitchFamily="49" charset="0"/>
+              </a:rPr>
+              <a:t/>
+            </a:r>
+            <a:br>
+              <a:rPr lang="en-US" sz="1600" smtClean="0">
+                <a:latin typeface="Consolas" panose="020B0609020204030204" pitchFamily="49" charset="0"/>
+              </a:rPr>
+            </a:br>
+            <a:r>
+              <a:rPr lang="en-US" sz="1600" smtClean="0">
+                <a:latin typeface="Consolas" panose="020B0609020204030204" pitchFamily="49" charset="0"/>
+              </a:rPr>
+              <a:t>        </a:t>
+            </a:r>
+            <a:r>
+              <a:rPr lang="en-US" sz="1600">
+                <a:latin typeface="Consolas" panose="020B0609020204030204" pitchFamily="49" charset="0"/>
+              </a:rPr>
+              <a:t>if (</a:t>
+            </a:r>
+            <a:r>
+              <a:rPr lang="en-US" sz="1600">
+                <a:solidFill>
+                  <a:srgbClr val="0000FF"/>
+                </a:solidFill>
+                <a:latin typeface="Consolas" panose="020B0609020204030204" pitchFamily="49" charset="0"/>
+              </a:rPr>
+              <a:t>orbit.count(newelem)</a:t>
+            </a:r>
+            <a:r>
+              <a:rPr lang="en-US" sz="1600">
+                <a:latin typeface="Consolas" panose="020B0609020204030204" pitchFamily="49" charset="0"/>
+              </a:rPr>
+              <a:t> == 0</a:t>
+            </a:r>
+            <a:r>
+              <a:rPr lang="en-US" sz="1600" smtClean="0">
+                <a:latin typeface="Consolas" panose="020B0609020204030204" pitchFamily="49" charset="0"/>
+              </a:rPr>
+              <a:t>)</a:t>
+            </a:r>
+            <a:br>
+              <a:rPr lang="en-US" sz="1600" smtClean="0">
+                <a:latin typeface="Consolas" panose="020B0609020204030204" pitchFamily="49" charset="0"/>
+              </a:rPr>
+            </a:br>
+            <a:r>
+              <a:rPr lang="en-US" sz="1600" smtClean="0">
+                <a:latin typeface="Consolas" panose="020B0609020204030204" pitchFamily="49" charset="0"/>
+              </a:rPr>
+              <a:t>          </a:t>
+            </a:r>
+            <a:r>
+              <a:rPr lang="en-US" sz="1600">
+                <a:latin typeface="Consolas" panose="020B0609020204030204" pitchFamily="49" charset="0"/>
+              </a:rPr>
+              <a:t>tmp.push_back(newelem);        </a:t>
+            </a:r>
+            <a:r>
+              <a:rPr lang="en-US" sz="1600" smtClean="0">
+                <a:latin typeface="Consolas" panose="020B0609020204030204" pitchFamily="49" charset="0"/>
+              </a:rPr>
+              <a:t/>
+            </a:r>
+            <a:br>
+              <a:rPr lang="en-US" sz="1600" smtClean="0">
+                <a:latin typeface="Consolas" panose="020B0609020204030204" pitchFamily="49" charset="0"/>
+              </a:rPr>
+            </a:br>
+            <a:r>
+              <a:rPr lang="en-US" sz="1600" smtClean="0">
+                <a:latin typeface="Consolas" panose="020B0609020204030204" pitchFamily="49" charset="0"/>
+              </a:rPr>
+              <a:t>      }</a:t>
+            </a:r>
+            <a:br>
+              <a:rPr lang="en-US" sz="1600" smtClean="0">
+                <a:latin typeface="Consolas" panose="020B0609020204030204" pitchFamily="49" charset="0"/>
+              </a:rPr>
+            </a:br>
+            <a:r>
+              <a:rPr lang="en-US" sz="1600" smtClean="0">
+                <a:latin typeface="Consolas" panose="020B0609020204030204" pitchFamily="49" charset="0"/>
+              </a:rPr>
+              <a:t>    </a:t>
+            </a:r>
+            <a:r>
+              <a:rPr lang="en-US" sz="1600">
+                <a:latin typeface="Consolas" panose="020B0609020204030204" pitchFamily="49" charset="0"/>
+              </a:rPr>
+              <a:t>next.swap(tmp</a:t>
+            </a:r>
+            <a:r>
+              <a:rPr lang="en-US" sz="1600" smtClean="0">
+                <a:latin typeface="Consolas" panose="020B0609020204030204" pitchFamily="49" charset="0"/>
+              </a:rPr>
+              <a:t>);</a:t>
+            </a:r>
+            <a:br>
+              <a:rPr lang="en-US" sz="1600" smtClean="0">
+                <a:latin typeface="Consolas" panose="020B0609020204030204" pitchFamily="49" charset="0"/>
+              </a:rPr>
+            </a:br>
+            <a:r>
+              <a:rPr lang="en-US" sz="1600" smtClean="0">
+                <a:solidFill>
+                  <a:srgbClr val="0000FF"/>
+                </a:solidFill>
+                <a:latin typeface="Consolas" panose="020B0609020204030204" pitchFamily="49" charset="0"/>
+              </a:rPr>
+              <a:t>  }</a:t>
+            </a:r>
+            <a:br>
+              <a:rPr lang="en-US" sz="1600" smtClean="0">
+                <a:solidFill>
+                  <a:srgbClr val="0000FF"/>
+                </a:solidFill>
+                <a:latin typeface="Consolas" panose="020B0609020204030204" pitchFamily="49" charset="0"/>
+              </a:rPr>
+            </a:br>
+            <a:r>
+              <a:rPr lang="en-US" sz="1600" smtClean="0">
+                <a:latin typeface="Consolas" panose="020B0609020204030204" pitchFamily="49" charset="0"/>
+              </a:rPr>
+              <a:t>  </a:t>
+            </a:r>
+            <a:r>
+              <a:rPr lang="en-US" sz="1600">
+                <a:latin typeface="Consolas" panose="020B0609020204030204" pitchFamily="49" charset="0"/>
+              </a:rPr>
+              <a:t>return orbit</a:t>
+            </a:r>
+            <a:r>
+              <a:rPr lang="en-US" sz="1600" smtClean="0">
+                <a:latin typeface="Consolas" panose="020B0609020204030204" pitchFamily="49" charset="0"/>
+              </a:rPr>
+              <a:t>;</a:t>
+            </a:r>
+            <a:br>
+              <a:rPr lang="en-US" sz="1600" smtClean="0">
+                <a:latin typeface="Consolas" panose="020B0609020204030204" pitchFamily="49" charset="0"/>
+              </a:rPr>
+            </a:br>
+            <a:r>
+              <a:rPr lang="en-US" sz="1600" smtClean="0">
+                <a:latin typeface="Consolas" panose="020B0609020204030204" pitchFamily="49" charset="0"/>
+              </a:rPr>
+              <a:t>}</a:t>
+            </a:r>
+            <a:endParaRPr lang="en-US" sz="1600">
+              <a:latin typeface="Consolas" panose="020B0609020204030204" pitchFamily="49" charset="0"/>
+            </a:endParaRPr>
+          </a:p>
+          <a:p>
+            <a:r>
+              <a:rPr lang="ru-RU" sz="1600" smtClean="0"/>
+              <a:t>Можно думать о множестве как о таком массиве, который всегда сортирован</a:t>
+            </a:r>
+            <a:endParaRPr lang="en-US" sz="1600"/>
+          </a:p>
+        </p:txBody>
+      </p:sp>
+    </p:spTree>
+    <p:extLst>
+      <p:ext uri="{BB962C8B-B14F-4D97-AF65-F5344CB8AC3E}">
+        <p14:creationId xmlns:p14="http://schemas.microsoft.com/office/powerpoint/2010/main" val="2415503849"/>
+      </p:ext>
+    </p:extLst>
+  </p:cSld>
+  <p:clrMapOvr>
+    <a:masterClrMapping/>
+  </p:clrMapOvr>
+</p:sld>
+</file>
+
+<file path=ppt/slides/slide80.xml><?xml version="1.0" encoding="utf-8"?>
+<p:sld xmlns:a="http://schemas.openxmlformats.org/drawingml/2006/main" xmlns:r="http://schemas.openxmlformats.org/officeDocument/2006/relationships" xmlns:p="http://schemas.openxmlformats.org/presentationml/2006/main">
+  <p:cSld>
+    <p:spTree>
+      <p:nvGrpSpPr>
+        <p:cNvPr id="1" name=""/>
+        <p:cNvGrpSpPr/>
+        <p:nvPr/>
+      </p:nvGrpSpPr>
+      <p:grpSpPr>
+        <a:xfrm>
+          <a:off x="0" y="0"/>
+          <a:ext cx="0" cy="0"/>
+          <a:chOff x="0" y="0"/>
+          <a:chExt cx="0" cy="0"/>
+        </a:xfrm>
+      </p:grpSpPr>
+      <p:sp>
+        <p:nvSpPr>
+          <p:cNvPr id="2" name="Title 1"/>
+          <p:cNvSpPr>
+            <a:spLocks noGrp="1"/>
+          </p:cNvSpPr>
+          <p:nvPr>
+            <p:ph type="title"/>
+          </p:nvPr>
+        </p:nvSpPr>
+        <p:spPr/>
+        <p:txBody>
+          <a:bodyPr/>
+          <a:lstStyle/>
+          <a:p>
+            <a:r>
+              <a:rPr lang="ru-RU" smtClean="0"/>
+              <a:t>Обсуждение</a:t>
+            </a:r>
+            <a:endParaRPr lang="en-US"/>
+          </a:p>
+        </p:txBody>
+      </p:sp>
+      <p:sp>
+        <p:nvSpPr>
+          <p:cNvPr id="3" name="Content Placeholder 2"/>
+          <p:cNvSpPr>
+            <a:spLocks noGrp="1"/>
+          </p:cNvSpPr>
+          <p:nvPr>
+            <p:ph idx="1"/>
+          </p:nvPr>
+        </p:nvSpPr>
+        <p:spPr/>
+        <p:txBody>
+          <a:bodyPr/>
+          <a:lstStyle/>
+          <a:p>
+            <a:r>
+              <a:rPr lang="ru-RU" smtClean="0"/>
+              <a:t>Что вы думаете о стандартизации </a:t>
+            </a:r>
+            <a:r>
+              <a:rPr lang="en-US" smtClean="0"/>
+              <a:t>flat_map </a:t>
+            </a:r>
+            <a:r>
+              <a:rPr lang="ru-RU" smtClean="0"/>
+              <a:t>и </a:t>
+            </a:r>
+            <a:r>
+              <a:rPr lang="en-US" smtClean="0"/>
+              <a:t>bimap?</a:t>
+            </a:r>
+            <a:endParaRPr lang="en-US"/>
+          </a:p>
+        </p:txBody>
+      </p:sp>
+    </p:spTree>
+    <p:extLst>
+      <p:ext uri="{BB962C8B-B14F-4D97-AF65-F5344CB8AC3E}">
+        <p14:creationId xmlns:p14="http://schemas.microsoft.com/office/powerpoint/2010/main" val="2944858851"/>
+      </p:ext>
+    </p:extLst>
+  </p:cSld>
+  <p:clrMapOvr>
+    <a:masterClrMapping/>
+  </p:clrMapOvr>
+  <p:timing>
+    <p:tnLst>
+      <p:par>
+        <p:cTn id="1" dur="indefinite" restart="never" nodeType="tmRoot"/>
+      </p:par>
+    </p:tnLst>
+  </p:timing>
+</p:sld>
+</file>
+
+<file path=ppt/slides/slide81.xml><?xml version="1.0" encoding="utf-8"?>
+<p:sld xmlns:a="http://schemas.openxmlformats.org/drawingml/2006/main" xmlns:r="http://schemas.openxmlformats.org/officeDocument/2006/relationships" xmlns:p="http://schemas.openxmlformats.org/presentationml/2006/main">
+  <p:cSld>
+    <p:spTree>
+      <p:nvGrpSpPr>
+        <p:cNvPr id="1" name=""/>
+        <p:cNvGrpSpPr/>
+        <p:nvPr/>
+      </p:nvGrpSpPr>
+      <p:grpSpPr>
+        <a:xfrm>
+          <a:off x="0" y="0"/>
+          <a:ext cx="0" cy="0"/>
+          <a:chOff x="0" y="0"/>
+          <a:chExt cx="0" cy="0"/>
+        </a:xfrm>
+      </p:grpSpPr>
+      <p:sp>
+        <p:nvSpPr>
+          <p:cNvPr id="2" name="Title 1"/>
+          <p:cNvSpPr>
+            <a:spLocks noGrp="1"/>
+          </p:cNvSpPr>
+          <p:nvPr>
+            <p:ph type="title"/>
+          </p:nvPr>
+        </p:nvSpPr>
+        <p:spPr/>
+        <p:txBody>
+          <a:bodyPr/>
+          <a:lstStyle/>
+          <a:p>
+            <a:r>
               <a:rPr lang="ru-RU" dirty="0" smtClean="0"/>
               <a:t>Литература</a:t>
             </a:r>
@@ -28228,8 +29718,8 @@
           </a:p>
         </p:txBody>
       </p:sp>
-      <mc:AlternateContent xmlns:mc="http://schemas.openxmlformats.org/markup-compatibility/2006">
-        <mc:Choice xmlns:a14="http://schemas.microsoft.com/office/drawing/2010/main" Requires="a14">
+      <mc:AlternateContent xmlns:mc="http://schemas.openxmlformats.org/markup-compatibility/2006" xmlns:a14="http://schemas.microsoft.com/office/drawing/2010/main">
+        <mc:Choice Requires="a14">
           <p:sp>
             <p:nvSpPr>
               <p:cNvPr id="3" name="Content Placeholder 2"/>
@@ -28429,11 +29919,7 @@
                 <a:pPr lvl="0"/>
                 <a:r>
                   <a:rPr lang="en-US" sz="1600"/>
-                  <a:t>Matt </a:t>
-                </a:r>
-                <a:r>
-                  <a:rPr lang="en-US" sz="1600"/>
-                  <a:t>Kulukundis </a:t>
+                  <a:t>Matt Kulukundis </a:t>
                 </a:r>
                 <a:r>
                   <a:rPr lang="en-US" sz="1600" smtClean="0"/>
@@ -28441,11 +29927,7 @@
                 </a:r>
                 <a:r>
                   <a:rPr lang="en-US" sz="1600"/>
-                  <a:t>a Fast, Efficient, Cache-friendly Hash Table, Step </a:t>
-                </a:r>
-                <a:r>
-                  <a:rPr lang="en-US" sz="1600"/>
-                  <a:t>by </a:t>
+                  <a:t>a Fast, Efficient, Cache-friendly Hash Table, Step by </a:t>
                 </a:r>
                 <a:r>
                   <a:rPr lang="en-US" sz="1600" smtClean="0"/>
@@ -28469,11 +29951,7 @@
                 </a:r>
                 <a:r>
                   <a:rPr lang="en-US" sz="1600"/>
-                  <a:t>Map vs. Unordered Map: An Analysis on Large Datasets, International Journal of </a:t>
-                </a:r>
-                <a:r>
-                  <a:rPr lang="en-US" sz="1600"/>
-                  <a:t>Computer </a:t>
+                  <a:t>Map vs. Unordered Map: An Analysis on Large Datasets, International Journal of Computer </a:t>
                 </a:r>
                 <a:r>
                   <a:rPr lang="en-US" sz="1600" smtClean="0"/>
@@ -28502,19 +29980,7 @@
                 <a:pPr lvl="0"/>
                 <a:r>
                   <a:rPr lang="en-US" sz="1600"/>
-                  <a:t>boost::flat_map and its performance compared to map </a:t>
-                </a:r>
-                <a:r>
-                  <a:rPr lang="en-US" sz="1600"/>
-                  <a:t>and </a:t>
-                </a:r>
-                <a:r>
-                  <a:rPr lang="en-US" sz="1600"/>
-                  <a:t>unordered_map, StackOverflow, https</a:t>
-                </a:r>
-                <a:r>
-                  <a:rPr lang="en-US" sz="1600"/>
-                  <a:t>://</a:t>
+                  <a:t>boost::flat_map and its performance compared to map and unordered_map, StackOverflow, https://</a:t>
                 </a:r>
                 <a:r>
                   <a:rPr lang="en-US" sz="1600" smtClean="0"/>
@@ -28527,7 +29993,7 @@
             </p:txBody>
           </p:sp>
         </mc:Choice>
-        <mc:Fallback>
+        <mc:Fallback xmlns="">
           <p:sp>
             <p:nvSpPr>
               <p:cNvPr id="3" name="Content Placeholder 2"/>
@@ -28571,501 +30037,13 @@
   <p:clrMapOvr>
     <a:masterClrMapping/>
   </p:clrMapOvr>
-</p:sld>
-</file>
-
-<file path=ppt/slides/slide8.xml><?xml version="1.0" encoding="utf-8"?>
-<p:sld xmlns:a="http://schemas.openxmlformats.org/drawingml/2006/main" xmlns:r="http://schemas.openxmlformats.org/officeDocument/2006/relationships" xmlns:p="http://schemas.openxmlformats.org/presentationml/2006/main">
-  <p:cSld>
-    <p:spTree>
-      <p:nvGrpSpPr>
-        <p:cNvPr id="1" name=""/>
-        <p:cNvGrpSpPr/>
-        <p:nvPr/>
-      </p:nvGrpSpPr>
-      <p:grpSpPr>
-        <a:xfrm>
-          <a:off x="0" y="0"/>
-          <a:ext cx="0" cy="0"/>
-          <a:chOff x="0" y="0"/>
-          <a:chExt cx="0" cy="0"/>
-        </a:xfrm>
-      </p:grpSpPr>
-      <p:sp>
-        <p:nvSpPr>
-          <p:cNvPr id="2" name="Title 1"/>
-          <p:cNvSpPr>
-            <a:spLocks noGrp="1"/>
-          </p:cNvSpPr>
-          <p:nvPr>
-            <p:ph type="title"/>
-          </p:nvPr>
-        </p:nvSpPr>
-        <p:spPr/>
-        <p:txBody>
-          <a:bodyPr/>
-          <a:lstStyle/>
-          <a:p>
-            <a:r>
-              <a:rPr lang="ru-RU" smtClean="0"/>
-              <a:t>Множество как сортированный массив</a:t>
-            </a:r>
-            <a:endParaRPr lang="en-US"/>
-          </a:p>
-        </p:txBody>
-      </p:sp>
-      <p:sp>
-        <p:nvSpPr>
-          <p:cNvPr id="3" name="Content Placeholder 2"/>
-          <p:cNvSpPr>
-            <a:spLocks noGrp="1"/>
-          </p:cNvSpPr>
-          <p:nvPr>
-            <p:ph idx="1"/>
-          </p:nvPr>
-        </p:nvSpPr>
-        <p:spPr>
-          <a:xfrm>
-            <a:off x="1143000" y="2057400"/>
-            <a:ext cx="9872871" cy="4252784"/>
-          </a:xfrm>
-        </p:spPr>
-        <p:txBody>
-          <a:bodyPr>
-            <a:noAutofit/>
-          </a:bodyPr>
-          <a:lstStyle/>
-          <a:p>
-            <a:pPr marL="45720" indent="0">
-              <a:buNone/>
-            </a:pPr>
-            <a:r>
-              <a:rPr lang="en-US" sz="1600">
-                <a:latin typeface="Consolas" panose="020B0609020204030204" pitchFamily="49" charset="0"/>
-              </a:rPr>
-              <a:t>template&lt;typename T, typename </a:t>
-            </a:r>
-            <a:r>
-              <a:rPr lang="en-US" sz="1600" smtClean="0">
-                <a:latin typeface="Consolas" panose="020B0609020204030204" pitchFamily="49" charset="0"/>
-              </a:rPr>
-              <a:t>RandIt&gt;</a:t>
-            </a:r>
-            <a:br>
-              <a:rPr lang="en-US" sz="1600" smtClean="0">
-                <a:latin typeface="Consolas" panose="020B0609020204030204" pitchFamily="49" charset="0"/>
-              </a:rPr>
-            </a:br>
-            <a:r>
-              <a:rPr lang="en-US" sz="1600" smtClean="0">
-                <a:latin typeface="Consolas" panose="020B0609020204030204" pitchFamily="49" charset="0"/>
-              </a:rPr>
-              <a:t>auto </a:t>
-            </a:r>
-            <a:r>
-              <a:rPr lang="en-US" sz="1600" smtClean="0">
-                <a:latin typeface="Consolas" panose="020B0609020204030204" pitchFamily="49" charset="0"/>
-              </a:rPr>
-              <a:t>simple_orbit(T </a:t>
-            </a:r>
-            <a:r>
-              <a:rPr lang="en-US" sz="1600">
-                <a:latin typeface="Consolas" panose="020B0609020204030204" pitchFamily="49" charset="0"/>
-              </a:rPr>
-              <a:t>num, RandIt gensbeg, RandIt gensend) </a:t>
-            </a:r>
-            <a:r>
-              <a:rPr lang="en-US" sz="1600" smtClean="0">
-                <a:latin typeface="Consolas" panose="020B0609020204030204" pitchFamily="49" charset="0"/>
-              </a:rPr>
-              <a:t>{</a:t>
-            </a:r>
-            <a:br>
-              <a:rPr lang="en-US" sz="1600" smtClean="0">
-                <a:latin typeface="Consolas" panose="020B0609020204030204" pitchFamily="49" charset="0"/>
-              </a:rPr>
-            </a:br>
-            <a:r>
-              <a:rPr lang="en-US" sz="1600" smtClean="0">
-                <a:latin typeface="Consolas" panose="020B0609020204030204" pitchFamily="49" charset="0"/>
-              </a:rPr>
-              <a:t>  </a:t>
-            </a:r>
-            <a:r>
-              <a:rPr lang="en-US" sz="1600">
-                <a:solidFill>
-                  <a:srgbClr val="0000FF"/>
-                </a:solidFill>
-                <a:latin typeface="Consolas" panose="020B0609020204030204" pitchFamily="49" charset="0"/>
-              </a:rPr>
-              <a:t>set&lt;T&gt;</a:t>
-            </a:r>
-            <a:r>
-              <a:rPr lang="en-US" sz="1600">
-                <a:latin typeface="Consolas" panose="020B0609020204030204" pitchFamily="49" charset="0"/>
-              </a:rPr>
-              <a:t> orbit</a:t>
-            </a:r>
-            <a:r>
-              <a:rPr lang="en-US" sz="1600" smtClean="0">
-                <a:latin typeface="Consolas" panose="020B0609020204030204" pitchFamily="49" charset="0"/>
-              </a:rPr>
-              <a:t>;</a:t>
-            </a:r>
-            <a:br>
-              <a:rPr lang="en-US" sz="1600" smtClean="0">
-                <a:latin typeface="Consolas" panose="020B0609020204030204" pitchFamily="49" charset="0"/>
-              </a:rPr>
-            </a:br>
-            <a:r>
-              <a:rPr lang="en-US" sz="1600" smtClean="0">
-                <a:latin typeface="Consolas" panose="020B0609020204030204" pitchFamily="49" charset="0"/>
-              </a:rPr>
-              <a:t>  </a:t>
-            </a:r>
-            <a:r>
-              <a:rPr lang="en-US" sz="1600">
-                <a:latin typeface="Consolas" panose="020B0609020204030204" pitchFamily="49" charset="0"/>
-              </a:rPr>
-              <a:t>vector&lt;T&gt; next = {num</a:t>
-            </a:r>
-            <a:r>
-              <a:rPr lang="en-US" sz="1600" smtClean="0">
-                <a:latin typeface="Consolas" panose="020B0609020204030204" pitchFamily="49" charset="0"/>
-              </a:rPr>
-              <a:t>};</a:t>
-            </a:r>
-            <a:br>
-              <a:rPr lang="en-US" sz="1600" smtClean="0">
-                <a:latin typeface="Consolas" panose="020B0609020204030204" pitchFamily="49" charset="0"/>
-              </a:rPr>
-            </a:br>
-            <a:r>
-              <a:rPr lang="en-US" sz="1600" smtClean="0">
-                <a:solidFill>
-                  <a:srgbClr val="0000FF"/>
-                </a:solidFill>
-                <a:latin typeface="Consolas" panose="020B0609020204030204" pitchFamily="49" charset="0"/>
-              </a:rPr>
-              <a:t>  </a:t>
-            </a:r>
-            <a:r>
-              <a:rPr lang="en-US" sz="1600">
-                <a:solidFill>
-                  <a:srgbClr val="0000FF"/>
-                </a:solidFill>
-                <a:latin typeface="Consolas" panose="020B0609020204030204" pitchFamily="49" charset="0"/>
-              </a:rPr>
-              <a:t>while (!next.empty()) </a:t>
-            </a:r>
-            <a:r>
-              <a:rPr lang="en-US" sz="1600" smtClean="0">
-                <a:solidFill>
-                  <a:srgbClr val="0000FF"/>
-                </a:solidFill>
-                <a:latin typeface="Consolas" panose="020B0609020204030204" pitchFamily="49" charset="0"/>
-              </a:rPr>
-              <a:t>{</a:t>
-            </a:r>
-            <a:br>
-              <a:rPr lang="en-US" sz="1600" smtClean="0">
-                <a:solidFill>
-                  <a:srgbClr val="0000FF"/>
-                </a:solidFill>
-                <a:latin typeface="Consolas" panose="020B0609020204030204" pitchFamily="49" charset="0"/>
-              </a:rPr>
-            </a:br>
-            <a:r>
-              <a:rPr lang="en-US" sz="1600" smtClean="0">
-                <a:latin typeface="Consolas" panose="020B0609020204030204" pitchFamily="49" charset="0"/>
-              </a:rPr>
-              <a:t>    </a:t>
-            </a:r>
-            <a:r>
-              <a:rPr lang="en-US" sz="1600">
-                <a:latin typeface="Consolas" panose="020B0609020204030204" pitchFamily="49" charset="0"/>
-              </a:rPr>
-              <a:t>vector&lt;T&gt; tmp </a:t>
-            </a:r>
-            <a:r>
-              <a:rPr lang="en-US" sz="1600" smtClean="0">
-                <a:latin typeface="Consolas" panose="020B0609020204030204" pitchFamily="49" charset="0"/>
-              </a:rPr>
-              <a:t>{};</a:t>
-            </a:r>
-            <a:br>
-              <a:rPr lang="en-US" sz="1600" smtClean="0">
-                <a:latin typeface="Consolas" panose="020B0609020204030204" pitchFamily="49" charset="0"/>
-              </a:rPr>
-            </a:br>
-            <a:r>
-              <a:rPr lang="en-US" sz="1600" smtClean="0">
-                <a:solidFill>
-                  <a:srgbClr val="0000FF"/>
-                </a:solidFill>
-                <a:latin typeface="Consolas" panose="020B0609020204030204" pitchFamily="49" charset="0"/>
-              </a:rPr>
-              <a:t>    </a:t>
-            </a:r>
-            <a:r>
-              <a:rPr lang="en-US" sz="1600">
-                <a:solidFill>
-                  <a:srgbClr val="0000FF"/>
-                </a:solidFill>
-                <a:latin typeface="Consolas" panose="020B0609020204030204" pitchFamily="49" charset="0"/>
-              </a:rPr>
-              <a:t>orbit.insert(next.begin(), next.end</a:t>
-            </a:r>
-            <a:r>
-              <a:rPr lang="en-US" sz="1600" smtClean="0">
-                <a:solidFill>
-                  <a:srgbClr val="0000FF"/>
-                </a:solidFill>
-                <a:latin typeface="Consolas" panose="020B0609020204030204" pitchFamily="49" charset="0"/>
-              </a:rPr>
-              <a:t>());</a:t>
-            </a:r>
-            <a:br>
-              <a:rPr lang="en-US" sz="1600" smtClean="0">
-                <a:solidFill>
-                  <a:srgbClr val="0000FF"/>
-                </a:solidFill>
-                <a:latin typeface="Consolas" panose="020B0609020204030204" pitchFamily="49" charset="0"/>
-              </a:rPr>
-            </a:br>
-            <a:r>
-              <a:rPr lang="en-US" sz="1600" smtClean="0">
-                <a:latin typeface="Consolas" panose="020B0609020204030204" pitchFamily="49" charset="0"/>
-              </a:rPr>
-              <a:t>    </a:t>
-            </a:r>
-            <a:r>
-              <a:rPr lang="en-US" sz="1600">
-                <a:latin typeface="Consolas" panose="020B0609020204030204" pitchFamily="49" charset="0"/>
-              </a:rPr>
-              <a:t>for (const auto &amp;elem : next</a:t>
-            </a:r>
-            <a:r>
-              <a:rPr lang="en-US" sz="1600" smtClean="0">
-                <a:latin typeface="Consolas" panose="020B0609020204030204" pitchFamily="49" charset="0"/>
-              </a:rPr>
-              <a:t>)</a:t>
-            </a:r>
-            <a:br>
-              <a:rPr lang="en-US" sz="1600" smtClean="0">
-                <a:latin typeface="Consolas" panose="020B0609020204030204" pitchFamily="49" charset="0"/>
-              </a:rPr>
-            </a:br>
-            <a:r>
-              <a:rPr lang="en-US" sz="1600" smtClean="0">
-                <a:latin typeface="Consolas" panose="020B0609020204030204" pitchFamily="49" charset="0"/>
-              </a:rPr>
-              <a:t>      </a:t>
-            </a:r>
-            <a:r>
-              <a:rPr lang="en-US" sz="1600">
-                <a:latin typeface="Consolas" panose="020B0609020204030204" pitchFamily="49" charset="0"/>
-              </a:rPr>
-              <a:t>for (auto igen = gensbeg; igen != gensend; ++igen) </a:t>
-            </a:r>
-            <a:r>
-              <a:rPr lang="en-US" sz="1600" smtClean="0">
-                <a:latin typeface="Consolas" panose="020B0609020204030204" pitchFamily="49" charset="0"/>
-              </a:rPr>
-              <a:t>{</a:t>
-            </a:r>
-            <a:br>
-              <a:rPr lang="en-US" sz="1600" smtClean="0">
-                <a:latin typeface="Consolas" panose="020B0609020204030204" pitchFamily="49" charset="0"/>
-              </a:rPr>
-            </a:br>
-            <a:r>
-              <a:rPr lang="en-US" sz="1600" smtClean="0">
-                <a:latin typeface="Consolas" panose="020B0609020204030204" pitchFamily="49" charset="0"/>
-              </a:rPr>
-              <a:t>        </a:t>
-            </a:r>
-            <a:r>
-              <a:rPr lang="en-US" sz="1600">
-                <a:latin typeface="Consolas" panose="020B0609020204030204" pitchFamily="49" charset="0"/>
-              </a:rPr>
-              <a:t>auto newelem = igen-&gt;apply(elem); </a:t>
-            </a:r>
-            <a:r>
-              <a:rPr lang="en-US" sz="1600" smtClean="0">
-                <a:latin typeface="Consolas" panose="020B0609020204030204" pitchFamily="49" charset="0"/>
-              </a:rPr>
-              <a:t/>
-            </a:r>
-            <a:br>
-              <a:rPr lang="en-US" sz="1600" smtClean="0">
-                <a:latin typeface="Consolas" panose="020B0609020204030204" pitchFamily="49" charset="0"/>
-              </a:rPr>
-            </a:br>
-            <a:r>
-              <a:rPr lang="en-US" sz="1600" smtClean="0">
-                <a:latin typeface="Consolas" panose="020B0609020204030204" pitchFamily="49" charset="0"/>
-              </a:rPr>
-              <a:t>        </a:t>
-            </a:r>
-            <a:r>
-              <a:rPr lang="en-US" sz="1600">
-                <a:latin typeface="Consolas" panose="020B0609020204030204" pitchFamily="49" charset="0"/>
-              </a:rPr>
-              <a:t>if (</a:t>
-            </a:r>
-            <a:r>
-              <a:rPr lang="en-US" sz="1600">
-                <a:solidFill>
-                  <a:srgbClr val="0000FF"/>
-                </a:solidFill>
-                <a:latin typeface="Consolas" panose="020B0609020204030204" pitchFamily="49" charset="0"/>
-              </a:rPr>
-              <a:t>orbit.count(newelem)</a:t>
-            </a:r>
-            <a:r>
-              <a:rPr lang="en-US" sz="1600">
-                <a:latin typeface="Consolas" panose="020B0609020204030204" pitchFamily="49" charset="0"/>
-              </a:rPr>
-              <a:t> == 0</a:t>
-            </a:r>
-            <a:r>
-              <a:rPr lang="en-US" sz="1600" smtClean="0">
-                <a:latin typeface="Consolas" panose="020B0609020204030204" pitchFamily="49" charset="0"/>
-              </a:rPr>
-              <a:t>)</a:t>
-            </a:r>
-            <a:br>
-              <a:rPr lang="en-US" sz="1600" smtClean="0">
-                <a:latin typeface="Consolas" panose="020B0609020204030204" pitchFamily="49" charset="0"/>
-              </a:rPr>
-            </a:br>
-            <a:r>
-              <a:rPr lang="en-US" sz="1600" smtClean="0">
-                <a:latin typeface="Consolas" panose="020B0609020204030204" pitchFamily="49" charset="0"/>
-              </a:rPr>
-              <a:t>          </a:t>
-            </a:r>
-            <a:r>
-              <a:rPr lang="en-US" sz="1600">
-                <a:latin typeface="Consolas" panose="020B0609020204030204" pitchFamily="49" charset="0"/>
-              </a:rPr>
-              <a:t>tmp.push_back(newelem);        </a:t>
-            </a:r>
-            <a:r>
-              <a:rPr lang="en-US" sz="1600" smtClean="0">
-                <a:latin typeface="Consolas" panose="020B0609020204030204" pitchFamily="49" charset="0"/>
-              </a:rPr>
-              <a:t/>
-            </a:r>
-            <a:br>
-              <a:rPr lang="en-US" sz="1600" smtClean="0">
-                <a:latin typeface="Consolas" panose="020B0609020204030204" pitchFamily="49" charset="0"/>
-              </a:rPr>
-            </a:br>
-            <a:r>
-              <a:rPr lang="en-US" sz="1600" smtClean="0">
-                <a:latin typeface="Consolas" panose="020B0609020204030204" pitchFamily="49" charset="0"/>
-              </a:rPr>
-              <a:t>      }</a:t>
-            </a:r>
-            <a:br>
-              <a:rPr lang="en-US" sz="1600" smtClean="0">
-                <a:latin typeface="Consolas" panose="020B0609020204030204" pitchFamily="49" charset="0"/>
-              </a:rPr>
-            </a:br>
-            <a:r>
-              <a:rPr lang="en-US" sz="1600" smtClean="0">
-                <a:latin typeface="Consolas" panose="020B0609020204030204" pitchFamily="49" charset="0"/>
-              </a:rPr>
-              <a:t>    </a:t>
-            </a:r>
-            <a:r>
-              <a:rPr lang="en-US" sz="1600">
-                <a:latin typeface="Consolas" panose="020B0609020204030204" pitchFamily="49" charset="0"/>
-              </a:rPr>
-              <a:t>next.swap(tmp</a:t>
-            </a:r>
-            <a:r>
-              <a:rPr lang="en-US" sz="1600" smtClean="0">
-                <a:latin typeface="Consolas" panose="020B0609020204030204" pitchFamily="49" charset="0"/>
-              </a:rPr>
-              <a:t>);</a:t>
-            </a:r>
-            <a:br>
-              <a:rPr lang="en-US" sz="1600" smtClean="0">
-                <a:latin typeface="Consolas" panose="020B0609020204030204" pitchFamily="49" charset="0"/>
-              </a:rPr>
-            </a:br>
-            <a:r>
-              <a:rPr lang="en-US" sz="1600" smtClean="0">
-                <a:solidFill>
-                  <a:srgbClr val="0000FF"/>
-                </a:solidFill>
-                <a:latin typeface="Consolas" panose="020B0609020204030204" pitchFamily="49" charset="0"/>
-              </a:rPr>
-              <a:t>  }</a:t>
-            </a:r>
-            <a:br>
-              <a:rPr lang="en-US" sz="1600" smtClean="0">
-                <a:solidFill>
-                  <a:srgbClr val="0000FF"/>
-                </a:solidFill>
-                <a:latin typeface="Consolas" panose="020B0609020204030204" pitchFamily="49" charset="0"/>
-              </a:rPr>
-            </a:br>
-            <a:r>
-              <a:rPr lang="en-US" sz="1600" smtClean="0">
-                <a:latin typeface="Consolas" panose="020B0609020204030204" pitchFamily="49" charset="0"/>
-              </a:rPr>
-              <a:t>  </a:t>
-            </a:r>
-            <a:r>
-              <a:rPr lang="en-US" sz="1600">
-                <a:latin typeface="Consolas" panose="020B0609020204030204" pitchFamily="49" charset="0"/>
-              </a:rPr>
-              <a:t>return orbit</a:t>
-            </a:r>
-            <a:r>
-              <a:rPr lang="en-US" sz="1600" smtClean="0">
-                <a:latin typeface="Consolas" panose="020B0609020204030204" pitchFamily="49" charset="0"/>
-              </a:rPr>
-              <a:t>;</a:t>
-            </a:r>
-            <a:br>
-              <a:rPr lang="en-US" sz="1600" smtClean="0">
-                <a:latin typeface="Consolas" panose="020B0609020204030204" pitchFamily="49" charset="0"/>
-              </a:rPr>
-            </a:br>
-            <a:r>
-              <a:rPr lang="en-US" sz="1600" smtClean="0">
-                <a:latin typeface="Consolas" panose="020B0609020204030204" pitchFamily="49" charset="0"/>
-              </a:rPr>
-              <a:t>}</a:t>
-            </a:r>
-            <a:endParaRPr lang="en-US" sz="1600">
-              <a:latin typeface="Consolas" panose="020B0609020204030204" pitchFamily="49" charset="0"/>
-            </a:endParaRPr>
-          </a:p>
-          <a:p>
-            <a:r>
-              <a:rPr lang="ru-RU" sz="1600" smtClean="0"/>
-              <a:t>Можно думать о множестве как о таком массиве, который всегда сортирован</a:t>
-            </a:r>
-            <a:endParaRPr lang="en-US" sz="1600"/>
-          </a:p>
-        </p:txBody>
-      </p:sp>
-    </p:spTree>
-    <p:extLst>
-      <p:ext uri="{BB962C8B-B14F-4D97-AF65-F5344CB8AC3E}">
-        <p14:creationId xmlns:p14="http://schemas.microsoft.com/office/powerpoint/2010/main" val="2415503849"/>
-      </p:ext>
-    </p:extLst>
-  </p:cSld>
-  <p:clrMapOvr>
-    <a:masterClrMapping/>
-  </p:clrMapOvr>
+  <p:timing>
+    <p:tnLst>
+      <p:par>
+        <p:cTn id="1" dur="indefinite" restart="never" nodeType="tmRoot"/>
+      </p:par>
+    </p:tnLst>
+  </p:timing>
 </p:sld>
 </file>
 
